--- a/NOSQL - document stores.pptx
+++ b/NOSQL - document stores.pptx
@@ -5,10 +5,10 @@
     <p:sldMasterId id="2147483648" r:id="rId1"/>
   </p:sldMasterIdLst>
   <p:notesMasterIdLst>
-    <p:notesMasterId r:id="rId14"/>
+    <p:notesMasterId r:id="rId15"/>
   </p:notesMasterIdLst>
   <p:handoutMasterIdLst>
-    <p:handoutMasterId r:id="rId15"/>
+    <p:handoutMasterId r:id="rId16"/>
   </p:handoutMasterIdLst>
   <p:sldIdLst>
     <p:sldId id="256" r:id="rId2"/>
@@ -23,6 +23,7 @@
     <p:sldId id="280" r:id="rId11"/>
     <p:sldId id="273" r:id="rId12"/>
     <p:sldId id="272" r:id="rId13"/>
+    <p:sldId id="281" r:id="rId14"/>
   </p:sldIdLst>
   <p:sldSz cx="12192000" cy="6858000"/>
   <p:notesSz cx="6858000" cy="9144000"/>
@@ -148,7 +149,7 @@
   <pc:docChgLst>
     <pc:chgData name="Vasileios Ntaoulas" userId="019b8d86-4639-4c0e-a76e-43d098cf21e7" providerId="ADAL" clId="{4A00D824-E2BA-4FA0-91D4-5DBBD66E36EE}"/>
     <pc:docChg chg="undo redo custSel addSld delSld modSld">
-      <pc:chgData name="Vasileios Ntaoulas" userId="019b8d86-4639-4c0e-a76e-43d098cf21e7" providerId="ADAL" clId="{4A00D824-E2BA-4FA0-91D4-5DBBD66E36EE}" dt="2023-01-11T15:20:54.255" v="1754" actId="20577"/>
+      <pc:chgData name="Vasileios Ntaoulas" userId="019b8d86-4639-4c0e-a76e-43d098cf21e7" providerId="ADAL" clId="{4A00D824-E2BA-4FA0-91D4-5DBBD66E36EE}" dt="2023-01-16T17:20:17.196" v="2078" actId="20577"/>
       <pc:docMkLst>
         <pc:docMk/>
       </pc:docMkLst>
@@ -307,13 +308,13 @@
         </pc:spChg>
       </pc:sldChg>
       <pc:sldChg chg="modSp mod">
-        <pc:chgData name="Vasileios Ntaoulas" userId="019b8d86-4639-4c0e-a76e-43d098cf21e7" providerId="ADAL" clId="{4A00D824-E2BA-4FA0-91D4-5DBBD66E36EE}" dt="2023-01-09T10:59:19.853" v="485" actId="20577"/>
+        <pc:chgData name="Vasileios Ntaoulas" userId="019b8d86-4639-4c0e-a76e-43d098cf21e7" providerId="ADAL" clId="{4A00D824-E2BA-4FA0-91D4-5DBBD66E36EE}" dt="2023-01-16T17:11:05.259" v="1910" actId="20577"/>
         <pc:sldMkLst>
           <pc:docMk/>
           <pc:sldMk cId="2902951903" sldId="273"/>
         </pc:sldMkLst>
         <pc:spChg chg="mod">
-          <ac:chgData name="Vasileios Ntaoulas" userId="019b8d86-4639-4c0e-a76e-43d098cf21e7" providerId="ADAL" clId="{4A00D824-E2BA-4FA0-91D4-5DBBD66E36EE}" dt="2023-01-09T10:59:19.853" v="485" actId="20577"/>
+          <ac:chgData name="Vasileios Ntaoulas" userId="019b8d86-4639-4c0e-a76e-43d098cf21e7" providerId="ADAL" clId="{4A00D824-E2BA-4FA0-91D4-5DBBD66E36EE}" dt="2023-01-16T17:11:05.259" v="1910" actId="20577"/>
           <ac:spMkLst>
             <pc:docMk/>
             <pc:sldMk cId="2902951903" sldId="273"/>
@@ -483,7 +484,7 @@
         </pc:spChg>
       </pc:sldChg>
       <pc:sldChg chg="modSp add mod">
-        <pc:chgData name="Vasileios Ntaoulas" userId="019b8d86-4639-4c0e-a76e-43d098cf21e7" providerId="ADAL" clId="{4A00D824-E2BA-4FA0-91D4-5DBBD66E36EE}" dt="2023-01-10T14:09:24.547" v="1127" actId="123"/>
+        <pc:chgData name="Vasileios Ntaoulas" userId="019b8d86-4639-4c0e-a76e-43d098cf21e7" providerId="ADAL" clId="{4A00D824-E2BA-4FA0-91D4-5DBBD66E36EE}" dt="2023-01-14T23:17:13.149" v="1768" actId="179"/>
         <pc:sldMkLst>
           <pc:docMk/>
           <pc:sldMk cId="996117117" sldId="278"/>
@@ -497,7 +498,7 @@
           </ac:spMkLst>
         </pc:spChg>
         <pc:spChg chg="mod">
-          <ac:chgData name="Vasileios Ntaoulas" userId="019b8d86-4639-4c0e-a76e-43d098cf21e7" providerId="ADAL" clId="{4A00D824-E2BA-4FA0-91D4-5DBBD66E36EE}" dt="2023-01-10T14:09:24.547" v="1127" actId="123"/>
+          <ac:chgData name="Vasileios Ntaoulas" userId="019b8d86-4639-4c0e-a76e-43d098cf21e7" providerId="ADAL" clId="{4A00D824-E2BA-4FA0-91D4-5DBBD66E36EE}" dt="2023-01-14T23:17:13.149" v="1768" actId="179"/>
           <ac:spMkLst>
             <pc:docMk/>
             <pc:sldMk cId="996117117" sldId="278"/>
@@ -506,7 +507,7 @@
         </pc:spChg>
       </pc:sldChg>
       <pc:sldChg chg="modSp add mod">
-        <pc:chgData name="Vasileios Ntaoulas" userId="019b8d86-4639-4c0e-a76e-43d098cf21e7" providerId="ADAL" clId="{4A00D824-E2BA-4FA0-91D4-5DBBD66E36EE}" dt="2023-01-11T15:05:22.353" v="1662" actId="20577"/>
+        <pc:chgData name="Vasileios Ntaoulas" userId="019b8d86-4639-4c0e-a76e-43d098cf21e7" providerId="ADAL" clId="{4A00D824-E2BA-4FA0-91D4-5DBBD66E36EE}" dt="2023-01-16T17:20:17.196" v="2078" actId="20577"/>
         <pc:sldMkLst>
           <pc:docMk/>
           <pc:sldMk cId="732944432" sldId="279"/>
@@ -517,6 +518,14 @@
             <pc:docMk/>
             <pc:sldMk cId="732944432" sldId="279"/>
             <ac:spMk id="13" creationId="{00000000-0000-0000-0000-000000000000}"/>
+          </ac:spMkLst>
+        </pc:spChg>
+        <pc:spChg chg="mod">
+          <ac:chgData name="Vasileios Ntaoulas" userId="019b8d86-4639-4c0e-a76e-43d098cf21e7" providerId="ADAL" clId="{4A00D824-E2BA-4FA0-91D4-5DBBD66E36EE}" dt="2023-01-16T17:20:17.196" v="2078" actId="20577"/>
+          <ac:spMkLst>
+            <pc:docMk/>
+            <pc:sldMk cId="732944432" sldId="279"/>
+            <ac:spMk id="14" creationId="{00000000-0000-0000-0000-000000000000}"/>
           </ac:spMkLst>
         </pc:spChg>
       </pc:sldChg>
@@ -623,6 +632,36 @@
           </ac:picMkLst>
         </pc:picChg>
       </pc:sldChg>
+      <pc:sldChg chg="add del">
+        <pc:chgData name="Vasileios Ntaoulas" userId="019b8d86-4639-4c0e-a76e-43d098cf21e7" providerId="ADAL" clId="{4A00D824-E2BA-4FA0-91D4-5DBBD66E36EE}" dt="2023-01-14T23:16:06.070" v="1756" actId="47"/>
+        <pc:sldMkLst>
+          <pc:docMk/>
+          <pc:sldMk cId="993733799" sldId="281"/>
+        </pc:sldMkLst>
+      </pc:sldChg>
+      <pc:sldChg chg="delSp modSp new mod">
+        <pc:chgData name="Vasileios Ntaoulas" userId="019b8d86-4639-4c0e-a76e-43d098cf21e7" providerId="ADAL" clId="{4A00D824-E2BA-4FA0-91D4-5DBBD66E36EE}" dt="2023-01-14T23:16:27.510" v="1767" actId="478"/>
+        <pc:sldMkLst>
+          <pc:docMk/>
+          <pc:sldMk cId="3464752401" sldId="281"/>
+        </pc:sldMkLst>
+        <pc:spChg chg="mod">
+          <ac:chgData name="Vasileios Ntaoulas" userId="019b8d86-4639-4c0e-a76e-43d098cf21e7" providerId="ADAL" clId="{4A00D824-E2BA-4FA0-91D4-5DBBD66E36EE}" dt="2023-01-14T23:16:19.365" v="1766" actId="20577"/>
+          <ac:spMkLst>
+            <pc:docMk/>
+            <pc:sldMk cId="3464752401" sldId="281"/>
+            <ac:spMk id="2" creationId="{C6C0C478-3CBE-0AEA-97DA-3A1AE5A0C703}"/>
+          </ac:spMkLst>
+        </pc:spChg>
+        <pc:spChg chg="del">
+          <ac:chgData name="Vasileios Ntaoulas" userId="019b8d86-4639-4c0e-a76e-43d098cf21e7" providerId="ADAL" clId="{4A00D824-E2BA-4FA0-91D4-5DBBD66E36EE}" dt="2023-01-14T23:16:27.510" v="1767" actId="478"/>
+          <ac:spMkLst>
+            <pc:docMk/>
+            <pc:sldMk cId="3464752401" sldId="281"/>
+            <ac:spMk id="3" creationId="{CE557637-2352-21D0-9BF5-2976808D9333}"/>
+          </ac:spMkLst>
+        </pc:spChg>
+      </pc:sldChg>
     </pc:docChg>
   </pc:docChgLst>
 </pc:chgInfo>
@@ -710,7 +749,7 @@
           <a:p>
             <a:fld id="{762B48F5-BACC-47D6-A0F7-82FBF9C6BC85}" type="datetimeFigureOut">
               <a:rPr lang="en-US"/>
-              <a:t>1/11/2023</a:t>
+              <a:t>1/16/2023</a:t>
             </a:fld>
             <a:endParaRPr/>
           </a:p>
@@ -875,7 +914,7 @@
           <a:p>
             <a:fld id="{0CB1CD00-5424-4675-AB18-2C419B060449}" type="datetimeFigureOut">
               <a:rPr lang="en-US"/>
-              <a:t>1/11/2023</a:t>
+              <a:t>1/16/2023</a:t>
             </a:fld>
             <a:endParaRPr/>
           </a:p>
@@ -1520,7 +1559,7 @@
           <a:p>
             <a:fld id="{37CC0096-1860-4642-9CD2-0079EA5E7CD1}" type="datetimeFigureOut">
               <a:rPr lang="en-US" smtClean="0"/>
-              <a:t>1/11/2023</a:t>
+              <a:t>1/16/2023</a:t>
             </a:fld>
             <a:endParaRPr lang="en-US"/>
           </a:p>
@@ -1699,7 +1738,7 @@
           <a:p>
             <a:fld id="{37CC0096-1860-4642-9CD2-0079EA5E7CD1}" type="datetimeFigureOut">
               <a:rPr lang="en-US" smtClean="0"/>
-              <a:t>1/11/2023</a:t>
+              <a:t>1/16/2023</a:t>
             </a:fld>
             <a:endParaRPr lang="en-US"/>
           </a:p>
@@ -1872,7 +1911,7 @@
           <a:p>
             <a:fld id="{37CC0096-1860-4642-9CD2-0079EA5E7CD1}" type="datetimeFigureOut">
               <a:rPr lang="en-US" smtClean="0"/>
-              <a:t>1/11/2023</a:t>
+              <a:t>1/16/2023</a:t>
             </a:fld>
             <a:endParaRPr lang="en-US"/>
           </a:p>
@@ -2305,7 +2344,7 @@
           <a:p>
             <a:fld id="{37CC0096-1860-4642-9CD2-0079EA5E7CD1}" type="datetimeFigureOut">
               <a:rPr lang="en-US" smtClean="0"/>
-              <a:t>1/11/2023</a:t>
+              <a:t>1/16/2023</a:t>
             </a:fld>
             <a:endParaRPr lang="en-US"/>
           </a:p>
@@ -2744,7 +2783,7 @@
           <a:p>
             <a:fld id="{37CC0096-1860-4642-9CD2-0079EA5E7CD1}" type="datetimeFigureOut">
               <a:rPr lang="en-US" smtClean="0"/>
-              <a:t>1/11/2023</a:t>
+              <a:t>1/16/2023</a:t>
             </a:fld>
             <a:endParaRPr lang="en-US"/>
           </a:p>
@@ -2861,7 +2900,7 @@
           <a:p>
             <a:fld id="{37CC0096-1860-4642-9CD2-0079EA5E7CD1}" type="datetimeFigureOut">
               <a:rPr lang="en-US" smtClean="0"/>
-              <a:t>1/11/2023</a:t>
+              <a:t>1/16/2023</a:t>
             </a:fld>
             <a:endParaRPr lang="en-US"/>
           </a:p>
@@ -2956,7 +2995,7 @@
           <a:p>
             <a:fld id="{37CC0096-1860-4642-9CD2-0079EA5E7CD1}" type="datetimeFigureOut">
               <a:rPr lang="en-US" smtClean="0"/>
-              <a:t>1/11/2023</a:t>
+              <a:t>1/16/2023</a:t>
             </a:fld>
             <a:endParaRPr lang="en-US"/>
           </a:p>
@@ -3240,7 +3279,7 @@
           <a:p>
             <a:fld id="{37CC0096-1860-4642-9CD2-0079EA5E7CD1}" type="datetimeFigureOut">
               <a:rPr lang="en-US" smtClean="0"/>
-              <a:t>1/11/2023</a:t>
+              <a:t>1/16/2023</a:t>
             </a:fld>
             <a:endParaRPr lang="en-US"/>
           </a:p>
@@ -3551,7 +3590,7 @@
           <a:p>
             <a:fld id="{37CC0096-1860-4642-9CD2-0079EA5E7CD1}" type="datetimeFigureOut">
               <a:rPr lang="en-US" smtClean="0"/>
-              <a:t>1/11/2023</a:t>
+              <a:t>1/16/2023</a:t>
             </a:fld>
             <a:endParaRPr lang="en-US"/>
           </a:p>
@@ -3783,7 +3822,7 @@
             <a:fld id="{37CC0096-1860-4642-9CD2-0079EA5E7CD1}" type="datetimeFigureOut">
               <a:rPr lang="en-US" smtClean="0"/>
               <a:pPr/>
-              <a:t>1/11/2023</a:t>
+              <a:t>1/16/2023</a:t>
             </a:fld>
             <a:endParaRPr lang="en-US"/>
           </a:p>
@@ -4731,16 +4770,29 @@
               </a:rPr>
               <a:t>https://database.guide/what-is-a-document-store-database/</a:t>
             </a:r>
+            <a:endParaRPr lang="en-US" dirty="0"/>
+          </a:p>
+          <a:p>
             <a:r>
               <a:rPr lang="en-US" dirty="0"/>
-              <a:t> </a:t>
+              <a:t>Link: </a:t>
+            </a:r>
+            <a:r>
+              <a:rPr lang="en-US" dirty="0">
+                <a:hlinkClick r:id="rId4"/>
+              </a:rPr>
+              <a:t>https://phoenixnap.com/kb/document-database</a:t>
+            </a:r>
+            <a:r>
+              <a:rPr lang="en-US" dirty="0"/>
+              <a:t>  </a:t>
             </a:r>
             <a:endParaRPr dirty="0"/>
           </a:p>
           <a:p>
             <a:r>
               <a:rPr lang="en-US" dirty="0"/>
-              <a:t>Lectures from lesson</a:t>
+              <a:t>Lectures from lesson “Technologies for Big Data Analytics”</a:t>
             </a:r>
             <a:endParaRPr dirty="0"/>
           </a:p>
@@ -4811,6 +4863,65 @@
     <p:extLst>
       <p:ext uri="{BB962C8B-B14F-4D97-AF65-F5344CB8AC3E}">
         <p14:creationId xmlns:p14="http://schemas.microsoft.com/office/powerpoint/2010/main" val="215988672"/>
+      </p:ext>
+    </p:extLst>
+  </p:cSld>
+  <p:clrMapOvr>
+    <a:masterClrMapping/>
+  </p:clrMapOvr>
+</p:sld>
+</file>
+
+<file path=ppt/slides/slide13.xml><?xml version="1.0" encoding="utf-8"?>
+<p:sld xmlns:a="http://schemas.openxmlformats.org/drawingml/2006/main" xmlns:r="http://schemas.openxmlformats.org/officeDocument/2006/relationships" xmlns:p="http://schemas.openxmlformats.org/presentationml/2006/main">
+  <p:cSld>
+    <p:spTree>
+      <p:nvGrpSpPr>
+        <p:cNvPr id="1" name=""/>
+        <p:cNvGrpSpPr/>
+        <p:nvPr/>
+      </p:nvGrpSpPr>
+      <p:grpSpPr>
+        <a:xfrm>
+          <a:off x="0" y="0"/>
+          <a:ext cx="0" cy="0"/>
+          <a:chOff x="0" y="0"/>
+          <a:chExt cx="0" cy="0"/>
+        </a:xfrm>
+      </p:grpSpPr>
+      <p:sp>
+        <p:nvSpPr>
+          <p:cNvPr id="2" name="Title 1">
+            <a:extLst>
+              <a:ext uri="{FF2B5EF4-FFF2-40B4-BE49-F238E27FC236}">
+                <a16:creationId xmlns:a16="http://schemas.microsoft.com/office/drawing/2014/main" id="{C6C0C478-3CBE-0AEA-97DA-3A1AE5A0C703}"/>
+              </a:ext>
+            </a:extLst>
+          </p:cNvPr>
+          <p:cNvSpPr>
+            <a:spLocks noGrp="1"/>
+          </p:cNvSpPr>
+          <p:nvPr>
+            <p:ph type="ctrTitle"/>
+          </p:nvPr>
+        </p:nvSpPr>
+        <p:spPr/>
+        <p:txBody>
+          <a:bodyPr/>
+          <a:lstStyle/>
+          <a:p>
+            <a:r>
+              <a:rPr lang="en-US" dirty="0"/>
+              <a:t>QUESTIONS</a:t>
+            </a:r>
+            <a:endParaRPr lang="en-150" dirty="0"/>
+          </a:p>
+        </p:txBody>
+      </p:sp>
+    </p:spTree>
+    <p:extLst>
+      <p:ext uri="{BB962C8B-B14F-4D97-AF65-F5344CB8AC3E}">
+        <p14:creationId xmlns:p14="http://schemas.microsoft.com/office/powerpoint/2010/main" val="3464752401"/>
       </p:ext>
     </p:extLst>
   </p:cSld>
@@ -5775,7 +5886,7 @@
             </a:r>
           </a:p>
           <a:p>
-            <a:pPr marL="365125" lvl="1" indent="-365125" algn="just">
+            <a:pPr marL="266700" lvl="1" indent="-266700" algn="just">
               <a:spcBef>
                 <a:spcPts val="1800"/>
               </a:spcBef>
@@ -6904,31 +7015,20 @@
           <a:p>
             <a:pPr algn="just"/>
             <a:r>
+              <a:rPr lang="en-US" b="1" dirty="0"/>
+              <a:t>Atomicity: </a:t>
+            </a:r>
+            <a:r>
               <a:rPr lang="en-US" dirty="0"/>
-              <a:t>Data is </a:t>
+              <a:t>For document databases, a change involving two collections will require you to run two separate queries (per collection). This breaks </a:t>
             </a:r>
             <a:r>
               <a:rPr lang="en-US" b="1" dirty="0"/>
-              <a:t>stored in documents</a:t>
+              <a:t>atomicity</a:t>
             </a:r>
             <a:r>
               <a:rPr lang="en-US" dirty="0"/>
-              <a:t> (unlike other databases that store data in structures like tables or graphs).</a:t>
-            </a:r>
-          </a:p>
-          <a:p>
-            <a:pPr algn="just"/>
-            <a:r>
-              <a:rPr lang="en-US" dirty="0"/>
-              <a:t>Document databases have a </a:t>
-            </a:r>
-            <a:r>
-              <a:rPr lang="en-US" b="1" dirty="0"/>
-              <a:t>flexible schema</a:t>
-            </a:r>
-            <a:r>
-              <a:rPr lang="en-US" dirty="0"/>
-              <a:t>, meaning that not all documents in a collection need to have the same fields.</a:t>
+              <a:t> requirements.</a:t>
             </a:r>
           </a:p>
           <a:p>
@@ -6938,24 +7038,12 @@
               </a:spcBef>
             </a:pPr>
             <a:r>
+              <a:rPr lang="en-US" sz="2000" b="1" dirty="0"/>
+              <a:t>Complexity:</a:t>
+            </a:r>
+            <a:r>
               <a:rPr lang="en-US" sz="2000" dirty="0"/>
-              <a:t>Document databases are </a:t>
-            </a:r>
-            <a:r>
-              <a:rPr lang="en-US" sz="2000" b="1" dirty="0"/>
-              <a:t>distributed</a:t>
-            </a:r>
-            <a:r>
-              <a:rPr lang="en-US" sz="2000" dirty="0"/>
-              <a:t>, which allows for </a:t>
-            </a:r>
-            <a:r>
-              <a:rPr lang="en-US" sz="2000" b="1" dirty="0"/>
-              <a:t>horizontal scaling</a:t>
-            </a:r>
-            <a:r>
-              <a:rPr lang="en-US" sz="2000" dirty="0"/>
-              <a:t> (typically cheaper than vertical scaling) and data distribution. Document databases provide resiliency through replication.</a:t>
+              <a:t> Not designed to handle relational data, lack of JOINs.</a:t>
             </a:r>
           </a:p>
           <a:p>
@@ -6965,9 +7053,14 @@
               </a:spcBef>
             </a:pPr>
             <a:r>
+              <a:rPr lang="en-US" sz="2000" b="1" dirty="0"/>
+              <a:t>Security: </a:t>
+            </a:r>
+            <a:r>
               <a:rPr lang="en-US" sz="2000" dirty="0"/>
-              <a:t>Document databases have an API or query language that allows developers to execute the CRUD operations on the database. Developers have the ability to query for documents based on unique identifiers or field values.</a:t>
-            </a:r>
+              <a:t>Lack of ACID makes data less trustworthy sometimes, SQL injection.</a:t>
+            </a:r>
+            <a:endParaRPr lang="en-US" sz="2000" b="1" dirty="0"/>
           </a:p>
           <a:p>
             <a:pPr marL="285750" lvl="1" indent="-285750"/>

--- a/NOSQL - document stores.pptx
+++ b/NOSQL - document stores.pptx
@@ -5,10 +5,10 @@
     <p:sldMasterId id="2147483648" r:id="rId1"/>
   </p:sldMasterIdLst>
   <p:notesMasterIdLst>
-    <p:notesMasterId r:id="rId15"/>
+    <p:notesMasterId r:id="rId16"/>
   </p:notesMasterIdLst>
   <p:handoutMasterIdLst>
-    <p:handoutMasterId r:id="rId16"/>
+    <p:handoutMasterId r:id="rId17"/>
   </p:handoutMasterIdLst>
   <p:sldIdLst>
     <p:sldId id="256" r:id="rId2"/>
@@ -17,13 +17,14 @@
     <p:sldId id="275" r:id="rId5"/>
     <p:sldId id="276" r:id="rId6"/>
     <p:sldId id="277" r:id="rId7"/>
-    <p:sldId id="278" r:id="rId8"/>
-    <p:sldId id="267" r:id="rId9"/>
-    <p:sldId id="279" r:id="rId10"/>
-    <p:sldId id="280" r:id="rId11"/>
-    <p:sldId id="273" r:id="rId12"/>
-    <p:sldId id="272" r:id="rId13"/>
-    <p:sldId id="281" r:id="rId14"/>
+    <p:sldId id="282" r:id="rId8"/>
+    <p:sldId id="278" r:id="rId9"/>
+    <p:sldId id="267" r:id="rId10"/>
+    <p:sldId id="279" r:id="rId11"/>
+    <p:sldId id="280" r:id="rId12"/>
+    <p:sldId id="273" r:id="rId13"/>
+    <p:sldId id="272" r:id="rId14"/>
+    <p:sldId id="281" r:id="rId15"/>
   </p:sldIdLst>
   <p:sldSz cx="12192000" cy="6858000"/>
   <p:notesSz cx="6858000" cy="9144000"/>
@@ -149,10 +150,25 @@
   <pc:docChgLst>
     <pc:chgData name="Vasileios Ntaoulas" userId="019b8d86-4639-4c0e-a76e-43d098cf21e7" providerId="ADAL" clId="{4A00D824-E2BA-4FA0-91D4-5DBBD66E36EE}"/>
     <pc:docChg chg="undo redo custSel addSld delSld modSld">
-      <pc:chgData name="Vasileios Ntaoulas" userId="019b8d86-4639-4c0e-a76e-43d098cf21e7" providerId="ADAL" clId="{4A00D824-E2BA-4FA0-91D4-5DBBD66E36EE}" dt="2023-01-16T17:20:17.196" v="2078" actId="20577"/>
+      <pc:chgData name="Vasileios Ntaoulas" userId="019b8d86-4639-4c0e-a76e-43d098cf21e7" providerId="ADAL" clId="{4A00D824-E2BA-4FA0-91D4-5DBBD66E36EE}" dt="2023-01-17T21:33:46.553" v="2270" actId="20577"/>
       <pc:docMkLst>
         <pc:docMk/>
       </pc:docMkLst>
+      <pc:sldChg chg="modSp mod">
+        <pc:chgData name="Vasileios Ntaoulas" userId="019b8d86-4639-4c0e-a76e-43d098cf21e7" providerId="ADAL" clId="{4A00D824-E2BA-4FA0-91D4-5DBBD66E36EE}" dt="2023-01-17T21:06:23.171" v="2080" actId="948"/>
+        <pc:sldMkLst>
+          <pc:docMk/>
+          <pc:sldMk cId="242453831" sldId="256"/>
+        </pc:sldMkLst>
+        <pc:spChg chg="mod">
+          <ac:chgData name="Vasileios Ntaoulas" userId="019b8d86-4639-4c0e-a76e-43d098cf21e7" providerId="ADAL" clId="{4A00D824-E2BA-4FA0-91D4-5DBBD66E36EE}" dt="2023-01-17T21:06:23.171" v="2080" actId="948"/>
+          <ac:spMkLst>
+            <pc:docMk/>
+            <pc:sldMk cId="242453831" sldId="256"/>
+            <ac:spMk id="4" creationId="{928EF1E3-DFB1-A9A9-38E2-989CD4C3AEDC}"/>
+          </ac:spMkLst>
+        </pc:spChg>
+      </pc:sldChg>
       <pc:sldChg chg="modSp mod">
         <pc:chgData name="Vasileios Ntaoulas" userId="019b8d86-4639-4c0e-a76e-43d098cf21e7" providerId="ADAL" clId="{4A00D824-E2BA-4FA0-91D4-5DBBD66E36EE}" dt="2023-01-11T15:20:54.255" v="1754" actId="20577"/>
         <pc:sldMkLst>
@@ -184,7 +200,7 @@
         </pc:sldMkLst>
       </pc:sldChg>
       <pc:sldChg chg="addSp delSp modSp add del mod">
-        <pc:chgData name="Vasileios Ntaoulas" userId="019b8d86-4639-4c0e-a76e-43d098cf21e7" providerId="ADAL" clId="{4A00D824-E2BA-4FA0-91D4-5DBBD66E36EE}" dt="2023-01-11T15:02:10.126" v="1610" actId="113"/>
+        <pc:chgData name="Vasileios Ntaoulas" userId="019b8d86-4639-4c0e-a76e-43d098cf21e7" providerId="ADAL" clId="{4A00D824-E2BA-4FA0-91D4-5DBBD66E36EE}" dt="2023-01-17T21:07:00.829" v="2081" actId="21"/>
         <pc:sldMkLst>
           <pc:docMk/>
           <pc:sldMk cId="4145261392" sldId="267"/>
@@ -237,8 +253,8 @@
             <ac:spMk id="7" creationId="{F04C4895-363B-BEC0-2D8A-78A7A0681C33}"/>
           </ac:spMkLst>
         </pc:spChg>
-        <pc:spChg chg="add mod">
-          <ac:chgData name="Vasileios Ntaoulas" userId="019b8d86-4639-4c0e-a76e-43d098cf21e7" providerId="ADAL" clId="{4A00D824-E2BA-4FA0-91D4-5DBBD66E36EE}" dt="2023-01-11T15:02:10.126" v="1610" actId="113"/>
+        <pc:spChg chg="add del mod">
+          <ac:chgData name="Vasileios Ntaoulas" userId="019b8d86-4639-4c0e-a76e-43d098cf21e7" providerId="ADAL" clId="{4A00D824-E2BA-4FA0-91D4-5DBBD66E36EE}" dt="2023-01-17T21:07:00.829" v="2081" actId="21"/>
           <ac:spMkLst>
             <pc:docMk/>
             <pc:sldMk cId="4145261392" sldId="267"/>
@@ -353,7 +369,7 @@
         </pc:sldMkLst>
       </pc:sldChg>
       <pc:sldChg chg="addSp modSp add mod">
-        <pc:chgData name="Vasileios Ntaoulas" userId="019b8d86-4639-4c0e-a76e-43d098cf21e7" providerId="ADAL" clId="{4A00D824-E2BA-4FA0-91D4-5DBBD66E36EE}" dt="2023-01-10T13:54:54.887" v="710" actId="1076"/>
+        <pc:chgData name="Vasileios Ntaoulas" userId="019b8d86-4639-4c0e-a76e-43d098cf21e7" providerId="ADAL" clId="{4A00D824-E2BA-4FA0-91D4-5DBBD66E36EE}" dt="2023-01-17T21:07:32.119" v="2088" actId="1076"/>
         <pc:sldMkLst>
           <pc:docMk/>
           <pc:sldMk cId="2454944017" sldId="275"/>
@@ -391,7 +407,7 @@
           </ac:picMkLst>
         </pc:picChg>
         <pc:picChg chg="add mod">
-          <ac:chgData name="Vasileios Ntaoulas" userId="019b8d86-4639-4c0e-a76e-43d098cf21e7" providerId="ADAL" clId="{4A00D824-E2BA-4FA0-91D4-5DBBD66E36EE}" dt="2023-01-10T13:54:54.887" v="710" actId="1076"/>
+          <ac:chgData name="Vasileios Ntaoulas" userId="019b8d86-4639-4c0e-a76e-43d098cf21e7" providerId="ADAL" clId="{4A00D824-E2BA-4FA0-91D4-5DBBD66E36EE}" dt="2023-01-17T21:07:32.119" v="2088" actId="1076"/>
           <ac:picMkLst>
             <pc:docMk/>
             <pc:sldMk cId="2454944017" sldId="275"/>
@@ -399,7 +415,7 @@
           </ac:picMkLst>
         </pc:picChg>
         <pc:picChg chg="add mod">
-          <ac:chgData name="Vasileios Ntaoulas" userId="019b8d86-4639-4c0e-a76e-43d098cf21e7" providerId="ADAL" clId="{4A00D824-E2BA-4FA0-91D4-5DBBD66E36EE}" dt="2023-01-09T11:05:23.445" v="557" actId="1076"/>
+          <ac:chgData name="Vasileios Ntaoulas" userId="019b8d86-4639-4c0e-a76e-43d098cf21e7" providerId="ADAL" clId="{4A00D824-E2BA-4FA0-91D4-5DBBD66E36EE}" dt="2023-01-17T21:07:30.417" v="2087" actId="1076"/>
           <ac:picMkLst>
             <pc:docMk/>
             <pc:sldMk cId="2454944017" sldId="275"/>
@@ -460,12 +476,20 @@
           <pc:sldMk cId="182738037" sldId="277"/>
         </pc:sldMkLst>
       </pc:sldChg>
-      <pc:sldChg chg="modSp add mod">
-        <pc:chgData name="Vasileios Ntaoulas" userId="019b8d86-4639-4c0e-a76e-43d098cf21e7" providerId="ADAL" clId="{4A00D824-E2BA-4FA0-91D4-5DBBD66E36EE}" dt="2023-01-10T14:01:29.183" v="963"/>
+      <pc:sldChg chg="addSp modSp add mod">
+        <pc:chgData name="Vasileios Ntaoulas" userId="019b8d86-4639-4c0e-a76e-43d098cf21e7" providerId="ADAL" clId="{4A00D824-E2BA-4FA0-91D4-5DBBD66E36EE}" dt="2023-01-17T21:19:04.536" v="2112" actId="20577"/>
         <pc:sldMkLst>
           <pc:docMk/>
           <pc:sldMk cId="1172309352" sldId="277"/>
         </pc:sldMkLst>
+        <pc:spChg chg="add mod">
+          <ac:chgData name="Vasileios Ntaoulas" userId="019b8d86-4639-4c0e-a76e-43d098cf21e7" providerId="ADAL" clId="{4A00D824-E2BA-4FA0-91D4-5DBBD66E36EE}" dt="2023-01-17T21:07:20.597" v="2086" actId="1076"/>
+          <ac:spMkLst>
+            <pc:docMk/>
+            <pc:sldMk cId="1172309352" sldId="277"/>
+            <ac:spMk id="2" creationId="{54DE6E72-FF45-EA85-F0D3-D956A4F1FD9E}"/>
+          </ac:spMkLst>
+        </pc:spChg>
         <pc:spChg chg="mod">
           <ac:chgData name="Vasileios Ntaoulas" userId="019b8d86-4639-4c0e-a76e-43d098cf21e7" providerId="ADAL" clId="{4A00D824-E2BA-4FA0-91D4-5DBBD66E36EE}" dt="2023-01-09T11:07:21.509" v="574" actId="20577"/>
           <ac:spMkLst>
@@ -475,7 +499,7 @@
           </ac:spMkLst>
         </pc:spChg>
         <pc:spChg chg="mod">
-          <ac:chgData name="Vasileios Ntaoulas" userId="019b8d86-4639-4c0e-a76e-43d098cf21e7" providerId="ADAL" clId="{4A00D824-E2BA-4FA0-91D4-5DBBD66E36EE}" dt="2023-01-10T14:01:29.183" v="963"/>
+          <ac:chgData name="Vasileios Ntaoulas" userId="019b8d86-4639-4c0e-a76e-43d098cf21e7" providerId="ADAL" clId="{4A00D824-E2BA-4FA0-91D4-5DBBD66E36EE}" dt="2023-01-17T21:19:04.536" v="2112" actId="20577"/>
           <ac:spMkLst>
             <pc:docMk/>
             <pc:sldMk cId="1172309352" sldId="277"/>
@@ -662,6 +686,53 @@
           </ac:spMkLst>
         </pc:spChg>
       </pc:sldChg>
+      <pc:sldChg chg="addSp delSp modSp add mod">
+        <pc:chgData name="Vasileios Ntaoulas" userId="019b8d86-4639-4c0e-a76e-43d098cf21e7" providerId="ADAL" clId="{4A00D824-E2BA-4FA0-91D4-5DBBD66E36EE}" dt="2023-01-17T21:33:46.553" v="2270" actId="20577"/>
+        <pc:sldMkLst>
+          <pc:docMk/>
+          <pc:sldMk cId="3724619272" sldId="282"/>
+        </pc:sldMkLst>
+        <pc:spChg chg="del">
+          <ac:chgData name="Vasileios Ntaoulas" userId="019b8d86-4639-4c0e-a76e-43d098cf21e7" providerId="ADAL" clId="{4A00D824-E2BA-4FA0-91D4-5DBBD66E36EE}" dt="2023-01-17T21:20:30.011" v="2121" actId="478"/>
+          <ac:spMkLst>
+            <pc:docMk/>
+            <pc:sldMk cId="3724619272" sldId="282"/>
+            <ac:spMk id="2" creationId="{54DE6E72-FF45-EA85-F0D3-D956A4F1FD9E}"/>
+          </ac:spMkLst>
+        </pc:spChg>
+        <pc:spChg chg="add del mod">
+          <ac:chgData name="Vasileios Ntaoulas" userId="019b8d86-4639-4c0e-a76e-43d098cf21e7" providerId="ADAL" clId="{4A00D824-E2BA-4FA0-91D4-5DBBD66E36EE}" dt="2023-01-17T21:20:33.689" v="2123" actId="478"/>
+          <ac:spMkLst>
+            <pc:docMk/>
+            <pc:sldMk cId="3724619272" sldId="282"/>
+            <ac:spMk id="4" creationId="{EAF8571D-D265-1876-2535-6A3B0ADED1E6}"/>
+          </ac:spMkLst>
+        </pc:spChg>
+        <pc:spChg chg="add mod">
+          <ac:chgData name="Vasileios Ntaoulas" userId="019b8d86-4639-4c0e-a76e-43d098cf21e7" providerId="ADAL" clId="{4A00D824-E2BA-4FA0-91D4-5DBBD66E36EE}" dt="2023-01-17T21:33:46.553" v="2270" actId="20577"/>
+          <ac:spMkLst>
+            <pc:docMk/>
+            <pc:sldMk cId="3724619272" sldId="282"/>
+            <ac:spMk id="5" creationId="{A5A62BC5-181E-97CF-F97D-7E780C46BA55}"/>
+          </ac:spMkLst>
+        </pc:spChg>
+        <pc:spChg chg="mod">
+          <ac:chgData name="Vasileios Ntaoulas" userId="019b8d86-4639-4c0e-a76e-43d098cf21e7" providerId="ADAL" clId="{4A00D824-E2BA-4FA0-91D4-5DBBD66E36EE}" dt="2023-01-17T21:30:25.018" v="2233" actId="20577"/>
+          <ac:spMkLst>
+            <pc:docMk/>
+            <pc:sldMk cId="3724619272" sldId="282"/>
+            <ac:spMk id="13" creationId="{00000000-0000-0000-0000-000000000000}"/>
+          </ac:spMkLst>
+        </pc:spChg>
+        <pc:spChg chg="del">
+          <ac:chgData name="Vasileios Ntaoulas" userId="019b8d86-4639-4c0e-a76e-43d098cf21e7" providerId="ADAL" clId="{4A00D824-E2BA-4FA0-91D4-5DBBD66E36EE}" dt="2023-01-17T21:20:32.220" v="2122" actId="478"/>
+          <ac:spMkLst>
+            <pc:docMk/>
+            <pc:sldMk cId="3724619272" sldId="282"/>
+            <ac:spMk id="14" creationId="{00000000-0000-0000-0000-000000000000}"/>
+          </ac:spMkLst>
+        </pc:spChg>
+      </pc:sldChg>
     </pc:docChg>
   </pc:docChgLst>
 </pc:chgInfo>
@@ -749,7 +820,7 @@
           <a:p>
             <a:fld id="{762B48F5-BACC-47D6-A0F7-82FBF9C6BC85}" type="datetimeFigureOut">
               <a:rPr lang="en-US"/>
-              <a:t>1/16/2023</a:t>
+              <a:t>1/17/2023</a:t>
             </a:fld>
             <a:endParaRPr/>
           </a:p>
@@ -914,7 +985,7 @@
           <a:p>
             <a:fld id="{0CB1CD00-5424-4675-AB18-2C419B060449}" type="datetimeFigureOut">
               <a:rPr lang="en-US"/>
-              <a:t>1/16/2023</a:t>
+              <a:t>1/17/2023</a:t>
             </a:fld>
             <a:endParaRPr/>
           </a:p>
@@ -1559,7 +1630,7 @@
           <a:p>
             <a:fld id="{37CC0096-1860-4642-9CD2-0079EA5E7CD1}" type="datetimeFigureOut">
               <a:rPr lang="en-US" smtClean="0"/>
-              <a:t>1/16/2023</a:t>
+              <a:t>1/17/2023</a:t>
             </a:fld>
             <a:endParaRPr lang="en-US"/>
           </a:p>
@@ -1738,7 +1809,7 @@
           <a:p>
             <a:fld id="{37CC0096-1860-4642-9CD2-0079EA5E7CD1}" type="datetimeFigureOut">
               <a:rPr lang="en-US" smtClean="0"/>
-              <a:t>1/16/2023</a:t>
+              <a:t>1/17/2023</a:t>
             </a:fld>
             <a:endParaRPr lang="en-US"/>
           </a:p>
@@ -1911,7 +1982,7 @@
           <a:p>
             <a:fld id="{37CC0096-1860-4642-9CD2-0079EA5E7CD1}" type="datetimeFigureOut">
               <a:rPr lang="en-US" smtClean="0"/>
-              <a:t>1/16/2023</a:t>
+              <a:t>1/17/2023</a:t>
             </a:fld>
             <a:endParaRPr lang="en-US"/>
           </a:p>
@@ -2344,7 +2415,7 @@
           <a:p>
             <a:fld id="{37CC0096-1860-4642-9CD2-0079EA5E7CD1}" type="datetimeFigureOut">
               <a:rPr lang="en-US" smtClean="0"/>
-              <a:t>1/16/2023</a:t>
+              <a:t>1/17/2023</a:t>
             </a:fld>
             <a:endParaRPr lang="en-US"/>
           </a:p>
@@ -2783,7 +2854,7 @@
           <a:p>
             <a:fld id="{37CC0096-1860-4642-9CD2-0079EA5E7CD1}" type="datetimeFigureOut">
               <a:rPr lang="en-US" smtClean="0"/>
-              <a:t>1/16/2023</a:t>
+              <a:t>1/17/2023</a:t>
             </a:fld>
             <a:endParaRPr lang="en-US"/>
           </a:p>
@@ -2900,7 +2971,7 @@
           <a:p>
             <a:fld id="{37CC0096-1860-4642-9CD2-0079EA5E7CD1}" type="datetimeFigureOut">
               <a:rPr lang="en-US" smtClean="0"/>
-              <a:t>1/16/2023</a:t>
+              <a:t>1/17/2023</a:t>
             </a:fld>
             <a:endParaRPr lang="en-US"/>
           </a:p>
@@ -2995,7 +3066,7 @@
           <a:p>
             <a:fld id="{37CC0096-1860-4642-9CD2-0079EA5E7CD1}" type="datetimeFigureOut">
               <a:rPr lang="en-US" smtClean="0"/>
-              <a:t>1/16/2023</a:t>
+              <a:t>1/17/2023</a:t>
             </a:fld>
             <a:endParaRPr lang="en-US"/>
           </a:p>
@@ -3279,7 +3350,7 @@
           <a:p>
             <a:fld id="{37CC0096-1860-4642-9CD2-0079EA5E7CD1}" type="datetimeFigureOut">
               <a:rPr lang="en-US" smtClean="0"/>
-              <a:t>1/16/2023</a:t>
+              <a:t>1/17/2023</a:t>
             </a:fld>
             <a:endParaRPr lang="en-US"/>
           </a:p>
@@ -3590,7 +3661,7 @@
           <a:p>
             <a:fld id="{37CC0096-1860-4642-9CD2-0079EA5E7CD1}" type="datetimeFigureOut">
               <a:rPr lang="en-US" smtClean="0"/>
-              <a:t>1/16/2023</a:t>
+              <a:t>1/17/2023</a:t>
             </a:fld>
             <a:endParaRPr lang="en-US"/>
           </a:p>
@@ -3822,7 +3893,7 @@
             <a:fld id="{37CC0096-1860-4642-9CD2-0079EA5E7CD1}" type="datetimeFigureOut">
               <a:rPr lang="en-US" smtClean="0"/>
               <a:pPr/>
-              <a:t>1/16/2023</a:t>
+              <a:t>1/17/2023</a:t>
             </a:fld>
             <a:endParaRPr lang="en-US"/>
           </a:p>
@@ -4314,7 +4385,7 @@
         <p:spPr>
           <a:xfrm>
             <a:off x="9912424" y="3155466"/>
-            <a:ext cx="2736304" cy="646331"/>
+            <a:ext cx="2736304" cy="754053"/>
           </a:xfrm>
           <a:prstGeom prst="rect">
             <a:avLst/>
@@ -4327,18 +4398,28 @@
           </a:bodyPr>
           <a:lstStyle/>
           <a:p>
-            <a:r>
-              <a:rPr lang="el-GR" dirty="0"/>
+            <a:pPr>
+              <a:spcAft>
+                <a:spcPts val="600"/>
+              </a:spcAft>
+            </a:pPr>
+            <a:r>
+              <a:rPr lang="el-GR" sz="1900" dirty="0"/>
               <a:t>Καλύβας Εμμανουήλ</a:t>
             </a:r>
           </a:p>
           <a:p>
-            <a:r>
-              <a:rPr lang="el-GR" dirty="0" err="1"/>
+            <a:pPr>
+              <a:spcAft>
+                <a:spcPts val="600"/>
+              </a:spcAft>
+            </a:pPr>
+            <a:r>
+              <a:rPr lang="el-GR" sz="1900" dirty="0" err="1"/>
               <a:t>Νταούλας</a:t>
             </a:r>
             <a:r>
-              <a:rPr lang="el-GR" dirty="0"/>
+              <a:rPr lang="el-GR" sz="1900" dirty="0"/>
               <a:t> Βασίλειος</a:t>
             </a:r>
           </a:p>
@@ -4358,6 +4439,162 @@
 </file>
 
 <file path=ppt/slides/slide10.xml><?xml version="1.0" encoding="utf-8"?>
+<p:sld xmlns:a="http://schemas.openxmlformats.org/drawingml/2006/main" xmlns:r="http://schemas.openxmlformats.org/officeDocument/2006/relationships" xmlns:p="http://schemas.openxmlformats.org/presentationml/2006/main">
+  <p:cSld>
+    <p:spTree>
+      <p:nvGrpSpPr>
+        <p:cNvPr id="1" name=""/>
+        <p:cNvGrpSpPr/>
+        <p:nvPr/>
+      </p:nvGrpSpPr>
+      <p:grpSpPr>
+        <a:xfrm>
+          <a:off x="0" y="0"/>
+          <a:ext cx="0" cy="0"/>
+          <a:chOff x="0" y="0"/>
+          <a:chExt cx="0" cy="0"/>
+        </a:xfrm>
+      </p:grpSpPr>
+      <p:sp>
+        <p:nvSpPr>
+          <p:cNvPr id="13" name="Title 12"/>
+          <p:cNvSpPr>
+            <a:spLocks noGrp="1"/>
+          </p:cNvSpPr>
+          <p:nvPr>
+            <p:ph type="title"/>
+          </p:nvPr>
+        </p:nvSpPr>
+        <p:spPr/>
+        <p:txBody>
+          <a:bodyPr/>
+          <a:lstStyle/>
+          <a:p>
+            <a:r>
+              <a:rPr lang="en-US" dirty="0"/>
+              <a:t>Disadvantages of document databases</a:t>
+            </a:r>
+            <a:endParaRPr dirty="0"/>
+          </a:p>
+        </p:txBody>
+      </p:sp>
+      <p:sp>
+        <p:nvSpPr>
+          <p:cNvPr id="14" name="Content Placeholder 13"/>
+          <p:cNvSpPr>
+            <a:spLocks noGrp="1"/>
+          </p:cNvSpPr>
+          <p:nvPr>
+            <p:ph idx="1"/>
+          </p:nvPr>
+        </p:nvSpPr>
+        <p:spPr/>
+        <p:txBody>
+          <a:bodyPr/>
+          <a:lstStyle/>
+          <a:p>
+            <a:pPr algn="just"/>
+            <a:r>
+              <a:rPr lang="en-US" b="1" dirty="0"/>
+              <a:t>Atomicity: </a:t>
+            </a:r>
+            <a:r>
+              <a:rPr lang="en-US" dirty="0"/>
+              <a:t>For document databases, a change involving two collections will require you to run two separate queries (per collection). This breaks </a:t>
+            </a:r>
+            <a:r>
+              <a:rPr lang="en-US" b="1" dirty="0"/>
+              <a:t>atomicity</a:t>
+            </a:r>
+            <a:r>
+              <a:rPr lang="en-US" dirty="0"/>
+              <a:t> requirements.</a:t>
+            </a:r>
+          </a:p>
+          <a:p>
+            <a:pPr marL="285750" lvl="1" indent="-285750" algn="just">
+              <a:spcBef>
+                <a:spcPts val="1800"/>
+              </a:spcBef>
+            </a:pPr>
+            <a:r>
+              <a:rPr lang="en-US" sz="2000" b="1" dirty="0"/>
+              <a:t>Complexity:</a:t>
+            </a:r>
+            <a:r>
+              <a:rPr lang="en-US" sz="2000" dirty="0"/>
+              <a:t> Not designed to handle relational data, lack of JOINs.</a:t>
+            </a:r>
+          </a:p>
+          <a:p>
+            <a:pPr marL="285750" lvl="1" indent="-285750" algn="just">
+              <a:spcBef>
+                <a:spcPts val="1800"/>
+              </a:spcBef>
+            </a:pPr>
+            <a:r>
+              <a:rPr lang="en-US" sz="2000" b="1" dirty="0"/>
+              <a:t>Security: </a:t>
+            </a:r>
+            <a:r>
+              <a:rPr lang="en-US" sz="2000" dirty="0"/>
+              <a:t>Lack of ACID makes data less trustworthy sometimes, SQL injection.</a:t>
+            </a:r>
+            <a:endParaRPr lang="en-US" sz="2000" b="1" dirty="0"/>
+          </a:p>
+          <a:p>
+            <a:pPr marL="285750" lvl="1" indent="-285750"/>
+            <a:endParaRPr lang="en-US" dirty="0"/>
+          </a:p>
+          <a:p>
+            <a:pPr marL="365760" lvl="1" indent="0">
+              <a:buNone/>
+            </a:pPr>
+            <a:endParaRPr lang="en-US" dirty="0"/>
+          </a:p>
+          <a:p>
+            <a:pPr marL="365760" lvl="1" indent="0">
+              <a:buNone/>
+            </a:pPr>
+            <a:endParaRPr lang="en-US" dirty="0"/>
+          </a:p>
+          <a:p>
+            <a:pPr marL="365760" lvl="1" indent="0">
+              <a:buNone/>
+            </a:pPr>
+            <a:endParaRPr lang="en-US" dirty="0"/>
+          </a:p>
+          <a:p>
+            <a:pPr marL="365760" lvl="1" indent="0">
+              <a:buNone/>
+            </a:pPr>
+            <a:endParaRPr lang="en-US" dirty="0"/>
+          </a:p>
+          <a:p>
+            <a:pPr marL="685800" lvl="2" indent="0">
+              <a:buNone/>
+            </a:pPr>
+            <a:endParaRPr lang="en-US" dirty="0"/>
+          </a:p>
+          <a:p>
+            <a:endParaRPr lang="en-150" dirty="0"/>
+          </a:p>
+        </p:txBody>
+      </p:sp>
+    </p:spTree>
+    <p:extLst>
+      <p:ext uri="{BB962C8B-B14F-4D97-AF65-F5344CB8AC3E}">
+        <p14:creationId xmlns:p14="http://schemas.microsoft.com/office/powerpoint/2010/main" val="732944432"/>
+      </p:ext>
+    </p:extLst>
+  </p:cSld>
+  <p:clrMapOvr>
+    <a:masterClrMapping/>
+  </p:clrMapOvr>
+</p:sld>
+</file>
+
+<file path=ppt/slides/slide11.xml><?xml version="1.0" encoding="utf-8"?>
 <p:sld xmlns:a="http://schemas.openxmlformats.org/drawingml/2006/main" xmlns:r="http://schemas.openxmlformats.org/officeDocument/2006/relationships" xmlns:p="http://schemas.openxmlformats.org/presentationml/2006/main">
   <p:cSld>
     <p:spTree>
@@ -4688,129 +4925,6 @@
 </p:sld>
 </file>
 
-<file path=ppt/slides/slide11.xml><?xml version="1.0" encoding="utf-8"?>
-<p:sld xmlns:a="http://schemas.openxmlformats.org/drawingml/2006/main" xmlns:r="http://schemas.openxmlformats.org/officeDocument/2006/relationships" xmlns:p="http://schemas.openxmlformats.org/presentationml/2006/main">
-  <p:cSld>
-    <p:spTree>
-      <p:nvGrpSpPr>
-        <p:cNvPr id="1" name=""/>
-        <p:cNvGrpSpPr/>
-        <p:nvPr/>
-      </p:nvGrpSpPr>
-      <p:grpSpPr>
-        <a:xfrm>
-          <a:off x="0" y="0"/>
-          <a:ext cx="0" cy="0"/>
-          <a:chOff x="0" y="0"/>
-          <a:chExt cx="0" cy="0"/>
-        </a:xfrm>
-      </p:grpSpPr>
-      <p:sp>
-        <p:nvSpPr>
-          <p:cNvPr id="13" name="Title 12"/>
-          <p:cNvSpPr>
-            <a:spLocks noGrp="1"/>
-          </p:cNvSpPr>
-          <p:nvPr>
-            <p:ph type="title"/>
-          </p:nvPr>
-        </p:nvSpPr>
-        <p:spPr/>
-        <p:txBody>
-          <a:bodyPr/>
-          <a:lstStyle/>
-          <a:p>
-            <a:r>
-              <a:rPr lang="en-US" dirty="0"/>
-              <a:t>REFERENCES</a:t>
-            </a:r>
-            <a:endParaRPr dirty="0"/>
-          </a:p>
-        </p:txBody>
-      </p:sp>
-      <p:sp>
-        <p:nvSpPr>
-          <p:cNvPr id="14" name="Content Placeholder 13"/>
-          <p:cNvSpPr>
-            <a:spLocks noGrp="1"/>
-          </p:cNvSpPr>
-          <p:nvPr>
-            <p:ph idx="1"/>
-          </p:nvPr>
-        </p:nvSpPr>
-        <p:spPr/>
-        <p:txBody>
-          <a:bodyPr/>
-          <a:lstStyle/>
-          <a:p>
-            <a:r>
-              <a:rPr lang="en-US" dirty="0"/>
-              <a:t>Link: </a:t>
-            </a:r>
-            <a:r>
-              <a:rPr lang="en-US" dirty="0">
-                <a:hlinkClick r:id="rId2"/>
-              </a:rPr>
-              <a:t>https://www.mongodb.com/document-databases</a:t>
-            </a:r>
-            <a:r>
-              <a:rPr lang="en-US" dirty="0"/>
-              <a:t> </a:t>
-            </a:r>
-            <a:endParaRPr dirty="0"/>
-          </a:p>
-          <a:p>
-            <a:r>
-              <a:rPr lang="en-US" dirty="0"/>
-              <a:t>Link: </a:t>
-            </a:r>
-            <a:r>
-              <a:rPr lang="en-US" dirty="0">
-                <a:hlinkClick r:id="rId3"/>
-              </a:rPr>
-              <a:t>https://database.guide/what-is-a-document-store-database/</a:t>
-            </a:r>
-            <a:endParaRPr lang="en-US" dirty="0"/>
-          </a:p>
-          <a:p>
-            <a:r>
-              <a:rPr lang="en-US" dirty="0"/>
-              <a:t>Link: </a:t>
-            </a:r>
-            <a:r>
-              <a:rPr lang="en-US" dirty="0">
-                <a:hlinkClick r:id="rId4"/>
-              </a:rPr>
-              <a:t>https://phoenixnap.com/kb/document-database</a:t>
-            </a:r>
-            <a:r>
-              <a:rPr lang="en-US" dirty="0"/>
-              <a:t>  </a:t>
-            </a:r>
-            <a:endParaRPr dirty="0"/>
-          </a:p>
-          <a:p>
-            <a:r>
-              <a:rPr lang="en-US" dirty="0"/>
-              <a:t>Lectures from lesson “Technologies for Big Data Analytics”</a:t>
-            </a:r>
-            <a:endParaRPr dirty="0"/>
-          </a:p>
-        </p:txBody>
-      </p:sp>
-    </p:spTree>
-    <p:extLst>
-      <p:ext uri="{BB962C8B-B14F-4D97-AF65-F5344CB8AC3E}">
-        <p14:creationId xmlns:p14="http://schemas.microsoft.com/office/powerpoint/2010/main" val="2902951903"/>
-      </p:ext>
-    </p:extLst>
-  </p:cSld>
-  <p:clrMapOvr>
-    <a:masterClrMapping/>
-  </p:clrMapOvr>
-</p:sld>
-</file>
-
 <file path=ppt/slides/slide12.xml><?xml version="1.0" encoding="utf-8"?>
 <p:sld xmlns:a="http://schemas.openxmlformats.org/drawingml/2006/main" xmlns:r="http://schemas.openxmlformats.org/officeDocument/2006/relationships" xmlns:p="http://schemas.openxmlformats.org/presentationml/2006/main">
   <p:cSld>
@@ -4830,6 +4944,129 @@
       </p:grpSpPr>
       <p:sp>
         <p:nvSpPr>
+          <p:cNvPr id="13" name="Title 12"/>
+          <p:cNvSpPr>
+            <a:spLocks noGrp="1"/>
+          </p:cNvSpPr>
+          <p:nvPr>
+            <p:ph type="title"/>
+          </p:nvPr>
+        </p:nvSpPr>
+        <p:spPr/>
+        <p:txBody>
+          <a:bodyPr/>
+          <a:lstStyle/>
+          <a:p>
+            <a:r>
+              <a:rPr lang="en-US" dirty="0"/>
+              <a:t>REFERENCES</a:t>
+            </a:r>
+            <a:endParaRPr dirty="0"/>
+          </a:p>
+        </p:txBody>
+      </p:sp>
+      <p:sp>
+        <p:nvSpPr>
+          <p:cNvPr id="14" name="Content Placeholder 13"/>
+          <p:cNvSpPr>
+            <a:spLocks noGrp="1"/>
+          </p:cNvSpPr>
+          <p:nvPr>
+            <p:ph idx="1"/>
+          </p:nvPr>
+        </p:nvSpPr>
+        <p:spPr/>
+        <p:txBody>
+          <a:bodyPr/>
+          <a:lstStyle/>
+          <a:p>
+            <a:r>
+              <a:rPr lang="en-US" dirty="0"/>
+              <a:t>Link: </a:t>
+            </a:r>
+            <a:r>
+              <a:rPr lang="en-US" dirty="0">
+                <a:hlinkClick r:id="rId2"/>
+              </a:rPr>
+              <a:t>https://www.mongodb.com/document-databases</a:t>
+            </a:r>
+            <a:r>
+              <a:rPr lang="en-US" dirty="0"/>
+              <a:t> </a:t>
+            </a:r>
+            <a:endParaRPr dirty="0"/>
+          </a:p>
+          <a:p>
+            <a:r>
+              <a:rPr lang="en-US" dirty="0"/>
+              <a:t>Link: </a:t>
+            </a:r>
+            <a:r>
+              <a:rPr lang="en-US" dirty="0">
+                <a:hlinkClick r:id="rId3"/>
+              </a:rPr>
+              <a:t>https://database.guide/what-is-a-document-store-database/</a:t>
+            </a:r>
+            <a:endParaRPr lang="en-US" dirty="0"/>
+          </a:p>
+          <a:p>
+            <a:r>
+              <a:rPr lang="en-US" dirty="0"/>
+              <a:t>Link: </a:t>
+            </a:r>
+            <a:r>
+              <a:rPr lang="en-US" dirty="0">
+                <a:hlinkClick r:id="rId4"/>
+              </a:rPr>
+              <a:t>https://phoenixnap.com/kb/document-database</a:t>
+            </a:r>
+            <a:r>
+              <a:rPr lang="en-US" dirty="0"/>
+              <a:t>  </a:t>
+            </a:r>
+            <a:endParaRPr dirty="0"/>
+          </a:p>
+          <a:p>
+            <a:r>
+              <a:rPr lang="en-US" dirty="0"/>
+              <a:t>Lectures from lesson “Technologies for Big Data Analytics”</a:t>
+            </a:r>
+            <a:endParaRPr dirty="0"/>
+          </a:p>
+        </p:txBody>
+      </p:sp>
+    </p:spTree>
+    <p:extLst>
+      <p:ext uri="{BB962C8B-B14F-4D97-AF65-F5344CB8AC3E}">
+        <p14:creationId xmlns:p14="http://schemas.microsoft.com/office/powerpoint/2010/main" val="2902951903"/>
+      </p:ext>
+    </p:extLst>
+  </p:cSld>
+  <p:clrMapOvr>
+    <a:masterClrMapping/>
+  </p:clrMapOvr>
+</p:sld>
+</file>
+
+<file path=ppt/slides/slide13.xml><?xml version="1.0" encoding="utf-8"?>
+<p:sld xmlns:a="http://schemas.openxmlformats.org/drawingml/2006/main" xmlns:r="http://schemas.openxmlformats.org/officeDocument/2006/relationships" xmlns:p="http://schemas.openxmlformats.org/presentationml/2006/main">
+  <p:cSld>
+    <p:spTree>
+      <p:nvGrpSpPr>
+        <p:cNvPr id="1" name=""/>
+        <p:cNvGrpSpPr/>
+        <p:nvPr/>
+      </p:nvGrpSpPr>
+      <p:grpSpPr>
+        <a:xfrm>
+          <a:off x="0" y="0"/>
+          <a:ext cx="0" cy="0"/>
+          <a:chOff x="0" y="0"/>
+          <a:chExt cx="0" cy="0"/>
+        </a:xfrm>
+      </p:grpSpPr>
+      <p:sp>
+        <p:nvSpPr>
           <p:cNvPr id="2" name="Title 1"/>
           <p:cNvSpPr>
             <a:spLocks noGrp="1"/>
@@ -4872,7 +5109,7 @@
 </p:sld>
 </file>
 
-<file path=ppt/slides/slide13.xml><?xml version="1.0" encoding="utf-8"?>
+<file path=ppt/slides/slide14.xml><?xml version="1.0" encoding="utf-8"?>
 <p:sld xmlns:a="http://schemas.openxmlformats.org/drawingml/2006/main" xmlns:r="http://schemas.openxmlformats.org/officeDocument/2006/relationships" xmlns:p="http://schemas.openxmlformats.org/presentationml/2006/main">
   <p:cSld>
     <p:spTree>
@@ -5407,7 +5644,7 @@
         </p:blipFill>
         <p:spPr>
           <a:xfrm>
-            <a:off x="1426651" y="3827801"/>
+            <a:off x="1297736" y="3861048"/>
             <a:ext cx="4876800" cy="2438400"/>
           </a:xfrm>
           <a:prstGeom prst="rect">
@@ -5443,7 +5680,7 @@
         </p:blipFill>
         <p:spPr>
           <a:xfrm>
-            <a:off x="3384959" y="3019189"/>
+            <a:off x="3474975" y="3019189"/>
             <a:ext cx="3989177" cy="943211"/>
           </a:xfrm>
           <a:prstGeom prst="rect">
@@ -5705,7 +5942,7 @@
             <a:pPr algn="just"/>
             <a:r>
               <a:rPr lang="en-US" dirty="0"/>
-              <a:t>Document databases have a </a:t>
+              <a:t>They have a </a:t>
             </a:r>
             <a:r>
               <a:rPr lang="en-US" b="1" dirty="0"/>
@@ -5751,7 +5988,15 @@
             </a:pPr>
             <a:r>
               <a:rPr lang="en-US" sz="2000" dirty="0"/>
-              <a:t>Document databases have an API or query language that allows developers to execute the CRUD operations on the database. Developers have the ability to query for documents based on unique identifiers or field values.</a:t>
+              <a:t>Document databases </a:t>
+            </a:r>
+            <a:r>
+              <a:rPr lang="en-US" sz="2000" b="1" dirty="0"/>
+              <a:t>have an API or query language that allows developers to execute the CRUD operations </a:t>
+            </a:r>
+            <a:r>
+              <a:rPr lang="en-US" sz="2000" dirty="0"/>
+              <a:t>on the database. Developers have the ability to query for documents based on unique identifiers or field values.</a:t>
             </a:r>
           </a:p>
           <a:p>
@@ -5790,6 +6035,54 @@
           </a:p>
           <a:p>
             <a:endParaRPr lang="en-150" dirty="0"/>
+          </a:p>
+        </p:txBody>
+      </p:sp>
+      <p:sp>
+        <p:nvSpPr>
+          <p:cNvPr id="2" name="TextBox 1">
+            <a:extLst>
+              <a:ext uri="{FF2B5EF4-FFF2-40B4-BE49-F238E27FC236}">
+                <a16:creationId xmlns:a16="http://schemas.microsoft.com/office/drawing/2014/main" id="{54DE6E72-FF45-EA85-F0D3-D956A4F1FD9E}"/>
+              </a:ext>
+            </a:extLst>
+          </p:cNvPr>
+          <p:cNvSpPr txBox="1"/>
+          <p:nvPr/>
+        </p:nvSpPr>
+        <p:spPr>
+          <a:xfrm>
+            <a:off x="6196904" y="6231523"/>
+            <a:ext cx="4471096" cy="338554"/>
+          </a:xfrm>
+          <a:prstGeom prst="rect">
+            <a:avLst/>
+          </a:prstGeom>
+          <a:noFill/>
+        </p:spPr>
+        <p:txBody>
+          <a:bodyPr wrap="none" rtlCol="0">
+            <a:spAutoFit/>
+          </a:bodyPr>
+          <a:lstStyle/>
+          <a:p>
+            <a:r>
+              <a:rPr lang="en-US" sz="1600" dirty="0"/>
+              <a:t>NOTE: a group of documents is called a </a:t>
+            </a:r>
+            <a:r>
+              <a:rPr lang="en-US" sz="1600" b="1" dirty="0">
+                <a:solidFill>
+                  <a:schemeClr val="accent1"/>
+                </a:solidFill>
+              </a:rPr>
+              <a:t>collection</a:t>
+            </a:r>
+            <a:endParaRPr lang="en-150" sz="1600" b="1" dirty="0">
+              <a:solidFill>
+                <a:schemeClr val="accent1"/>
+              </a:solidFill>
+            </a:endParaRPr>
           </a:p>
         </p:txBody>
       </p:sp>
@@ -5840,6 +6133,144 @@
           <a:p>
             <a:r>
               <a:rPr lang="en-US" dirty="0"/>
+              <a:t>Example</a:t>
+            </a:r>
+            <a:r>
+              <a:rPr lang="el-GR" dirty="0"/>
+              <a:t> </a:t>
+            </a:r>
+            <a:r>
+              <a:rPr lang="en-US" dirty="0"/>
+              <a:t>in MongoDB</a:t>
+            </a:r>
+            <a:endParaRPr dirty="0"/>
+          </a:p>
+        </p:txBody>
+      </p:sp>
+      <p:sp>
+        <p:nvSpPr>
+          <p:cNvPr id="5" name="TextBox 4">
+            <a:extLst>
+              <a:ext uri="{FF2B5EF4-FFF2-40B4-BE49-F238E27FC236}">
+                <a16:creationId xmlns:a16="http://schemas.microsoft.com/office/drawing/2014/main" id="{A5A62BC5-181E-97CF-F97D-7E780C46BA55}"/>
+              </a:ext>
+            </a:extLst>
+          </p:cNvPr>
+          <p:cNvSpPr txBox="1"/>
+          <p:nvPr/>
+        </p:nvSpPr>
+        <p:spPr>
+          <a:xfrm>
+            <a:off x="1524000" y="1916832"/>
+            <a:ext cx="9540552" cy="923330"/>
+          </a:xfrm>
+          <a:prstGeom prst="rect">
+            <a:avLst/>
+          </a:prstGeom>
+          <a:noFill/>
+        </p:spPr>
+        <p:txBody>
+          <a:bodyPr wrap="square" rtlCol="0">
+            <a:spAutoFit/>
+          </a:bodyPr>
+          <a:lstStyle/>
+          <a:p>
+            <a:r>
+              <a:rPr lang="en-US" b="1" i="0" dirty="0">
+                <a:solidFill>
+                  <a:schemeClr val="accent1"/>
+                </a:solidFill>
+                <a:effectLst/>
+                <a:latin typeface="source-code-pro"/>
+              </a:rPr>
+              <a:t>Query:</a:t>
+            </a:r>
+          </a:p>
+          <a:p>
+            <a:endParaRPr lang="en-US" b="1" dirty="0">
+              <a:solidFill>
+                <a:schemeClr val="accent1"/>
+              </a:solidFill>
+              <a:latin typeface="source-code-pro"/>
+            </a:endParaRPr>
+          </a:p>
+          <a:p>
+            <a:r>
+              <a:rPr lang="en-US" dirty="0" err="1"/>
+              <a:t>db.people.update</a:t>
+            </a:r>
+            <a:r>
+              <a:rPr lang="en-US" dirty="0"/>
+              <a:t>( { name: “John" }, {rating: 1, score: 1 }, { </a:t>
+            </a:r>
+            <a:r>
+              <a:rPr lang="en-US" dirty="0" err="1"/>
+              <a:t>upsert</a:t>
+            </a:r>
+            <a:r>
+              <a:rPr lang="en-US" dirty="0"/>
+              <a:t>: true } )</a:t>
+            </a:r>
+            <a:r>
+              <a:rPr lang="en-US" b="1" i="0" dirty="0">
+                <a:solidFill>
+                  <a:schemeClr val="accent1"/>
+                </a:solidFill>
+                <a:effectLst/>
+                <a:latin typeface="source-code-pro"/>
+              </a:rPr>
+              <a:t>		</a:t>
+            </a:r>
+          </a:p>
+        </p:txBody>
+      </p:sp>
+    </p:spTree>
+    <p:extLst>
+      <p:ext uri="{BB962C8B-B14F-4D97-AF65-F5344CB8AC3E}">
+        <p14:creationId xmlns:p14="http://schemas.microsoft.com/office/powerpoint/2010/main" val="3724619272"/>
+      </p:ext>
+    </p:extLst>
+  </p:cSld>
+  <p:clrMapOvr>
+    <a:masterClrMapping/>
+  </p:clrMapOvr>
+</p:sld>
+</file>
+
+<file path=ppt/slides/slide8.xml><?xml version="1.0" encoding="utf-8"?>
+<p:sld xmlns:a="http://schemas.openxmlformats.org/drawingml/2006/main" xmlns:r="http://schemas.openxmlformats.org/officeDocument/2006/relationships" xmlns:p="http://schemas.openxmlformats.org/presentationml/2006/main">
+  <p:cSld>
+    <p:spTree>
+      <p:nvGrpSpPr>
+        <p:cNvPr id="1" name=""/>
+        <p:cNvGrpSpPr/>
+        <p:nvPr/>
+      </p:nvGrpSpPr>
+      <p:grpSpPr>
+        <a:xfrm>
+          <a:off x="0" y="0"/>
+          <a:ext cx="0" cy="0"/>
+          <a:chOff x="0" y="0"/>
+          <a:chExt cx="0" cy="0"/>
+        </a:xfrm>
+      </p:grpSpPr>
+      <p:sp>
+        <p:nvSpPr>
+          <p:cNvPr id="13" name="Title 12"/>
+          <p:cNvSpPr>
+            <a:spLocks noGrp="1"/>
+          </p:cNvSpPr>
+          <p:nvPr>
+            <p:ph type="title"/>
+          </p:nvPr>
+        </p:nvSpPr>
+        <p:spPr/>
+        <p:txBody>
+          <a:bodyPr/>
+          <a:lstStyle/>
+          <a:p>
+            <a:r>
+              <a:rPr lang="en-US" dirty="0"/>
               <a:t>Differences between relational DBs</a:t>
             </a:r>
             <a:endParaRPr dirty="0"/>
@@ -5944,7 +6375,7 @@
 </p:sld>
 </file>
 
-<file path=ppt/slides/slide8.xml><?xml version="1.0" encoding="utf-8"?>
+<file path=ppt/slides/slide9.xml><?xml version="1.0" encoding="utf-8"?>
 <p:sld xmlns:a="http://schemas.openxmlformats.org/drawingml/2006/main" xmlns:r="http://schemas.openxmlformats.org/officeDocument/2006/relationships" xmlns:p="http://schemas.openxmlformats.org/presentationml/2006/main">
   <p:cSld>
     <p:spTree>
@@ -6897,214 +7328,10 @@
           </a:fontRef>
         </p:style>
       </p:cxnSp>
-      <p:sp>
-        <p:nvSpPr>
-          <p:cNvPr id="15" name="TextBox 14">
-            <a:extLst>
-              <a:ext uri="{FF2B5EF4-FFF2-40B4-BE49-F238E27FC236}">
-                <a16:creationId xmlns:a16="http://schemas.microsoft.com/office/drawing/2014/main" id="{7DC79349-8C48-5C4B-02D7-357E8956807D}"/>
-              </a:ext>
-            </a:extLst>
-          </p:cNvPr>
-          <p:cNvSpPr txBox="1"/>
-          <p:nvPr/>
-        </p:nvSpPr>
-        <p:spPr>
-          <a:xfrm>
-            <a:off x="6456040" y="6384529"/>
-            <a:ext cx="4971233" cy="369332"/>
-          </a:xfrm>
-          <a:prstGeom prst="rect">
-            <a:avLst/>
-          </a:prstGeom>
-          <a:noFill/>
-        </p:spPr>
-        <p:txBody>
-          <a:bodyPr wrap="none" rtlCol="0">
-            <a:spAutoFit/>
-          </a:bodyPr>
-          <a:lstStyle/>
-          <a:p>
-            <a:r>
-              <a:rPr lang="en-US" dirty="0"/>
-              <a:t>NOTE: a group of documents is called a </a:t>
-            </a:r>
-            <a:r>
-              <a:rPr lang="en-US" b="1" dirty="0">
-                <a:solidFill>
-                  <a:schemeClr val="accent1"/>
-                </a:solidFill>
-              </a:rPr>
-              <a:t>collection</a:t>
-            </a:r>
-            <a:endParaRPr lang="en-150" b="1" dirty="0">
-              <a:solidFill>
-                <a:schemeClr val="accent1"/>
-              </a:solidFill>
-            </a:endParaRPr>
-          </a:p>
-        </p:txBody>
-      </p:sp>
     </p:spTree>
     <p:extLst>
       <p:ext uri="{BB962C8B-B14F-4D97-AF65-F5344CB8AC3E}">
         <p14:creationId xmlns:p14="http://schemas.microsoft.com/office/powerpoint/2010/main" val="4145261392"/>
-      </p:ext>
-    </p:extLst>
-  </p:cSld>
-  <p:clrMapOvr>
-    <a:masterClrMapping/>
-  </p:clrMapOvr>
-</p:sld>
-</file>
-
-<file path=ppt/slides/slide9.xml><?xml version="1.0" encoding="utf-8"?>
-<p:sld xmlns:a="http://schemas.openxmlformats.org/drawingml/2006/main" xmlns:r="http://schemas.openxmlformats.org/officeDocument/2006/relationships" xmlns:p="http://schemas.openxmlformats.org/presentationml/2006/main">
-  <p:cSld>
-    <p:spTree>
-      <p:nvGrpSpPr>
-        <p:cNvPr id="1" name=""/>
-        <p:cNvGrpSpPr/>
-        <p:nvPr/>
-      </p:nvGrpSpPr>
-      <p:grpSpPr>
-        <a:xfrm>
-          <a:off x="0" y="0"/>
-          <a:ext cx="0" cy="0"/>
-          <a:chOff x="0" y="0"/>
-          <a:chExt cx="0" cy="0"/>
-        </a:xfrm>
-      </p:grpSpPr>
-      <p:sp>
-        <p:nvSpPr>
-          <p:cNvPr id="13" name="Title 12"/>
-          <p:cNvSpPr>
-            <a:spLocks noGrp="1"/>
-          </p:cNvSpPr>
-          <p:nvPr>
-            <p:ph type="title"/>
-          </p:nvPr>
-        </p:nvSpPr>
-        <p:spPr/>
-        <p:txBody>
-          <a:bodyPr/>
-          <a:lstStyle/>
-          <a:p>
-            <a:r>
-              <a:rPr lang="en-US" dirty="0"/>
-              <a:t>Disadvantages of document databases</a:t>
-            </a:r>
-            <a:endParaRPr dirty="0"/>
-          </a:p>
-        </p:txBody>
-      </p:sp>
-      <p:sp>
-        <p:nvSpPr>
-          <p:cNvPr id="14" name="Content Placeholder 13"/>
-          <p:cNvSpPr>
-            <a:spLocks noGrp="1"/>
-          </p:cNvSpPr>
-          <p:nvPr>
-            <p:ph idx="1"/>
-          </p:nvPr>
-        </p:nvSpPr>
-        <p:spPr/>
-        <p:txBody>
-          <a:bodyPr/>
-          <a:lstStyle/>
-          <a:p>
-            <a:pPr algn="just"/>
-            <a:r>
-              <a:rPr lang="en-US" b="1" dirty="0"/>
-              <a:t>Atomicity: </a:t>
-            </a:r>
-            <a:r>
-              <a:rPr lang="en-US" dirty="0"/>
-              <a:t>For document databases, a change involving two collections will require you to run two separate queries (per collection). This breaks </a:t>
-            </a:r>
-            <a:r>
-              <a:rPr lang="en-US" b="1" dirty="0"/>
-              <a:t>atomicity</a:t>
-            </a:r>
-            <a:r>
-              <a:rPr lang="en-US" dirty="0"/>
-              <a:t> requirements.</a:t>
-            </a:r>
-          </a:p>
-          <a:p>
-            <a:pPr marL="285750" lvl="1" indent="-285750" algn="just">
-              <a:spcBef>
-                <a:spcPts val="1800"/>
-              </a:spcBef>
-            </a:pPr>
-            <a:r>
-              <a:rPr lang="en-US" sz="2000" b="1" dirty="0"/>
-              <a:t>Complexity:</a:t>
-            </a:r>
-            <a:r>
-              <a:rPr lang="en-US" sz="2000" dirty="0"/>
-              <a:t> Not designed to handle relational data, lack of JOINs.</a:t>
-            </a:r>
-          </a:p>
-          <a:p>
-            <a:pPr marL="285750" lvl="1" indent="-285750" algn="just">
-              <a:spcBef>
-                <a:spcPts val="1800"/>
-              </a:spcBef>
-            </a:pPr>
-            <a:r>
-              <a:rPr lang="en-US" sz="2000" b="1" dirty="0"/>
-              <a:t>Security: </a:t>
-            </a:r>
-            <a:r>
-              <a:rPr lang="en-US" sz="2000" dirty="0"/>
-              <a:t>Lack of ACID makes data less trustworthy sometimes, SQL injection.</a:t>
-            </a:r>
-            <a:endParaRPr lang="en-US" sz="2000" b="1" dirty="0"/>
-          </a:p>
-          <a:p>
-            <a:pPr marL="285750" lvl="1" indent="-285750"/>
-            <a:endParaRPr lang="en-US" dirty="0"/>
-          </a:p>
-          <a:p>
-            <a:pPr marL="365760" lvl="1" indent="0">
-              <a:buNone/>
-            </a:pPr>
-            <a:endParaRPr lang="en-US" dirty="0"/>
-          </a:p>
-          <a:p>
-            <a:pPr marL="365760" lvl="1" indent="0">
-              <a:buNone/>
-            </a:pPr>
-            <a:endParaRPr lang="en-US" dirty="0"/>
-          </a:p>
-          <a:p>
-            <a:pPr marL="365760" lvl="1" indent="0">
-              <a:buNone/>
-            </a:pPr>
-            <a:endParaRPr lang="en-US" dirty="0"/>
-          </a:p>
-          <a:p>
-            <a:pPr marL="365760" lvl="1" indent="0">
-              <a:buNone/>
-            </a:pPr>
-            <a:endParaRPr lang="en-US" dirty="0"/>
-          </a:p>
-          <a:p>
-            <a:pPr marL="685800" lvl="2" indent="0">
-              <a:buNone/>
-            </a:pPr>
-            <a:endParaRPr lang="en-US" dirty="0"/>
-          </a:p>
-          <a:p>
-            <a:endParaRPr lang="en-150" dirty="0"/>
-          </a:p>
-        </p:txBody>
-      </p:sp>
-    </p:spTree>
-    <p:extLst>
-      <p:ext uri="{BB962C8B-B14F-4D97-AF65-F5344CB8AC3E}">
-        <p14:creationId xmlns:p14="http://schemas.microsoft.com/office/powerpoint/2010/main" val="732944432"/>
       </p:ext>
     </p:extLst>
   </p:cSld>

--- a/NOSQL - document stores.pptx
+++ b/NOSQL - document stores.pptx
@@ -5,10 +5,10 @@
     <p:sldMasterId id="2147483648" r:id="rId1"/>
   </p:sldMasterIdLst>
   <p:notesMasterIdLst>
-    <p:notesMasterId r:id="rId16"/>
+    <p:notesMasterId r:id="rId17"/>
   </p:notesMasterIdLst>
   <p:handoutMasterIdLst>
-    <p:handoutMasterId r:id="rId17"/>
+    <p:handoutMasterId r:id="rId18"/>
   </p:handoutMasterIdLst>
   <p:sldIdLst>
     <p:sldId id="256" r:id="rId2"/>
@@ -17,14 +17,15 @@
     <p:sldId id="275" r:id="rId5"/>
     <p:sldId id="276" r:id="rId6"/>
     <p:sldId id="277" r:id="rId7"/>
-    <p:sldId id="282" r:id="rId8"/>
-    <p:sldId id="278" r:id="rId9"/>
-    <p:sldId id="267" r:id="rId10"/>
-    <p:sldId id="279" r:id="rId11"/>
-    <p:sldId id="280" r:id="rId12"/>
-    <p:sldId id="273" r:id="rId13"/>
-    <p:sldId id="272" r:id="rId14"/>
-    <p:sldId id="281" r:id="rId15"/>
+    <p:sldId id="283" r:id="rId8"/>
+    <p:sldId id="282" r:id="rId9"/>
+    <p:sldId id="278" r:id="rId10"/>
+    <p:sldId id="267" r:id="rId11"/>
+    <p:sldId id="279" r:id="rId12"/>
+    <p:sldId id="280" r:id="rId13"/>
+    <p:sldId id="273" r:id="rId14"/>
+    <p:sldId id="272" r:id="rId15"/>
+    <p:sldId id="281" r:id="rId16"/>
   </p:sldIdLst>
   <p:sldSz cx="12192000" cy="6858000"/>
   <p:notesSz cx="6858000" cy="9144000"/>
@@ -820,7 +821,7 @@
           <a:p>
             <a:fld id="{762B48F5-BACC-47D6-A0F7-82FBF9C6BC85}" type="datetimeFigureOut">
               <a:rPr lang="en-US"/>
-              <a:t>1/17/2023</a:t>
+              <a:t>1/18/2023</a:t>
             </a:fld>
             <a:endParaRPr/>
           </a:p>
@@ -985,7 +986,7 @@
           <a:p>
             <a:fld id="{0CB1CD00-5424-4675-AB18-2C419B060449}" type="datetimeFigureOut">
               <a:rPr lang="en-US"/>
-              <a:t>1/17/2023</a:t>
+              <a:t>1/18/2023</a:t>
             </a:fld>
             <a:endParaRPr/>
           </a:p>
@@ -1247,6 +1248,680 @@
 </p:notesMaster>
 </file>
 
+<file path=ppt/notesSlides/notesSlide1.xml><?xml version="1.0" encoding="utf-8"?>
+<p:notes xmlns:a="http://schemas.openxmlformats.org/drawingml/2006/main" xmlns:r="http://schemas.openxmlformats.org/officeDocument/2006/relationships" xmlns:p="http://schemas.openxmlformats.org/presentationml/2006/main">
+  <p:cSld>
+    <p:spTree>
+      <p:nvGrpSpPr>
+        <p:cNvPr id="1" name=""/>
+        <p:cNvGrpSpPr/>
+        <p:nvPr/>
+      </p:nvGrpSpPr>
+      <p:grpSpPr>
+        <a:xfrm>
+          <a:off x="0" y="0"/>
+          <a:ext cx="0" cy="0"/>
+          <a:chOff x="0" y="0"/>
+          <a:chExt cx="0" cy="0"/>
+        </a:xfrm>
+      </p:grpSpPr>
+      <p:sp>
+        <p:nvSpPr>
+          <p:cNvPr id="2" name="Θέση εικόνας διαφάνειας 1"/>
+          <p:cNvSpPr>
+            <a:spLocks noGrp="1" noRot="1" noChangeAspect="1"/>
+          </p:cNvSpPr>
+          <p:nvPr>
+            <p:ph type="sldImg"/>
+          </p:nvPr>
+        </p:nvSpPr>
+        <p:spPr/>
+      </p:sp>
+      <p:sp>
+        <p:nvSpPr>
+          <p:cNvPr id="3" name="Θέση σημειώσεων 2"/>
+          <p:cNvSpPr>
+            <a:spLocks noGrp="1"/>
+          </p:cNvSpPr>
+          <p:nvPr>
+            <p:ph type="body" idx="1"/>
+          </p:nvPr>
+        </p:nvSpPr>
+        <p:spPr/>
+        <p:txBody>
+          <a:bodyPr/>
+          <a:lstStyle/>
+          <a:p>
+            <a:r>
+              <a:rPr lang="el-GR" dirty="0"/>
+              <a:t>Σε αυτό το πινακάκι βλέπουμε μερικές από τις βασικές εντολές της </a:t>
+            </a:r>
+            <a:r>
+              <a:rPr lang="en-US" dirty="0"/>
+              <a:t>MongoDB</a:t>
+            </a:r>
+            <a:r>
+              <a:rPr lang="el-GR" dirty="0"/>
+              <a:t> και αντίστοιχες εντολές που θα εκτελούσαμε σε μία σχεσιακή βάση δεδομένων με </a:t>
+            </a:r>
+            <a:r>
+              <a:rPr lang="en-US" dirty="0"/>
+              <a:t>SQL</a:t>
+            </a:r>
+            <a:r>
+              <a:rPr lang="el-GR" dirty="0"/>
+              <a:t>.</a:t>
+            </a:r>
+          </a:p>
+          <a:p>
+            <a:r>
+              <a:rPr lang="el-GR" dirty="0"/>
+              <a:t>Αρχικά να αναφέρουμε ότι τα </a:t>
+            </a:r>
+            <a:r>
+              <a:rPr lang="en-US" dirty="0"/>
+              <a:t>conditions </a:t>
+            </a:r>
+            <a:r>
+              <a:rPr lang="el-GR" dirty="0"/>
+              <a:t>της </a:t>
+            </a:r>
+            <a:r>
+              <a:rPr lang="en-US" dirty="0"/>
+              <a:t>MongoDB </a:t>
+            </a:r>
+            <a:r>
+              <a:rPr lang="el-GR" dirty="0"/>
+              <a:t>είναι σε μορφή </a:t>
+            </a:r>
+            <a:r>
+              <a:rPr lang="en-US" dirty="0"/>
+              <a:t>JSON</a:t>
+            </a:r>
+            <a:r>
+              <a:rPr lang="el-GR" dirty="0"/>
+              <a:t>. Στην ουσία για τα </a:t>
+            </a:r>
+            <a:r>
+              <a:rPr lang="en-US" dirty="0"/>
+              <a:t>condition </a:t>
+            </a:r>
+            <a:r>
+              <a:rPr lang="el-GR" dirty="0"/>
+              <a:t>γράφουμε ένα </a:t>
+            </a:r>
+            <a:r>
+              <a:rPr lang="en-US" dirty="0"/>
+              <a:t>JSON </a:t>
+            </a:r>
+            <a:r>
+              <a:rPr lang="el-GR" dirty="0"/>
+              <a:t>με κλειδιά και τιμές τα αντίστοιχα κλειδιά και τιμές που θέλουμε να περιέχουν τα </a:t>
+            </a:r>
+            <a:r>
+              <a:rPr lang="en-US" dirty="0"/>
+              <a:t>document </a:t>
+            </a:r>
+            <a:r>
+              <a:rPr lang="el-GR" dirty="0"/>
+              <a:t>που θέλουμε να επιλέξουμε.</a:t>
+            </a:r>
+          </a:p>
+          <a:p>
+            <a:r>
+              <a:rPr lang="el-GR" dirty="0"/>
+              <a:t>Επιπλέων υπάρχουν και μερικοί ειδικοί τελεστές που ξεκινάν με τον χαρακτήρα δολάριο όπως φαίνεται και ο τελεστής </a:t>
+            </a:r>
+            <a:r>
+              <a:rPr lang="en-US" dirty="0"/>
+              <a:t>$set </a:t>
+            </a:r>
+            <a:r>
+              <a:rPr lang="el-GR" dirty="0"/>
+              <a:t>που φαίνεται στην γραμμή 3 και είναι υπεύθυνος στο να εισάγει ένα νέο κλειδί σε ένα </a:t>
+            </a:r>
+            <a:r>
+              <a:rPr lang="en-US" dirty="0"/>
+              <a:t>document </a:t>
+            </a:r>
+            <a:r>
+              <a:rPr lang="el-GR" dirty="0"/>
+              <a:t>ή να τροποποιεί ένα ήδη υπάρχον.</a:t>
+            </a:r>
+            <a:endParaRPr lang="en-US" dirty="0"/>
+          </a:p>
+          <a:p>
+            <a:r>
+              <a:rPr lang="el-GR" dirty="0"/>
+              <a:t>Στην πρώτη γραμμή, βλέπουμε την εντολή </a:t>
+            </a:r>
+            <a:r>
+              <a:rPr lang="en-US" dirty="0"/>
+              <a:t>find </a:t>
+            </a:r>
+            <a:r>
+              <a:rPr lang="el-GR" dirty="0"/>
+              <a:t>η οποία λειτουργεί με τον ίδιο τρόπο που λειτουργεί και μία </a:t>
+            </a:r>
+            <a:r>
+              <a:rPr lang="en-US" dirty="0"/>
+              <a:t>select</a:t>
+            </a:r>
+            <a:r>
+              <a:rPr lang="el-GR" dirty="0"/>
+              <a:t> *</a:t>
+            </a:r>
+            <a:r>
+              <a:rPr lang="en-US" dirty="0"/>
+              <a:t> </a:t>
+            </a:r>
+            <a:r>
+              <a:rPr lang="el-GR" dirty="0"/>
+              <a:t>στην </a:t>
+            </a:r>
+            <a:r>
+              <a:rPr lang="en-US" dirty="0"/>
+              <a:t>SQL</a:t>
+            </a:r>
+            <a:r>
+              <a:rPr lang="el-GR" dirty="0"/>
+              <a:t>. Μας επιστρέφει όλα τα </a:t>
+            </a:r>
+            <a:r>
+              <a:rPr lang="en-US" dirty="0"/>
+              <a:t>document </a:t>
+            </a:r>
+            <a:r>
+              <a:rPr lang="el-GR" dirty="0"/>
+              <a:t>που ικανοποιούν τα </a:t>
+            </a:r>
+            <a:r>
+              <a:rPr lang="en-US" dirty="0"/>
+              <a:t>condition </a:t>
+            </a:r>
+            <a:r>
+              <a:rPr lang="el-GR" dirty="0"/>
+              <a:t>που ορίσαμε, θα δούμε και μερικά παραδείγματα πάνω σε αυτό λίγο παρακάτω.</a:t>
+            </a:r>
+          </a:p>
+          <a:p>
+            <a:r>
+              <a:rPr lang="el-GR" dirty="0"/>
+              <a:t>Η </a:t>
+            </a:r>
+            <a:r>
+              <a:rPr lang="en-US" dirty="0"/>
+              <a:t>insert </a:t>
+            </a:r>
+            <a:r>
+              <a:rPr lang="el-GR" dirty="0"/>
+              <a:t>χρησιμοποιείτε για να εισαχθεί ένα ολόκληρο </a:t>
+            </a:r>
+            <a:r>
+              <a:rPr lang="en-US" dirty="0"/>
+              <a:t>document</a:t>
+            </a:r>
+            <a:r>
+              <a:rPr lang="el-GR" dirty="0"/>
+              <a:t> ή και περισσότερα αν ορίσουμε ένα </a:t>
+            </a:r>
+            <a:r>
+              <a:rPr lang="en-US" dirty="0"/>
+              <a:t>array </a:t>
+            </a:r>
+            <a:r>
+              <a:rPr lang="el-GR" dirty="0"/>
+              <a:t>και η </a:t>
+            </a:r>
+            <a:r>
+              <a:rPr lang="en-US" dirty="0"/>
+              <a:t>remove </a:t>
+            </a:r>
+            <a:r>
+              <a:rPr lang="el-GR" dirty="0"/>
+              <a:t>για να αφαιρεθούν όλα τα </a:t>
+            </a:r>
+            <a:r>
+              <a:rPr lang="en-US" dirty="0"/>
+              <a:t>document </a:t>
+            </a:r>
+            <a:r>
+              <a:rPr lang="el-GR" dirty="0"/>
+              <a:t>που ικανοποιούν μία συνθήκη.</a:t>
+            </a:r>
+          </a:p>
+          <a:p>
+            <a:r>
+              <a:rPr lang="el-GR" dirty="0"/>
+              <a:t>Η εντολή </a:t>
+            </a:r>
+            <a:r>
+              <a:rPr lang="en-US" dirty="0"/>
+              <a:t>update</a:t>
+            </a:r>
+            <a:r>
+              <a:rPr lang="el-GR" dirty="0"/>
+              <a:t> είναι λίγο ιδιαίτερη γιατί η λειτουργία της δεν είναι ακριβώς το ίδιο με το κλασικό </a:t>
+            </a:r>
+            <a:r>
+              <a:rPr lang="en-US" dirty="0"/>
+              <a:t>update </a:t>
+            </a:r>
+            <a:r>
+              <a:rPr lang="el-GR" dirty="0"/>
+              <a:t>σε </a:t>
+            </a:r>
+            <a:r>
+              <a:rPr lang="en-US" dirty="0"/>
+              <a:t>SQL.</a:t>
+            </a:r>
+            <a:endParaRPr lang="el-GR" dirty="0"/>
+          </a:p>
+          <a:p>
+            <a:r>
+              <a:rPr lang="el-GR" dirty="0"/>
+              <a:t>Τα </a:t>
+            </a:r>
+            <a:r>
+              <a:rPr lang="en-US" dirty="0"/>
+              <a:t>document </a:t>
+            </a:r>
+            <a:r>
+              <a:rPr lang="el-GR" dirty="0"/>
+              <a:t>της </a:t>
+            </a:r>
+            <a:r>
+              <a:rPr lang="en-US" dirty="0"/>
+              <a:t>MongoDB </a:t>
+            </a:r>
+            <a:r>
+              <a:rPr lang="el-GR" dirty="0"/>
+              <a:t>δεν έχουν κάποιο καθορισμένο σχήμα, πράγμα που σημαίνει ότι το κάθε ένα μπορεί να περιέχει εντελώς διαφορετικά </a:t>
+            </a:r>
+            <a:r>
+              <a:rPr lang="en-US" dirty="0"/>
+              <a:t>key-value pairs</a:t>
+            </a:r>
+            <a:r>
+              <a:rPr lang="el-GR" dirty="0"/>
+              <a:t>. </a:t>
+            </a:r>
+          </a:p>
+          <a:p>
+            <a:r>
+              <a:rPr lang="el-GR" dirty="0"/>
+              <a:t>Αυτό μας επιτρέπει και να προσθέτουμε ανά πάσα στιγμή ένα νέο </a:t>
+            </a:r>
+            <a:r>
+              <a:rPr lang="en-US" dirty="0"/>
+              <a:t>key-value pair </a:t>
+            </a:r>
+            <a:r>
+              <a:rPr lang="el-GR" dirty="0"/>
+              <a:t>σε κάποια από τα </a:t>
+            </a:r>
+            <a:r>
+              <a:rPr lang="en-US" dirty="0"/>
+              <a:t>document </a:t>
+            </a:r>
+            <a:r>
+              <a:rPr lang="el-GR" dirty="0"/>
+              <a:t>χρησιμοποιώντας την </a:t>
+            </a:r>
+            <a:r>
+              <a:rPr lang="en-US" dirty="0"/>
+              <a:t>update</a:t>
+            </a:r>
+            <a:r>
+              <a:rPr lang="el-GR" dirty="0"/>
+              <a:t>. Στην </a:t>
+            </a:r>
+            <a:r>
+              <a:rPr lang="en-US" dirty="0"/>
+              <a:t>update </a:t>
+            </a:r>
+            <a:r>
+              <a:rPr lang="el-GR" dirty="0"/>
+              <a:t>ορίζουμε ένα </a:t>
+            </a:r>
+            <a:r>
+              <a:rPr lang="en-US" dirty="0"/>
+              <a:t>condition</a:t>
+            </a:r>
+            <a:r>
+              <a:rPr lang="el-GR" dirty="0"/>
+              <a:t> με το οποίο επιλέγουμε κάποια από τα </a:t>
+            </a:r>
+            <a:r>
+              <a:rPr lang="en-US" dirty="0"/>
+              <a:t>document </a:t>
+            </a:r>
+            <a:r>
+              <a:rPr lang="el-GR" dirty="0"/>
+              <a:t>και στην συνέχεια ορίζουμε τις αλλαγές που θέλουμε να εκτελέσουμε πάνω σε αυτά.</a:t>
+            </a:r>
+          </a:p>
+          <a:p>
+            <a:r>
+              <a:rPr lang="el-GR" dirty="0"/>
+              <a:t>Η αλλαγές αυτές μπορεί να είναι είτε ένα εντελώς νέο </a:t>
+            </a:r>
+            <a:r>
+              <a:rPr lang="en-US" dirty="0"/>
+              <a:t>key-value pair </a:t>
+            </a:r>
+            <a:r>
+              <a:rPr lang="el-GR" dirty="0"/>
+              <a:t>είτε ένα ήδη υπάρχον κλειδί το οποίο θέλουμε απλά να αλλάξουμε την τιμή του.  Αυτή η ευελιξία δεν υπάρχει στην αντίστοιχη εντολή </a:t>
+            </a:r>
+            <a:r>
+              <a:rPr lang="en-US" dirty="0"/>
+              <a:t>update </a:t>
+            </a:r>
+            <a:r>
+              <a:rPr lang="el-GR" dirty="0"/>
+              <a:t>σε </a:t>
+            </a:r>
+            <a:r>
+              <a:rPr lang="en-US" dirty="0"/>
+              <a:t>relational databases </a:t>
+            </a:r>
+            <a:r>
+              <a:rPr lang="el-GR" dirty="0"/>
+              <a:t>καθώς το σχήμα είναι καθορισμένο και δεν μπορούμε να ορίσουμε μία νέα στήλη για παράδειγμα σε συγκεκριμένες γραμμές. </a:t>
+            </a:r>
+          </a:p>
+        </p:txBody>
+      </p:sp>
+      <p:sp>
+        <p:nvSpPr>
+          <p:cNvPr id="4" name="Θέση αριθμού διαφάνειας 3"/>
+          <p:cNvSpPr>
+            <a:spLocks noGrp="1"/>
+          </p:cNvSpPr>
+          <p:nvPr>
+            <p:ph type="sldNum" sz="quarter" idx="5"/>
+          </p:nvPr>
+        </p:nvSpPr>
+        <p:spPr/>
+        <p:txBody>
+          <a:bodyPr/>
+          <a:lstStyle/>
+          <a:p>
+            <a:fld id="{5EE2CF44-2B13-41B4-A334-1CDF534EEBBF}" type="slidenum">
+              <a:rPr lang="el-GR" smtClean="0"/>
+              <a:t>7</a:t>
+            </a:fld>
+            <a:endParaRPr lang="el-GR"/>
+          </a:p>
+        </p:txBody>
+      </p:sp>
+    </p:spTree>
+    <p:extLst>
+      <p:ext uri="{BB962C8B-B14F-4D97-AF65-F5344CB8AC3E}">
+        <p14:creationId xmlns:p14="http://schemas.microsoft.com/office/powerpoint/2010/main" val="3061397269"/>
+      </p:ext>
+    </p:extLst>
+  </p:cSld>
+  <p:clrMapOvr>
+    <a:masterClrMapping/>
+  </p:clrMapOvr>
+</p:notes>
+</file>
+
+<file path=ppt/notesSlides/notesSlide2.xml><?xml version="1.0" encoding="utf-8"?>
+<p:notes xmlns:a="http://schemas.openxmlformats.org/drawingml/2006/main" xmlns:r="http://schemas.openxmlformats.org/officeDocument/2006/relationships" xmlns:p="http://schemas.openxmlformats.org/presentationml/2006/main">
+  <p:cSld>
+    <p:spTree>
+      <p:nvGrpSpPr>
+        <p:cNvPr id="1" name=""/>
+        <p:cNvGrpSpPr/>
+        <p:nvPr/>
+      </p:nvGrpSpPr>
+      <p:grpSpPr>
+        <a:xfrm>
+          <a:off x="0" y="0"/>
+          <a:ext cx="0" cy="0"/>
+          <a:chOff x="0" y="0"/>
+          <a:chExt cx="0" cy="0"/>
+        </a:xfrm>
+      </p:grpSpPr>
+      <p:sp>
+        <p:nvSpPr>
+          <p:cNvPr id="2" name="Θέση εικόνας διαφάνειας 1"/>
+          <p:cNvSpPr>
+            <a:spLocks noGrp="1" noRot="1" noChangeAspect="1"/>
+          </p:cNvSpPr>
+          <p:nvPr>
+            <p:ph type="sldImg"/>
+          </p:nvPr>
+        </p:nvSpPr>
+        <p:spPr/>
+      </p:sp>
+      <p:sp>
+        <p:nvSpPr>
+          <p:cNvPr id="3" name="Θέση σημειώσεων 2"/>
+          <p:cNvSpPr>
+            <a:spLocks noGrp="1"/>
+          </p:cNvSpPr>
+          <p:nvPr>
+            <p:ph type="body" idx="1"/>
+          </p:nvPr>
+        </p:nvSpPr>
+        <p:spPr/>
+        <p:txBody>
+          <a:bodyPr/>
+          <a:lstStyle/>
+          <a:p>
+            <a:r>
+              <a:rPr lang="el-GR" dirty="0"/>
+              <a:t>Εδώ βλέπουμε μερικά </a:t>
+            </a:r>
+            <a:r>
+              <a:rPr lang="en-US" dirty="0"/>
+              <a:t>query </a:t>
+            </a:r>
+            <a:r>
+              <a:rPr lang="el-GR" dirty="0"/>
+              <a:t>της </a:t>
+            </a:r>
+            <a:r>
+              <a:rPr lang="en-US" dirty="0"/>
+              <a:t>MongoDB </a:t>
+            </a:r>
+            <a:r>
+              <a:rPr lang="el-GR" dirty="0"/>
+              <a:t>ως παράδειγμα.</a:t>
+            </a:r>
+          </a:p>
+          <a:p>
+            <a:r>
+              <a:rPr lang="el-GR" dirty="0"/>
+              <a:t>Στα αριστερά βλέπουμε την συλλογή από τα </a:t>
+            </a:r>
+            <a:r>
+              <a:rPr lang="en-US" dirty="0"/>
+              <a:t>document </a:t>
+            </a:r>
+            <a:r>
+              <a:rPr lang="el-GR" dirty="0"/>
+              <a:t>που έχουμε ως δεδομένα και αριστερά κάποια </a:t>
+            </a:r>
+            <a:r>
+              <a:rPr lang="en-US" dirty="0"/>
+              <a:t>query </a:t>
+            </a:r>
+            <a:r>
+              <a:rPr lang="el-GR" dirty="0"/>
+              <a:t>με τα οποία τραβάμε συγκεκριμένα έγγραφα από την συλλογή μας.</a:t>
+            </a:r>
+          </a:p>
+          <a:p>
+            <a:r>
+              <a:rPr lang="el-GR" dirty="0"/>
+              <a:t>Στο πρώτο </a:t>
+            </a:r>
+            <a:r>
+              <a:rPr lang="en-US" dirty="0"/>
+              <a:t>query </a:t>
+            </a:r>
+            <a:r>
+              <a:rPr lang="el-GR" dirty="0"/>
+              <a:t>ζητάμε όλα τα </a:t>
+            </a:r>
+            <a:r>
+              <a:rPr lang="en-US" dirty="0"/>
+              <a:t>document </a:t>
+            </a:r>
+            <a:r>
+              <a:rPr lang="el-GR" dirty="0"/>
+              <a:t>τα οποία έχουν την τιμή του </a:t>
+            </a:r>
+            <a:r>
+              <a:rPr lang="en-US" dirty="0"/>
+              <a:t>key </a:t>
+            </a:r>
+            <a:r>
+              <a:rPr lang="el-GR" dirty="0"/>
+              <a:t>ως 1. Ένα αντίστοιχο </a:t>
+            </a:r>
+            <a:r>
+              <a:rPr lang="en-US" dirty="0"/>
+              <a:t>query </a:t>
+            </a:r>
+            <a:r>
+              <a:rPr lang="el-GR" dirty="0"/>
+              <a:t>σε μία </a:t>
+            </a:r>
+            <a:r>
+              <a:rPr lang="en-US" dirty="0" err="1"/>
+              <a:t>sql</a:t>
+            </a:r>
+            <a:r>
+              <a:rPr lang="en-US" dirty="0"/>
+              <a:t> </a:t>
+            </a:r>
+            <a:r>
+              <a:rPr lang="el-GR" dirty="0"/>
+              <a:t>βάση δεδομένων θα ήταν</a:t>
+            </a:r>
+            <a:r>
+              <a:rPr lang="en-US" dirty="0"/>
+              <a:t> select * from collection where key = 1.</a:t>
+            </a:r>
+            <a:endParaRPr lang="el-GR" dirty="0"/>
+          </a:p>
+          <a:p>
+            <a:r>
+              <a:rPr lang="el-GR" dirty="0"/>
+              <a:t>Στο δεύτερο </a:t>
+            </a:r>
+            <a:r>
+              <a:rPr lang="en-US" dirty="0"/>
+              <a:t>query </a:t>
+            </a:r>
+            <a:r>
+              <a:rPr lang="el-GR" dirty="0"/>
+              <a:t>ζητάμε τα </a:t>
+            </a:r>
+            <a:r>
+              <a:rPr lang="en-US" dirty="0"/>
+              <a:t>document </a:t>
+            </a:r>
+            <a:r>
+              <a:rPr lang="el-GR" dirty="0"/>
+              <a:t>τα οποία έχουν είτε το </a:t>
+            </a:r>
+            <a:r>
+              <a:rPr lang="en-US" dirty="0"/>
+              <a:t>key </a:t>
+            </a:r>
+            <a:r>
+              <a:rPr lang="el-GR" dirty="0"/>
+              <a:t>ίσο με 1 είτε τον </a:t>
+            </a:r>
+            <a:r>
+              <a:rPr lang="en-US" dirty="0"/>
+              <a:t>user </a:t>
+            </a:r>
+            <a:r>
+              <a:rPr lang="el-GR" dirty="0"/>
+              <a:t>ίσο με την τιμή </a:t>
+            </a:r>
+            <a:r>
+              <a:rPr lang="en-US" dirty="0"/>
+              <a:t>John. </a:t>
+            </a:r>
+            <a:r>
+              <a:rPr lang="el-GR" dirty="0"/>
+              <a:t>Αυτό το πετυχαίνουμε με τον τελεστή </a:t>
+            </a:r>
+            <a:r>
+              <a:rPr lang="en-US" dirty="0"/>
+              <a:t>$or </a:t>
+            </a:r>
+            <a:r>
+              <a:rPr lang="el-GR" dirty="0"/>
+              <a:t>ο οποίος παίρνει ως τιμή ένα </a:t>
+            </a:r>
+            <a:r>
+              <a:rPr lang="en-US" dirty="0"/>
+              <a:t>array </a:t>
+            </a:r>
+            <a:r>
+              <a:rPr lang="el-GR" dirty="0"/>
+              <a:t>με </a:t>
+            </a:r>
+            <a:r>
+              <a:rPr lang="en-US" dirty="0"/>
+              <a:t>conditions.</a:t>
+            </a:r>
+            <a:endParaRPr lang="el-GR" dirty="0"/>
+          </a:p>
+          <a:p>
+            <a:r>
+              <a:rPr lang="el-GR" dirty="0"/>
+              <a:t>Με αντίστοιχο τρόπο δουλεύουν και όλες οι υπόλοιπες εντολές που είδαμε και πιο πριν.</a:t>
+            </a:r>
+          </a:p>
+        </p:txBody>
+      </p:sp>
+      <p:sp>
+        <p:nvSpPr>
+          <p:cNvPr id="4" name="Θέση αριθμού διαφάνειας 3"/>
+          <p:cNvSpPr>
+            <a:spLocks noGrp="1"/>
+          </p:cNvSpPr>
+          <p:nvPr>
+            <p:ph type="sldNum" sz="quarter" idx="5"/>
+          </p:nvPr>
+        </p:nvSpPr>
+        <p:spPr/>
+        <p:txBody>
+          <a:bodyPr/>
+          <a:lstStyle/>
+          <a:p>
+            <a:fld id="{5EE2CF44-2B13-41B4-A334-1CDF534EEBBF}" type="slidenum">
+              <a:rPr lang="el-GR" smtClean="0"/>
+              <a:t>8</a:t>
+            </a:fld>
+            <a:endParaRPr lang="el-GR"/>
+          </a:p>
+        </p:txBody>
+      </p:sp>
+    </p:spTree>
+    <p:extLst>
+      <p:ext uri="{BB962C8B-B14F-4D97-AF65-F5344CB8AC3E}">
+        <p14:creationId xmlns:p14="http://schemas.microsoft.com/office/powerpoint/2010/main" val="1135633119"/>
+      </p:ext>
+    </p:extLst>
+  </p:cSld>
+  <p:clrMapOvr>
+    <a:masterClrMapping/>
+  </p:clrMapOvr>
+</p:notes>
+</file>
+
 <file path=ppt/slideLayouts/slideLayout1.xml><?xml version="1.0" encoding="utf-8"?>
 <p:sldLayout xmlns:a="http://schemas.openxmlformats.org/drawingml/2006/main" xmlns:r="http://schemas.openxmlformats.org/officeDocument/2006/relationships" xmlns:p="http://schemas.openxmlformats.org/presentationml/2006/main" type="title" preserve="1">
   <p:cSld name="Title Slide">
@@ -1630,7 +2305,7 @@
           <a:p>
             <a:fld id="{37CC0096-1860-4642-9CD2-0079EA5E7CD1}" type="datetimeFigureOut">
               <a:rPr lang="en-US" smtClean="0"/>
-              <a:t>1/17/2023</a:t>
+              <a:t>1/18/2023</a:t>
             </a:fld>
             <a:endParaRPr lang="en-US"/>
           </a:p>
@@ -1809,7 +2484,7 @@
           <a:p>
             <a:fld id="{37CC0096-1860-4642-9CD2-0079EA5E7CD1}" type="datetimeFigureOut">
               <a:rPr lang="en-US" smtClean="0"/>
-              <a:t>1/17/2023</a:t>
+              <a:t>1/18/2023</a:t>
             </a:fld>
             <a:endParaRPr lang="en-US"/>
           </a:p>
@@ -1982,7 +2657,7 @@
           <a:p>
             <a:fld id="{37CC0096-1860-4642-9CD2-0079EA5E7CD1}" type="datetimeFigureOut">
               <a:rPr lang="en-US" smtClean="0"/>
-              <a:t>1/17/2023</a:t>
+              <a:t>1/18/2023</a:t>
             </a:fld>
             <a:endParaRPr lang="en-US"/>
           </a:p>
@@ -2415,7 +3090,7 @@
           <a:p>
             <a:fld id="{37CC0096-1860-4642-9CD2-0079EA5E7CD1}" type="datetimeFigureOut">
               <a:rPr lang="en-US" smtClean="0"/>
-              <a:t>1/17/2023</a:t>
+              <a:t>1/18/2023</a:t>
             </a:fld>
             <a:endParaRPr lang="en-US"/>
           </a:p>
@@ -2854,7 +3529,7 @@
           <a:p>
             <a:fld id="{37CC0096-1860-4642-9CD2-0079EA5E7CD1}" type="datetimeFigureOut">
               <a:rPr lang="en-US" smtClean="0"/>
-              <a:t>1/17/2023</a:t>
+              <a:t>1/18/2023</a:t>
             </a:fld>
             <a:endParaRPr lang="en-US"/>
           </a:p>
@@ -2971,7 +3646,7 @@
           <a:p>
             <a:fld id="{37CC0096-1860-4642-9CD2-0079EA5E7CD1}" type="datetimeFigureOut">
               <a:rPr lang="en-US" smtClean="0"/>
-              <a:t>1/17/2023</a:t>
+              <a:t>1/18/2023</a:t>
             </a:fld>
             <a:endParaRPr lang="en-US"/>
           </a:p>
@@ -3066,7 +3741,7 @@
           <a:p>
             <a:fld id="{37CC0096-1860-4642-9CD2-0079EA5E7CD1}" type="datetimeFigureOut">
               <a:rPr lang="en-US" smtClean="0"/>
-              <a:t>1/17/2023</a:t>
+              <a:t>1/18/2023</a:t>
             </a:fld>
             <a:endParaRPr lang="en-US"/>
           </a:p>
@@ -3350,7 +4025,7 @@
           <a:p>
             <a:fld id="{37CC0096-1860-4642-9CD2-0079EA5E7CD1}" type="datetimeFigureOut">
               <a:rPr lang="en-US" smtClean="0"/>
-              <a:t>1/17/2023</a:t>
+              <a:t>1/18/2023</a:t>
             </a:fld>
             <a:endParaRPr lang="en-US"/>
           </a:p>
@@ -3661,7 +4336,7 @@
           <a:p>
             <a:fld id="{37CC0096-1860-4642-9CD2-0079EA5E7CD1}" type="datetimeFigureOut">
               <a:rPr lang="en-US" smtClean="0"/>
-              <a:t>1/17/2023</a:t>
+              <a:t>1/18/2023</a:t>
             </a:fld>
             <a:endParaRPr lang="en-US"/>
           </a:p>
@@ -3893,7 +4568,7 @@
             <a:fld id="{37CC0096-1860-4642-9CD2-0079EA5E7CD1}" type="datetimeFigureOut">
               <a:rPr lang="en-US" smtClean="0"/>
               <a:pPr/>
-              <a:t>1/17/2023</a:t>
+              <a:t>1/18/2023</a:t>
             </a:fld>
             <a:endParaRPr lang="en-US"/>
           </a:p>
@@ -4457,1943 +5132,6 @@
       </p:grpSpPr>
       <p:sp>
         <p:nvSpPr>
-          <p:cNvPr id="13" name="Title 12"/>
-          <p:cNvSpPr>
-            <a:spLocks noGrp="1"/>
-          </p:cNvSpPr>
-          <p:nvPr>
-            <p:ph type="title"/>
-          </p:nvPr>
-        </p:nvSpPr>
-        <p:spPr/>
-        <p:txBody>
-          <a:bodyPr/>
-          <a:lstStyle/>
-          <a:p>
-            <a:r>
-              <a:rPr lang="en-US" dirty="0"/>
-              <a:t>Disadvantages of document databases</a:t>
-            </a:r>
-            <a:endParaRPr dirty="0"/>
-          </a:p>
-        </p:txBody>
-      </p:sp>
-      <p:sp>
-        <p:nvSpPr>
-          <p:cNvPr id="14" name="Content Placeholder 13"/>
-          <p:cNvSpPr>
-            <a:spLocks noGrp="1"/>
-          </p:cNvSpPr>
-          <p:nvPr>
-            <p:ph idx="1"/>
-          </p:nvPr>
-        </p:nvSpPr>
-        <p:spPr/>
-        <p:txBody>
-          <a:bodyPr/>
-          <a:lstStyle/>
-          <a:p>
-            <a:pPr algn="just"/>
-            <a:r>
-              <a:rPr lang="en-US" b="1" dirty="0"/>
-              <a:t>Atomicity: </a:t>
-            </a:r>
-            <a:r>
-              <a:rPr lang="en-US" dirty="0"/>
-              <a:t>For document databases, a change involving two collections will require you to run two separate queries (per collection). This breaks </a:t>
-            </a:r>
-            <a:r>
-              <a:rPr lang="en-US" b="1" dirty="0"/>
-              <a:t>atomicity</a:t>
-            </a:r>
-            <a:r>
-              <a:rPr lang="en-US" dirty="0"/>
-              <a:t> requirements.</a:t>
-            </a:r>
-          </a:p>
-          <a:p>
-            <a:pPr marL="285750" lvl="1" indent="-285750" algn="just">
-              <a:spcBef>
-                <a:spcPts val="1800"/>
-              </a:spcBef>
-            </a:pPr>
-            <a:r>
-              <a:rPr lang="en-US" sz="2000" b="1" dirty="0"/>
-              <a:t>Complexity:</a:t>
-            </a:r>
-            <a:r>
-              <a:rPr lang="en-US" sz="2000" dirty="0"/>
-              <a:t> Not designed to handle relational data, lack of JOINs.</a:t>
-            </a:r>
-          </a:p>
-          <a:p>
-            <a:pPr marL="285750" lvl="1" indent="-285750" algn="just">
-              <a:spcBef>
-                <a:spcPts val="1800"/>
-              </a:spcBef>
-            </a:pPr>
-            <a:r>
-              <a:rPr lang="en-US" sz="2000" b="1" dirty="0"/>
-              <a:t>Security: </a:t>
-            </a:r>
-            <a:r>
-              <a:rPr lang="en-US" sz="2000" dirty="0"/>
-              <a:t>Lack of ACID makes data less trustworthy sometimes, SQL injection.</a:t>
-            </a:r>
-            <a:endParaRPr lang="en-US" sz="2000" b="1" dirty="0"/>
-          </a:p>
-          <a:p>
-            <a:pPr marL="285750" lvl="1" indent="-285750"/>
-            <a:endParaRPr lang="en-US" dirty="0"/>
-          </a:p>
-          <a:p>
-            <a:pPr marL="365760" lvl="1" indent="0">
-              <a:buNone/>
-            </a:pPr>
-            <a:endParaRPr lang="en-US" dirty="0"/>
-          </a:p>
-          <a:p>
-            <a:pPr marL="365760" lvl="1" indent="0">
-              <a:buNone/>
-            </a:pPr>
-            <a:endParaRPr lang="en-US" dirty="0"/>
-          </a:p>
-          <a:p>
-            <a:pPr marL="365760" lvl="1" indent="0">
-              <a:buNone/>
-            </a:pPr>
-            <a:endParaRPr lang="en-US" dirty="0"/>
-          </a:p>
-          <a:p>
-            <a:pPr marL="365760" lvl="1" indent="0">
-              <a:buNone/>
-            </a:pPr>
-            <a:endParaRPr lang="en-US" dirty="0"/>
-          </a:p>
-          <a:p>
-            <a:pPr marL="685800" lvl="2" indent="0">
-              <a:buNone/>
-            </a:pPr>
-            <a:endParaRPr lang="en-US" dirty="0"/>
-          </a:p>
-          <a:p>
-            <a:endParaRPr lang="en-150" dirty="0"/>
-          </a:p>
-        </p:txBody>
-      </p:sp>
-    </p:spTree>
-    <p:extLst>
-      <p:ext uri="{BB962C8B-B14F-4D97-AF65-F5344CB8AC3E}">
-        <p14:creationId xmlns:p14="http://schemas.microsoft.com/office/powerpoint/2010/main" val="732944432"/>
-      </p:ext>
-    </p:extLst>
-  </p:cSld>
-  <p:clrMapOvr>
-    <a:masterClrMapping/>
-  </p:clrMapOvr>
-</p:sld>
-</file>
-
-<file path=ppt/slides/slide11.xml><?xml version="1.0" encoding="utf-8"?>
-<p:sld xmlns:a="http://schemas.openxmlformats.org/drawingml/2006/main" xmlns:r="http://schemas.openxmlformats.org/officeDocument/2006/relationships" xmlns:p="http://schemas.openxmlformats.org/presentationml/2006/main">
-  <p:cSld>
-    <p:spTree>
-      <p:nvGrpSpPr>
-        <p:cNvPr id="1" name=""/>
-        <p:cNvGrpSpPr/>
-        <p:nvPr/>
-      </p:nvGrpSpPr>
-      <p:grpSpPr>
-        <a:xfrm>
-          <a:off x="0" y="0"/>
-          <a:ext cx="0" cy="0"/>
-          <a:chOff x="0" y="0"/>
-          <a:chExt cx="0" cy="0"/>
-        </a:xfrm>
-      </p:grpSpPr>
-      <p:sp>
-        <p:nvSpPr>
-          <p:cNvPr id="6" name="Rectangle 5">
-            <a:extLst>
-              <a:ext uri="{FF2B5EF4-FFF2-40B4-BE49-F238E27FC236}">
-                <a16:creationId xmlns:a16="http://schemas.microsoft.com/office/drawing/2014/main" id="{0DA8015F-C73B-2C06-204E-A90C401E542D}"/>
-              </a:ext>
-            </a:extLst>
-          </p:cNvPr>
-          <p:cNvSpPr/>
-          <p:nvPr/>
-        </p:nvSpPr>
-        <p:spPr>
-          <a:xfrm>
-            <a:off x="767408" y="1700808"/>
-            <a:ext cx="10585176" cy="4699992"/>
-          </a:xfrm>
-          <a:prstGeom prst="rect">
-            <a:avLst/>
-          </a:prstGeom>
-          <a:solidFill>
-            <a:schemeClr val="tx1"/>
-          </a:solidFill>
-        </p:spPr>
-        <p:style>
-          <a:lnRef idx="2">
-            <a:schemeClr val="accent1">
-              <a:shade val="50000"/>
-            </a:schemeClr>
-          </a:lnRef>
-          <a:fillRef idx="1">
-            <a:schemeClr val="accent1"/>
-          </a:fillRef>
-          <a:effectRef idx="0">
-            <a:schemeClr val="accent1"/>
-          </a:effectRef>
-          <a:fontRef idx="minor">
-            <a:schemeClr val="lt1"/>
-          </a:fontRef>
-        </p:style>
-        <p:txBody>
-          <a:bodyPr rtlCol="0" anchor="ctr"/>
-          <a:lstStyle/>
-          <a:p>
-            <a:pPr algn="ctr"/>
-            <a:endParaRPr lang="en-150"/>
-          </a:p>
-        </p:txBody>
-      </p:sp>
-      <p:sp>
-        <p:nvSpPr>
-          <p:cNvPr id="13" name="Title 12"/>
-          <p:cNvSpPr>
-            <a:spLocks noGrp="1"/>
-          </p:cNvSpPr>
-          <p:nvPr>
-            <p:ph type="title"/>
-          </p:nvPr>
-        </p:nvSpPr>
-        <p:spPr/>
-        <p:txBody>
-          <a:bodyPr/>
-          <a:lstStyle/>
-          <a:p>
-            <a:r>
-              <a:rPr lang="en-US" dirty="0"/>
-              <a:t>Use cases</a:t>
-            </a:r>
-            <a:endParaRPr dirty="0"/>
-          </a:p>
-        </p:txBody>
-      </p:sp>
-      <p:sp>
-        <p:nvSpPr>
-          <p:cNvPr id="14" name="Content Placeholder 13"/>
-          <p:cNvSpPr>
-            <a:spLocks noGrp="1"/>
-          </p:cNvSpPr>
-          <p:nvPr>
-            <p:ph idx="1"/>
-          </p:nvPr>
-        </p:nvSpPr>
-        <p:spPr/>
-        <p:txBody>
-          <a:bodyPr/>
-          <a:lstStyle/>
-          <a:p>
-            <a:pPr marL="365760" lvl="1" indent="0">
-              <a:buNone/>
-            </a:pPr>
-            <a:endParaRPr lang="en-US" dirty="0"/>
-          </a:p>
-          <a:p>
-            <a:pPr marL="365760" lvl="1" indent="0">
-              <a:buNone/>
-            </a:pPr>
-            <a:endParaRPr lang="en-US" dirty="0"/>
-          </a:p>
-          <a:p>
-            <a:pPr marL="365760" lvl="1" indent="0">
-              <a:buNone/>
-            </a:pPr>
-            <a:endParaRPr lang="en-US" dirty="0"/>
-          </a:p>
-          <a:p>
-            <a:pPr marL="365760" lvl="1" indent="0">
-              <a:buNone/>
-            </a:pPr>
-            <a:endParaRPr lang="en-US" dirty="0"/>
-          </a:p>
-          <a:p>
-            <a:pPr marL="685800" lvl="2" indent="0">
-              <a:buNone/>
-            </a:pPr>
-            <a:endParaRPr lang="en-US" dirty="0"/>
-          </a:p>
-          <a:p>
-            <a:endParaRPr lang="en-150" dirty="0"/>
-          </a:p>
-        </p:txBody>
-      </p:sp>
-      <p:pic>
-        <p:nvPicPr>
-          <p:cNvPr id="4" name="Picture 3" descr="A picture containing application">
-            <a:extLst>
-              <a:ext uri="{FF2B5EF4-FFF2-40B4-BE49-F238E27FC236}">
-                <a16:creationId xmlns:a16="http://schemas.microsoft.com/office/drawing/2014/main" id="{8BB664E7-7BC5-656F-D6E4-2B7BDF00F911}"/>
-              </a:ext>
-            </a:extLst>
-          </p:cNvPr>
-          <p:cNvPicPr>
-            <a:picLocks noChangeAspect="1"/>
-          </p:cNvPicPr>
-          <p:nvPr/>
-        </p:nvPicPr>
-        <p:blipFill>
-          <a:blip r:embed="rId2">
-            <a:extLst>
-              <a:ext uri="{28A0092B-C50C-407E-A947-70E740481C1C}">
-                <a14:useLocalDpi xmlns:a14="http://schemas.microsoft.com/office/drawing/2010/main" val="0"/>
-              </a:ext>
-            </a:extLst>
-          </a:blip>
-          <a:stretch>
-            <a:fillRect/>
-          </a:stretch>
-        </p:blipFill>
-        <p:spPr>
-          <a:xfrm>
-            <a:off x="4405950" y="3305355"/>
-            <a:ext cx="2582857" cy="1598315"/>
-          </a:xfrm>
-          <a:prstGeom prst="rect">
-            <a:avLst/>
-          </a:prstGeom>
-        </p:spPr>
-      </p:pic>
-      <p:pic>
-        <p:nvPicPr>
-          <p:cNvPr id="9" name="Picture 8" descr="Chart, histogram">
-            <a:extLst>
-              <a:ext uri="{FF2B5EF4-FFF2-40B4-BE49-F238E27FC236}">
-                <a16:creationId xmlns:a16="http://schemas.microsoft.com/office/drawing/2014/main" id="{0E0C80DF-33FA-2D8B-4744-7765539557E9}"/>
-              </a:ext>
-            </a:extLst>
-          </p:cNvPr>
-          <p:cNvPicPr>
-            <a:picLocks noChangeAspect="1"/>
-          </p:cNvPicPr>
-          <p:nvPr/>
-        </p:nvPicPr>
-        <p:blipFill>
-          <a:blip r:embed="rId3">
-            <a:extLst>
-              <a:ext uri="{28A0092B-C50C-407E-A947-70E740481C1C}">
-                <a14:useLocalDpi xmlns:a14="http://schemas.microsoft.com/office/drawing/2010/main" val="0"/>
-              </a:ext>
-            </a:extLst>
-          </a:blip>
-          <a:stretch>
-            <a:fillRect/>
-          </a:stretch>
-        </p:blipFill>
-        <p:spPr>
-          <a:xfrm>
-            <a:off x="7447311" y="1968323"/>
-            <a:ext cx="2459208" cy="1844406"/>
-          </a:xfrm>
-          <a:prstGeom prst="rect">
-            <a:avLst/>
-          </a:prstGeom>
-        </p:spPr>
-      </p:pic>
-      <p:pic>
-        <p:nvPicPr>
-          <p:cNvPr id="15" name="Picture 14" descr="A picture containing text, electronics, parking, remote control&#10;&#10;Description automatically generated">
-            <a:extLst>
-              <a:ext uri="{FF2B5EF4-FFF2-40B4-BE49-F238E27FC236}">
-                <a16:creationId xmlns:a16="http://schemas.microsoft.com/office/drawing/2014/main" id="{B2EDF393-C76C-E75C-E35A-AA9077391C1F}"/>
-              </a:ext>
-            </a:extLst>
-          </p:cNvPr>
-          <p:cNvPicPr>
-            <a:picLocks noChangeAspect="1"/>
-          </p:cNvPicPr>
-          <p:nvPr/>
-        </p:nvPicPr>
-        <p:blipFill>
-          <a:blip r:embed="rId4">
-            <a:extLst>
-              <a:ext uri="{28A0092B-C50C-407E-A947-70E740481C1C}">
-                <a14:useLocalDpi xmlns:a14="http://schemas.microsoft.com/office/drawing/2010/main" val="0"/>
-              </a:ext>
-            </a:extLst>
-          </a:blip>
-          <a:stretch>
-            <a:fillRect/>
-          </a:stretch>
-        </p:blipFill>
-        <p:spPr>
-          <a:xfrm>
-            <a:off x="2120265" y="1988840"/>
-            <a:ext cx="1796622" cy="1793628"/>
-          </a:xfrm>
-          <a:prstGeom prst="rect">
-            <a:avLst/>
-          </a:prstGeom>
-        </p:spPr>
-      </p:pic>
-      <p:pic>
-        <p:nvPicPr>
-          <p:cNvPr id="17" name="Picture 16" descr="A picture containing text, electronics&#10;&#10;Description automatically generated">
-            <a:extLst>
-              <a:ext uri="{FF2B5EF4-FFF2-40B4-BE49-F238E27FC236}">
-                <a16:creationId xmlns:a16="http://schemas.microsoft.com/office/drawing/2014/main" id="{F9CD6AF0-86BB-A22C-E424-A9F4FD6E575B}"/>
-              </a:ext>
-            </a:extLst>
-          </p:cNvPr>
-          <p:cNvPicPr>
-            <a:picLocks noChangeAspect="1"/>
-          </p:cNvPicPr>
-          <p:nvPr/>
-        </p:nvPicPr>
-        <p:blipFill>
-          <a:blip r:embed="rId5">
-            <a:extLst>
-              <a:ext uri="{28A0092B-C50C-407E-A947-70E740481C1C}">
-                <a14:useLocalDpi xmlns:a14="http://schemas.microsoft.com/office/drawing/2010/main" val="0"/>
-              </a:ext>
-            </a:extLst>
-          </a:blip>
-          <a:stretch>
-            <a:fillRect/>
-          </a:stretch>
-        </p:blipFill>
-        <p:spPr>
-          <a:xfrm>
-            <a:off x="1343472" y="4370292"/>
-            <a:ext cx="1514692" cy="1514692"/>
-          </a:xfrm>
-          <a:prstGeom prst="rect">
-            <a:avLst/>
-          </a:prstGeom>
-        </p:spPr>
-      </p:pic>
-      <p:pic>
-        <p:nvPicPr>
-          <p:cNvPr id="19" name="Picture 18" descr="Graphical user interface&#10;&#10;Description automatically generated">
-            <a:extLst>
-              <a:ext uri="{FF2B5EF4-FFF2-40B4-BE49-F238E27FC236}">
-                <a16:creationId xmlns:a16="http://schemas.microsoft.com/office/drawing/2014/main" id="{7CE52AC4-E0EC-FADD-3B65-F0CABB275F04}"/>
-              </a:ext>
-            </a:extLst>
-          </p:cNvPr>
-          <p:cNvPicPr>
-            <a:picLocks noChangeAspect="1"/>
-          </p:cNvPicPr>
-          <p:nvPr/>
-        </p:nvPicPr>
-        <p:blipFill>
-          <a:blip r:embed="rId6">
-            <a:extLst>
-              <a:ext uri="{28A0092B-C50C-407E-A947-70E740481C1C}">
-                <a14:useLocalDpi xmlns:a14="http://schemas.microsoft.com/office/drawing/2010/main" val="0"/>
-              </a:ext>
-            </a:extLst>
-          </a:blip>
-          <a:stretch>
-            <a:fillRect/>
-          </a:stretch>
-        </p:blipFill>
-        <p:spPr>
-          <a:xfrm>
-            <a:off x="7752184" y="4370292"/>
-            <a:ext cx="2609129" cy="1674191"/>
-          </a:xfrm>
-          <a:prstGeom prst="rect">
-            <a:avLst/>
-          </a:prstGeom>
-        </p:spPr>
-      </p:pic>
-    </p:spTree>
-    <p:extLst>
-      <p:ext uri="{BB962C8B-B14F-4D97-AF65-F5344CB8AC3E}">
-        <p14:creationId xmlns:p14="http://schemas.microsoft.com/office/powerpoint/2010/main" val="3153547958"/>
-      </p:ext>
-    </p:extLst>
-  </p:cSld>
-  <p:clrMapOvr>
-    <a:masterClrMapping/>
-  </p:clrMapOvr>
-</p:sld>
-</file>
-
-<file path=ppt/slides/slide12.xml><?xml version="1.0" encoding="utf-8"?>
-<p:sld xmlns:a="http://schemas.openxmlformats.org/drawingml/2006/main" xmlns:r="http://schemas.openxmlformats.org/officeDocument/2006/relationships" xmlns:p="http://schemas.openxmlformats.org/presentationml/2006/main">
-  <p:cSld>
-    <p:spTree>
-      <p:nvGrpSpPr>
-        <p:cNvPr id="1" name=""/>
-        <p:cNvGrpSpPr/>
-        <p:nvPr/>
-      </p:nvGrpSpPr>
-      <p:grpSpPr>
-        <a:xfrm>
-          <a:off x="0" y="0"/>
-          <a:ext cx="0" cy="0"/>
-          <a:chOff x="0" y="0"/>
-          <a:chExt cx="0" cy="0"/>
-        </a:xfrm>
-      </p:grpSpPr>
-      <p:sp>
-        <p:nvSpPr>
-          <p:cNvPr id="13" name="Title 12"/>
-          <p:cNvSpPr>
-            <a:spLocks noGrp="1"/>
-          </p:cNvSpPr>
-          <p:nvPr>
-            <p:ph type="title"/>
-          </p:nvPr>
-        </p:nvSpPr>
-        <p:spPr/>
-        <p:txBody>
-          <a:bodyPr/>
-          <a:lstStyle/>
-          <a:p>
-            <a:r>
-              <a:rPr lang="en-US" dirty="0"/>
-              <a:t>REFERENCES</a:t>
-            </a:r>
-            <a:endParaRPr dirty="0"/>
-          </a:p>
-        </p:txBody>
-      </p:sp>
-      <p:sp>
-        <p:nvSpPr>
-          <p:cNvPr id="14" name="Content Placeholder 13"/>
-          <p:cNvSpPr>
-            <a:spLocks noGrp="1"/>
-          </p:cNvSpPr>
-          <p:nvPr>
-            <p:ph idx="1"/>
-          </p:nvPr>
-        </p:nvSpPr>
-        <p:spPr/>
-        <p:txBody>
-          <a:bodyPr/>
-          <a:lstStyle/>
-          <a:p>
-            <a:r>
-              <a:rPr lang="en-US" dirty="0"/>
-              <a:t>Link: </a:t>
-            </a:r>
-            <a:r>
-              <a:rPr lang="en-US" dirty="0">
-                <a:hlinkClick r:id="rId2"/>
-              </a:rPr>
-              <a:t>https://www.mongodb.com/document-databases</a:t>
-            </a:r>
-            <a:r>
-              <a:rPr lang="en-US" dirty="0"/>
-              <a:t> </a:t>
-            </a:r>
-            <a:endParaRPr dirty="0"/>
-          </a:p>
-          <a:p>
-            <a:r>
-              <a:rPr lang="en-US" dirty="0"/>
-              <a:t>Link: </a:t>
-            </a:r>
-            <a:r>
-              <a:rPr lang="en-US" dirty="0">
-                <a:hlinkClick r:id="rId3"/>
-              </a:rPr>
-              <a:t>https://database.guide/what-is-a-document-store-database/</a:t>
-            </a:r>
-            <a:endParaRPr lang="en-US" dirty="0"/>
-          </a:p>
-          <a:p>
-            <a:r>
-              <a:rPr lang="en-US" dirty="0"/>
-              <a:t>Link: </a:t>
-            </a:r>
-            <a:r>
-              <a:rPr lang="en-US" dirty="0">
-                <a:hlinkClick r:id="rId4"/>
-              </a:rPr>
-              <a:t>https://phoenixnap.com/kb/document-database</a:t>
-            </a:r>
-            <a:r>
-              <a:rPr lang="en-US" dirty="0"/>
-              <a:t>  </a:t>
-            </a:r>
-            <a:endParaRPr dirty="0"/>
-          </a:p>
-          <a:p>
-            <a:r>
-              <a:rPr lang="en-US" dirty="0"/>
-              <a:t>Lectures from lesson “Technologies for Big Data Analytics”</a:t>
-            </a:r>
-            <a:endParaRPr dirty="0"/>
-          </a:p>
-        </p:txBody>
-      </p:sp>
-    </p:spTree>
-    <p:extLst>
-      <p:ext uri="{BB962C8B-B14F-4D97-AF65-F5344CB8AC3E}">
-        <p14:creationId xmlns:p14="http://schemas.microsoft.com/office/powerpoint/2010/main" val="2902951903"/>
-      </p:ext>
-    </p:extLst>
-  </p:cSld>
-  <p:clrMapOvr>
-    <a:masterClrMapping/>
-  </p:clrMapOvr>
-</p:sld>
-</file>
-
-<file path=ppt/slides/slide13.xml><?xml version="1.0" encoding="utf-8"?>
-<p:sld xmlns:a="http://schemas.openxmlformats.org/drawingml/2006/main" xmlns:r="http://schemas.openxmlformats.org/officeDocument/2006/relationships" xmlns:p="http://schemas.openxmlformats.org/presentationml/2006/main">
-  <p:cSld>
-    <p:spTree>
-      <p:nvGrpSpPr>
-        <p:cNvPr id="1" name=""/>
-        <p:cNvGrpSpPr/>
-        <p:nvPr/>
-      </p:nvGrpSpPr>
-      <p:grpSpPr>
-        <a:xfrm>
-          <a:off x="0" y="0"/>
-          <a:ext cx="0" cy="0"/>
-          <a:chOff x="0" y="0"/>
-          <a:chExt cx="0" cy="0"/>
-        </a:xfrm>
-      </p:grpSpPr>
-      <p:sp>
-        <p:nvSpPr>
-          <p:cNvPr id="2" name="Title 1"/>
-          <p:cNvSpPr>
-            <a:spLocks noGrp="1"/>
-          </p:cNvSpPr>
-          <p:nvPr>
-            <p:ph type="title"/>
-          </p:nvPr>
-        </p:nvSpPr>
-        <p:spPr>
-          <a:xfrm>
-            <a:off x="4136064" y="3021242"/>
-            <a:ext cx="3919872" cy="815516"/>
-          </a:xfrm>
-        </p:spPr>
-        <p:txBody>
-          <a:bodyPr>
-            <a:normAutofit/>
-          </a:bodyPr>
-          <a:lstStyle/>
-          <a:p>
-            <a:pPr algn="ctr"/>
-            <a:r>
-              <a:rPr lang="en-US" sz="4800" b="1" dirty="0"/>
-              <a:t>THANK YOU!</a:t>
-            </a:r>
-            <a:endParaRPr sz="4800" b="1" dirty="0"/>
-          </a:p>
-        </p:txBody>
-      </p:sp>
-    </p:spTree>
-    <p:extLst>
-      <p:ext uri="{BB962C8B-B14F-4D97-AF65-F5344CB8AC3E}">
-        <p14:creationId xmlns:p14="http://schemas.microsoft.com/office/powerpoint/2010/main" val="215988672"/>
-      </p:ext>
-    </p:extLst>
-  </p:cSld>
-  <p:clrMapOvr>
-    <a:masterClrMapping/>
-  </p:clrMapOvr>
-</p:sld>
-</file>
-
-<file path=ppt/slides/slide14.xml><?xml version="1.0" encoding="utf-8"?>
-<p:sld xmlns:a="http://schemas.openxmlformats.org/drawingml/2006/main" xmlns:r="http://schemas.openxmlformats.org/officeDocument/2006/relationships" xmlns:p="http://schemas.openxmlformats.org/presentationml/2006/main">
-  <p:cSld>
-    <p:spTree>
-      <p:nvGrpSpPr>
-        <p:cNvPr id="1" name=""/>
-        <p:cNvGrpSpPr/>
-        <p:nvPr/>
-      </p:nvGrpSpPr>
-      <p:grpSpPr>
-        <a:xfrm>
-          <a:off x="0" y="0"/>
-          <a:ext cx="0" cy="0"/>
-          <a:chOff x="0" y="0"/>
-          <a:chExt cx="0" cy="0"/>
-        </a:xfrm>
-      </p:grpSpPr>
-      <p:sp>
-        <p:nvSpPr>
-          <p:cNvPr id="2" name="Title 1">
-            <a:extLst>
-              <a:ext uri="{FF2B5EF4-FFF2-40B4-BE49-F238E27FC236}">
-                <a16:creationId xmlns:a16="http://schemas.microsoft.com/office/drawing/2014/main" id="{C6C0C478-3CBE-0AEA-97DA-3A1AE5A0C703}"/>
-              </a:ext>
-            </a:extLst>
-          </p:cNvPr>
-          <p:cNvSpPr>
-            <a:spLocks noGrp="1"/>
-          </p:cNvSpPr>
-          <p:nvPr>
-            <p:ph type="ctrTitle"/>
-          </p:nvPr>
-        </p:nvSpPr>
-        <p:spPr/>
-        <p:txBody>
-          <a:bodyPr/>
-          <a:lstStyle/>
-          <a:p>
-            <a:r>
-              <a:rPr lang="en-US" dirty="0"/>
-              <a:t>QUESTIONS</a:t>
-            </a:r>
-            <a:endParaRPr lang="en-150" dirty="0"/>
-          </a:p>
-        </p:txBody>
-      </p:sp>
-    </p:spTree>
-    <p:extLst>
-      <p:ext uri="{BB962C8B-B14F-4D97-AF65-F5344CB8AC3E}">
-        <p14:creationId xmlns:p14="http://schemas.microsoft.com/office/powerpoint/2010/main" val="3464752401"/>
-      </p:ext>
-    </p:extLst>
-  </p:cSld>
-  <p:clrMapOvr>
-    <a:masterClrMapping/>
-  </p:clrMapOvr>
-</p:sld>
-</file>
-
-<file path=ppt/slides/slide2.xml><?xml version="1.0" encoding="utf-8"?>
-<p:sld xmlns:a="http://schemas.openxmlformats.org/drawingml/2006/main" xmlns:r="http://schemas.openxmlformats.org/officeDocument/2006/relationships" xmlns:p="http://schemas.openxmlformats.org/presentationml/2006/main">
-  <p:cSld>
-    <p:spTree>
-      <p:nvGrpSpPr>
-        <p:cNvPr id="1" name=""/>
-        <p:cNvGrpSpPr/>
-        <p:nvPr/>
-      </p:nvGrpSpPr>
-      <p:grpSpPr>
-        <a:xfrm>
-          <a:off x="0" y="0"/>
-          <a:ext cx="0" cy="0"/>
-          <a:chOff x="0" y="0"/>
-          <a:chExt cx="0" cy="0"/>
-        </a:xfrm>
-      </p:grpSpPr>
-      <p:sp>
-        <p:nvSpPr>
-          <p:cNvPr id="13" name="Title 12"/>
-          <p:cNvSpPr>
-            <a:spLocks noGrp="1"/>
-          </p:cNvSpPr>
-          <p:nvPr>
-            <p:ph type="title"/>
-          </p:nvPr>
-        </p:nvSpPr>
-        <p:spPr/>
-        <p:txBody>
-          <a:bodyPr/>
-          <a:lstStyle/>
-          <a:p>
-            <a:r>
-              <a:rPr lang="en-US" dirty="0"/>
-              <a:t>Content</a:t>
-            </a:r>
-            <a:endParaRPr dirty="0"/>
-          </a:p>
-        </p:txBody>
-      </p:sp>
-      <p:sp>
-        <p:nvSpPr>
-          <p:cNvPr id="14" name="Content Placeholder 13"/>
-          <p:cNvSpPr>
-            <a:spLocks noGrp="1"/>
-          </p:cNvSpPr>
-          <p:nvPr>
-            <p:ph idx="1"/>
-          </p:nvPr>
-        </p:nvSpPr>
-        <p:spPr/>
-        <p:txBody>
-          <a:bodyPr/>
-          <a:lstStyle/>
-          <a:p>
-            <a:r>
-              <a:rPr lang="en-US" dirty="0"/>
-              <a:t>Document stores</a:t>
-            </a:r>
-            <a:endParaRPr dirty="0"/>
-          </a:p>
-          <a:p>
-            <a:r>
-              <a:rPr lang="en-US" dirty="0"/>
-              <a:t>Key features of document stores</a:t>
-            </a:r>
-            <a:endParaRPr dirty="0"/>
-          </a:p>
-          <a:p>
-            <a:r>
-              <a:rPr lang="en-US" dirty="0"/>
-              <a:t>Differences between relational DBs</a:t>
-            </a:r>
-          </a:p>
-          <a:p>
-            <a:r>
-              <a:rPr lang="en-US" dirty="0"/>
-              <a:t>Disadvantages</a:t>
-            </a:r>
-          </a:p>
-          <a:p>
-            <a:r>
-              <a:rPr lang="en-US" dirty="0"/>
-              <a:t>Use cases</a:t>
-            </a:r>
-            <a:endParaRPr dirty="0"/>
-          </a:p>
-        </p:txBody>
-      </p:sp>
-    </p:spTree>
-    <p:extLst>
-      <p:ext uri="{BB962C8B-B14F-4D97-AF65-F5344CB8AC3E}">
-        <p14:creationId xmlns:p14="http://schemas.microsoft.com/office/powerpoint/2010/main" val="3042826300"/>
-      </p:ext>
-    </p:extLst>
-  </p:cSld>
-  <p:clrMapOvr>
-    <a:masterClrMapping/>
-  </p:clrMapOvr>
-</p:sld>
-</file>
-
-<file path=ppt/slides/slide3.xml><?xml version="1.0" encoding="utf-8"?>
-<p:sld xmlns:a="http://schemas.openxmlformats.org/drawingml/2006/main" xmlns:r="http://schemas.openxmlformats.org/officeDocument/2006/relationships" xmlns:p="http://schemas.openxmlformats.org/presentationml/2006/main">
-  <p:cSld>
-    <p:spTree>
-      <p:nvGrpSpPr>
-        <p:cNvPr id="1" name=""/>
-        <p:cNvGrpSpPr/>
-        <p:nvPr/>
-      </p:nvGrpSpPr>
-      <p:grpSpPr>
-        <a:xfrm>
-          <a:off x="0" y="0"/>
-          <a:ext cx="0" cy="0"/>
-          <a:chOff x="0" y="0"/>
-          <a:chExt cx="0" cy="0"/>
-        </a:xfrm>
-      </p:grpSpPr>
-      <p:sp>
-        <p:nvSpPr>
-          <p:cNvPr id="13" name="Title 12"/>
-          <p:cNvSpPr>
-            <a:spLocks noGrp="1"/>
-          </p:cNvSpPr>
-          <p:nvPr>
-            <p:ph type="title"/>
-          </p:nvPr>
-        </p:nvSpPr>
-        <p:spPr/>
-        <p:txBody>
-          <a:bodyPr/>
-          <a:lstStyle/>
-          <a:p>
-            <a:r>
-              <a:rPr lang="en-US" dirty="0"/>
-              <a:t>What is a document store?</a:t>
-            </a:r>
-            <a:endParaRPr dirty="0"/>
-          </a:p>
-        </p:txBody>
-      </p:sp>
-      <p:sp>
-        <p:nvSpPr>
-          <p:cNvPr id="14" name="Content Placeholder 13"/>
-          <p:cNvSpPr>
-            <a:spLocks noGrp="1"/>
-          </p:cNvSpPr>
-          <p:nvPr>
-            <p:ph idx="1"/>
-          </p:nvPr>
-        </p:nvSpPr>
-        <p:spPr/>
-        <p:txBody>
-          <a:bodyPr/>
-          <a:lstStyle/>
-          <a:p>
-            <a:pPr algn="just"/>
-            <a:r>
-              <a:rPr lang="en-US" dirty="0"/>
-              <a:t>A </a:t>
-            </a:r>
-            <a:r>
-              <a:rPr lang="en-US" b="1" dirty="0"/>
-              <a:t>document store</a:t>
-            </a:r>
-            <a:r>
-              <a:rPr lang="en-US" dirty="0"/>
-              <a:t> (also known as a document-oriented database or a document database) is a database that stores and retrieves information in documents (i.e. JSON or XML).</a:t>
-            </a:r>
-          </a:p>
-          <a:p>
-            <a:pPr algn="just"/>
-            <a:r>
-              <a:rPr lang="en-US" dirty="0"/>
-              <a:t>Non-relational databases. Instead of storing data in fixed rows and columns, document databases use flexible documents.</a:t>
-            </a:r>
-          </a:p>
-          <a:p>
-            <a:pPr algn="just"/>
-            <a:r>
-              <a:rPr lang="en-US" dirty="0"/>
-              <a:t>2-way access:</a:t>
-            </a:r>
-          </a:p>
-          <a:p>
-            <a:pPr marL="365760" lvl="1" indent="0" algn="just">
-              <a:buNone/>
-            </a:pPr>
-            <a:r>
-              <a:rPr lang="en-US" dirty="0"/>
-              <a:t>By key-value</a:t>
-            </a:r>
-          </a:p>
-          <a:p>
-            <a:pPr marL="365760" lvl="1" indent="0" algn="just">
-              <a:spcBef>
-                <a:spcPts val="1800"/>
-              </a:spcBef>
-              <a:buNone/>
-            </a:pPr>
-            <a:r>
-              <a:rPr lang="en-US" dirty="0"/>
-              <a:t>By an attribute value</a:t>
-            </a:r>
-          </a:p>
-          <a:p>
-            <a:pPr marL="285750" lvl="1" indent="-285750" algn="just">
-              <a:spcBef>
-                <a:spcPts val="1800"/>
-              </a:spcBef>
-            </a:pPr>
-            <a:r>
-              <a:rPr lang="en-US" sz="2000" dirty="0"/>
-              <a:t>Flexible, Fast, Scalable, </a:t>
-            </a:r>
-            <a:r>
-              <a:rPr lang="en-US" sz="2000" dirty="0" err="1"/>
-              <a:t>Schemaless</a:t>
-            </a:r>
-            <a:endParaRPr lang="en-US" sz="2000" dirty="0"/>
-          </a:p>
-          <a:p>
-            <a:pPr marL="285750" lvl="1" indent="-285750"/>
-            <a:endParaRPr lang="en-US" dirty="0"/>
-          </a:p>
-          <a:p>
-            <a:pPr marL="365760" lvl="1" indent="0">
-              <a:buNone/>
-            </a:pPr>
-            <a:endParaRPr lang="en-US" dirty="0"/>
-          </a:p>
-          <a:p>
-            <a:pPr marL="365760" lvl="1" indent="0">
-              <a:buNone/>
-            </a:pPr>
-            <a:endParaRPr lang="en-US" dirty="0"/>
-          </a:p>
-          <a:p>
-            <a:pPr marL="365760" lvl="1" indent="0">
-              <a:buNone/>
-            </a:pPr>
-            <a:endParaRPr lang="en-US" dirty="0"/>
-          </a:p>
-          <a:p>
-            <a:pPr marL="365760" lvl="1" indent="0">
-              <a:buNone/>
-            </a:pPr>
-            <a:endParaRPr lang="en-US" dirty="0"/>
-          </a:p>
-          <a:p>
-            <a:pPr marL="685800" lvl="2" indent="0">
-              <a:buNone/>
-            </a:pPr>
-            <a:endParaRPr lang="en-US" dirty="0"/>
-          </a:p>
-          <a:p>
-            <a:endParaRPr lang="en-150" dirty="0"/>
-          </a:p>
-        </p:txBody>
-      </p:sp>
-    </p:spTree>
-    <p:extLst>
-      <p:ext uri="{BB962C8B-B14F-4D97-AF65-F5344CB8AC3E}">
-        <p14:creationId xmlns:p14="http://schemas.microsoft.com/office/powerpoint/2010/main" val="4244308619"/>
-      </p:ext>
-    </p:extLst>
-  </p:cSld>
-  <p:clrMapOvr>
-    <a:masterClrMapping/>
-  </p:clrMapOvr>
-</p:sld>
-</file>
-
-<file path=ppt/slides/slide4.xml><?xml version="1.0" encoding="utf-8"?>
-<p:sld xmlns:a="http://schemas.openxmlformats.org/drawingml/2006/main" xmlns:r="http://schemas.openxmlformats.org/officeDocument/2006/relationships" xmlns:p="http://schemas.openxmlformats.org/presentationml/2006/main">
-  <p:cSld>
-    <p:spTree>
-      <p:nvGrpSpPr>
-        <p:cNvPr id="1" name=""/>
-        <p:cNvGrpSpPr/>
-        <p:nvPr/>
-      </p:nvGrpSpPr>
-      <p:grpSpPr>
-        <a:xfrm>
-          <a:off x="0" y="0"/>
-          <a:ext cx="0" cy="0"/>
-          <a:chOff x="0" y="0"/>
-          <a:chExt cx="0" cy="0"/>
-        </a:xfrm>
-      </p:grpSpPr>
-      <p:sp>
-        <p:nvSpPr>
-          <p:cNvPr id="6" name="Rectangle 5">
-            <a:extLst>
-              <a:ext uri="{FF2B5EF4-FFF2-40B4-BE49-F238E27FC236}">
-                <a16:creationId xmlns:a16="http://schemas.microsoft.com/office/drawing/2014/main" id="{0DA8015F-C73B-2C06-204E-A90C401E542D}"/>
-              </a:ext>
-            </a:extLst>
-          </p:cNvPr>
-          <p:cNvSpPr/>
-          <p:nvPr/>
-        </p:nvSpPr>
-        <p:spPr>
-          <a:xfrm>
-            <a:off x="803412" y="1700808"/>
-            <a:ext cx="10585176" cy="4699992"/>
-          </a:xfrm>
-          <a:prstGeom prst="rect">
-            <a:avLst/>
-          </a:prstGeom>
-          <a:solidFill>
-            <a:schemeClr val="tx1"/>
-          </a:solidFill>
-        </p:spPr>
-        <p:style>
-          <a:lnRef idx="2">
-            <a:schemeClr val="accent1">
-              <a:shade val="50000"/>
-            </a:schemeClr>
-          </a:lnRef>
-          <a:fillRef idx="1">
-            <a:schemeClr val="accent1"/>
-          </a:fillRef>
-          <a:effectRef idx="0">
-            <a:schemeClr val="accent1"/>
-          </a:effectRef>
-          <a:fontRef idx="minor">
-            <a:schemeClr val="lt1"/>
-          </a:fontRef>
-        </p:style>
-        <p:txBody>
-          <a:bodyPr rtlCol="0" anchor="ctr"/>
-          <a:lstStyle/>
-          <a:p>
-            <a:pPr algn="ctr"/>
-            <a:endParaRPr lang="en-150"/>
-          </a:p>
-        </p:txBody>
-      </p:sp>
-      <p:sp>
-        <p:nvSpPr>
-          <p:cNvPr id="13" name="Title 12"/>
-          <p:cNvSpPr>
-            <a:spLocks noGrp="1"/>
-          </p:cNvSpPr>
-          <p:nvPr>
-            <p:ph type="title"/>
-          </p:nvPr>
-        </p:nvSpPr>
-        <p:spPr/>
-        <p:txBody>
-          <a:bodyPr/>
-          <a:lstStyle/>
-          <a:p>
-            <a:r>
-              <a:rPr lang="en-US" dirty="0"/>
-              <a:t>Examples</a:t>
-            </a:r>
-            <a:endParaRPr dirty="0"/>
-          </a:p>
-        </p:txBody>
-      </p:sp>
-      <p:sp>
-        <p:nvSpPr>
-          <p:cNvPr id="14" name="Content Placeholder 13"/>
-          <p:cNvSpPr>
-            <a:spLocks noGrp="1"/>
-          </p:cNvSpPr>
-          <p:nvPr>
-            <p:ph idx="1"/>
-          </p:nvPr>
-        </p:nvSpPr>
-        <p:spPr/>
-        <p:txBody>
-          <a:bodyPr/>
-          <a:lstStyle/>
-          <a:p>
-            <a:pPr marL="365760" lvl="1" indent="0">
-              <a:buNone/>
-            </a:pPr>
-            <a:endParaRPr lang="en-US" dirty="0"/>
-          </a:p>
-          <a:p>
-            <a:pPr marL="365760" lvl="1" indent="0">
-              <a:buNone/>
-            </a:pPr>
-            <a:endParaRPr lang="en-US" dirty="0"/>
-          </a:p>
-          <a:p>
-            <a:pPr marL="365760" lvl="1" indent="0">
-              <a:buNone/>
-            </a:pPr>
-            <a:endParaRPr lang="en-US" dirty="0"/>
-          </a:p>
-          <a:p>
-            <a:pPr marL="365760" lvl="1" indent="0">
-              <a:buNone/>
-            </a:pPr>
-            <a:endParaRPr lang="en-US" dirty="0"/>
-          </a:p>
-          <a:p>
-            <a:pPr marL="685800" lvl="2" indent="0">
-              <a:buNone/>
-            </a:pPr>
-            <a:endParaRPr lang="en-US" dirty="0"/>
-          </a:p>
-          <a:p>
-            <a:endParaRPr lang="en-150" dirty="0"/>
-          </a:p>
-        </p:txBody>
-      </p:sp>
-      <p:pic>
-        <p:nvPicPr>
-          <p:cNvPr id="3" name="Picture 2" descr="Logo">
-            <a:extLst>
-              <a:ext uri="{FF2B5EF4-FFF2-40B4-BE49-F238E27FC236}">
-                <a16:creationId xmlns:a16="http://schemas.microsoft.com/office/drawing/2014/main" id="{80E2D5B6-C6E5-9E47-7EF9-35ECF0E37DCF}"/>
-              </a:ext>
-            </a:extLst>
-          </p:cNvPr>
-          <p:cNvPicPr>
-            <a:picLocks noChangeAspect="1"/>
-          </p:cNvPicPr>
-          <p:nvPr/>
-        </p:nvPicPr>
-        <p:blipFill>
-          <a:blip r:embed="rId2">
-            <a:extLst>
-              <a:ext uri="{28A0092B-C50C-407E-A947-70E740481C1C}">
-                <a14:useLocalDpi xmlns:a14="http://schemas.microsoft.com/office/drawing/2010/main" val="0"/>
-              </a:ext>
-            </a:extLst>
-          </a:blip>
-          <a:stretch>
-            <a:fillRect/>
-          </a:stretch>
-        </p:blipFill>
-        <p:spPr>
-          <a:xfrm>
-            <a:off x="1415480" y="1787630"/>
-            <a:ext cx="3822685" cy="1089763"/>
-          </a:xfrm>
-          <a:prstGeom prst="rect">
-            <a:avLst/>
-          </a:prstGeom>
-        </p:spPr>
-      </p:pic>
-      <p:pic>
-        <p:nvPicPr>
-          <p:cNvPr id="5" name="Picture 4" descr="A picture containing text">
-            <a:extLst>
-              <a:ext uri="{FF2B5EF4-FFF2-40B4-BE49-F238E27FC236}">
-                <a16:creationId xmlns:a16="http://schemas.microsoft.com/office/drawing/2014/main" id="{2D163FB2-CAD2-085B-9CAE-5AAE06E5C2DB}"/>
-              </a:ext>
-            </a:extLst>
-          </p:cNvPr>
-          <p:cNvPicPr>
-            <a:picLocks noChangeAspect="1"/>
-          </p:cNvPicPr>
-          <p:nvPr/>
-        </p:nvPicPr>
-        <p:blipFill>
-          <a:blip r:embed="rId3">
-            <a:extLst>
-              <a:ext uri="{28A0092B-C50C-407E-A947-70E740481C1C}">
-                <a14:useLocalDpi xmlns:a14="http://schemas.microsoft.com/office/drawing/2010/main" val="0"/>
-              </a:ext>
-            </a:extLst>
-          </a:blip>
-          <a:stretch>
-            <a:fillRect/>
-          </a:stretch>
-        </p:blipFill>
-        <p:spPr>
-          <a:xfrm>
-            <a:off x="1297736" y="3861048"/>
-            <a:ext cx="4876800" cy="2438400"/>
-          </a:xfrm>
-          <a:prstGeom prst="rect">
-            <a:avLst/>
-          </a:prstGeom>
-        </p:spPr>
-      </p:pic>
-      <p:pic>
-        <p:nvPicPr>
-          <p:cNvPr id="8" name="Picture 7" descr="Logo, company name">
-            <a:extLst>
-              <a:ext uri="{FF2B5EF4-FFF2-40B4-BE49-F238E27FC236}">
-                <a16:creationId xmlns:a16="http://schemas.microsoft.com/office/drawing/2014/main" id="{64031EEA-CF71-449E-6F8F-784C66F50D17}"/>
-              </a:ext>
-            </a:extLst>
-          </p:cNvPr>
-          <p:cNvPicPr>
-            <a:picLocks noChangeAspect="1"/>
-          </p:cNvPicPr>
-          <p:nvPr/>
-        </p:nvPicPr>
-        <p:blipFill>
-          <a:blip r:embed="rId4">
-            <a:extLst>
-              <a:ext uri="{28A0092B-C50C-407E-A947-70E740481C1C}">
-                <a14:useLocalDpi xmlns:a14="http://schemas.microsoft.com/office/drawing/2010/main" val="0"/>
-              </a:ext>
-            </a:extLst>
-          </a:blip>
-          <a:stretch>
-            <a:fillRect/>
-          </a:stretch>
-        </p:blipFill>
-        <p:spPr>
-          <a:xfrm>
-            <a:off x="3474975" y="3019189"/>
-            <a:ext cx="3989177" cy="943211"/>
-          </a:xfrm>
-          <a:prstGeom prst="rect">
-            <a:avLst/>
-          </a:prstGeom>
-        </p:spPr>
-      </p:pic>
-      <p:pic>
-        <p:nvPicPr>
-          <p:cNvPr id="10" name="Picture 9" descr="A picture containing text&#10;&#10;Description automatically generated">
-            <a:extLst>
-              <a:ext uri="{FF2B5EF4-FFF2-40B4-BE49-F238E27FC236}">
-                <a16:creationId xmlns:a16="http://schemas.microsoft.com/office/drawing/2014/main" id="{58E65B6A-8568-27F6-C269-90614642C7AF}"/>
-              </a:ext>
-            </a:extLst>
-          </p:cNvPr>
-          <p:cNvPicPr>
-            <a:picLocks noChangeAspect="1"/>
-          </p:cNvPicPr>
-          <p:nvPr/>
-        </p:nvPicPr>
-        <p:blipFill>
-          <a:blip r:embed="rId5">
-            <a:extLst>
-              <a:ext uri="{28A0092B-C50C-407E-A947-70E740481C1C}">
-                <a14:useLocalDpi xmlns:a14="http://schemas.microsoft.com/office/drawing/2010/main" val="0"/>
-              </a:ext>
-            </a:extLst>
-          </a:blip>
-          <a:stretch>
-            <a:fillRect/>
-          </a:stretch>
-        </p:blipFill>
-        <p:spPr>
-          <a:xfrm>
-            <a:off x="8742294" y="2046039"/>
-            <a:ext cx="2286000" cy="1714500"/>
-          </a:xfrm>
-          <a:prstGeom prst="rect">
-            <a:avLst/>
-          </a:prstGeom>
-        </p:spPr>
-      </p:pic>
-      <p:pic>
-        <p:nvPicPr>
-          <p:cNvPr id="12" name="Picture 11" descr="Icon&#10;&#10;Description automatically generated with medium confidence">
-            <a:extLst>
-              <a:ext uri="{FF2B5EF4-FFF2-40B4-BE49-F238E27FC236}">
-                <a16:creationId xmlns:a16="http://schemas.microsoft.com/office/drawing/2014/main" id="{FC225FBB-3D5B-A8BB-D7E9-B4F6FB590DD3}"/>
-              </a:ext>
-            </a:extLst>
-          </p:cNvPr>
-          <p:cNvPicPr>
-            <a:picLocks noChangeAspect="1"/>
-          </p:cNvPicPr>
-          <p:nvPr/>
-        </p:nvPicPr>
-        <p:blipFill>
-          <a:blip r:embed="rId6">
-            <a:extLst>
-              <a:ext uri="{28A0092B-C50C-407E-A947-70E740481C1C}">
-                <a14:useLocalDpi xmlns:a14="http://schemas.microsoft.com/office/drawing/2010/main" val="0"/>
-              </a:ext>
-            </a:extLst>
-          </a:blip>
-          <a:stretch>
-            <a:fillRect/>
-          </a:stretch>
-        </p:blipFill>
-        <p:spPr>
-          <a:xfrm>
-            <a:off x="7464152" y="4105770"/>
-            <a:ext cx="1905000" cy="1905000"/>
-          </a:xfrm>
-          <a:prstGeom prst="rect">
-            <a:avLst/>
-          </a:prstGeom>
-        </p:spPr>
-      </p:pic>
-    </p:spTree>
-    <p:extLst>
-      <p:ext uri="{BB962C8B-B14F-4D97-AF65-F5344CB8AC3E}">
-        <p14:creationId xmlns:p14="http://schemas.microsoft.com/office/powerpoint/2010/main" val="2454944017"/>
-      </p:ext>
-    </p:extLst>
-  </p:cSld>
-  <p:clrMapOvr>
-    <a:masterClrMapping/>
-  </p:clrMapOvr>
-</p:sld>
-</file>
-
-<file path=ppt/slides/slide5.xml><?xml version="1.0" encoding="utf-8"?>
-<p:sld xmlns:a="http://schemas.openxmlformats.org/drawingml/2006/main" xmlns:r="http://schemas.openxmlformats.org/officeDocument/2006/relationships" xmlns:p="http://schemas.openxmlformats.org/presentationml/2006/main">
-  <p:cSld>
-    <p:spTree>
-      <p:nvGrpSpPr>
-        <p:cNvPr id="1" name=""/>
-        <p:cNvGrpSpPr/>
-        <p:nvPr/>
-      </p:nvGrpSpPr>
-      <p:grpSpPr>
-        <a:xfrm>
-          <a:off x="0" y="0"/>
-          <a:ext cx="0" cy="0"/>
-          <a:chOff x="0" y="0"/>
-          <a:chExt cx="0" cy="0"/>
-        </a:xfrm>
-      </p:grpSpPr>
-      <p:pic>
-        <p:nvPicPr>
-          <p:cNvPr id="3" name="Picture 2">
-            <a:extLst>
-              <a:ext uri="{FF2B5EF4-FFF2-40B4-BE49-F238E27FC236}">
-                <a16:creationId xmlns:a16="http://schemas.microsoft.com/office/drawing/2014/main" id="{5BE5F2F1-72C7-F592-66EE-225C39788CFE}"/>
-              </a:ext>
-            </a:extLst>
-          </p:cNvPr>
-          <p:cNvPicPr>
-            <a:picLocks noChangeAspect="1"/>
-          </p:cNvPicPr>
-          <p:nvPr/>
-        </p:nvPicPr>
-        <p:blipFill>
-          <a:blip r:embed="rId2"/>
-          <a:stretch>
-            <a:fillRect/>
-          </a:stretch>
-        </p:blipFill>
-        <p:spPr>
-          <a:xfrm>
-            <a:off x="983432" y="319697"/>
-            <a:ext cx="7776864" cy="6218605"/>
-          </a:xfrm>
-          <a:prstGeom prst="rect">
-            <a:avLst/>
-          </a:prstGeom>
-        </p:spPr>
-      </p:pic>
-      <p:sp>
-        <p:nvSpPr>
-          <p:cNvPr id="4" name="TextBox 3">
-            <a:extLst>
-              <a:ext uri="{FF2B5EF4-FFF2-40B4-BE49-F238E27FC236}">
-                <a16:creationId xmlns:a16="http://schemas.microsoft.com/office/drawing/2014/main" id="{98E82A2D-B61C-3CA0-E233-53E70EC6C397}"/>
-              </a:ext>
-            </a:extLst>
-          </p:cNvPr>
-          <p:cNvSpPr txBox="1"/>
-          <p:nvPr/>
-        </p:nvSpPr>
-        <p:spPr>
-          <a:xfrm>
-            <a:off x="7655496" y="2151728"/>
-            <a:ext cx="4536504" cy="2554545"/>
-          </a:xfrm>
-          <a:prstGeom prst="rect">
-            <a:avLst/>
-          </a:prstGeom>
-          <a:noFill/>
-        </p:spPr>
-        <p:txBody>
-          <a:bodyPr wrap="square" rtlCol="0">
-            <a:spAutoFit/>
-          </a:bodyPr>
-          <a:lstStyle/>
-          <a:p>
-            <a:r>
-              <a:rPr lang="en-US" sz="4000" dirty="0"/>
-              <a:t>a JSON document that stores information about a user named Tom.</a:t>
-            </a:r>
-            <a:endParaRPr lang="en-150" sz="4000" dirty="0"/>
-          </a:p>
-        </p:txBody>
-      </p:sp>
-    </p:spTree>
-    <p:extLst>
-      <p:ext uri="{BB962C8B-B14F-4D97-AF65-F5344CB8AC3E}">
-        <p14:creationId xmlns:p14="http://schemas.microsoft.com/office/powerpoint/2010/main" val="604390311"/>
-      </p:ext>
-    </p:extLst>
-  </p:cSld>
-  <p:clrMapOvr>
-    <a:masterClrMapping/>
-  </p:clrMapOvr>
-</p:sld>
-</file>
-
-<file path=ppt/slides/slide6.xml><?xml version="1.0" encoding="utf-8"?>
-<p:sld xmlns:a="http://schemas.openxmlformats.org/drawingml/2006/main" xmlns:r="http://schemas.openxmlformats.org/officeDocument/2006/relationships" xmlns:p="http://schemas.openxmlformats.org/presentationml/2006/main">
-  <p:cSld>
-    <p:spTree>
-      <p:nvGrpSpPr>
-        <p:cNvPr id="1" name=""/>
-        <p:cNvGrpSpPr/>
-        <p:nvPr/>
-      </p:nvGrpSpPr>
-      <p:grpSpPr>
-        <a:xfrm>
-          <a:off x="0" y="0"/>
-          <a:ext cx="0" cy="0"/>
-          <a:chOff x="0" y="0"/>
-          <a:chExt cx="0" cy="0"/>
-        </a:xfrm>
-      </p:grpSpPr>
-      <p:sp>
-        <p:nvSpPr>
-          <p:cNvPr id="13" name="Title 12"/>
-          <p:cNvSpPr>
-            <a:spLocks noGrp="1"/>
-          </p:cNvSpPr>
-          <p:nvPr>
-            <p:ph type="title"/>
-          </p:nvPr>
-        </p:nvSpPr>
-        <p:spPr/>
-        <p:txBody>
-          <a:bodyPr/>
-          <a:lstStyle/>
-          <a:p>
-            <a:r>
-              <a:rPr lang="en-US" dirty="0"/>
-              <a:t>Key features</a:t>
-            </a:r>
-            <a:endParaRPr dirty="0"/>
-          </a:p>
-        </p:txBody>
-      </p:sp>
-      <p:sp>
-        <p:nvSpPr>
-          <p:cNvPr id="14" name="Content Placeholder 13"/>
-          <p:cNvSpPr>
-            <a:spLocks noGrp="1"/>
-          </p:cNvSpPr>
-          <p:nvPr>
-            <p:ph idx="1"/>
-          </p:nvPr>
-        </p:nvSpPr>
-        <p:spPr/>
-        <p:txBody>
-          <a:bodyPr/>
-          <a:lstStyle/>
-          <a:p>
-            <a:pPr algn="just"/>
-            <a:r>
-              <a:rPr lang="en-US" dirty="0"/>
-              <a:t>Data is </a:t>
-            </a:r>
-            <a:r>
-              <a:rPr lang="en-US" b="1" dirty="0"/>
-              <a:t>stored in documents</a:t>
-            </a:r>
-            <a:r>
-              <a:rPr lang="en-US" dirty="0"/>
-              <a:t> (unlike other databases that store data in structures like tables or graphs).</a:t>
-            </a:r>
-          </a:p>
-          <a:p>
-            <a:pPr algn="just"/>
-            <a:r>
-              <a:rPr lang="en-US" dirty="0"/>
-              <a:t>They have a </a:t>
-            </a:r>
-            <a:r>
-              <a:rPr lang="en-US" b="1" dirty="0"/>
-              <a:t>flexible schema</a:t>
-            </a:r>
-            <a:r>
-              <a:rPr lang="en-US" dirty="0"/>
-              <a:t>, meaning that not all documents in a collection need to have the same fields.</a:t>
-            </a:r>
-          </a:p>
-          <a:p>
-            <a:pPr marL="285750" lvl="1" indent="-285750" algn="just">
-              <a:spcBef>
-                <a:spcPts val="1800"/>
-              </a:spcBef>
-            </a:pPr>
-            <a:r>
-              <a:rPr lang="en-US" sz="2000" dirty="0"/>
-              <a:t>Document databases are </a:t>
-            </a:r>
-            <a:r>
-              <a:rPr lang="en-US" sz="2000" b="1" dirty="0"/>
-              <a:t>distributed</a:t>
-            </a:r>
-            <a:r>
-              <a:rPr lang="en-US" sz="2000" dirty="0"/>
-              <a:t>, which allows for </a:t>
-            </a:r>
-            <a:r>
-              <a:rPr lang="en-US" sz="2000" b="1" dirty="0"/>
-              <a:t>horizontal scaling</a:t>
-            </a:r>
-            <a:r>
-              <a:rPr lang="en-US" sz="2000" dirty="0"/>
-              <a:t> (typically cheaper than vertical scaling) and data distribution. Document databases provide resiliency through replication.</a:t>
-            </a:r>
-          </a:p>
-          <a:p>
-            <a:pPr marL="285750" lvl="1" indent="-285750" algn="just">
-              <a:spcBef>
-                <a:spcPts val="1800"/>
-              </a:spcBef>
-            </a:pPr>
-            <a:r>
-              <a:rPr lang="en-US" sz="2000" dirty="0"/>
-              <a:t>Document databases </a:t>
-            </a:r>
-            <a:r>
-              <a:rPr lang="en-US" sz="2000" b="1" dirty="0"/>
-              <a:t>have an API or query language that allows developers to execute the CRUD operations </a:t>
-            </a:r>
-            <a:r>
-              <a:rPr lang="en-US" sz="2000" dirty="0"/>
-              <a:t>on the database. Developers have the ability to query for documents based on unique identifiers or field values.</a:t>
-            </a:r>
-          </a:p>
-          <a:p>
-            <a:pPr marL="285750" lvl="1" indent="-285750"/>
-            <a:endParaRPr lang="en-US" dirty="0"/>
-          </a:p>
-          <a:p>
-            <a:pPr marL="365760" lvl="1" indent="0">
-              <a:buNone/>
-            </a:pPr>
-            <a:endParaRPr lang="en-US" dirty="0"/>
-          </a:p>
-          <a:p>
-            <a:pPr marL="365760" lvl="1" indent="0">
-              <a:buNone/>
-            </a:pPr>
-            <a:endParaRPr lang="en-US" dirty="0"/>
-          </a:p>
-          <a:p>
-            <a:pPr marL="365760" lvl="1" indent="0">
-              <a:buNone/>
-            </a:pPr>
-            <a:endParaRPr lang="en-US" dirty="0"/>
-          </a:p>
-          <a:p>
-            <a:pPr marL="365760" lvl="1" indent="0">
-              <a:buNone/>
-            </a:pPr>
-            <a:endParaRPr lang="en-US" dirty="0"/>
-          </a:p>
-          <a:p>
-            <a:pPr marL="685800" lvl="2" indent="0">
-              <a:buNone/>
-            </a:pPr>
-            <a:endParaRPr lang="en-US" dirty="0"/>
-          </a:p>
-          <a:p>
-            <a:endParaRPr lang="en-150" dirty="0"/>
-          </a:p>
-        </p:txBody>
-      </p:sp>
-      <p:sp>
-        <p:nvSpPr>
-          <p:cNvPr id="2" name="TextBox 1">
-            <a:extLst>
-              <a:ext uri="{FF2B5EF4-FFF2-40B4-BE49-F238E27FC236}">
-                <a16:creationId xmlns:a16="http://schemas.microsoft.com/office/drawing/2014/main" id="{54DE6E72-FF45-EA85-F0D3-D956A4F1FD9E}"/>
-              </a:ext>
-            </a:extLst>
-          </p:cNvPr>
-          <p:cNvSpPr txBox="1"/>
-          <p:nvPr/>
-        </p:nvSpPr>
-        <p:spPr>
-          <a:xfrm>
-            <a:off x="6196904" y="6231523"/>
-            <a:ext cx="4471096" cy="338554"/>
-          </a:xfrm>
-          <a:prstGeom prst="rect">
-            <a:avLst/>
-          </a:prstGeom>
-          <a:noFill/>
-        </p:spPr>
-        <p:txBody>
-          <a:bodyPr wrap="none" rtlCol="0">
-            <a:spAutoFit/>
-          </a:bodyPr>
-          <a:lstStyle/>
-          <a:p>
-            <a:r>
-              <a:rPr lang="en-US" sz="1600" dirty="0"/>
-              <a:t>NOTE: a group of documents is called a </a:t>
-            </a:r>
-            <a:r>
-              <a:rPr lang="en-US" sz="1600" b="1" dirty="0">
-                <a:solidFill>
-                  <a:schemeClr val="accent1"/>
-                </a:solidFill>
-              </a:rPr>
-              <a:t>collection</a:t>
-            </a:r>
-            <a:endParaRPr lang="en-150" sz="1600" b="1" dirty="0">
-              <a:solidFill>
-                <a:schemeClr val="accent1"/>
-              </a:solidFill>
-            </a:endParaRPr>
-          </a:p>
-        </p:txBody>
-      </p:sp>
-    </p:spTree>
-    <p:extLst>
-      <p:ext uri="{BB962C8B-B14F-4D97-AF65-F5344CB8AC3E}">
-        <p14:creationId xmlns:p14="http://schemas.microsoft.com/office/powerpoint/2010/main" val="1172309352"/>
-      </p:ext>
-    </p:extLst>
-  </p:cSld>
-  <p:clrMapOvr>
-    <a:masterClrMapping/>
-  </p:clrMapOvr>
-</p:sld>
-</file>
-
-<file path=ppt/slides/slide7.xml><?xml version="1.0" encoding="utf-8"?>
-<p:sld xmlns:a="http://schemas.openxmlformats.org/drawingml/2006/main" xmlns:r="http://schemas.openxmlformats.org/officeDocument/2006/relationships" xmlns:p="http://schemas.openxmlformats.org/presentationml/2006/main">
-  <p:cSld>
-    <p:spTree>
-      <p:nvGrpSpPr>
-        <p:cNvPr id="1" name=""/>
-        <p:cNvGrpSpPr/>
-        <p:nvPr/>
-      </p:nvGrpSpPr>
-      <p:grpSpPr>
-        <a:xfrm>
-          <a:off x="0" y="0"/>
-          <a:ext cx="0" cy="0"/>
-          <a:chOff x="0" y="0"/>
-          <a:chExt cx="0" cy="0"/>
-        </a:xfrm>
-      </p:grpSpPr>
-      <p:sp>
-        <p:nvSpPr>
-          <p:cNvPr id="13" name="Title 12"/>
-          <p:cNvSpPr>
-            <a:spLocks noGrp="1"/>
-          </p:cNvSpPr>
-          <p:nvPr>
-            <p:ph type="title"/>
-          </p:nvPr>
-        </p:nvSpPr>
-        <p:spPr/>
-        <p:txBody>
-          <a:bodyPr/>
-          <a:lstStyle/>
-          <a:p>
-            <a:r>
-              <a:rPr lang="en-US" dirty="0"/>
-              <a:t>Example</a:t>
-            </a:r>
-            <a:r>
-              <a:rPr lang="el-GR" dirty="0"/>
-              <a:t> </a:t>
-            </a:r>
-            <a:r>
-              <a:rPr lang="en-US" dirty="0"/>
-              <a:t>in MongoDB</a:t>
-            </a:r>
-            <a:endParaRPr dirty="0"/>
-          </a:p>
-        </p:txBody>
-      </p:sp>
-      <p:sp>
-        <p:nvSpPr>
-          <p:cNvPr id="5" name="TextBox 4">
-            <a:extLst>
-              <a:ext uri="{FF2B5EF4-FFF2-40B4-BE49-F238E27FC236}">
-                <a16:creationId xmlns:a16="http://schemas.microsoft.com/office/drawing/2014/main" id="{A5A62BC5-181E-97CF-F97D-7E780C46BA55}"/>
-              </a:ext>
-            </a:extLst>
-          </p:cNvPr>
-          <p:cNvSpPr txBox="1"/>
-          <p:nvPr/>
-        </p:nvSpPr>
-        <p:spPr>
-          <a:xfrm>
-            <a:off x="1524000" y="1916832"/>
-            <a:ext cx="9540552" cy="923330"/>
-          </a:xfrm>
-          <a:prstGeom prst="rect">
-            <a:avLst/>
-          </a:prstGeom>
-          <a:noFill/>
-        </p:spPr>
-        <p:txBody>
-          <a:bodyPr wrap="square" rtlCol="0">
-            <a:spAutoFit/>
-          </a:bodyPr>
-          <a:lstStyle/>
-          <a:p>
-            <a:r>
-              <a:rPr lang="en-US" b="1" i="0" dirty="0">
-                <a:solidFill>
-                  <a:schemeClr val="accent1"/>
-                </a:solidFill>
-                <a:effectLst/>
-                <a:latin typeface="source-code-pro"/>
-              </a:rPr>
-              <a:t>Query:</a:t>
-            </a:r>
-          </a:p>
-          <a:p>
-            <a:endParaRPr lang="en-US" b="1" dirty="0">
-              <a:solidFill>
-                <a:schemeClr val="accent1"/>
-              </a:solidFill>
-              <a:latin typeface="source-code-pro"/>
-            </a:endParaRPr>
-          </a:p>
-          <a:p>
-            <a:r>
-              <a:rPr lang="en-US" dirty="0" err="1"/>
-              <a:t>db.people.update</a:t>
-            </a:r>
-            <a:r>
-              <a:rPr lang="en-US" dirty="0"/>
-              <a:t>( { name: “John" }, {rating: 1, score: 1 }, { </a:t>
-            </a:r>
-            <a:r>
-              <a:rPr lang="en-US" dirty="0" err="1"/>
-              <a:t>upsert</a:t>
-            </a:r>
-            <a:r>
-              <a:rPr lang="en-US" dirty="0"/>
-              <a:t>: true } )</a:t>
-            </a:r>
-            <a:r>
-              <a:rPr lang="en-US" b="1" i="0" dirty="0">
-                <a:solidFill>
-                  <a:schemeClr val="accent1"/>
-                </a:solidFill>
-                <a:effectLst/>
-                <a:latin typeface="source-code-pro"/>
-              </a:rPr>
-              <a:t>		</a:t>
-            </a:r>
-          </a:p>
-        </p:txBody>
-      </p:sp>
-    </p:spTree>
-    <p:extLst>
-      <p:ext uri="{BB962C8B-B14F-4D97-AF65-F5344CB8AC3E}">
-        <p14:creationId xmlns:p14="http://schemas.microsoft.com/office/powerpoint/2010/main" val="3724619272"/>
-      </p:ext>
-    </p:extLst>
-  </p:cSld>
-  <p:clrMapOvr>
-    <a:masterClrMapping/>
-  </p:clrMapOvr>
-</p:sld>
-</file>
-
-<file path=ppt/slides/slide8.xml><?xml version="1.0" encoding="utf-8"?>
-<p:sld xmlns:a="http://schemas.openxmlformats.org/drawingml/2006/main" xmlns:r="http://schemas.openxmlformats.org/officeDocument/2006/relationships" xmlns:p="http://schemas.openxmlformats.org/presentationml/2006/main">
-  <p:cSld>
-    <p:spTree>
-      <p:nvGrpSpPr>
-        <p:cNvPr id="1" name=""/>
-        <p:cNvGrpSpPr/>
-        <p:nvPr/>
-      </p:nvGrpSpPr>
-      <p:grpSpPr>
-        <a:xfrm>
-          <a:off x="0" y="0"/>
-          <a:ext cx="0" cy="0"/>
-          <a:chOff x="0" y="0"/>
-          <a:chExt cx="0" cy="0"/>
-        </a:xfrm>
-      </p:grpSpPr>
-      <p:sp>
-        <p:nvSpPr>
-          <p:cNvPr id="13" name="Title 12"/>
-          <p:cNvSpPr>
-            <a:spLocks noGrp="1"/>
-          </p:cNvSpPr>
-          <p:nvPr>
-            <p:ph type="title"/>
-          </p:nvPr>
-        </p:nvSpPr>
-        <p:spPr/>
-        <p:txBody>
-          <a:bodyPr/>
-          <a:lstStyle/>
-          <a:p>
-            <a:r>
-              <a:rPr lang="en-US" dirty="0"/>
-              <a:t>Differences between relational DBs</a:t>
-            </a:r>
-            <a:endParaRPr dirty="0"/>
-          </a:p>
-        </p:txBody>
-      </p:sp>
-      <p:sp>
-        <p:nvSpPr>
-          <p:cNvPr id="14" name="Content Placeholder 13"/>
-          <p:cNvSpPr>
-            <a:spLocks noGrp="1"/>
-          </p:cNvSpPr>
-          <p:nvPr>
-            <p:ph idx="1"/>
-          </p:nvPr>
-        </p:nvSpPr>
-        <p:spPr/>
-        <p:txBody>
-          <a:bodyPr>
-            <a:normAutofit lnSpcReduction="10000"/>
-          </a:bodyPr>
-          <a:lstStyle/>
-          <a:p>
-            <a:pPr algn="just"/>
-            <a:r>
-              <a:rPr lang="en-US" dirty="0"/>
-              <a:t>Documents map to the objects in code, so they are much more natural to work with. There is no need to decompose data across tables, run expensive joins, or integrate a separate Object Relational Mapping (ORM) layer. Data that is accessed together is stored together, so developers have less code to write and end users get higher performance.</a:t>
-            </a:r>
-          </a:p>
-          <a:p>
-            <a:pPr algn="just"/>
-            <a:r>
-              <a:rPr lang="en-US" dirty="0"/>
-              <a:t>The ubiquity of JSON documents</a:t>
-            </a:r>
-          </a:p>
-          <a:p>
-            <a:pPr marL="365760" lvl="1" indent="0" algn="just">
-              <a:buNone/>
-            </a:pPr>
-            <a:r>
-              <a:rPr lang="en-US" dirty="0"/>
-              <a:t>JSON documents are lightweight, language-independent, and human-readable. Documents are a superset of all other data models so developers can structure data in the way their applications need — rich objects, key-value pairs, tables, geospatial and time-series data, or the nodes and edges of a graph.</a:t>
-            </a:r>
-          </a:p>
-          <a:p>
-            <a:pPr marL="266700" lvl="1" indent="-266700" algn="just">
-              <a:spcBef>
-                <a:spcPts val="1800"/>
-              </a:spcBef>
-            </a:pPr>
-            <a:r>
-              <a:rPr lang="en-US" sz="2000" dirty="0"/>
-              <a:t>A document’s schema is dynamic and self-describing, so developers don’t need to first pre-define it in the database. Fields can vary from document to document. Developers can modify the structure at any time, avoiding disruptive schema migrations.</a:t>
-            </a:r>
-          </a:p>
-          <a:p>
-            <a:pPr marL="365760" lvl="1" indent="0">
-              <a:buNone/>
-            </a:pPr>
-            <a:endParaRPr lang="en-US" dirty="0"/>
-          </a:p>
-          <a:p>
-            <a:pPr marL="365760" lvl="1" indent="0">
-              <a:buNone/>
-            </a:pPr>
-            <a:endParaRPr lang="en-US" dirty="0"/>
-          </a:p>
-          <a:p>
-            <a:pPr marL="365760" lvl="1" indent="0">
-              <a:buNone/>
-            </a:pPr>
-            <a:endParaRPr lang="en-US" dirty="0"/>
-          </a:p>
-          <a:p>
-            <a:pPr marL="365760" lvl="1" indent="0">
-              <a:buNone/>
-            </a:pPr>
-            <a:endParaRPr lang="en-US" dirty="0"/>
-          </a:p>
-          <a:p>
-            <a:pPr marL="685800" lvl="2" indent="0">
-              <a:buNone/>
-            </a:pPr>
-            <a:endParaRPr lang="en-US" dirty="0"/>
-          </a:p>
-          <a:p>
-            <a:endParaRPr lang="en-150" dirty="0"/>
-          </a:p>
-        </p:txBody>
-      </p:sp>
-    </p:spTree>
-    <p:extLst>
-      <p:ext uri="{BB962C8B-B14F-4D97-AF65-F5344CB8AC3E}">
-        <p14:creationId xmlns:p14="http://schemas.microsoft.com/office/powerpoint/2010/main" val="996117117"/>
-      </p:ext>
-    </p:extLst>
-  </p:cSld>
-  <p:clrMapOvr>
-    <a:masterClrMapping/>
-  </p:clrMapOvr>
-</p:sld>
-</file>
-
-<file path=ppt/slides/slide9.xml><?xml version="1.0" encoding="utf-8"?>
-<p:sld xmlns:a="http://schemas.openxmlformats.org/drawingml/2006/main" xmlns:r="http://schemas.openxmlformats.org/officeDocument/2006/relationships" xmlns:p="http://schemas.openxmlformats.org/presentationml/2006/main">
-  <p:cSld>
-    <p:spTree>
-      <p:nvGrpSpPr>
-        <p:cNvPr id="1" name=""/>
-        <p:cNvGrpSpPr/>
-        <p:nvPr/>
-      </p:nvGrpSpPr>
-      <p:grpSpPr>
-        <a:xfrm>
-          <a:off x="0" y="0"/>
-          <a:ext cx="0" cy="0"/>
-          <a:chOff x="0" y="0"/>
-          <a:chExt cx="0" cy="0"/>
-        </a:xfrm>
-      </p:grpSpPr>
-      <p:sp>
-        <p:nvSpPr>
           <p:cNvPr id="2" name="Title 1"/>
           <p:cNvSpPr>
             <a:spLocks noGrp="1"/>
@@ -7332,6 +6070,2663 @@
     <p:extLst>
       <p:ext uri="{BB962C8B-B14F-4D97-AF65-F5344CB8AC3E}">
         <p14:creationId xmlns:p14="http://schemas.microsoft.com/office/powerpoint/2010/main" val="4145261392"/>
+      </p:ext>
+    </p:extLst>
+  </p:cSld>
+  <p:clrMapOvr>
+    <a:masterClrMapping/>
+  </p:clrMapOvr>
+</p:sld>
+</file>
+
+<file path=ppt/slides/slide11.xml><?xml version="1.0" encoding="utf-8"?>
+<p:sld xmlns:a="http://schemas.openxmlformats.org/drawingml/2006/main" xmlns:r="http://schemas.openxmlformats.org/officeDocument/2006/relationships" xmlns:p="http://schemas.openxmlformats.org/presentationml/2006/main">
+  <p:cSld>
+    <p:spTree>
+      <p:nvGrpSpPr>
+        <p:cNvPr id="1" name=""/>
+        <p:cNvGrpSpPr/>
+        <p:nvPr/>
+      </p:nvGrpSpPr>
+      <p:grpSpPr>
+        <a:xfrm>
+          <a:off x="0" y="0"/>
+          <a:ext cx="0" cy="0"/>
+          <a:chOff x="0" y="0"/>
+          <a:chExt cx="0" cy="0"/>
+        </a:xfrm>
+      </p:grpSpPr>
+      <p:sp>
+        <p:nvSpPr>
+          <p:cNvPr id="13" name="Title 12"/>
+          <p:cNvSpPr>
+            <a:spLocks noGrp="1"/>
+          </p:cNvSpPr>
+          <p:nvPr>
+            <p:ph type="title"/>
+          </p:nvPr>
+        </p:nvSpPr>
+        <p:spPr/>
+        <p:txBody>
+          <a:bodyPr/>
+          <a:lstStyle/>
+          <a:p>
+            <a:r>
+              <a:rPr lang="en-US" dirty="0"/>
+              <a:t>Disadvantages of document databases</a:t>
+            </a:r>
+            <a:endParaRPr dirty="0"/>
+          </a:p>
+        </p:txBody>
+      </p:sp>
+      <p:sp>
+        <p:nvSpPr>
+          <p:cNvPr id="14" name="Content Placeholder 13"/>
+          <p:cNvSpPr>
+            <a:spLocks noGrp="1"/>
+          </p:cNvSpPr>
+          <p:nvPr>
+            <p:ph idx="1"/>
+          </p:nvPr>
+        </p:nvSpPr>
+        <p:spPr/>
+        <p:txBody>
+          <a:bodyPr/>
+          <a:lstStyle/>
+          <a:p>
+            <a:pPr algn="just"/>
+            <a:r>
+              <a:rPr lang="en-US" b="1" dirty="0"/>
+              <a:t>Atomicity: </a:t>
+            </a:r>
+            <a:r>
+              <a:rPr lang="en-US" dirty="0"/>
+              <a:t>For document databases, a change involving two collections will require you to run two separate queries (per collection). This breaks </a:t>
+            </a:r>
+            <a:r>
+              <a:rPr lang="en-US" b="1" dirty="0"/>
+              <a:t>atomicity</a:t>
+            </a:r>
+            <a:r>
+              <a:rPr lang="en-US" dirty="0"/>
+              <a:t> requirements.</a:t>
+            </a:r>
+          </a:p>
+          <a:p>
+            <a:pPr marL="285750" lvl="1" indent="-285750" algn="just">
+              <a:spcBef>
+                <a:spcPts val="1800"/>
+              </a:spcBef>
+            </a:pPr>
+            <a:r>
+              <a:rPr lang="en-US" sz="2000" b="1" dirty="0"/>
+              <a:t>Complexity:</a:t>
+            </a:r>
+            <a:r>
+              <a:rPr lang="en-US" sz="2000" dirty="0"/>
+              <a:t> Not designed to handle relational data, lack of JOINs.</a:t>
+            </a:r>
+          </a:p>
+          <a:p>
+            <a:pPr marL="285750" lvl="1" indent="-285750" algn="just">
+              <a:spcBef>
+                <a:spcPts val="1800"/>
+              </a:spcBef>
+            </a:pPr>
+            <a:r>
+              <a:rPr lang="en-US" sz="2000" b="1" dirty="0"/>
+              <a:t>Security: </a:t>
+            </a:r>
+            <a:r>
+              <a:rPr lang="en-US" sz="2000" dirty="0"/>
+              <a:t>Lack of ACID makes data less trustworthy sometimes, SQL injection.</a:t>
+            </a:r>
+            <a:endParaRPr lang="en-US" sz="2000" b="1" dirty="0"/>
+          </a:p>
+          <a:p>
+            <a:pPr marL="285750" lvl="1" indent="-285750"/>
+            <a:endParaRPr lang="en-US" dirty="0"/>
+          </a:p>
+          <a:p>
+            <a:pPr marL="365760" lvl="1" indent="0">
+              <a:buNone/>
+            </a:pPr>
+            <a:endParaRPr lang="en-US" dirty="0"/>
+          </a:p>
+          <a:p>
+            <a:pPr marL="365760" lvl="1" indent="0">
+              <a:buNone/>
+            </a:pPr>
+            <a:endParaRPr lang="en-US" dirty="0"/>
+          </a:p>
+          <a:p>
+            <a:pPr marL="365760" lvl="1" indent="0">
+              <a:buNone/>
+            </a:pPr>
+            <a:endParaRPr lang="en-US" dirty="0"/>
+          </a:p>
+          <a:p>
+            <a:pPr marL="365760" lvl="1" indent="0">
+              <a:buNone/>
+            </a:pPr>
+            <a:endParaRPr lang="en-US" dirty="0"/>
+          </a:p>
+          <a:p>
+            <a:pPr marL="685800" lvl="2" indent="0">
+              <a:buNone/>
+            </a:pPr>
+            <a:endParaRPr lang="en-US" dirty="0"/>
+          </a:p>
+          <a:p>
+            <a:endParaRPr lang="en-150" dirty="0"/>
+          </a:p>
+        </p:txBody>
+      </p:sp>
+    </p:spTree>
+    <p:extLst>
+      <p:ext uri="{BB962C8B-B14F-4D97-AF65-F5344CB8AC3E}">
+        <p14:creationId xmlns:p14="http://schemas.microsoft.com/office/powerpoint/2010/main" val="732944432"/>
+      </p:ext>
+    </p:extLst>
+  </p:cSld>
+  <p:clrMapOvr>
+    <a:masterClrMapping/>
+  </p:clrMapOvr>
+</p:sld>
+</file>
+
+<file path=ppt/slides/slide12.xml><?xml version="1.0" encoding="utf-8"?>
+<p:sld xmlns:a="http://schemas.openxmlformats.org/drawingml/2006/main" xmlns:r="http://schemas.openxmlformats.org/officeDocument/2006/relationships" xmlns:p="http://schemas.openxmlformats.org/presentationml/2006/main">
+  <p:cSld>
+    <p:spTree>
+      <p:nvGrpSpPr>
+        <p:cNvPr id="1" name=""/>
+        <p:cNvGrpSpPr/>
+        <p:nvPr/>
+      </p:nvGrpSpPr>
+      <p:grpSpPr>
+        <a:xfrm>
+          <a:off x="0" y="0"/>
+          <a:ext cx="0" cy="0"/>
+          <a:chOff x="0" y="0"/>
+          <a:chExt cx="0" cy="0"/>
+        </a:xfrm>
+      </p:grpSpPr>
+      <p:sp>
+        <p:nvSpPr>
+          <p:cNvPr id="6" name="Rectangle 5">
+            <a:extLst>
+              <a:ext uri="{FF2B5EF4-FFF2-40B4-BE49-F238E27FC236}">
+                <a16:creationId xmlns:a16="http://schemas.microsoft.com/office/drawing/2014/main" id="{0DA8015F-C73B-2C06-204E-A90C401E542D}"/>
+              </a:ext>
+            </a:extLst>
+          </p:cNvPr>
+          <p:cNvSpPr/>
+          <p:nvPr/>
+        </p:nvSpPr>
+        <p:spPr>
+          <a:xfrm>
+            <a:off x="767408" y="1700808"/>
+            <a:ext cx="10585176" cy="4699992"/>
+          </a:xfrm>
+          <a:prstGeom prst="rect">
+            <a:avLst/>
+          </a:prstGeom>
+          <a:solidFill>
+            <a:schemeClr val="tx1"/>
+          </a:solidFill>
+        </p:spPr>
+        <p:style>
+          <a:lnRef idx="2">
+            <a:schemeClr val="accent1">
+              <a:shade val="50000"/>
+            </a:schemeClr>
+          </a:lnRef>
+          <a:fillRef idx="1">
+            <a:schemeClr val="accent1"/>
+          </a:fillRef>
+          <a:effectRef idx="0">
+            <a:schemeClr val="accent1"/>
+          </a:effectRef>
+          <a:fontRef idx="minor">
+            <a:schemeClr val="lt1"/>
+          </a:fontRef>
+        </p:style>
+        <p:txBody>
+          <a:bodyPr rtlCol="0" anchor="ctr"/>
+          <a:lstStyle/>
+          <a:p>
+            <a:pPr algn="ctr"/>
+            <a:endParaRPr lang="en-150"/>
+          </a:p>
+        </p:txBody>
+      </p:sp>
+      <p:sp>
+        <p:nvSpPr>
+          <p:cNvPr id="13" name="Title 12"/>
+          <p:cNvSpPr>
+            <a:spLocks noGrp="1"/>
+          </p:cNvSpPr>
+          <p:nvPr>
+            <p:ph type="title"/>
+          </p:nvPr>
+        </p:nvSpPr>
+        <p:spPr/>
+        <p:txBody>
+          <a:bodyPr/>
+          <a:lstStyle/>
+          <a:p>
+            <a:r>
+              <a:rPr lang="en-US" dirty="0"/>
+              <a:t>Use cases</a:t>
+            </a:r>
+            <a:endParaRPr dirty="0"/>
+          </a:p>
+        </p:txBody>
+      </p:sp>
+      <p:sp>
+        <p:nvSpPr>
+          <p:cNvPr id="14" name="Content Placeholder 13"/>
+          <p:cNvSpPr>
+            <a:spLocks noGrp="1"/>
+          </p:cNvSpPr>
+          <p:nvPr>
+            <p:ph idx="1"/>
+          </p:nvPr>
+        </p:nvSpPr>
+        <p:spPr/>
+        <p:txBody>
+          <a:bodyPr/>
+          <a:lstStyle/>
+          <a:p>
+            <a:pPr marL="365760" lvl="1" indent="0">
+              <a:buNone/>
+            </a:pPr>
+            <a:endParaRPr lang="en-US" dirty="0"/>
+          </a:p>
+          <a:p>
+            <a:pPr marL="365760" lvl="1" indent="0">
+              <a:buNone/>
+            </a:pPr>
+            <a:endParaRPr lang="en-US" dirty="0"/>
+          </a:p>
+          <a:p>
+            <a:pPr marL="365760" lvl="1" indent="0">
+              <a:buNone/>
+            </a:pPr>
+            <a:endParaRPr lang="en-US" dirty="0"/>
+          </a:p>
+          <a:p>
+            <a:pPr marL="365760" lvl="1" indent="0">
+              <a:buNone/>
+            </a:pPr>
+            <a:endParaRPr lang="en-US" dirty="0"/>
+          </a:p>
+          <a:p>
+            <a:pPr marL="685800" lvl="2" indent="0">
+              <a:buNone/>
+            </a:pPr>
+            <a:endParaRPr lang="en-US" dirty="0"/>
+          </a:p>
+          <a:p>
+            <a:endParaRPr lang="en-150" dirty="0"/>
+          </a:p>
+        </p:txBody>
+      </p:sp>
+      <p:pic>
+        <p:nvPicPr>
+          <p:cNvPr id="4" name="Picture 3" descr="A picture containing application">
+            <a:extLst>
+              <a:ext uri="{FF2B5EF4-FFF2-40B4-BE49-F238E27FC236}">
+                <a16:creationId xmlns:a16="http://schemas.microsoft.com/office/drawing/2014/main" id="{8BB664E7-7BC5-656F-D6E4-2B7BDF00F911}"/>
+              </a:ext>
+            </a:extLst>
+          </p:cNvPr>
+          <p:cNvPicPr>
+            <a:picLocks noChangeAspect="1"/>
+          </p:cNvPicPr>
+          <p:nvPr/>
+        </p:nvPicPr>
+        <p:blipFill>
+          <a:blip r:embed="rId2" cstate="print">
+            <a:extLst>
+              <a:ext uri="{28A0092B-C50C-407E-A947-70E740481C1C}">
+                <a14:useLocalDpi xmlns:a14="http://schemas.microsoft.com/office/drawing/2010/main" val="0"/>
+              </a:ext>
+            </a:extLst>
+          </a:blip>
+          <a:stretch>
+            <a:fillRect/>
+          </a:stretch>
+        </p:blipFill>
+        <p:spPr>
+          <a:xfrm>
+            <a:off x="4405950" y="3305355"/>
+            <a:ext cx="2582857" cy="1598315"/>
+          </a:xfrm>
+          <a:prstGeom prst="rect">
+            <a:avLst/>
+          </a:prstGeom>
+        </p:spPr>
+      </p:pic>
+      <p:pic>
+        <p:nvPicPr>
+          <p:cNvPr id="9" name="Picture 8" descr="Chart, histogram">
+            <a:extLst>
+              <a:ext uri="{FF2B5EF4-FFF2-40B4-BE49-F238E27FC236}">
+                <a16:creationId xmlns:a16="http://schemas.microsoft.com/office/drawing/2014/main" id="{0E0C80DF-33FA-2D8B-4744-7765539557E9}"/>
+              </a:ext>
+            </a:extLst>
+          </p:cNvPr>
+          <p:cNvPicPr>
+            <a:picLocks noChangeAspect="1"/>
+          </p:cNvPicPr>
+          <p:nvPr/>
+        </p:nvPicPr>
+        <p:blipFill>
+          <a:blip r:embed="rId3" cstate="print">
+            <a:extLst>
+              <a:ext uri="{28A0092B-C50C-407E-A947-70E740481C1C}">
+                <a14:useLocalDpi xmlns:a14="http://schemas.microsoft.com/office/drawing/2010/main" val="0"/>
+              </a:ext>
+            </a:extLst>
+          </a:blip>
+          <a:stretch>
+            <a:fillRect/>
+          </a:stretch>
+        </p:blipFill>
+        <p:spPr>
+          <a:xfrm>
+            <a:off x="7447311" y="1968323"/>
+            <a:ext cx="2459208" cy="1844406"/>
+          </a:xfrm>
+          <a:prstGeom prst="rect">
+            <a:avLst/>
+          </a:prstGeom>
+        </p:spPr>
+      </p:pic>
+      <p:pic>
+        <p:nvPicPr>
+          <p:cNvPr id="15" name="Picture 14" descr="A picture containing text, electronics, parking, remote control&#10;&#10;Description automatically generated">
+            <a:extLst>
+              <a:ext uri="{FF2B5EF4-FFF2-40B4-BE49-F238E27FC236}">
+                <a16:creationId xmlns:a16="http://schemas.microsoft.com/office/drawing/2014/main" id="{B2EDF393-C76C-E75C-E35A-AA9077391C1F}"/>
+              </a:ext>
+            </a:extLst>
+          </p:cNvPr>
+          <p:cNvPicPr>
+            <a:picLocks noChangeAspect="1"/>
+          </p:cNvPicPr>
+          <p:nvPr/>
+        </p:nvPicPr>
+        <p:blipFill>
+          <a:blip r:embed="rId4" cstate="print">
+            <a:extLst>
+              <a:ext uri="{28A0092B-C50C-407E-A947-70E740481C1C}">
+                <a14:useLocalDpi xmlns:a14="http://schemas.microsoft.com/office/drawing/2010/main" val="0"/>
+              </a:ext>
+            </a:extLst>
+          </a:blip>
+          <a:stretch>
+            <a:fillRect/>
+          </a:stretch>
+        </p:blipFill>
+        <p:spPr>
+          <a:xfrm>
+            <a:off x="2120265" y="1988840"/>
+            <a:ext cx="1796622" cy="1793628"/>
+          </a:xfrm>
+          <a:prstGeom prst="rect">
+            <a:avLst/>
+          </a:prstGeom>
+        </p:spPr>
+      </p:pic>
+      <p:pic>
+        <p:nvPicPr>
+          <p:cNvPr id="17" name="Picture 16" descr="A picture containing text, electronics&#10;&#10;Description automatically generated">
+            <a:extLst>
+              <a:ext uri="{FF2B5EF4-FFF2-40B4-BE49-F238E27FC236}">
+                <a16:creationId xmlns:a16="http://schemas.microsoft.com/office/drawing/2014/main" id="{F9CD6AF0-86BB-A22C-E424-A9F4FD6E575B}"/>
+              </a:ext>
+            </a:extLst>
+          </p:cNvPr>
+          <p:cNvPicPr>
+            <a:picLocks noChangeAspect="1"/>
+          </p:cNvPicPr>
+          <p:nvPr/>
+        </p:nvPicPr>
+        <p:blipFill>
+          <a:blip r:embed="rId5" cstate="print">
+            <a:extLst>
+              <a:ext uri="{28A0092B-C50C-407E-A947-70E740481C1C}">
+                <a14:useLocalDpi xmlns:a14="http://schemas.microsoft.com/office/drawing/2010/main" val="0"/>
+              </a:ext>
+            </a:extLst>
+          </a:blip>
+          <a:stretch>
+            <a:fillRect/>
+          </a:stretch>
+        </p:blipFill>
+        <p:spPr>
+          <a:xfrm>
+            <a:off x="1343472" y="4370292"/>
+            <a:ext cx="1514692" cy="1514692"/>
+          </a:xfrm>
+          <a:prstGeom prst="rect">
+            <a:avLst/>
+          </a:prstGeom>
+        </p:spPr>
+      </p:pic>
+      <p:pic>
+        <p:nvPicPr>
+          <p:cNvPr id="19" name="Picture 18" descr="Graphical user interface&#10;&#10;Description automatically generated">
+            <a:extLst>
+              <a:ext uri="{FF2B5EF4-FFF2-40B4-BE49-F238E27FC236}">
+                <a16:creationId xmlns:a16="http://schemas.microsoft.com/office/drawing/2014/main" id="{7CE52AC4-E0EC-FADD-3B65-F0CABB275F04}"/>
+              </a:ext>
+            </a:extLst>
+          </p:cNvPr>
+          <p:cNvPicPr>
+            <a:picLocks noChangeAspect="1"/>
+          </p:cNvPicPr>
+          <p:nvPr/>
+        </p:nvPicPr>
+        <p:blipFill>
+          <a:blip r:embed="rId6" cstate="print">
+            <a:extLst>
+              <a:ext uri="{28A0092B-C50C-407E-A947-70E740481C1C}">
+                <a14:useLocalDpi xmlns:a14="http://schemas.microsoft.com/office/drawing/2010/main" val="0"/>
+              </a:ext>
+            </a:extLst>
+          </a:blip>
+          <a:stretch>
+            <a:fillRect/>
+          </a:stretch>
+        </p:blipFill>
+        <p:spPr>
+          <a:xfrm>
+            <a:off x="7752184" y="4370292"/>
+            <a:ext cx="2609129" cy="1674191"/>
+          </a:xfrm>
+          <a:prstGeom prst="rect">
+            <a:avLst/>
+          </a:prstGeom>
+        </p:spPr>
+      </p:pic>
+    </p:spTree>
+    <p:extLst>
+      <p:ext uri="{BB962C8B-B14F-4D97-AF65-F5344CB8AC3E}">
+        <p14:creationId xmlns:p14="http://schemas.microsoft.com/office/powerpoint/2010/main" val="3153547958"/>
+      </p:ext>
+    </p:extLst>
+  </p:cSld>
+  <p:clrMapOvr>
+    <a:masterClrMapping/>
+  </p:clrMapOvr>
+</p:sld>
+</file>
+
+<file path=ppt/slides/slide13.xml><?xml version="1.0" encoding="utf-8"?>
+<p:sld xmlns:a="http://schemas.openxmlformats.org/drawingml/2006/main" xmlns:r="http://schemas.openxmlformats.org/officeDocument/2006/relationships" xmlns:p="http://schemas.openxmlformats.org/presentationml/2006/main">
+  <p:cSld>
+    <p:spTree>
+      <p:nvGrpSpPr>
+        <p:cNvPr id="1" name=""/>
+        <p:cNvGrpSpPr/>
+        <p:nvPr/>
+      </p:nvGrpSpPr>
+      <p:grpSpPr>
+        <a:xfrm>
+          <a:off x="0" y="0"/>
+          <a:ext cx="0" cy="0"/>
+          <a:chOff x="0" y="0"/>
+          <a:chExt cx="0" cy="0"/>
+        </a:xfrm>
+      </p:grpSpPr>
+      <p:sp>
+        <p:nvSpPr>
+          <p:cNvPr id="13" name="Title 12"/>
+          <p:cNvSpPr>
+            <a:spLocks noGrp="1"/>
+          </p:cNvSpPr>
+          <p:nvPr>
+            <p:ph type="title"/>
+          </p:nvPr>
+        </p:nvSpPr>
+        <p:spPr/>
+        <p:txBody>
+          <a:bodyPr/>
+          <a:lstStyle/>
+          <a:p>
+            <a:r>
+              <a:rPr lang="en-US" dirty="0"/>
+              <a:t>REFERENCES</a:t>
+            </a:r>
+            <a:endParaRPr dirty="0"/>
+          </a:p>
+        </p:txBody>
+      </p:sp>
+      <p:sp>
+        <p:nvSpPr>
+          <p:cNvPr id="14" name="Content Placeholder 13"/>
+          <p:cNvSpPr>
+            <a:spLocks noGrp="1"/>
+          </p:cNvSpPr>
+          <p:nvPr>
+            <p:ph idx="1"/>
+          </p:nvPr>
+        </p:nvSpPr>
+        <p:spPr/>
+        <p:txBody>
+          <a:bodyPr/>
+          <a:lstStyle/>
+          <a:p>
+            <a:r>
+              <a:rPr lang="en-US" dirty="0"/>
+              <a:t>Link: </a:t>
+            </a:r>
+            <a:r>
+              <a:rPr lang="en-US" dirty="0">
+                <a:hlinkClick r:id="rId2"/>
+              </a:rPr>
+              <a:t>https://www.mongodb.com/document-databases</a:t>
+            </a:r>
+            <a:r>
+              <a:rPr lang="en-US" dirty="0"/>
+              <a:t> </a:t>
+            </a:r>
+            <a:endParaRPr dirty="0"/>
+          </a:p>
+          <a:p>
+            <a:r>
+              <a:rPr lang="en-US" dirty="0"/>
+              <a:t>Link: </a:t>
+            </a:r>
+            <a:r>
+              <a:rPr lang="en-US" dirty="0">
+                <a:hlinkClick r:id="rId3"/>
+              </a:rPr>
+              <a:t>https://database.guide/what-is-a-document-store-database/</a:t>
+            </a:r>
+            <a:endParaRPr lang="en-US" dirty="0"/>
+          </a:p>
+          <a:p>
+            <a:r>
+              <a:rPr lang="en-US" dirty="0"/>
+              <a:t>Link: </a:t>
+            </a:r>
+            <a:r>
+              <a:rPr lang="en-US" dirty="0">
+                <a:hlinkClick r:id="rId4"/>
+              </a:rPr>
+              <a:t>https://phoenixnap.com/kb/document-database</a:t>
+            </a:r>
+            <a:r>
+              <a:rPr lang="en-US" dirty="0"/>
+              <a:t>  </a:t>
+            </a:r>
+            <a:endParaRPr dirty="0"/>
+          </a:p>
+          <a:p>
+            <a:r>
+              <a:rPr lang="en-US" dirty="0"/>
+              <a:t>Lectures from lesson “Technologies for Big Data Analytics”</a:t>
+            </a:r>
+            <a:endParaRPr dirty="0"/>
+          </a:p>
+        </p:txBody>
+      </p:sp>
+    </p:spTree>
+    <p:extLst>
+      <p:ext uri="{BB962C8B-B14F-4D97-AF65-F5344CB8AC3E}">
+        <p14:creationId xmlns:p14="http://schemas.microsoft.com/office/powerpoint/2010/main" val="2902951903"/>
+      </p:ext>
+    </p:extLst>
+  </p:cSld>
+  <p:clrMapOvr>
+    <a:masterClrMapping/>
+  </p:clrMapOvr>
+</p:sld>
+</file>
+
+<file path=ppt/slides/slide14.xml><?xml version="1.0" encoding="utf-8"?>
+<p:sld xmlns:a="http://schemas.openxmlformats.org/drawingml/2006/main" xmlns:r="http://schemas.openxmlformats.org/officeDocument/2006/relationships" xmlns:p="http://schemas.openxmlformats.org/presentationml/2006/main">
+  <p:cSld>
+    <p:spTree>
+      <p:nvGrpSpPr>
+        <p:cNvPr id="1" name=""/>
+        <p:cNvGrpSpPr/>
+        <p:nvPr/>
+      </p:nvGrpSpPr>
+      <p:grpSpPr>
+        <a:xfrm>
+          <a:off x="0" y="0"/>
+          <a:ext cx="0" cy="0"/>
+          <a:chOff x="0" y="0"/>
+          <a:chExt cx="0" cy="0"/>
+        </a:xfrm>
+      </p:grpSpPr>
+      <p:sp>
+        <p:nvSpPr>
+          <p:cNvPr id="2" name="Title 1"/>
+          <p:cNvSpPr>
+            <a:spLocks noGrp="1"/>
+          </p:cNvSpPr>
+          <p:nvPr>
+            <p:ph type="title"/>
+          </p:nvPr>
+        </p:nvSpPr>
+        <p:spPr>
+          <a:xfrm>
+            <a:off x="4136064" y="3021242"/>
+            <a:ext cx="3919872" cy="815516"/>
+          </a:xfrm>
+        </p:spPr>
+        <p:txBody>
+          <a:bodyPr>
+            <a:normAutofit/>
+          </a:bodyPr>
+          <a:lstStyle/>
+          <a:p>
+            <a:pPr algn="ctr"/>
+            <a:r>
+              <a:rPr lang="en-US" sz="4800" b="1" dirty="0"/>
+              <a:t>THANK YOU!</a:t>
+            </a:r>
+            <a:endParaRPr sz="4800" b="1" dirty="0"/>
+          </a:p>
+        </p:txBody>
+      </p:sp>
+    </p:spTree>
+    <p:extLst>
+      <p:ext uri="{BB962C8B-B14F-4D97-AF65-F5344CB8AC3E}">
+        <p14:creationId xmlns:p14="http://schemas.microsoft.com/office/powerpoint/2010/main" val="215988672"/>
+      </p:ext>
+    </p:extLst>
+  </p:cSld>
+  <p:clrMapOvr>
+    <a:masterClrMapping/>
+  </p:clrMapOvr>
+</p:sld>
+</file>
+
+<file path=ppt/slides/slide15.xml><?xml version="1.0" encoding="utf-8"?>
+<p:sld xmlns:a="http://schemas.openxmlformats.org/drawingml/2006/main" xmlns:r="http://schemas.openxmlformats.org/officeDocument/2006/relationships" xmlns:p="http://schemas.openxmlformats.org/presentationml/2006/main">
+  <p:cSld>
+    <p:spTree>
+      <p:nvGrpSpPr>
+        <p:cNvPr id="1" name=""/>
+        <p:cNvGrpSpPr/>
+        <p:nvPr/>
+      </p:nvGrpSpPr>
+      <p:grpSpPr>
+        <a:xfrm>
+          <a:off x="0" y="0"/>
+          <a:ext cx="0" cy="0"/>
+          <a:chOff x="0" y="0"/>
+          <a:chExt cx="0" cy="0"/>
+        </a:xfrm>
+      </p:grpSpPr>
+      <p:sp>
+        <p:nvSpPr>
+          <p:cNvPr id="2" name="Title 1">
+            <a:extLst>
+              <a:ext uri="{FF2B5EF4-FFF2-40B4-BE49-F238E27FC236}">
+                <a16:creationId xmlns:a16="http://schemas.microsoft.com/office/drawing/2014/main" id="{C6C0C478-3CBE-0AEA-97DA-3A1AE5A0C703}"/>
+              </a:ext>
+            </a:extLst>
+          </p:cNvPr>
+          <p:cNvSpPr>
+            <a:spLocks noGrp="1"/>
+          </p:cNvSpPr>
+          <p:nvPr>
+            <p:ph type="ctrTitle"/>
+          </p:nvPr>
+        </p:nvSpPr>
+        <p:spPr/>
+        <p:txBody>
+          <a:bodyPr/>
+          <a:lstStyle/>
+          <a:p>
+            <a:r>
+              <a:rPr lang="en-US" dirty="0"/>
+              <a:t>QUESTIONS</a:t>
+            </a:r>
+            <a:endParaRPr lang="en-150" dirty="0"/>
+          </a:p>
+        </p:txBody>
+      </p:sp>
+    </p:spTree>
+    <p:extLst>
+      <p:ext uri="{BB962C8B-B14F-4D97-AF65-F5344CB8AC3E}">
+        <p14:creationId xmlns:p14="http://schemas.microsoft.com/office/powerpoint/2010/main" val="3464752401"/>
+      </p:ext>
+    </p:extLst>
+  </p:cSld>
+  <p:clrMapOvr>
+    <a:masterClrMapping/>
+  </p:clrMapOvr>
+</p:sld>
+</file>
+
+<file path=ppt/slides/slide2.xml><?xml version="1.0" encoding="utf-8"?>
+<p:sld xmlns:a="http://schemas.openxmlformats.org/drawingml/2006/main" xmlns:r="http://schemas.openxmlformats.org/officeDocument/2006/relationships" xmlns:p="http://schemas.openxmlformats.org/presentationml/2006/main">
+  <p:cSld>
+    <p:spTree>
+      <p:nvGrpSpPr>
+        <p:cNvPr id="1" name=""/>
+        <p:cNvGrpSpPr/>
+        <p:nvPr/>
+      </p:nvGrpSpPr>
+      <p:grpSpPr>
+        <a:xfrm>
+          <a:off x="0" y="0"/>
+          <a:ext cx="0" cy="0"/>
+          <a:chOff x="0" y="0"/>
+          <a:chExt cx="0" cy="0"/>
+        </a:xfrm>
+      </p:grpSpPr>
+      <p:sp>
+        <p:nvSpPr>
+          <p:cNvPr id="13" name="Title 12"/>
+          <p:cNvSpPr>
+            <a:spLocks noGrp="1"/>
+          </p:cNvSpPr>
+          <p:nvPr>
+            <p:ph type="title"/>
+          </p:nvPr>
+        </p:nvSpPr>
+        <p:spPr/>
+        <p:txBody>
+          <a:bodyPr/>
+          <a:lstStyle/>
+          <a:p>
+            <a:r>
+              <a:rPr lang="en-US" dirty="0"/>
+              <a:t>Content</a:t>
+            </a:r>
+            <a:endParaRPr dirty="0"/>
+          </a:p>
+        </p:txBody>
+      </p:sp>
+      <p:sp>
+        <p:nvSpPr>
+          <p:cNvPr id="14" name="Content Placeholder 13"/>
+          <p:cNvSpPr>
+            <a:spLocks noGrp="1"/>
+          </p:cNvSpPr>
+          <p:nvPr>
+            <p:ph idx="1"/>
+          </p:nvPr>
+        </p:nvSpPr>
+        <p:spPr/>
+        <p:txBody>
+          <a:bodyPr/>
+          <a:lstStyle/>
+          <a:p>
+            <a:r>
+              <a:rPr lang="en-US" dirty="0"/>
+              <a:t>Document stores</a:t>
+            </a:r>
+            <a:endParaRPr dirty="0"/>
+          </a:p>
+          <a:p>
+            <a:r>
+              <a:rPr lang="en-US" dirty="0"/>
+              <a:t>Key features of document stores</a:t>
+            </a:r>
+            <a:endParaRPr dirty="0"/>
+          </a:p>
+          <a:p>
+            <a:r>
+              <a:rPr lang="en-US" dirty="0"/>
+              <a:t>Differences between relational DBs</a:t>
+            </a:r>
+          </a:p>
+          <a:p>
+            <a:r>
+              <a:rPr lang="en-US" dirty="0"/>
+              <a:t>Disadvantages</a:t>
+            </a:r>
+          </a:p>
+          <a:p>
+            <a:r>
+              <a:rPr lang="en-US" dirty="0"/>
+              <a:t>Use cases</a:t>
+            </a:r>
+            <a:endParaRPr dirty="0"/>
+          </a:p>
+        </p:txBody>
+      </p:sp>
+    </p:spTree>
+    <p:extLst>
+      <p:ext uri="{BB962C8B-B14F-4D97-AF65-F5344CB8AC3E}">
+        <p14:creationId xmlns:p14="http://schemas.microsoft.com/office/powerpoint/2010/main" val="3042826300"/>
+      </p:ext>
+    </p:extLst>
+  </p:cSld>
+  <p:clrMapOvr>
+    <a:masterClrMapping/>
+  </p:clrMapOvr>
+</p:sld>
+</file>
+
+<file path=ppt/slides/slide3.xml><?xml version="1.0" encoding="utf-8"?>
+<p:sld xmlns:a="http://schemas.openxmlformats.org/drawingml/2006/main" xmlns:r="http://schemas.openxmlformats.org/officeDocument/2006/relationships" xmlns:p="http://schemas.openxmlformats.org/presentationml/2006/main">
+  <p:cSld>
+    <p:spTree>
+      <p:nvGrpSpPr>
+        <p:cNvPr id="1" name=""/>
+        <p:cNvGrpSpPr/>
+        <p:nvPr/>
+      </p:nvGrpSpPr>
+      <p:grpSpPr>
+        <a:xfrm>
+          <a:off x="0" y="0"/>
+          <a:ext cx="0" cy="0"/>
+          <a:chOff x="0" y="0"/>
+          <a:chExt cx="0" cy="0"/>
+        </a:xfrm>
+      </p:grpSpPr>
+      <p:sp>
+        <p:nvSpPr>
+          <p:cNvPr id="13" name="Title 12"/>
+          <p:cNvSpPr>
+            <a:spLocks noGrp="1"/>
+          </p:cNvSpPr>
+          <p:nvPr>
+            <p:ph type="title"/>
+          </p:nvPr>
+        </p:nvSpPr>
+        <p:spPr/>
+        <p:txBody>
+          <a:bodyPr/>
+          <a:lstStyle/>
+          <a:p>
+            <a:r>
+              <a:rPr lang="en-US" dirty="0"/>
+              <a:t>What is a document store?</a:t>
+            </a:r>
+            <a:endParaRPr dirty="0"/>
+          </a:p>
+        </p:txBody>
+      </p:sp>
+      <p:sp>
+        <p:nvSpPr>
+          <p:cNvPr id="14" name="Content Placeholder 13"/>
+          <p:cNvSpPr>
+            <a:spLocks noGrp="1"/>
+          </p:cNvSpPr>
+          <p:nvPr>
+            <p:ph idx="1"/>
+          </p:nvPr>
+        </p:nvSpPr>
+        <p:spPr/>
+        <p:txBody>
+          <a:bodyPr/>
+          <a:lstStyle/>
+          <a:p>
+            <a:pPr algn="just"/>
+            <a:r>
+              <a:rPr lang="en-US" dirty="0"/>
+              <a:t>A </a:t>
+            </a:r>
+            <a:r>
+              <a:rPr lang="en-US" b="1" dirty="0"/>
+              <a:t>document store</a:t>
+            </a:r>
+            <a:r>
+              <a:rPr lang="en-US" dirty="0"/>
+              <a:t> (also known as a document-oriented database or a document database) is a database that stores and retrieves information in documents (i.e. JSON or XML).</a:t>
+            </a:r>
+          </a:p>
+          <a:p>
+            <a:pPr algn="just"/>
+            <a:r>
+              <a:rPr lang="en-US" dirty="0"/>
+              <a:t>Non-relational databases. Instead of storing data in fixed rows and columns, document databases use flexible documents.</a:t>
+            </a:r>
+          </a:p>
+          <a:p>
+            <a:pPr algn="just"/>
+            <a:r>
+              <a:rPr lang="en-US" dirty="0"/>
+              <a:t>2-way access:</a:t>
+            </a:r>
+          </a:p>
+          <a:p>
+            <a:pPr marL="365760" lvl="1" indent="0" algn="just">
+              <a:buNone/>
+            </a:pPr>
+            <a:r>
+              <a:rPr lang="en-US" dirty="0"/>
+              <a:t>By key-value</a:t>
+            </a:r>
+          </a:p>
+          <a:p>
+            <a:pPr marL="365760" lvl="1" indent="0" algn="just">
+              <a:spcBef>
+                <a:spcPts val="1800"/>
+              </a:spcBef>
+              <a:buNone/>
+            </a:pPr>
+            <a:r>
+              <a:rPr lang="en-US" dirty="0"/>
+              <a:t>By an attribute value</a:t>
+            </a:r>
+          </a:p>
+          <a:p>
+            <a:pPr marL="285750" lvl="1" indent="-285750" algn="just">
+              <a:spcBef>
+                <a:spcPts val="1800"/>
+              </a:spcBef>
+            </a:pPr>
+            <a:r>
+              <a:rPr lang="en-US" sz="2000" dirty="0"/>
+              <a:t>Flexible, Fast, Scalable, </a:t>
+            </a:r>
+            <a:r>
+              <a:rPr lang="en-US" sz="2000" dirty="0" err="1"/>
+              <a:t>Schemaless</a:t>
+            </a:r>
+            <a:endParaRPr lang="en-US" sz="2000" dirty="0"/>
+          </a:p>
+          <a:p>
+            <a:pPr marL="285750" lvl="1" indent="-285750"/>
+            <a:endParaRPr lang="en-US" dirty="0"/>
+          </a:p>
+          <a:p>
+            <a:pPr marL="365760" lvl="1" indent="0">
+              <a:buNone/>
+            </a:pPr>
+            <a:endParaRPr lang="en-US" dirty="0"/>
+          </a:p>
+          <a:p>
+            <a:pPr marL="365760" lvl="1" indent="0">
+              <a:buNone/>
+            </a:pPr>
+            <a:endParaRPr lang="en-US" dirty="0"/>
+          </a:p>
+          <a:p>
+            <a:pPr marL="365760" lvl="1" indent="0">
+              <a:buNone/>
+            </a:pPr>
+            <a:endParaRPr lang="en-US" dirty="0"/>
+          </a:p>
+          <a:p>
+            <a:pPr marL="365760" lvl="1" indent="0">
+              <a:buNone/>
+            </a:pPr>
+            <a:endParaRPr lang="en-US" dirty="0"/>
+          </a:p>
+          <a:p>
+            <a:pPr marL="685800" lvl="2" indent="0">
+              <a:buNone/>
+            </a:pPr>
+            <a:endParaRPr lang="en-US" dirty="0"/>
+          </a:p>
+          <a:p>
+            <a:endParaRPr lang="en-150" dirty="0"/>
+          </a:p>
+        </p:txBody>
+      </p:sp>
+    </p:spTree>
+    <p:extLst>
+      <p:ext uri="{BB962C8B-B14F-4D97-AF65-F5344CB8AC3E}">
+        <p14:creationId xmlns:p14="http://schemas.microsoft.com/office/powerpoint/2010/main" val="4244308619"/>
+      </p:ext>
+    </p:extLst>
+  </p:cSld>
+  <p:clrMapOvr>
+    <a:masterClrMapping/>
+  </p:clrMapOvr>
+</p:sld>
+</file>
+
+<file path=ppt/slides/slide4.xml><?xml version="1.0" encoding="utf-8"?>
+<p:sld xmlns:a="http://schemas.openxmlformats.org/drawingml/2006/main" xmlns:r="http://schemas.openxmlformats.org/officeDocument/2006/relationships" xmlns:p="http://schemas.openxmlformats.org/presentationml/2006/main">
+  <p:cSld>
+    <p:spTree>
+      <p:nvGrpSpPr>
+        <p:cNvPr id="1" name=""/>
+        <p:cNvGrpSpPr/>
+        <p:nvPr/>
+      </p:nvGrpSpPr>
+      <p:grpSpPr>
+        <a:xfrm>
+          <a:off x="0" y="0"/>
+          <a:ext cx="0" cy="0"/>
+          <a:chOff x="0" y="0"/>
+          <a:chExt cx="0" cy="0"/>
+        </a:xfrm>
+      </p:grpSpPr>
+      <p:sp>
+        <p:nvSpPr>
+          <p:cNvPr id="6" name="Rectangle 5">
+            <a:extLst>
+              <a:ext uri="{FF2B5EF4-FFF2-40B4-BE49-F238E27FC236}">
+                <a16:creationId xmlns:a16="http://schemas.microsoft.com/office/drawing/2014/main" id="{0DA8015F-C73B-2C06-204E-A90C401E542D}"/>
+              </a:ext>
+            </a:extLst>
+          </p:cNvPr>
+          <p:cNvSpPr/>
+          <p:nvPr/>
+        </p:nvSpPr>
+        <p:spPr>
+          <a:xfrm>
+            <a:off x="803412" y="1700808"/>
+            <a:ext cx="10585176" cy="4699992"/>
+          </a:xfrm>
+          <a:prstGeom prst="rect">
+            <a:avLst/>
+          </a:prstGeom>
+          <a:solidFill>
+            <a:schemeClr val="tx1"/>
+          </a:solidFill>
+        </p:spPr>
+        <p:style>
+          <a:lnRef idx="2">
+            <a:schemeClr val="accent1">
+              <a:shade val="50000"/>
+            </a:schemeClr>
+          </a:lnRef>
+          <a:fillRef idx="1">
+            <a:schemeClr val="accent1"/>
+          </a:fillRef>
+          <a:effectRef idx="0">
+            <a:schemeClr val="accent1"/>
+          </a:effectRef>
+          <a:fontRef idx="minor">
+            <a:schemeClr val="lt1"/>
+          </a:fontRef>
+        </p:style>
+        <p:txBody>
+          <a:bodyPr rtlCol="0" anchor="ctr"/>
+          <a:lstStyle/>
+          <a:p>
+            <a:pPr algn="ctr"/>
+            <a:endParaRPr lang="en-150"/>
+          </a:p>
+        </p:txBody>
+      </p:sp>
+      <p:sp>
+        <p:nvSpPr>
+          <p:cNvPr id="13" name="Title 12"/>
+          <p:cNvSpPr>
+            <a:spLocks noGrp="1"/>
+          </p:cNvSpPr>
+          <p:nvPr>
+            <p:ph type="title"/>
+          </p:nvPr>
+        </p:nvSpPr>
+        <p:spPr/>
+        <p:txBody>
+          <a:bodyPr/>
+          <a:lstStyle/>
+          <a:p>
+            <a:r>
+              <a:rPr lang="en-US" dirty="0"/>
+              <a:t>Examples</a:t>
+            </a:r>
+            <a:endParaRPr dirty="0"/>
+          </a:p>
+        </p:txBody>
+      </p:sp>
+      <p:sp>
+        <p:nvSpPr>
+          <p:cNvPr id="14" name="Content Placeholder 13"/>
+          <p:cNvSpPr>
+            <a:spLocks noGrp="1"/>
+          </p:cNvSpPr>
+          <p:nvPr>
+            <p:ph idx="1"/>
+          </p:nvPr>
+        </p:nvSpPr>
+        <p:spPr/>
+        <p:txBody>
+          <a:bodyPr/>
+          <a:lstStyle/>
+          <a:p>
+            <a:pPr marL="365760" lvl="1" indent="0">
+              <a:buNone/>
+            </a:pPr>
+            <a:endParaRPr lang="en-US" dirty="0"/>
+          </a:p>
+          <a:p>
+            <a:pPr marL="365760" lvl="1" indent="0">
+              <a:buNone/>
+            </a:pPr>
+            <a:endParaRPr lang="en-US" dirty="0"/>
+          </a:p>
+          <a:p>
+            <a:pPr marL="365760" lvl="1" indent="0">
+              <a:buNone/>
+            </a:pPr>
+            <a:endParaRPr lang="en-US" dirty="0"/>
+          </a:p>
+          <a:p>
+            <a:pPr marL="365760" lvl="1" indent="0">
+              <a:buNone/>
+            </a:pPr>
+            <a:endParaRPr lang="en-US" dirty="0"/>
+          </a:p>
+          <a:p>
+            <a:pPr marL="685800" lvl="2" indent="0">
+              <a:buNone/>
+            </a:pPr>
+            <a:endParaRPr lang="en-US" dirty="0"/>
+          </a:p>
+          <a:p>
+            <a:endParaRPr lang="en-150" dirty="0"/>
+          </a:p>
+        </p:txBody>
+      </p:sp>
+      <p:pic>
+        <p:nvPicPr>
+          <p:cNvPr id="3" name="Picture 2" descr="Logo">
+            <a:extLst>
+              <a:ext uri="{FF2B5EF4-FFF2-40B4-BE49-F238E27FC236}">
+                <a16:creationId xmlns:a16="http://schemas.microsoft.com/office/drawing/2014/main" id="{80E2D5B6-C6E5-9E47-7EF9-35ECF0E37DCF}"/>
+              </a:ext>
+            </a:extLst>
+          </p:cNvPr>
+          <p:cNvPicPr>
+            <a:picLocks noChangeAspect="1"/>
+          </p:cNvPicPr>
+          <p:nvPr/>
+        </p:nvPicPr>
+        <p:blipFill>
+          <a:blip r:embed="rId2" cstate="print">
+            <a:extLst>
+              <a:ext uri="{28A0092B-C50C-407E-A947-70E740481C1C}">
+                <a14:useLocalDpi xmlns:a14="http://schemas.microsoft.com/office/drawing/2010/main" val="0"/>
+              </a:ext>
+            </a:extLst>
+          </a:blip>
+          <a:stretch>
+            <a:fillRect/>
+          </a:stretch>
+        </p:blipFill>
+        <p:spPr>
+          <a:xfrm>
+            <a:off x="1415480" y="1787630"/>
+            <a:ext cx="3822685" cy="1089763"/>
+          </a:xfrm>
+          <a:prstGeom prst="rect">
+            <a:avLst/>
+          </a:prstGeom>
+        </p:spPr>
+      </p:pic>
+      <p:pic>
+        <p:nvPicPr>
+          <p:cNvPr id="5" name="Picture 4" descr="A picture containing text">
+            <a:extLst>
+              <a:ext uri="{FF2B5EF4-FFF2-40B4-BE49-F238E27FC236}">
+                <a16:creationId xmlns:a16="http://schemas.microsoft.com/office/drawing/2014/main" id="{2D163FB2-CAD2-085B-9CAE-5AAE06E5C2DB}"/>
+              </a:ext>
+            </a:extLst>
+          </p:cNvPr>
+          <p:cNvPicPr>
+            <a:picLocks noChangeAspect="1"/>
+          </p:cNvPicPr>
+          <p:nvPr/>
+        </p:nvPicPr>
+        <p:blipFill>
+          <a:blip r:embed="rId3">
+            <a:extLst>
+              <a:ext uri="{28A0092B-C50C-407E-A947-70E740481C1C}">
+                <a14:useLocalDpi xmlns:a14="http://schemas.microsoft.com/office/drawing/2010/main" val="0"/>
+              </a:ext>
+            </a:extLst>
+          </a:blip>
+          <a:stretch>
+            <a:fillRect/>
+          </a:stretch>
+        </p:blipFill>
+        <p:spPr>
+          <a:xfrm>
+            <a:off x="1297736" y="3861048"/>
+            <a:ext cx="4876800" cy="2438400"/>
+          </a:xfrm>
+          <a:prstGeom prst="rect">
+            <a:avLst/>
+          </a:prstGeom>
+        </p:spPr>
+      </p:pic>
+      <p:pic>
+        <p:nvPicPr>
+          <p:cNvPr id="8" name="Picture 7" descr="Logo, company name">
+            <a:extLst>
+              <a:ext uri="{FF2B5EF4-FFF2-40B4-BE49-F238E27FC236}">
+                <a16:creationId xmlns:a16="http://schemas.microsoft.com/office/drawing/2014/main" id="{64031EEA-CF71-449E-6F8F-784C66F50D17}"/>
+              </a:ext>
+            </a:extLst>
+          </p:cNvPr>
+          <p:cNvPicPr>
+            <a:picLocks noChangeAspect="1"/>
+          </p:cNvPicPr>
+          <p:nvPr/>
+        </p:nvPicPr>
+        <p:blipFill>
+          <a:blip r:embed="rId4">
+            <a:extLst>
+              <a:ext uri="{28A0092B-C50C-407E-A947-70E740481C1C}">
+                <a14:useLocalDpi xmlns:a14="http://schemas.microsoft.com/office/drawing/2010/main" val="0"/>
+              </a:ext>
+            </a:extLst>
+          </a:blip>
+          <a:stretch>
+            <a:fillRect/>
+          </a:stretch>
+        </p:blipFill>
+        <p:spPr>
+          <a:xfrm>
+            <a:off x="3474975" y="3019189"/>
+            <a:ext cx="3989177" cy="943211"/>
+          </a:xfrm>
+          <a:prstGeom prst="rect">
+            <a:avLst/>
+          </a:prstGeom>
+        </p:spPr>
+      </p:pic>
+      <p:pic>
+        <p:nvPicPr>
+          <p:cNvPr id="10" name="Picture 9" descr="A picture containing text&#10;&#10;Description automatically generated">
+            <a:extLst>
+              <a:ext uri="{FF2B5EF4-FFF2-40B4-BE49-F238E27FC236}">
+                <a16:creationId xmlns:a16="http://schemas.microsoft.com/office/drawing/2014/main" id="{58E65B6A-8568-27F6-C269-90614642C7AF}"/>
+              </a:ext>
+            </a:extLst>
+          </p:cNvPr>
+          <p:cNvPicPr>
+            <a:picLocks noChangeAspect="1"/>
+          </p:cNvPicPr>
+          <p:nvPr/>
+        </p:nvPicPr>
+        <p:blipFill>
+          <a:blip r:embed="rId5">
+            <a:extLst>
+              <a:ext uri="{28A0092B-C50C-407E-A947-70E740481C1C}">
+                <a14:useLocalDpi xmlns:a14="http://schemas.microsoft.com/office/drawing/2010/main" val="0"/>
+              </a:ext>
+            </a:extLst>
+          </a:blip>
+          <a:stretch>
+            <a:fillRect/>
+          </a:stretch>
+        </p:blipFill>
+        <p:spPr>
+          <a:xfrm>
+            <a:off x="8742294" y="2046039"/>
+            <a:ext cx="2286000" cy="1714500"/>
+          </a:xfrm>
+          <a:prstGeom prst="rect">
+            <a:avLst/>
+          </a:prstGeom>
+        </p:spPr>
+      </p:pic>
+      <p:pic>
+        <p:nvPicPr>
+          <p:cNvPr id="12" name="Picture 11" descr="Icon&#10;&#10;Description automatically generated with medium confidence">
+            <a:extLst>
+              <a:ext uri="{FF2B5EF4-FFF2-40B4-BE49-F238E27FC236}">
+                <a16:creationId xmlns:a16="http://schemas.microsoft.com/office/drawing/2014/main" id="{FC225FBB-3D5B-A8BB-D7E9-B4F6FB590DD3}"/>
+              </a:ext>
+            </a:extLst>
+          </p:cNvPr>
+          <p:cNvPicPr>
+            <a:picLocks noChangeAspect="1"/>
+          </p:cNvPicPr>
+          <p:nvPr/>
+        </p:nvPicPr>
+        <p:blipFill>
+          <a:blip r:embed="rId6">
+            <a:extLst>
+              <a:ext uri="{28A0092B-C50C-407E-A947-70E740481C1C}">
+                <a14:useLocalDpi xmlns:a14="http://schemas.microsoft.com/office/drawing/2010/main" val="0"/>
+              </a:ext>
+            </a:extLst>
+          </a:blip>
+          <a:stretch>
+            <a:fillRect/>
+          </a:stretch>
+        </p:blipFill>
+        <p:spPr>
+          <a:xfrm>
+            <a:off x="7464152" y="4105770"/>
+            <a:ext cx="1905000" cy="1905000"/>
+          </a:xfrm>
+          <a:prstGeom prst="rect">
+            <a:avLst/>
+          </a:prstGeom>
+        </p:spPr>
+      </p:pic>
+    </p:spTree>
+    <p:extLst>
+      <p:ext uri="{BB962C8B-B14F-4D97-AF65-F5344CB8AC3E}">
+        <p14:creationId xmlns:p14="http://schemas.microsoft.com/office/powerpoint/2010/main" val="2454944017"/>
+      </p:ext>
+    </p:extLst>
+  </p:cSld>
+  <p:clrMapOvr>
+    <a:masterClrMapping/>
+  </p:clrMapOvr>
+</p:sld>
+</file>
+
+<file path=ppt/slides/slide5.xml><?xml version="1.0" encoding="utf-8"?>
+<p:sld xmlns:a="http://schemas.openxmlformats.org/drawingml/2006/main" xmlns:r="http://schemas.openxmlformats.org/officeDocument/2006/relationships" xmlns:p="http://schemas.openxmlformats.org/presentationml/2006/main">
+  <p:cSld>
+    <p:spTree>
+      <p:nvGrpSpPr>
+        <p:cNvPr id="1" name=""/>
+        <p:cNvGrpSpPr/>
+        <p:nvPr/>
+      </p:nvGrpSpPr>
+      <p:grpSpPr>
+        <a:xfrm>
+          <a:off x="0" y="0"/>
+          <a:ext cx="0" cy="0"/>
+          <a:chOff x="0" y="0"/>
+          <a:chExt cx="0" cy="0"/>
+        </a:xfrm>
+      </p:grpSpPr>
+      <p:pic>
+        <p:nvPicPr>
+          <p:cNvPr id="3" name="Picture 2">
+            <a:extLst>
+              <a:ext uri="{FF2B5EF4-FFF2-40B4-BE49-F238E27FC236}">
+                <a16:creationId xmlns:a16="http://schemas.microsoft.com/office/drawing/2014/main" id="{5BE5F2F1-72C7-F592-66EE-225C39788CFE}"/>
+              </a:ext>
+            </a:extLst>
+          </p:cNvPr>
+          <p:cNvPicPr>
+            <a:picLocks noChangeAspect="1"/>
+          </p:cNvPicPr>
+          <p:nvPr/>
+        </p:nvPicPr>
+        <p:blipFill>
+          <a:blip r:embed="rId2"/>
+          <a:stretch>
+            <a:fillRect/>
+          </a:stretch>
+        </p:blipFill>
+        <p:spPr>
+          <a:xfrm>
+            <a:off x="983432" y="319697"/>
+            <a:ext cx="7776864" cy="6218605"/>
+          </a:xfrm>
+          <a:prstGeom prst="rect">
+            <a:avLst/>
+          </a:prstGeom>
+        </p:spPr>
+      </p:pic>
+      <p:sp>
+        <p:nvSpPr>
+          <p:cNvPr id="4" name="TextBox 3">
+            <a:extLst>
+              <a:ext uri="{FF2B5EF4-FFF2-40B4-BE49-F238E27FC236}">
+                <a16:creationId xmlns:a16="http://schemas.microsoft.com/office/drawing/2014/main" id="{98E82A2D-B61C-3CA0-E233-53E70EC6C397}"/>
+              </a:ext>
+            </a:extLst>
+          </p:cNvPr>
+          <p:cNvSpPr txBox="1"/>
+          <p:nvPr/>
+        </p:nvSpPr>
+        <p:spPr>
+          <a:xfrm>
+            <a:off x="7655496" y="2151728"/>
+            <a:ext cx="4536504" cy="2554545"/>
+          </a:xfrm>
+          <a:prstGeom prst="rect">
+            <a:avLst/>
+          </a:prstGeom>
+          <a:noFill/>
+        </p:spPr>
+        <p:txBody>
+          <a:bodyPr wrap="square" rtlCol="0">
+            <a:spAutoFit/>
+          </a:bodyPr>
+          <a:lstStyle/>
+          <a:p>
+            <a:r>
+              <a:rPr lang="en-US" sz="4000" dirty="0"/>
+              <a:t>a JSON document that stores information about a user named Tom.</a:t>
+            </a:r>
+            <a:endParaRPr lang="en-150" sz="4000" dirty="0"/>
+          </a:p>
+        </p:txBody>
+      </p:sp>
+    </p:spTree>
+    <p:extLst>
+      <p:ext uri="{BB962C8B-B14F-4D97-AF65-F5344CB8AC3E}">
+        <p14:creationId xmlns:p14="http://schemas.microsoft.com/office/powerpoint/2010/main" val="604390311"/>
+      </p:ext>
+    </p:extLst>
+  </p:cSld>
+  <p:clrMapOvr>
+    <a:masterClrMapping/>
+  </p:clrMapOvr>
+</p:sld>
+</file>
+
+<file path=ppt/slides/slide6.xml><?xml version="1.0" encoding="utf-8"?>
+<p:sld xmlns:a="http://schemas.openxmlformats.org/drawingml/2006/main" xmlns:r="http://schemas.openxmlformats.org/officeDocument/2006/relationships" xmlns:p="http://schemas.openxmlformats.org/presentationml/2006/main">
+  <p:cSld>
+    <p:spTree>
+      <p:nvGrpSpPr>
+        <p:cNvPr id="1" name=""/>
+        <p:cNvGrpSpPr/>
+        <p:nvPr/>
+      </p:nvGrpSpPr>
+      <p:grpSpPr>
+        <a:xfrm>
+          <a:off x="0" y="0"/>
+          <a:ext cx="0" cy="0"/>
+          <a:chOff x="0" y="0"/>
+          <a:chExt cx="0" cy="0"/>
+        </a:xfrm>
+      </p:grpSpPr>
+      <p:sp>
+        <p:nvSpPr>
+          <p:cNvPr id="13" name="Title 12"/>
+          <p:cNvSpPr>
+            <a:spLocks noGrp="1"/>
+          </p:cNvSpPr>
+          <p:nvPr>
+            <p:ph type="title"/>
+          </p:nvPr>
+        </p:nvSpPr>
+        <p:spPr/>
+        <p:txBody>
+          <a:bodyPr/>
+          <a:lstStyle/>
+          <a:p>
+            <a:r>
+              <a:rPr lang="en-US" dirty="0"/>
+              <a:t>Key features</a:t>
+            </a:r>
+            <a:endParaRPr dirty="0"/>
+          </a:p>
+        </p:txBody>
+      </p:sp>
+      <p:sp>
+        <p:nvSpPr>
+          <p:cNvPr id="14" name="Content Placeholder 13"/>
+          <p:cNvSpPr>
+            <a:spLocks noGrp="1"/>
+          </p:cNvSpPr>
+          <p:nvPr>
+            <p:ph idx="1"/>
+          </p:nvPr>
+        </p:nvSpPr>
+        <p:spPr/>
+        <p:txBody>
+          <a:bodyPr/>
+          <a:lstStyle/>
+          <a:p>
+            <a:pPr algn="just"/>
+            <a:r>
+              <a:rPr lang="en-US" dirty="0"/>
+              <a:t>Data is </a:t>
+            </a:r>
+            <a:r>
+              <a:rPr lang="en-US" b="1" dirty="0"/>
+              <a:t>stored in documents</a:t>
+            </a:r>
+            <a:r>
+              <a:rPr lang="en-US" dirty="0"/>
+              <a:t> (unlike other databases that store data in structures like tables or graphs).</a:t>
+            </a:r>
+          </a:p>
+          <a:p>
+            <a:pPr algn="just"/>
+            <a:r>
+              <a:rPr lang="en-US" dirty="0"/>
+              <a:t>They have a </a:t>
+            </a:r>
+            <a:r>
+              <a:rPr lang="en-US" b="1" dirty="0"/>
+              <a:t>flexible schema</a:t>
+            </a:r>
+            <a:r>
+              <a:rPr lang="en-US" dirty="0"/>
+              <a:t>, meaning that not all documents in a collection need to have the same fields.</a:t>
+            </a:r>
+          </a:p>
+          <a:p>
+            <a:pPr marL="285750" lvl="1" indent="-285750" algn="just">
+              <a:spcBef>
+                <a:spcPts val="1800"/>
+              </a:spcBef>
+            </a:pPr>
+            <a:r>
+              <a:rPr lang="en-US" sz="2000" dirty="0"/>
+              <a:t>Document databases are </a:t>
+            </a:r>
+            <a:r>
+              <a:rPr lang="en-US" sz="2000" b="1" dirty="0"/>
+              <a:t>distributed</a:t>
+            </a:r>
+            <a:r>
+              <a:rPr lang="en-US" sz="2000" dirty="0"/>
+              <a:t>, which allows for </a:t>
+            </a:r>
+            <a:r>
+              <a:rPr lang="en-US" sz="2000" b="1" dirty="0"/>
+              <a:t>horizontal scaling</a:t>
+            </a:r>
+            <a:r>
+              <a:rPr lang="en-US" sz="2000" dirty="0"/>
+              <a:t> (typically cheaper than vertical scaling) and data distribution. Document databases provide resiliency through replication.</a:t>
+            </a:r>
+          </a:p>
+          <a:p>
+            <a:pPr marL="285750" lvl="1" indent="-285750" algn="just">
+              <a:spcBef>
+                <a:spcPts val="1800"/>
+              </a:spcBef>
+            </a:pPr>
+            <a:r>
+              <a:rPr lang="en-US" sz="2000" dirty="0"/>
+              <a:t>Document databases </a:t>
+            </a:r>
+            <a:r>
+              <a:rPr lang="en-US" sz="2000" b="1" dirty="0"/>
+              <a:t>have an API or query language that allows developers to execute the CRUD operations </a:t>
+            </a:r>
+            <a:r>
+              <a:rPr lang="en-US" sz="2000" dirty="0"/>
+              <a:t>on the database. Developers have the ability to query for documents based on unique identifiers or field values.</a:t>
+            </a:r>
+          </a:p>
+          <a:p>
+            <a:pPr marL="285750" lvl="1" indent="-285750"/>
+            <a:endParaRPr lang="en-US" dirty="0"/>
+          </a:p>
+          <a:p>
+            <a:pPr marL="365760" lvl="1" indent="0">
+              <a:buNone/>
+            </a:pPr>
+            <a:endParaRPr lang="en-US" dirty="0"/>
+          </a:p>
+          <a:p>
+            <a:pPr marL="365760" lvl="1" indent="0">
+              <a:buNone/>
+            </a:pPr>
+            <a:endParaRPr lang="en-US" dirty="0"/>
+          </a:p>
+          <a:p>
+            <a:pPr marL="365760" lvl="1" indent="0">
+              <a:buNone/>
+            </a:pPr>
+            <a:endParaRPr lang="en-US" dirty="0"/>
+          </a:p>
+          <a:p>
+            <a:pPr marL="365760" lvl="1" indent="0">
+              <a:buNone/>
+            </a:pPr>
+            <a:endParaRPr lang="en-US" dirty="0"/>
+          </a:p>
+          <a:p>
+            <a:pPr marL="685800" lvl="2" indent="0">
+              <a:buNone/>
+            </a:pPr>
+            <a:endParaRPr lang="en-US" dirty="0"/>
+          </a:p>
+          <a:p>
+            <a:endParaRPr lang="en-150" dirty="0"/>
+          </a:p>
+        </p:txBody>
+      </p:sp>
+      <p:sp>
+        <p:nvSpPr>
+          <p:cNvPr id="2" name="TextBox 1">
+            <a:extLst>
+              <a:ext uri="{FF2B5EF4-FFF2-40B4-BE49-F238E27FC236}">
+                <a16:creationId xmlns:a16="http://schemas.microsoft.com/office/drawing/2014/main" id="{54DE6E72-FF45-EA85-F0D3-D956A4F1FD9E}"/>
+              </a:ext>
+            </a:extLst>
+          </p:cNvPr>
+          <p:cNvSpPr txBox="1"/>
+          <p:nvPr/>
+        </p:nvSpPr>
+        <p:spPr>
+          <a:xfrm>
+            <a:off x="6196904" y="6231523"/>
+            <a:ext cx="4471096" cy="338554"/>
+          </a:xfrm>
+          <a:prstGeom prst="rect">
+            <a:avLst/>
+          </a:prstGeom>
+          <a:noFill/>
+        </p:spPr>
+        <p:txBody>
+          <a:bodyPr wrap="none" rtlCol="0">
+            <a:spAutoFit/>
+          </a:bodyPr>
+          <a:lstStyle/>
+          <a:p>
+            <a:r>
+              <a:rPr lang="en-US" sz="1600" dirty="0"/>
+              <a:t>NOTE: a group of documents is called a </a:t>
+            </a:r>
+            <a:r>
+              <a:rPr lang="en-US" sz="1600" b="1" dirty="0">
+                <a:solidFill>
+                  <a:schemeClr val="accent1"/>
+                </a:solidFill>
+              </a:rPr>
+              <a:t>collection</a:t>
+            </a:r>
+            <a:endParaRPr lang="en-150" sz="1600" b="1" dirty="0">
+              <a:solidFill>
+                <a:schemeClr val="accent1"/>
+              </a:solidFill>
+            </a:endParaRPr>
+          </a:p>
+        </p:txBody>
+      </p:sp>
+    </p:spTree>
+    <p:extLst>
+      <p:ext uri="{BB962C8B-B14F-4D97-AF65-F5344CB8AC3E}">
+        <p14:creationId xmlns:p14="http://schemas.microsoft.com/office/powerpoint/2010/main" val="1172309352"/>
+      </p:ext>
+    </p:extLst>
+  </p:cSld>
+  <p:clrMapOvr>
+    <a:masterClrMapping/>
+  </p:clrMapOvr>
+</p:sld>
+</file>
+
+<file path=ppt/slides/slide7.xml><?xml version="1.0" encoding="utf-8"?>
+<p:sld xmlns:a="http://schemas.openxmlformats.org/drawingml/2006/main" xmlns:r="http://schemas.openxmlformats.org/officeDocument/2006/relationships" xmlns:p="http://schemas.openxmlformats.org/presentationml/2006/main">
+  <p:cSld>
+    <p:spTree>
+      <p:nvGrpSpPr>
+        <p:cNvPr id="1" name=""/>
+        <p:cNvGrpSpPr/>
+        <p:nvPr/>
+      </p:nvGrpSpPr>
+      <p:grpSpPr>
+        <a:xfrm>
+          <a:off x="0" y="0"/>
+          <a:ext cx="0" cy="0"/>
+          <a:chOff x="0" y="0"/>
+          <a:chExt cx="0" cy="0"/>
+        </a:xfrm>
+      </p:grpSpPr>
+      <p:sp>
+        <p:nvSpPr>
+          <p:cNvPr id="2" name="Τίτλος 1">
+            <a:extLst>
+              <a:ext uri="{FF2B5EF4-FFF2-40B4-BE49-F238E27FC236}">
+                <a16:creationId xmlns:a16="http://schemas.microsoft.com/office/drawing/2014/main" id="{95151830-AA42-6B7E-5C78-ADADA644D33F}"/>
+              </a:ext>
+            </a:extLst>
+          </p:cNvPr>
+          <p:cNvSpPr>
+            <a:spLocks noGrp="1"/>
+          </p:cNvSpPr>
+          <p:nvPr>
+            <p:ph type="title"/>
+          </p:nvPr>
+        </p:nvSpPr>
+        <p:spPr/>
+        <p:txBody>
+          <a:bodyPr/>
+          <a:lstStyle/>
+          <a:p>
+            <a:r>
+              <a:rPr lang="en-US" dirty="0"/>
+              <a:t>Basic MongoDB commands</a:t>
+            </a:r>
+            <a:endParaRPr lang="el-GR" dirty="0"/>
+          </a:p>
+        </p:txBody>
+      </p:sp>
+      <p:graphicFrame>
+        <p:nvGraphicFramePr>
+          <p:cNvPr id="4" name="Πίνακας 4">
+            <a:extLst>
+              <a:ext uri="{FF2B5EF4-FFF2-40B4-BE49-F238E27FC236}">
+                <a16:creationId xmlns:a16="http://schemas.microsoft.com/office/drawing/2014/main" id="{313A907F-E39D-175B-1754-AA64BE15E892}"/>
+              </a:ext>
+            </a:extLst>
+          </p:cNvPr>
+          <p:cNvGraphicFramePr>
+            <a:graphicFrameLocks noGrp="1"/>
+          </p:cNvGraphicFramePr>
+          <p:nvPr>
+            <p:extLst>
+              <p:ext uri="{D42A27DB-BD31-4B8C-83A1-F6EECF244321}">
+                <p14:modId xmlns:p14="http://schemas.microsoft.com/office/powerpoint/2010/main" val="1902361868"/>
+              </p:ext>
+            </p:extLst>
+          </p:nvPr>
+        </p:nvGraphicFramePr>
+        <p:xfrm>
+          <a:off x="767408" y="2131060"/>
+          <a:ext cx="10513168" cy="4106253"/>
+        </p:xfrm>
+        <a:graphic>
+          <a:graphicData uri="http://schemas.openxmlformats.org/drawingml/2006/table">
+            <a:tbl>
+              <a:tblPr firstRow="1" bandRow="1">
+                <a:tableStyleId>{5C22544A-7EE6-4342-B048-85BDC9FD1C3A}</a:tableStyleId>
+              </a:tblPr>
+              <a:tblGrid>
+                <a:gridCol w="5256584">
+                  <a:extLst>
+                    <a:ext uri="{9D8B030D-6E8A-4147-A177-3AD203B41FA5}">
+                      <a16:colId xmlns:a16="http://schemas.microsoft.com/office/drawing/2014/main" val="1085475879"/>
+                    </a:ext>
+                  </a:extLst>
+                </a:gridCol>
+                <a:gridCol w="5256584">
+                  <a:extLst>
+                    <a:ext uri="{9D8B030D-6E8A-4147-A177-3AD203B41FA5}">
+                      <a16:colId xmlns:a16="http://schemas.microsoft.com/office/drawing/2014/main" val="2520419419"/>
+                    </a:ext>
+                  </a:extLst>
+                </a:gridCol>
+              </a:tblGrid>
+              <a:tr h="755825">
+                <a:tc>
+                  <a:txBody>
+                    <a:bodyPr/>
+                    <a:lstStyle/>
+                    <a:p>
+                      <a:pPr algn="ctr"/>
+                      <a:r>
+                        <a:rPr lang="en-US" dirty="0">
+                          <a:solidFill>
+                            <a:schemeClr val="bg1"/>
+                          </a:solidFill>
+                        </a:rPr>
+                        <a:t>MongoDB</a:t>
+                      </a:r>
+                      <a:endParaRPr lang="el-GR" dirty="0">
+                        <a:solidFill>
+                          <a:schemeClr val="bg1"/>
+                        </a:solidFill>
+                      </a:endParaRPr>
+                    </a:p>
+                  </a:txBody>
+                  <a:tcPr/>
+                </a:tc>
+                <a:tc>
+                  <a:txBody>
+                    <a:bodyPr/>
+                    <a:lstStyle/>
+                    <a:p>
+                      <a:pPr algn="ctr"/>
+                      <a:r>
+                        <a:rPr lang="en-US" dirty="0">
+                          <a:solidFill>
+                            <a:schemeClr val="bg1"/>
+                          </a:solidFill>
+                        </a:rPr>
+                        <a:t>SQL</a:t>
+                      </a:r>
+                      <a:endParaRPr lang="el-GR" dirty="0">
+                        <a:solidFill>
+                          <a:schemeClr val="bg1"/>
+                        </a:solidFill>
+                      </a:endParaRPr>
+                    </a:p>
+                  </a:txBody>
+                  <a:tcPr/>
+                </a:tc>
+                <a:extLst>
+                  <a:ext uri="{0D108BD9-81ED-4DB2-BD59-A6C34878D82A}">
+                    <a16:rowId xmlns:a16="http://schemas.microsoft.com/office/drawing/2014/main" val="4188308441"/>
+                  </a:ext>
+                </a:extLst>
+              </a:tr>
+              <a:tr h="755825">
+                <a:tc>
+                  <a:txBody>
+                    <a:bodyPr/>
+                    <a:lstStyle/>
+                    <a:p>
+                      <a:pPr marL="0" marR="0" lvl="0" indent="0" algn="l" defTabSz="914400" rtl="0" eaLnBrk="1" fontAlgn="auto" latinLnBrk="0" hangingPunct="1">
+                        <a:lnSpc>
+                          <a:spcPct val="100000"/>
+                        </a:lnSpc>
+                        <a:spcBef>
+                          <a:spcPts val="0"/>
+                        </a:spcBef>
+                        <a:spcAft>
+                          <a:spcPts val="0"/>
+                        </a:spcAft>
+                        <a:buClrTx/>
+                        <a:buSzTx/>
+                        <a:buFontTx/>
+                        <a:buNone/>
+                        <a:tabLst/>
+                        <a:defRPr/>
+                      </a:pPr>
+                      <a:r>
+                        <a:rPr lang="en-US" sz="2000" b="1" dirty="0" err="1"/>
+                        <a:t>db.collection.find</a:t>
+                      </a:r>
+                      <a:r>
+                        <a:rPr lang="en-US" sz="2000" b="1" dirty="0"/>
+                        <a:t>( {CONDITIONS} )</a:t>
+                      </a:r>
+                      <a:endParaRPr lang="el-GR" sz="2000" b="1" dirty="0"/>
+                    </a:p>
+                  </a:txBody>
+                  <a:tcPr/>
+                </a:tc>
+                <a:tc>
+                  <a:txBody>
+                    <a:bodyPr/>
+                    <a:lstStyle/>
+                    <a:p>
+                      <a:r>
+                        <a:rPr lang="en-US" sz="2000" b="1" dirty="0"/>
+                        <a:t>select * from collection where CONDITIONS</a:t>
+                      </a:r>
+                      <a:endParaRPr lang="el-GR" sz="2000" b="1" dirty="0"/>
+                    </a:p>
+                  </a:txBody>
+                  <a:tcPr/>
+                </a:tc>
+                <a:extLst>
+                  <a:ext uri="{0D108BD9-81ED-4DB2-BD59-A6C34878D82A}">
+                    <a16:rowId xmlns:a16="http://schemas.microsoft.com/office/drawing/2014/main" val="1391800046"/>
+                  </a:ext>
+                </a:extLst>
+              </a:tr>
+              <a:tr h="919389">
+                <a:tc>
+                  <a:txBody>
+                    <a:bodyPr/>
+                    <a:lstStyle/>
+                    <a:p>
+                      <a:r>
+                        <a:rPr lang="en-US" sz="2000" b="1" dirty="0" err="1"/>
+                        <a:t>db.collection.insert</a:t>
+                      </a:r>
+                      <a:r>
+                        <a:rPr lang="en-US" sz="2000" b="1" dirty="0"/>
+                        <a:t>( {“key1”:value1,”key2”:value2} )</a:t>
+                      </a:r>
+                      <a:endParaRPr lang="el-GR" sz="2000" b="1" dirty="0"/>
+                    </a:p>
+                  </a:txBody>
+                  <a:tcPr/>
+                </a:tc>
+                <a:tc>
+                  <a:txBody>
+                    <a:bodyPr/>
+                    <a:lstStyle/>
+                    <a:p>
+                      <a:r>
+                        <a:rPr lang="en-US" sz="2000" b="1" dirty="0"/>
+                        <a:t>insert into collection (key1,key2) VALUES (value1,value2)</a:t>
+                      </a:r>
+                      <a:endParaRPr lang="el-GR" sz="2000" b="1" dirty="0"/>
+                    </a:p>
+                  </a:txBody>
+                  <a:tcPr/>
+                </a:tc>
+                <a:extLst>
+                  <a:ext uri="{0D108BD9-81ED-4DB2-BD59-A6C34878D82A}">
+                    <a16:rowId xmlns:a16="http://schemas.microsoft.com/office/drawing/2014/main" val="2294246766"/>
+                  </a:ext>
+                </a:extLst>
+              </a:tr>
+              <a:tr h="919389">
+                <a:tc>
+                  <a:txBody>
+                    <a:bodyPr/>
+                    <a:lstStyle/>
+                    <a:p>
+                      <a:r>
+                        <a:rPr lang="en-US" sz="2000" b="1" dirty="0" err="1"/>
+                        <a:t>db.collection.update</a:t>
+                      </a:r>
+                      <a:r>
+                        <a:rPr lang="en-US" sz="2000" b="1" dirty="0"/>
+                        <a:t>(</a:t>
+                      </a:r>
+                    </a:p>
+                    <a:p>
+                      <a:r>
+                        <a:rPr lang="en-US" sz="2000" b="1" dirty="0"/>
+                        <a:t>{ CONDITIONS },{  $set: {    “key": value  }})</a:t>
+                      </a:r>
+                      <a:endParaRPr lang="el-GR" sz="2000" b="1" dirty="0"/>
+                    </a:p>
+                  </a:txBody>
+                  <a:tcPr/>
+                </a:tc>
+                <a:tc>
+                  <a:txBody>
+                    <a:bodyPr/>
+                    <a:lstStyle/>
+                    <a:p>
+                      <a:r>
+                        <a:rPr lang="en-US" sz="2000" b="1" dirty="0">
+                          <a:solidFill>
+                            <a:schemeClr val="accent5"/>
+                          </a:solidFill>
+                        </a:rPr>
+                        <a:t>(!)</a:t>
+                      </a:r>
+                      <a:r>
+                        <a:rPr lang="en-US" sz="2000" b="1" dirty="0"/>
+                        <a:t> update collection SET key = value WHERE CONDITIONS</a:t>
+                      </a:r>
+                      <a:endParaRPr lang="el-GR" sz="2000" b="1" dirty="0"/>
+                    </a:p>
+                  </a:txBody>
+                  <a:tcPr/>
+                </a:tc>
+                <a:extLst>
+                  <a:ext uri="{0D108BD9-81ED-4DB2-BD59-A6C34878D82A}">
+                    <a16:rowId xmlns:a16="http://schemas.microsoft.com/office/drawing/2014/main" val="3522865748"/>
+                  </a:ext>
+                </a:extLst>
+              </a:tr>
+              <a:tr h="755825">
+                <a:tc>
+                  <a:txBody>
+                    <a:bodyPr/>
+                    <a:lstStyle/>
+                    <a:p>
+                      <a:r>
+                        <a:rPr lang="en-US" sz="2000" b="1" dirty="0" err="1"/>
+                        <a:t>db.collection.remove</a:t>
+                      </a:r>
+                      <a:r>
+                        <a:rPr lang="en-US" sz="2000" b="1" dirty="0"/>
+                        <a:t>({CONDITIONS})</a:t>
+                      </a:r>
+                      <a:endParaRPr lang="el-GR" sz="2000" b="1" dirty="0"/>
+                    </a:p>
+                  </a:txBody>
+                  <a:tcPr/>
+                </a:tc>
+                <a:tc>
+                  <a:txBody>
+                    <a:bodyPr/>
+                    <a:lstStyle/>
+                    <a:p>
+                      <a:r>
+                        <a:rPr lang="en-US" sz="2000" b="1" dirty="0"/>
+                        <a:t>delete from collection where CONDITIONS</a:t>
+                      </a:r>
+                      <a:endParaRPr lang="el-GR" sz="2000" b="1" dirty="0"/>
+                    </a:p>
+                  </a:txBody>
+                  <a:tcPr/>
+                </a:tc>
+                <a:extLst>
+                  <a:ext uri="{0D108BD9-81ED-4DB2-BD59-A6C34878D82A}">
+                    <a16:rowId xmlns:a16="http://schemas.microsoft.com/office/drawing/2014/main" val="2752702074"/>
+                  </a:ext>
+                </a:extLst>
+              </a:tr>
+            </a:tbl>
+          </a:graphicData>
+        </a:graphic>
+      </p:graphicFrame>
+    </p:spTree>
+    <p:extLst>
+      <p:ext uri="{BB962C8B-B14F-4D97-AF65-F5344CB8AC3E}">
+        <p14:creationId xmlns:p14="http://schemas.microsoft.com/office/powerpoint/2010/main" val="2364831235"/>
+      </p:ext>
+    </p:extLst>
+  </p:cSld>
+  <p:clrMapOvr>
+    <a:masterClrMapping/>
+  </p:clrMapOvr>
+</p:sld>
+</file>
+
+<file path=ppt/slides/slide8.xml><?xml version="1.0" encoding="utf-8"?>
+<p:sld xmlns:a="http://schemas.openxmlformats.org/drawingml/2006/main" xmlns:r="http://schemas.openxmlformats.org/officeDocument/2006/relationships" xmlns:p="http://schemas.openxmlformats.org/presentationml/2006/main">
+  <p:cSld>
+    <p:spTree>
+      <p:nvGrpSpPr>
+        <p:cNvPr id="1" name=""/>
+        <p:cNvGrpSpPr/>
+        <p:nvPr/>
+      </p:nvGrpSpPr>
+      <p:grpSpPr>
+        <a:xfrm>
+          <a:off x="0" y="0"/>
+          <a:ext cx="0" cy="0"/>
+          <a:chOff x="0" y="0"/>
+          <a:chExt cx="0" cy="0"/>
+        </a:xfrm>
+      </p:grpSpPr>
+      <p:sp>
+        <p:nvSpPr>
+          <p:cNvPr id="13" name="Title 12"/>
+          <p:cNvSpPr>
+            <a:spLocks noGrp="1"/>
+          </p:cNvSpPr>
+          <p:nvPr>
+            <p:ph type="title"/>
+          </p:nvPr>
+        </p:nvSpPr>
+        <p:spPr>
+          <a:xfrm>
+            <a:off x="1524000" y="188640"/>
+            <a:ext cx="9144000" cy="1143000"/>
+          </a:xfrm>
+        </p:spPr>
+        <p:txBody>
+          <a:bodyPr/>
+          <a:lstStyle/>
+          <a:p>
+            <a:r>
+              <a:rPr lang="en-US" dirty="0"/>
+              <a:t>Examples</a:t>
+            </a:r>
+            <a:r>
+              <a:rPr lang="el-GR" dirty="0"/>
+              <a:t> </a:t>
+            </a:r>
+            <a:r>
+              <a:rPr lang="en-US" dirty="0"/>
+              <a:t>in MongoDB</a:t>
+            </a:r>
+            <a:endParaRPr dirty="0"/>
+          </a:p>
+        </p:txBody>
+      </p:sp>
+      <p:sp>
+        <p:nvSpPr>
+          <p:cNvPr id="6" name="TextBox 5">
+            <a:extLst>
+              <a:ext uri="{FF2B5EF4-FFF2-40B4-BE49-F238E27FC236}">
+                <a16:creationId xmlns:a16="http://schemas.microsoft.com/office/drawing/2014/main" id="{ADF84193-1FFE-0D90-BA27-B46F04F46992}"/>
+              </a:ext>
+            </a:extLst>
+          </p:cNvPr>
+          <p:cNvSpPr txBox="1"/>
+          <p:nvPr/>
+        </p:nvSpPr>
+        <p:spPr>
+          <a:xfrm>
+            <a:off x="263352" y="1628800"/>
+            <a:ext cx="4464496" cy="1754326"/>
+          </a:xfrm>
+          <a:prstGeom prst="rect">
+            <a:avLst/>
+          </a:prstGeom>
+          <a:noFill/>
+        </p:spPr>
+        <p:txBody>
+          <a:bodyPr wrap="square">
+            <a:spAutoFit/>
+          </a:bodyPr>
+          <a:lstStyle/>
+          <a:p>
+            <a:r>
+              <a:rPr lang="en-US" b="1" dirty="0">
+                <a:solidFill>
+                  <a:schemeClr val="accent1">
+                    <a:lumMod val="75000"/>
+                  </a:schemeClr>
+                </a:solidFill>
+              </a:rPr>
+              <a:t>Collection :</a:t>
+            </a:r>
+          </a:p>
+          <a:p>
+            <a:r>
+              <a:rPr lang="el-GR" dirty="0"/>
+              <a:t>[ </a:t>
+            </a:r>
+            <a:endParaRPr lang="en-US" dirty="0"/>
+          </a:p>
+          <a:p>
+            <a:r>
+              <a:rPr lang="en-US" dirty="0"/>
+              <a:t>   </a:t>
+            </a:r>
+            <a:r>
+              <a:rPr lang="el-GR" dirty="0"/>
+              <a:t>{    "</a:t>
+            </a:r>
+            <a:r>
+              <a:rPr lang="el-GR" dirty="0" err="1"/>
+              <a:t>key</a:t>
+            </a:r>
+            <a:r>
+              <a:rPr lang="el-GR" dirty="0"/>
+              <a:t>": 1,    "</a:t>
+            </a:r>
+            <a:r>
+              <a:rPr lang="el-GR" dirty="0" err="1"/>
+              <a:t>user</a:t>
+            </a:r>
+            <a:r>
+              <a:rPr lang="el-GR" dirty="0"/>
+              <a:t>": "</a:t>
+            </a:r>
+            <a:r>
+              <a:rPr lang="el-GR" dirty="0" err="1"/>
+              <a:t>Alice</a:t>
+            </a:r>
+            <a:r>
+              <a:rPr lang="el-GR" dirty="0"/>
+              <a:t>"}, </a:t>
+            </a:r>
+            <a:endParaRPr lang="en-US" dirty="0"/>
+          </a:p>
+          <a:p>
+            <a:r>
+              <a:rPr lang="en-US" dirty="0"/>
+              <a:t>  </a:t>
+            </a:r>
+            <a:r>
+              <a:rPr lang="el-GR" dirty="0"/>
+              <a:t> {    "</a:t>
+            </a:r>
+            <a:r>
+              <a:rPr lang="el-GR" dirty="0" err="1"/>
+              <a:t>key</a:t>
+            </a:r>
+            <a:r>
+              <a:rPr lang="el-GR" dirty="0"/>
+              <a:t>": 2,    "</a:t>
+            </a:r>
+            <a:r>
+              <a:rPr lang="el-GR" dirty="0" err="1"/>
+              <a:t>user</a:t>
+            </a:r>
+            <a:r>
+              <a:rPr lang="el-GR" dirty="0"/>
+              <a:t>": "</a:t>
+            </a:r>
+            <a:r>
+              <a:rPr lang="el-GR" dirty="0" err="1"/>
+              <a:t>John</a:t>
+            </a:r>
+            <a:r>
+              <a:rPr lang="el-GR" dirty="0"/>
+              <a:t>"}</a:t>
+            </a:r>
+            <a:r>
+              <a:rPr lang="en-US" dirty="0"/>
+              <a:t>,</a:t>
+            </a:r>
+          </a:p>
+          <a:p>
+            <a:r>
+              <a:rPr lang="en-US" dirty="0"/>
+              <a:t>   {    </a:t>
+            </a:r>
+            <a:r>
+              <a:rPr lang="el-GR" dirty="0"/>
+              <a:t>"</a:t>
+            </a:r>
+            <a:r>
+              <a:rPr lang="el-GR" dirty="0" err="1"/>
+              <a:t>key</a:t>
+            </a:r>
+            <a:r>
+              <a:rPr lang="el-GR" dirty="0"/>
+              <a:t>": </a:t>
+            </a:r>
+            <a:r>
+              <a:rPr lang="en-US" dirty="0"/>
+              <a:t>3</a:t>
+            </a:r>
+            <a:r>
+              <a:rPr lang="el-GR" dirty="0"/>
+              <a:t>,    "</a:t>
+            </a:r>
+            <a:r>
+              <a:rPr lang="el-GR" dirty="0" err="1"/>
+              <a:t>user</a:t>
+            </a:r>
+            <a:r>
+              <a:rPr lang="el-GR" dirty="0"/>
+              <a:t>": “</a:t>
+            </a:r>
+            <a:r>
+              <a:rPr lang="en-US" dirty="0"/>
+              <a:t>Bob</a:t>
+            </a:r>
+            <a:r>
+              <a:rPr lang="el-GR" dirty="0"/>
+              <a:t>"</a:t>
+            </a:r>
+            <a:r>
+              <a:rPr lang="en-US" dirty="0"/>
+              <a:t> }</a:t>
+            </a:r>
+            <a:r>
+              <a:rPr lang="el-GR" dirty="0"/>
+              <a:t> </a:t>
+            </a:r>
+            <a:endParaRPr lang="en-US" dirty="0"/>
+          </a:p>
+          <a:p>
+            <a:r>
+              <a:rPr lang="el-GR" dirty="0"/>
+              <a:t>]</a:t>
+            </a:r>
+          </a:p>
+        </p:txBody>
+      </p:sp>
+      <p:sp>
+        <p:nvSpPr>
+          <p:cNvPr id="8" name="TextBox 7">
+            <a:extLst>
+              <a:ext uri="{FF2B5EF4-FFF2-40B4-BE49-F238E27FC236}">
+                <a16:creationId xmlns:a16="http://schemas.microsoft.com/office/drawing/2014/main" id="{9116F887-2AC3-E526-71A3-D081F4BA099A}"/>
+              </a:ext>
+            </a:extLst>
+          </p:cNvPr>
+          <p:cNvSpPr txBox="1"/>
+          <p:nvPr/>
+        </p:nvSpPr>
+        <p:spPr>
+          <a:xfrm>
+            <a:off x="5231904" y="1628800"/>
+            <a:ext cx="5760640" cy="2031325"/>
+          </a:xfrm>
+          <a:prstGeom prst="rect">
+            <a:avLst/>
+          </a:prstGeom>
+          <a:noFill/>
+        </p:spPr>
+        <p:txBody>
+          <a:bodyPr wrap="square">
+            <a:spAutoFit/>
+          </a:bodyPr>
+          <a:lstStyle/>
+          <a:p>
+            <a:r>
+              <a:rPr lang="en-US" b="1" dirty="0">
+                <a:solidFill>
+                  <a:schemeClr val="accent1">
+                    <a:lumMod val="75000"/>
+                  </a:schemeClr>
+                </a:solidFill>
+              </a:rPr>
+              <a:t>Query 1</a:t>
+            </a:r>
+          </a:p>
+          <a:p>
+            <a:r>
+              <a:rPr lang="en-US" dirty="0" err="1"/>
+              <a:t>db.collection.find</a:t>
+            </a:r>
+            <a:r>
+              <a:rPr lang="en-US" dirty="0"/>
+              <a:t>({  "key": 1})</a:t>
+            </a:r>
+          </a:p>
+          <a:p>
+            <a:r>
+              <a:rPr lang="en-US" b="1" dirty="0">
+                <a:solidFill>
+                  <a:schemeClr val="accent1">
+                    <a:lumMod val="75000"/>
+                  </a:schemeClr>
+                </a:solidFill>
+              </a:rPr>
+              <a:t>Result 1</a:t>
+            </a:r>
+          </a:p>
+          <a:p>
+            <a:r>
+              <a:rPr lang="en-US" dirty="0"/>
+              <a:t>[{   </a:t>
+            </a:r>
+          </a:p>
+          <a:p>
+            <a:r>
+              <a:rPr lang="en-US" dirty="0"/>
+              <a:t>       "_id": </a:t>
+            </a:r>
+            <a:r>
+              <a:rPr lang="en-US" dirty="0" err="1"/>
+              <a:t>ObjectId</a:t>
+            </a:r>
+            <a:r>
+              <a:rPr lang="en-US" dirty="0"/>
+              <a:t>("5a934e000102030405000000"),  </a:t>
+            </a:r>
+          </a:p>
+          <a:p>
+            <a:r>
+              <a:rPr lang="en-US" dirty="0"/>
+              <a:t>       "key": 1,   </a:t>
+            </a:r>
+          </a:p>
+          <a:p>
+            <a:r>
+              <a:rPr lang="en-US" dirty="0"/>
+              <a:t>       "user": "Alice"  }]</a:t>
+            </a:r>
+            <a:endParaRPr lang="el-GR" dirty="0"/>
+          </a:p>
+        </p:txBody>
+      </p:sp>
+      <p:sp>
+        <p:nvSpPr>
+          <p:cNvPr id="11" name="TextBox 10">
+            <a:extLst>
+              <a:ext uri="{FF2B5EF4-FFF2-40B4-BE49-F238E27FC236}">
+                <a16:creationId xmlns:a16="http://schemas.microsoft.com/office/drawing/2014/main" id="{B072316C-6852-E15B-E9CE-6415D203A42E}"/>
+              </a:ext>
+            </a:extLst>
+          </p:cNvPr>
+          <p:cNvSpPr txBox="1"/>
+          <p:nvPr/>
+        </p:nvSpPr>
+        <p:spPr>
+          <a:xfrm>
+            <a:off x="263352" y="4149080"/>
+            <a:ext cx="4968552" cy="1200329"/>
+          </a:xfrm>
+          <a:prstGeom prst="rect">
+            <a:avLst/>
+          </a:prstGeom>
+          <a:noFill/>
+        </p:spPr>
+        <p:txBody>
+          <a:bodyPr wrap="square">
+            <a:spAutoFit/>
+          </a:bodyPr>
+          <a:lstStyle/>
+          <a:p>
+            <a:r>
+              <a:rPr lang="en-US" b="1" dirty="0">
+                <a:solidFill>
+                  <a:schemeClr val="accent1">
+                    <a:lumMod val="75000"/>
+                  </a:schemeClr>
+                </a:solidFill>
+              </a:rPr>
+              <a:t>Query 2</a:t>
+            </a:r>
+          </a:p>
+          <a:p>
+            <a:r>
+              <a:rPr lang="en-US" dirty="0" err="1"/>
+              <a:t>db.collection.find</a:t>
+            </a:r>
+            <a:r>
+              <a:rPr lang="en-US" dirty="0"/>
+              <a:t>({  </a:t>
+            </a:r>
+          </a:p>
+          <a:p>
+            <a:r>
+              <a:rPr lang="en-US" dirty="0"/>
+              <a:t>   $or:  [    {  "key": 1    },    {      "user": "John"    }  ]</a:t>
+            </a:r>
+          </a:p>
+          <a:p>
+            <a:r>
+              <a:rPr lang="en-US" dirty="0"/>
+              <a:t>})</a:t>
+            </a:r>
+          </a:p>
+        </p:txBody>
+      </p:sp>
+      <p:sp>
+        <p:nvSpPr>
+          <p:cNvPr id="14" name="TextBox 13">
+            <a:extLst>
+              <a:ext uri="{FF2B5EF4-FFF2-40B4-BE49-F238E27FC236}">
+                <a16:creationId xmlns:a16="http://schemas.microsoft.com/office/drawing/2014/main" id="{7356041B-1F5B-A85A-2EB9-DEA32B05C492}"/>
+              </a:ext>
+            </a:extLst>
+          </p:cNvPr>
+          <p:cNvSpPr txBox="1"/>
+          <p:nvPr/>
+        </p:nvSpPr>
+        <p:spPr>
+          <a:xfrm>
+            <a:off x="5303912" y="4149080"/>
+            <a:ext cx="6528048" cy="2585323"/>
+          </a:xfrm>
+          <a:prstGeom prst="rect">
+            <a:avLst/>
+          </a:prstGeom>
+          <a:noFill/>
+        </p:spPr>
+        <p:txBody>
+          <a:bodyPr wrap="square">
+            <a:spAutoFit/>
+          </a:bodyPr>
+          <a:lstStyle/>
+          <a:p>
+            <a:r>
+              <a:rPr lang="en-US" b="1" dirty="0">
+                <a:solidFill>
+                  <a:schemeClr val="accent1">
+                    <a:lumMod val="75000"/>
+                  </a:schemeClr>
+                </a:solidFill>
+              </a:rPr>
+              <a:t>Result 2</a:t>
+            </a:r>
+          </a:p>
+          <a:p>
+            <a:r>
+              <a:rPr lang="en-US" dirty="0"/>
+              <a:t>[  </a:t>
+            </a:r>
+          </a:p>
+          <a:p>
+            <a:r>
+              <a:rPr lang="en-US" dirty="0"/>
+              <a:t>   { "_id": </a:t>
+            </a:r>
+            <a:r>
+              <a:rPr lang="en-US" dirty="0" err="1"/>
+              <a:t>ObjectId</a:t>
+            </a:r>
+            <a:r>
+              <a:rPr lang="en-US" dirty="0"/>
+              <a:t>("5a934e000102030405000000"), </a:t>
+            </a:r>
+          </a:p>
+          <a:p>
+            <a:r>
+              <a:rPr lang="en-US" dirty="0"/>
+              <a:t>     "key": 1,    </a:t>
+            </a:r>
+          </a:p>
+          <a:p>
+            <a:r>
+              <a:rPr lang="en-US" dirty="0"/>
+              <a:t>     "user": "Alice"  }, </a:t>
+            </a:r>
+          </a:p>
+          <a:p>
+            <a:r>
+              <a:rPr lang="en-US" dirty="0"/>
+              <a:t>   {    "_id": </a:t>
+            </a:r>
+            <a:r>
+              <a:rPr lang="en-US" dirty="0" err="1"/>
+              <a:t>ObjectId</a:t>
+            </a:r>
+            <a:r>
+              <a:rPr lang="en-US" dirty="0"/>
+              <a:t>("5a934e000102030405000001"), </a:t>
+            </a:r>
+          </a:p>
+          <a:p>
+            <a:r>
+              <a:rPr lang="en-US" dirty="0"/>
+              <a:t>        "key": 2,    </a:t>
+            </a:r>
+          </a:p>
+          <a:p>
+            <a:r>
+              <a:rPr lang="en-US" dirty="0"/>
+              <a:t>        "user": "John"  }</a:t>
+            </a:r>
+          </a:p>
+          <a:p>
+            <a:r>
+              <a:rPr lang="en-US" dirty="0"/>
+              <a:t>]</a:t>
+            </a:r>
+            <a:endParaRPr lang="el-GR" dirty="0"/>
+          </a:p>
+        </p:txBody>
+      </p:sp>
+    </p:spTree>
+    <p:extLst>
+      <p:ext uri="{BB962C8B-B14F-4D97-AF65-F5344CB8AC3E}">
+        <p14:creationId xmlns:p14="http://schemas.microsoft.com/office/powerpoint/2010/main" val="3724619272"/>
+      </p:ext>
+    </p:extLst>
+  </p:cSld>
+  <p:clrMapOvr>
+    <a:masterClrMapping/>
+  </p:clrMapOvr>
+</p:sld>
+</file>
+
+<file path=ppt/slides/slide9.xml><?xml version="1.0" encoding="utf-8"?>
+<p:sld xmlns:a="http://schemas.openxmlformats.org/drawingml/2006/main" xmlns:r="http://schemas.openxmlformats.org/officeDocument/2006/relationships" xmlns:p="http://schemas.openxmlformats.org/presentationml/2006/main">
+  <p:cSld>
+    <p:spTree>
+      <p:nvGrpSpPr>
+        <p:cNvPr id="1" name=""/>
+        <p:cNvGrpSpPr/>
+        <p:nvPr/>
+      </p:nvGrpSpPr>
+      <p:grpSpPr>
+        <a:xfrm>
+          <a:off x="0" y="0"/>
+          <a:ext cx="0" cy="0"/>
+          <a:chOff x="0" y="0"/>
+          <a:chExt cx="0" cy="0"/>
+        </a:xfrm>
+      </p:grpSpPr>
+      <p:sp>
+        <p:nvSpPr>
+          <p:cNvPr id="13" name="Title 12"/>
+          <p:cNvSpPr>
+            <a:spLocks noGrp="1"/>
+          </p:cNvSpPr>
+          <p:nvPr>
+            <p:ph type="title"/>
+          </p:nvPr>
+        </p:nvSpPr>
+        <p:spPr/>
+        <p:txBody>
+          <a:bodyPr/>
+          <a:lstStyle/>
+          <a:p>
+            <a:r>
+              <a:rPr lang="en-US" dirty="0"/>
+              <a:t>Differences between relational DBs</a:t>
+            </a:r>
+            <a:endParaRPr dirty="0"/>
+          </a:p>
+        </p:txBody>
+      </p:sp>
+      <p:sp>
+        <p:nvSpPr>
+          <p:cNvPr id="14" name="Content Placeholder 13"/>
+          <p:cNvSpPr>
+            <a:spLocks noGrp="1"/>
+          </p:cNvSpPr>
+          <p:nvPr>
+            <p:ph idx="1"/>
+          </p:nvPr>
+        </p:nvSpPr>
+        <p:spPr/>
+        <p:txBody>
+          <a:bodyPr>
+            <a:normAutofit lnSpcReduction="10000"/>
+          </a:bodyPr>
+          <a:lstStyle/>
+          <a:p>
+            <a:pPr algn="just"/>
+            <a:r>
+              <a:rPr lang="en-US" dirty="0"/>
+              <a:t>Documents map to the objects in code, so they are much more natural to work with. There is no need to decompose data across tables, run expensive joins, or integrate a separate Object Relational Mapping (ORM) layer. Data that is accessed together is stored together, so developers have less code to write and end users get higher performance.</a:t>
+            </a:r>
+          </a:p>
+          <a:p>
+            <a:pPr algn="just"/>
+            <a:r>
+              <a:rPr lang="en-US" dirty="0"/>
+              <a:t>The ubiquity of JSON documents</a:t>
+            </a:r>
+          </a:p>
+          <a:p>
+            <a:pPr marL="365760" lvl="1" indent="0" algn="just">
+              <a:buNone/>
+            </a:pPr>
+            <a:r>
+              <a:rPr lang="en-US" dirty="0"/>
+              <a:t>JSON documents are lightweight, language-independent, and human-readable. Documents are a superset of all other data models so developers can structure data in the way their applications need — rich objects, key-value pairs, tables, geospatial and time-series data, or the nodes and edges of a graph.</a:t>
+            </a:r>
+          </a:p>
+          <a:p>
+            <a:pPr marL="266700" lvl="1" indent="-266700" algn="just">
+              <a:spcBef>
+                <a:spcPts val="1800"/>
+              </a:spcBef>
+            </a:pPr>
+            <a:r>
+              <a:rPr lang="en-US" sz="2000" dirty="0"/>
+              <a:t>A document’s schema is dynamic and self-describing, so developers don’t need to first pre-define it in the database. Fields can vary from document to document. Developers can modify the structure at any time, avoiding disruptive schema migrations.</a:t>
+            </a:r>
+          </a:p>
+          <a:p>
+            <a:pPr marL="365760" lvl="1" indent="0">
+              <a:buNone/>
+            </a:pPr>
+            <a:endParaRPr lang="en-US" dirty="0"/>
+          </a:p>
+          <a:p>
+            <a:pPr marL="365760" lvl="1" indent="0">
+              <a:buNone/>
+            </a:pPr>
+            <a:endParaRPr lang="en-US" dirty="0"/>
+          </a:p>
+          <a:p>
+            <a:pPr marL="365760" lvl="1" indent="0">
+              <a:buNone/>
+            </a:pPr>
+            <a:endParaRPr lang="en-US" dirty="0"/>
+          </a:p>
+          <a:p>
+            <a:pPr marL="365760" lvl="1" indent="0">
+              <a:buNone/>
+            </a:pPr>
+            <a:endParaRPr lang="en-US" dirty="0"/>
+          </a:p>
+          <a:p>
+            <a:pPr marL="685800" lvl="2" indent="0">
+              <a:buNone/>
+            </a:pPr>
+            <a:endParaRPr lang="en-US" dirty="0"/>
+          </a:p>
+          <a:p>
+            <a:endParaRPr lang="en-150" dirty="0"/>
+          </a:p>
+        </p:txBody>
+      </p:sp>
+    </p:spTree>
+    <p:extLst>
+      <p:ext uri="{BB962C8B-B14F-4D97-AF65-F5344CB8AC3E}">
+        <p14:creationId xmlns:p14="http://schemas.microsoft.com/office/powerpoint/2010/main" val="996117117"/>
       </p:ext>
     </p:extLst>
   </p:cSld>

--- a/NOSQL - document stores.pptx
+++ b/NOSQL - document stores.pptx
@@ -17,10 +17,10 @@
     <p:sldId id="275" r:id="rId5"/>
     <p:sldId id="276" r:id="rId6"/>
     <p:sldId id="277" r:id="rId7"/>
-    <p:sldId id="283" r:id="rId8"/>
-    <p:sldId id="282" r:id="rId9"/>
-    <p:sldId id="278" r:id="rId10"/>
-    <p:sldId id="267" r:id="rId11"/>
+    <p:sldId id="278" r:id="rId8"/>
+    <p:sldId id="267" r:id="rId9"/>
+    <p:sldId id="283" r:id="rId10"/>
+    <p:sldId id="282" r:id="rId11"/>
     <p:sldId id="279" r:id="rId12"/>
     <p:sldId id="280" r:id="rId13"/>
     <p:sldId id="273" r:id="rId14"/>
@@ -1292,344 +1292,331 @@
           <a:bodyPr/>
           <a:lstStyle/>
           <a:p>
-            <a:r>
-              <a:rPr lang="el-GR" dirty="0"/>
-              <a:t>Σε αυτό το πινακάκι βλέπουμε μερικές από τις βασικές εντολές της </a:t>
-            </a:r>
-            <a:r>
-              <a:rPr lang="en-US" dirty="0"/>
-              <a:t>MongoDB</a:t>
-            </a:r>
-            <a:r>
-              <a:rPr lang="el-GR" dirty="0"/>
-              <a:t> και αντίστοιχες εντολές που θα εκτελούσαμε σε μία σχεσιακή βάση δεδομένων με </a:t>
-            </a:r>
-            <a:r>
-              <a:rPr lang="en-US" dirty="0"/>
-              <a:t>SQL</a:t>
-            </a:r>
-            <a:r>
-              <a:rPr lang="el-GR" dirty="0"/>
-              <a:t>.</a:t>
-            </a:r>
-          </a:p>
-          <a:p>
-            <a:r>
-              <a:rPr lang="el-GR" dirty="0"/>
-              <a:t>Αρχικά να αναφέρουμε ότι τα </a:t>
-            </a:r>
-            <a:r>
-              <a:rPr lang="en-US" dirty="0"/>
-              <a:t>conditions </a:t>
-            </a:r>
-            <a:r>
-              <a:rPr lang="el-GR" dirty="0"/>
+            <a:pPr marL="0" lvl="0" indent="0">
+              <a:lnSpc>
+                <a:spcPct val="107000"/>
+              </a:lnSpc>
+              <a:buFont typeface="Symbol" panose="05050102010706020507" pitchFamily="18" charset="2"/>
+              <a:buNone/>
+            </a:pPr>
+            <a:r>
+              <a:rPr lang="el-GR" sz="1800" dirty="0">
+                <a:effectLst/>
+                <a:latin typeface="Calibri" panose="020F0502020204030204" pitchFamily="34" charset="0"/>
+                <a:ea typeface="Calibri" panose="020F0502020204030204" pitchFamily="34" charset="0"/>
+                <a:cs typeface="Times New Roman" panose="02020603050405020304" pitchFamily="18" charset="0"/>
+              </a:rPr>
+              <a:t>Οι πίνακες που χρησιμοποιούνται από τις σχεσιακές βάσης δεδομένων έχουν πολύ διαφορετική δομή από τα </a:t>
+            </a:r>
+            <a:r>
+              <a:rPr lang="en-US" sz="1800" dirty="0">
+                <a:effectLst/>
+                <a:latin typeface="Calibri" panose="020F0502020204030204" pitchFamily="34" charset="0"/>
+                <a:ea typeface="Calibri" panose="020F0502020204030204" pitchFamily="34" charset="0"/>
+                <a:cs typeface="Times New Roman" panose="02020603050405020304" pitchFamily="18" charset="0"/>
+              </a:rPr>
+              <a:t>JSON</a:t>
+            </a:r>
+            <a:r>
+              <a:rPr lang="el-GR" sz="1800" dirty="0">
+                <a:effectLst/>
+                <a:latin typeface="Calibri" panose="020F0502020204030204" pitchFamily="34" charset="0"/>
+                <a:ea typeface="Calibri" panose="020F0502020204030204" pitchFamily="34" charset="0"/>
+                <a:cs typeface="Times New Roman" panose="02020603050405020304" pitchFamily="18" charset="0"/>
+              </a:rPr>
+              <a:t> </a:t>
+            </a:r>
+            <a:r>
+              <a:rPr lang="en-US" sz="1800" dirty="0">
+                <a:effectLst/>
+                <a:latin typeface="Calibri" panose="020F0502020204030204" pitchFamily="34" charset="0"/>
+                <a:ea typeface="Calibri" panose="020F0502020204030204" pitchFamily="34" charset="0"/>
+                <a:cs typeface="Times New Roman" panose="02020603050405020304" pitchFamily="18" charset="0"/>
+              </a:rPr>
+              <a:t>document </a:t>
+            </a:r>
+            <a:r>
+              <a:rPr lang="el-GR" sz="1800" dirty="0">
+                <a:effectLst/>
+                <a:latin typeface="Calibri" panose="020F0502020204030204" pitchFamily="34" charset="0"/>
+                <a:ea typeface="Calibri" panose="020F0502020204030204" pitchFamily="34" charset="0"/>
+                <a:cs typeface="Times New Roman" panose="02020603050405020304" pitchFamily="18" charset="0"/>
+              </a:rPr>
               <a:t>της </a:t>
             </a:r>
             <a:r>
-              <a:rPr lang="en-US" dirty="0"/>
-              <a:t>MongoDB </a:t>
-            </a:r>
-            <a:r>
-              <a:rPr lang="el-GR" dirty="0"/>
-              <a:t>είναι σε μορφή </a:t>
-            </a:r>
-            <a:r>
-              <a:rPr lang="en-US" dirty="0"/>
+              <a:rPr lang="en-US" sz="1800" dirty="0">
+                <a:effectLst/>
+                <a:latin typeface="Calibri" panose="020F0502020204030204" pitchFamily="34" charset="0"/>
+                <a:ea typeface="Calibri" panose="020F0502020204030204" pitchFamily="34" charset="0"/>
+                <a:cs typeface="Times New Roman" panose="02020603050405020304" pitchFamily="18" charset="0"/>
+              </a:rPr>
+              <a:t>MongoDB.</a:t>
+            </a:r>
+            <a:endParaRPr lang="el-GR" sz="1800" dirty="0">
+              <a:effectLst/>
+              <a:latin typeface="Calibri" panose="020F0502020204030204" pitchFamily="34" charset="0"/>
+              <a:ea typeface="Calibri" panose="020F0502020204030204" pitchFamily="34" charset="0"/>
+              <a:cs typeface="Times New Roman" panose="02020603050405020304" pitchFamily="18" charset="0"/>
+            </a:endParaRPr>
+          </a:p>
+          <a:p>
+            <a:pPr marL="342900" lvl="0" indent="-342900">
+              <a:lnSpc>
+                <a:spcPct val="107000"/>
+              </a:lnSpc>
+              <a:buFont typeface="Symbol" panose="05050102010706020507" pitchFamily="18" charset="2"/>
+              <a:buChar char=""/>
+            </a:pPr>
+            <a:r>
+              <a:rPr lang="el-GR" sz="1800" dirty="0">
+                <a:effectLst/>
+                <a:latin typeface="Calibri" panose="020F0502020204030204" pitchFamily="34" charset="0"/>
+                <a:ea typeface="Calibri" panose="020F0502020204030204" pitchFamily="34" charset="0"/>
+                <a:cs typeface="Times New Roman" panose="02020603050405020304" pitchFamily="18" charset="0"/>
+              </a:rPr>
+              <a:t>Στα </a:t>
+            </a:r>
+            <a:r>
+              <a:rPr lang="en-US" sz="1800" dirty="0">
+                <a:effectLst/>
+                <a:latin typeface="Calibri" panose="020F0502020204030204" pitchFamily="34" charset="0"/>
+                <a:ea typeface="Calibri" panose="020F0502020204030204" pitchFamily="34" charset="0"/>
+                <a:cs typeface="Times New Roman" panose="02020603050405020304" pitchFamily="18" charset="0"/>
+              </a:rPr>
+              <a:t>documents </a:t>
+            </a:r>
+            <a:r>
+              <a:rPr lang="el-GR" sz="1800" dirty="0">
+                <a:effectLst/>
+                <a:latin typeface="Calibri" panose="020F0502020204030204" pitchFamily="34" charset="0"/>
+                <a:ea typeface="Calibri" panose="020F0502020204030204" pitchFamily="34" charset="0"/>
+                <a:cs typeface="Times New Roman" panose="02020603050405020304" pitchFamily="18" charset="0"/>
+              </a:rPr>
+              <a:t>οι πληροφορίες είναι όλες συγκεντρωμένες μαζί και είναι συνήθως πιο εύκολο να δουλέψεις με τα δεδομένα καθώς δεν υπάρχει η ανάγκη να σπάσουν σε πολλούς πίνακες. Επομένως δεν χρειάζονται «ακριβά» </a:t>
+            </a:r>
+            <a:r>
+              <a:rPr lang="en-US" sz="1800" dirty="0">
+                <a:effectLst/>
+                <a:latin typeface="Calibri" panose="020F0502020204030204" pitchFamily="34" charset="0"/>
+                <a:ea typeface="Calibri" panose="020F0502020204030204" pitchFamily="34" charset="0"/>
+                <a:cs typeface="Times New Roman" panose="02020603050405020304" pitchFamily="18" charset="0"/>
+              </a:rPr>
+              <a:t>joins </a:t>
+            </a:r>
+            <a:r>
+              <a:rPr lang="el-GR" sz="1800" dirty="0">
+                <a:effectLst/>
+                <a:latin typeface="Calibri" panose="020F0502020204030204" pitchFamily="34" charset="0"/>
+                <a:ea typeface="Calibri" panose="020F0502020204030204" pitchFamily="34" charset="0"/>
+                <a:cs typeface="Times New Roman" panose="02020603050405020304" pitchFamily="18" charset="0"/>
+              </a:rPr>
+              <a:t>και πολύς κώδικας για την διαχείριση των δεδομένων. Αυτό όμως έχει και το αρνητικό ότι τα δεδομένα μας μπορεί να καταναλώνουν περισσότερο χώρο καθώς υπάρχουν πολλές επαναλαμβανόμενες λέξης. Για παράδειγμα τα ονόματα από τα </a:t>
+            </a:r>
+            <a:r>
+              <a:rPr lang="en-US" sz="1800" dirty="0">
+                <a:effectLst/>
+                <a:latin typeface="Calibri" panose="020F0502020204030204" pitchFamily="34" charset="0"/>
+                <a:ea typeface="Calibri" panose="020F0502020204030204" pitchFamily="34" charset="0"/>
+                <a:cs typeface="Times New Roman" panose="02020603050405020304" pitchFamily="18" charset="0"/>
+              </a:rPr>
+              <a:t>key </a:t>
+            </a:r>
+            <a:r>
+              <a:rPr lang="el-GR" sz="1800" dirty="0">
+                <a:effectLst/>
+                <a:latin typeface="Calibri" panose="020F0502020204030204" pitchFamily="34" charset="0"/>
+                <a:ea typeface="Calibri" panose="020F0502020204030204" pitchFamily="34" charset="0"/>
+                <a:cs typeface="Times New Roman" panose="02020603050405020304" pitchFamily="18" charset="0"/>
+              </a:rPr>
+              <a:t>θα πρέπει να αναφέρονται κάθε φορά σε κάθε ένα από τα </a:t>
+            </a:r>
+            <a:r>
+              <a:rPr lang="en-US" sz="1800" dirty="0">
+                <a:effectLst/>
+                <a:latin typeface="Calibri" panose="020F0502020204030204" pitchFamily="34" charset="0"/>
+                <a:ea typeface="Calibri" panose="020F0502020204030204" pitchFamily="34" charset="0"/>
+                <a:cs typeface="Times New Roman" panose="02020603050405020304" pitchFamily="18" charset="0"/>
+              </a:rPr>
+              <a:t>documents</a:t>
+            </a:r>
+            <a:r>
+              <a:rPr lang="el-GR" sz="1800" dirty="0">
+                <a:effectLst/>
+                <a:latin typeface="Calibri" panose="020F0502020204030204" pitchFamily="34" charset="0"/>
+                <a:ea typeface="Calibri" panose="020F0502020204030204" pitchFamily="34" charset="0"/>
+                <a:cs typeface="Times New Roman" panose="02020603050405020304" pitchFamily="18" charset="0"/>
+              </a:rPr>
+              <a:t> σε αντίθεση με τις σχεσιακές βάσης που χρειάζεται να καταγραφούν μόνο μία φορά στο σχήμα του πίνακα.</a:t>
+            </a:r>
+          </a:p>
+          <a:p>
+            <a:pPr marL="342900" lvl="0" indent="-342900">
+              <a:lnSpc>
+                <a:spcPct val="107000"/>
+              </a:lnSpc>
+              <a:buFont typeface="Symbol" panose="05050102010706020507" pitchFamily="18" charset="2"/>
+              <a:buChar char=""/>
+            </a:pPr>
+            <a:r>
+              <a:rPr lang="el-GR" sz="1800" dirty="0">
+                <a:effectLst/>
+                <a:latin typeface="Calibri" panose="020F0502020204030204" pitchFamily="34" charset="0"/>
+                <a:ea typeface="Calibri" panose="020F0502020204030204" pitchFamily="34" charset="0"/>
+                <a:cs typeface="Times New Roman" panose="02020603050405020304" pitchFamily="18" charset="0"/>
+              </a:rPr>
+              <a:t>Τα </a:t>
+            </a:r>
+            <a:r>
+              <a:rPr lang="en-US" sz="1800" dirty="0">
+                <a:effectLst/>
+                <a:latin typeface="Calibri" panose="020F0502020204030204" pitchFamily="34" charset="0"/>
+                <a:ea typeface="Calibri" panose="020F0502020204030204" pitchFamily="34" charset="0"/>
+                <a:cs typeface="Times New Roman" panose="02020603050405020304" pitchFamily="18" charset="0"/>
+              </a:rPr>
+              <a:t>documents </a:t>
+            </a:r>
+            <a:r>
+              <a:rPr lang="el-GR" sz="1800" dirty="0">
+                <a:effectLst/>
+                <a:latin typeface="Calibri" panose="020F0502020204030204" pitchFamily="34" charset="0"/>
+                <a:ea typeface="Calibri" panose="020F0502020204030204" pitchFamily="34" charset="0"/>
+                <a:cs typeface="Times New Roman" panose="02020603050405020304" pitchFamily="18" charset="0"/>
+              </a:rPr>
+              <a:t>είναι δομημένα σε μορφή </a:t>
+            </a:r>
+            <a:r>
+              <a:rPr lang="en-US" sz="1800" dirty="0">
+                <a:effectLst/>
+                <a:latin typeface="Calibri" panose="020F0502020204030204" pitchFamily="34" charset="0"/>
+                <a:ea typeface="Calibri" panose="020F0502020204030204" pitchFamily="34" charset="0"/>
+                <a:cs typeface="Times New Roman" panose="02020603050405020304" pitchFamily="18" charset="0"/>
+              </a:rPr>
               <a:t>JSON</a:t>
             </a:r>
             <a:r>
-              <a:rPr lang="el-GR" dirty="0"/>
-              <a:t>. Στην ουσία για τα </a:t>
-            </a:r>
-            <a:r>
-              <a:rPr lang="en-US" dirty="0"/>
-              <a:t>condition </a:t>
-            </a:r>
-            <a:r>
-              <a:rPr lang="el-GR" dirty="0"/>
-              <a:t>γράφουμε ένα </a:t>
-            </a:r>
-            <a:r>
-              <a:rPr lang="en-US" dirty="0"/>
-              <a:t>JSON </a:t>
-            </a:r>
-            <a:r>
-              <a:rPr lang="el-GR" dirty="0"/>
-              <a:t>με κλειδιά και τιμές τα αντίστοιχα κλειδιά και τιμές που θέλουμε να περιέχουν τα </a:t>
-            </a:r>
-            <a:r>
-              <a:rPr lang="en-US" dirty="0"/>
+              <a:rPr lang="el-GR" sz="1800" dirty="0">
+                <a:effectLst/>
+                <a:latin typeface="Calibri" panose="020F0502020204030204" pitchFamily="34" charset="0"/>
+                <a:ea typeface="Calibri" panose="020F0502020204030204" pitchFamily="34" charset="0"/>
+                <a:cs typeface="Times New Roman" panose="02020603050405020304" pitchFamily="18" charset="0"/>
+              </a:rPr>
+              <a:t> σε αντίθεση με τους πίνακες των σχεσιακών βάσεων δεδομένων και επομένως είναι πολύ πιο ευέλικτα ως προς το σχήμα που μπορούν να πάρουν.</a:t>
+            </a:r>
+          </a:p>
+          <a:p>
+            <a:pPr marL="342900" lvl="0" indent="-342900">
+              <a:lnSpc>
+                <a:spcPct val="107000"/>
+              </a:lnSpc>
+              <a:spcAft>
+                <a:spcPts val="800"/>
+              </a:spcAft>
+              <a:buFont typeface="Symbol" panose="05050102010706020507" pitchFamily="18" charset="2"/>
+              <a:buChar char=""/>
+            </a:pPr>
+            <a:r>
+              <a:rPr lang="el-GR" sz="1800" dirty="0">
+                <a:effectLst/>
+                <a:latin typeface="Calibri" panose="020F0502020204030204" pitchFamily="34" charset="0"/>
+                <a:ea typeface="Calibri" panose="020F0502020204030204" pitchFamily="34" charset="0"/>
+                <a:cs typeface="Times New Roman" panose="02020603050405020304" pitchFamily="18" charset="0"/>
+              </a:rPr>
+              <a:t>Στα </a:t>
+            </a:r>
+            <a:r>
+              <a:rPr lang="en-US" sz="1800" dirty="0">
+                <a:effectLst/>
+                <a:latin typeface="Calibri" panose="020F0502020204030204" pitchFamily="34" charset="0"/>
+                <a:ea typeface="Calibri" panose="020F0502020204030204" pitchFamily="34" charset="0"/>
+                <a:cs typeface="Times New Roman" panose="02020603050405020304" pitchFamily="18" charset="0"/>
+              </a:rPr>
               <a:t>document </a:t>
             </a:r>
             <a:r>
-              <a:rPr lang="el-GR" dirty="0"/>
-              <a:t>που θέλουμε να επιλέξουμε.</a:t>
-            </a:r>
-          </a:p>
-          <a:p>
-            <a:r>
-              <a:rPr lang="el-GR" dirty="0"/>
-              <a:t>Επιπλέων υπάρχουν και μερικοί ειδικοί τελεστές που ξεκινάν με τον χαρακτήρα δολάριο όπως φαίνεται και ο τελεστής </a:t>
-            </a:r>
-            <a:r>
-              <a:rPr lang="en-US" dirty="0"/>
-              <a:t>$set </a:t>
-            </a:r>
-            <a:r>
-              <a:rPr lang="el-GR" dirty="0"/>
-              <a:t>που φαίνεται στην γραμμή 3 και είναι υπεύθυνος στο να εισάγει ένα νέο κλειδί σε ένα </a:t>
-            </a:r>
-            <a:r>
-              <a:rPr lang="en-US" dirty="0"/>
+              <a:rPr lang="el-GR" sz="1800" dirty="0">
+                <a:effectLst/>
+                <a:latin typeface="Calibri" panose="020F0502020204030204" pitchFamily="34" charset="0"/>
+                <a:ea typeface="Calibri" panose="020F0502020204030204" pitchFamily="34" charset="0"/>
+                <a:cs typeface="Times New Roman" panose="02020603050405020304" pitchFamily="18" charset="0"/>
+              </a:rPr>
+              <a:t>δεν υπάρχει αυστηρό </a:t>
+            </a:r>
+            <a:r>
+              <a:rPr lang="en-US" sz="1800" dirty="0">
+                <a:effectLst/>
+                <a:latin typeface="Calibri" panose="020F0502020204030204" pitchFamily="34" charset="0"/>
+                <a:ea typeface="Calibri" panose="020F0502020204030204" pitchFamily="34" charset="0"/>
+                <a:cs typeface="Times New Roman" panose="02020603050405020304" pitchFamily="18" charset="0"/>
+              </a:rPr>
+              <a:t>schema</a:t>
+            </a:r>
+            <a:r>
+              <a:rPr lang="el-GR" sz="1800" dirty="0">
+                <a:effectLst/>
+                <a:latin typeface="Calibri" panose="020F0502020204030204" pitchFamily="34" charset="0"/>
+                <a:ea typeface="Calibri" panose="020F0502020204030204" pitchFamily="34" charset="0"/>
+                <a:cs typeface="Times New Roman" panose="02020603050405020304" pitchFamily="18" charset="0"/>
+              </a:rPr>
+              <a:t> σε αντίθεση με έναν πίνακα, ούτε χρειάζεται να είναι προκαθορισμένο. Το σχήμα μπορεί να το αλλάξει ανά πάσα στιγμή, όπως επίσης μπορεί να είναι εντελώς διαφορετικό μεταξύ των </a:t>
+            </a:r>
+            <a:r>
+              <a:rPr lang="en-US" sz="1800" dirty="0">
+                <a:effectLst/>
+                <a:latin typeface="Calibri" panose="020F0502020204030204" pitchFamily="34" charset="0"/>
+                <a:ea typeface="Calibri" panose="020F0502020204030204" pitchFamily="34" charset="0"/>
+                <a:cs typeface="Times New Roman" panose="02020603050405020304" pitchFamily="18" charset="0"/>
+              </a:rPr>
+              <a:t>documents</a:t>
+            </a:r>
+            <a:r>
+              <a:rPr lang="el-GR" sz="1800" dirty="0">
+                <a:effectLst/>
+                <a:latin typeface="Calibri" panose="020F0502020204030204" pitchFamily="34" charset="0"/>
+                <a:ea typeface="Calibri" panose="020F0502020204030204" pitchFamily="34" charset="0"/>
+                <a:cs typeface="Times New Roman" panose="02020603050405020304" pitchFamily="18" charset="0"/>
+              </a:rPr>
+              <a:t>. Δύο </a:t>
+            </a:r>
+            <a:r>
+              <a:rPr lang="en-US" sz="1800" dirty="0">
+                <a:effectLst/>
+                <a:latin typeface="Calibri" panose="020F0502020204030204" pitchFamily="34" charset="0"/>
+                <a:ea typeface="Calibri" panose="020F0502020204030204" pitchFamily="34" charset="0"/>
+                <a:cs typeface="Times New Roman" panose="02020603050405020304" pitchFamily="18" charset="0"/>
+              </a:rPr>
               <a:t>document </a:t>
             </a:r>
             <a:r>
-              <a:rPr lang="el-GR" dirty="0"/>
-              <a:t>ή να τροποποιεί ένα ήδη υπάρχον.</a:t>
-            </a:r>
-            <a:endParaRPr lang="en-US" dirty="0"/>
-          </a:p>
-          <a:p>
-            <a:r>
-              <a:rPr lang="el-GR" dirty="0"/>
-              <a:t>Στην πρώτη γραμμή, βλέπουμε την εντολή </a:t>
-            </a:r>
-            <a:r>
-              <a:rPr lang="en-US" dirty="0"/>
-              <a:t>find </a:t>
-            </a:r>
-            <a:r>
-              <a:rPr lang="el-GR" dirty="0"/>
-              <a:t>η οποία λειτουργεί με τον ίδιο τρόπο που λειτουργεί και μία </a:t>
-            </a:r>
-            <a:r>
-              <a:rPr lang="en-US" dirty="0"/>
-              <a:t>select</a:t>
-            </a:r>
-            <a:r>
-              <a:rPr lang="el-GR" dirty="0"/>
-              <a:t> *</a:t>
-            </a:r>
-            <a:r>
-              <a:rPr lang="en-US" dirty="0"/>
-              <a:t> </a:t>
-            </a:r>
-            <a:r>
-              <a:rPr lang="el-GR" dirty="0"/>
-              <a:t>στην </a:t>
-            </a:r>
-            <a:r>
-              <a:rPr lang="en-US" dirty="0"/>
-              <a:t>SQL</a:t>
-            </a:r>
-            <a:r>
-              <a:rPr lang="el-GR" dirty="0"/>
-              <a:t>. Μας επιστρέφει όλα τα </a:t>
-            </a:r>
-            <a:r>
-              <a:rPr lang="en-US" dirty="0"/>
-              <a:t>document </a:t>
-            </a:r>
-            <a:r>
-              <a:rPr lang="el-GR" dirty="0"/>
-              <a:t>που ικανοποιούν τα </a:t>
-            </a:r>
-            <a:r>
-              <a:rPr lang="en-US" dirty="0"/>
-              <a:t>condition </a:t>
-            </a:r>
-            <a:r>
-              <a:rPr lang="el-GR" dirty="0"/>
-              <a:t>που ορίσαμε, θα δούμε και μερικά παραδείγματα πάνω σε αυτό λίγο παρακάτω.</a:t>
-            </a:r>
-          </a:p>
-          <a:p>
-            <a:r>
-              <a:rPr lang="el-GR" dirty="0"/>
-              <a:t>Η </a:t>
-            </a:r>
-            <a:r>
-              <a:rPr lang="en-US" dirty="0"/>
-              <a:t>insert </a:t>
-            </a:r>
-            <a:r>
-              <a:rPr lang="el-GR" dirty="0"/>
-              <a:t>χρησιμοποιείτε για να εισαχθεί ένα ολόκληρο </a:t>
-            </a:r>
-            <a:r>
-              <a:rPr lang="en-US" dirty="0"/>
-              <a:t>document</a:t>
-            </a:r>
-            <a:r>
-              <a:rPr lang="el-GR" dirty="0"/>
-              <a:t> ή και περισσότερα αν ορίσουμε ένα </a:t>
-            </a:r>
-            <a:r>
-              <a:rPr lang="en-US" dirty="0"/>
-              <a:t>array </a:t>
-            </a:r>
-            <a:r>
-              <a:rPr lang="el-GR" dirty="0"/>
-              <a:t>και η </a:t>
-            </a:r>
-            <a:r>
-              <a:rPr lang="en-US" dirty="0"/>
-              <a:t>remove </a:t>
-            </a:r>
-            <a:r>
-              <a:rPr lang="el-GR" dirty="0"/>
-              <a:t>για να αφαιρεθούν όλα τα </a:t>
-            </a:r>
-            <a:r>
-              <a:rPr lang="en-US" dirty="0"/>
-              <a:t>document </a:t>
-            </a:r>
-            <a:r>
-              <a:rPr lang="el-GR" dirty="0"/>
-              <a:t>που ικανοποιούν μία συνθήκη.</a:t>
-            </a:r>
-          </a:p>
-          <a:p>
-            <a:r>
-              <a:rPr lang="el-GR" dirty="0"/>
-              <a:t>Η εντολή </a:t>
-            </a:r>
-            <a:r>
-              <a:rPr lang="en-US" dirty="0"/>
-              <a:t>update</a:t>
-            </a:r>
-            <a:r>
-              <a:rPr lang="el-GR" dirty="0"/>
-              <a:t> είναι λίγο ιδιαίτερη γιατί η λειτουργία της δεν είναι ακριβώς το ίδιο με το κλασικό </a:t>
-            </a:r>
-            <a:r>
-              <a:rPr lang="en-US" dirty="0"/>
-              <a:t>update </a:t>
-            </a:r>
-            <a:r>
-              <a:rPr lang="el-GR" dirty="0"/>
-              <a:t>σε </a:t>
-            </a:r>
-            <a:r>
-              <a:rPr lang="en-US" dirty="0"/>
-              <a:t>SQL.</a:t>
-            </a:r>
+              <a:rPr lang="el-GR" sz="1800" dirty="0">
+                <a:effectLst/>
+                <a:latin typeface="Calibri" panose="020F0502020204030204" pitchFamily="34" charset="0"/>
+                <a:ea typeface="Calibri" panose="020F0502020204030204" pitchFamily="34" charset="0"/>
+                <a:cs typeface="Times New Roman" panose="02020603050405020304" pitchFamily="18" charset="0"/>
+              </a:rPr>
+              <a:t>μέσα σε ένα </a:t>
+            </a:r>
+            <a:r>
+              <a:rPr lang="en-US" sz="1800" dirty="0">
+                <a:effectLst/>
+                <a:latin typeface="Calibri" panose="020F0502020204030204" pitchFamily="34" charset="0"/>
+                <a:ea typeface="Calibri" panose="020F0502020204030204" pitchFamily="34" charset="0"/>
+                <a:cs typeface="Times New Roman" panose="02020603050405020304" pitchFamily="18" charset="0"/>
+              </a:rPr>
+              <a:t>collection </a:t>
+            </a:r>
+            <a:r>
+              <a:rPr lang="el-GR" sz="1800" dirty="0">
+                <a:effectLst/>
+                <a:latin typeface="Calibri" panose="020F0502020204030204" pitchFamily="34" charset="0"/>
+                <a:ea typeface="Calibri" panose="020F0502020204030204" pitchFamily="34" charset="0"/>
+                <a:cs typeface="Times New Roman" panose="02020603050405020304" pitchFamily="18" charset="0"/>
+              </a:rPr>
+              <a:t>μπορεί να διαφέρουν πολύ μεταξύ τους ως προς τα δεδομένα που κρατάνε.</a:t>
+            </a:r>
+          </a:p>
+          <a:p>
             <a:endParaRPr lang="el-GR" dirty="0"/>
-          </a:p>
-          <a:p>
-            <a:r>
-              <a:rPr lang="el-GR" dirty="0"/>
-              <a:t>Τα </a:t>
-            </a:r>
-            <a:r>
-              <a:rPr lang="en-US" dirty="0"/>
-              <a:t>document </a:t>
-            </a:r>
-            <a:r>
-              <a:rPr lang="el-GR" dirty="0"/>
-              <a:t>της </a:t>
-            </a:r>
-            <a:r>
-              <a:rPr lang="en-US" dirty="0"/>
-              <a:t>MongoDB </a:t>
-            </a:r>
-            <a:r>
-              <a:rPr lang="el-GR" dirty="0"/>
-              <a:t>δεν έχουν κάποιο καθορισμένο σχήμα, πράγμα που σημαίνει ότι το κάθε ένα μπορεί να περιέχει εντελώς διαφορετικά </a:t>
-            </a:r>
-            <a:r>
-              <a:rPr lang="en-US" dirty="0"/>
-              <a:t>key-value pairs</a:t>
-            </a:r>
-            <a:r>
-              <a:rPr lang="el-GR" dirty="0"/>
-              <a:t>. </a:t>
-            </a:r>
-          </a:p>
-          <a:p>
-            <a:r>
-              <a:rPr lang="el-GR" dirty="0"/>
-              <a:t>Αυτό μας επιτρέπει και να προσθέτουμε ανά πάσα στιγμή ένα νέο </a:t>
-            </a:r>
-            <a:r>
-              <a:rPr lang="en-US" dirty="0"/>
-              <a:t>key-value pair </a:t>
-            </a:r>
-            <a:r>
-              <a:rPr lang="el-GR" dirty="0"/>
-              <a:t>σε κάποια από τα </a:t>
-            </a:r>
-            <a:r>
-              <a:rPr lang="en-US" dirty="0"/>
-              <a:t>document </a:t>
-            </a:r>
-            <a:r>
-              <a:rPr lang="el-GR" dirty="0"/>
-              <a:t>χρησιμοποιώντας την </a:t>
-            </a:r>
-            <a:r>
-              <a:rPr lang="en-US" dirty="0"/>
-              <a:t>update</a:t>
-            </a:r>
-            <a:r>
-              <a:rPr lang="el-GR" dirty="0"/>
-              <a:t>. Στην </a:t>
-            </a:r>
-            <a:r>
-              <a:rPr lang="en-US" dirty="0"/>
-              <a:t>update </a:t>
-            </a:r>
-            <a:r>
-              <a:rPr lang="el-GR" dirty="0"/>
-              <a:t>ορίζουμε ένα </a:t>
-            </a:r>
-            <a:r>
-              <a:rPr lang="en-US" dirty="0"/>
-              <a:t>condition</a:t>
-            </a:r>
-            <a:r>
-              <a:rPr lang="el-GR" dirty="0"/>
-              <a:t> με το οποίο επιλέγουμε κάποια από τα </a:t>
-            </a:r>
-            <a:r>
-              <a:rPr lang="en-US" dirty="0"/>
-              <a:t>document </a:t>
-            </a:r>
-            <a:r>
-              <a:rPr lang="el-GR" dirty="0"/>
-              <a:t>και στην συνέχεια ορίζουμε τις αλλαγές που θέλουμε να εκτελέσουμε πάνω σε αυτά.</a:t>
-            </a:r>
-          </a:p>
-          <a:p>
-            <a:r>
-              <a:rPr lang="el-GR" dirty="0"/>
-              <a:t>Η αλλαγές αυτές μπορεί να είναι είτε ένα εντελώς νέο </a:t>
-            </a:r>
-            <a:r>
-              <a:rPr lang="en-US" dirty="0"/>
-              <a:t>key-value pair </a:t>
-            </a:r>
-            <a:r>
-              <a:rPr lang="el-GR" dirty="0"/>
-              <a:t>είτε ένα ήδη υπάρχον κλειδί το οποίο θέλουμε απλά να αλλάξουμε την τιμή του.  Αυτή η ευελιξία δεν υπάρχει στην αντίστοιχη εντολή </a:t>
-            </a:r>
-            <a:r>
-              <a:rPr lang="en-US" dirty="0"/>
-              <a:t>update </a:t>
-            </a:r>
-            <a:r>
-              <a:rPr lang="el-GR" dirty="0"/>
-              <a:t>σε </a:t>
-            </a:r>
-            <a:r>
-              <a:rPr lang="en-US" dirty="0"/>
-              <a:t>relational databases </a:t>
-            </a:r>
-            <a:r>
-              <a:rPr lang="el-GR" dirty="0"/>
-              <a:t>καθώς το σχήμα είναι καθορισμένο και δεν μπορούμε να ορίσουμε μία νέα στήλη για παράδειγμα σε συγκεκριμένες γραμμές. </a:t>
-            </a:r>
           </a:p>
         </p:txBody>
       </p:sp>
@@ -1659,7 +1646,7 @@
     </p:spTree>
     <p:extLst>
       <p:ext uri="{BB962C8B-B14F-4D97-AF65-F5344CB8AC3E}">
-        <p14:creationId xmlns:p14="http://schemas.microsoft.com/office/powerpoint/2010/main" val="3061397269"/>
+        <p14:creationId xmlns:p14="http://schemas.microsoft.com/office/powerpoint/2010/main" val="3599270308"/>
       </p:ext>
     </p:extLst>
   </p:cSld>
@@ -1713,176 +1700,233 @@
           <a:bodyPr/>
           <a:lstStyle/>
           <a:p>
-            <a:r>
-              <a:rPr lang="el-GR" dirty="0"/>
-              <a:t>Εδώ βλέπουμε μερικά </a:t>
-            </a:r>
-            <a:r>
-              <a:rPr lang="en-US" dirty="0"/>
-              <a:t>query </a:t>
-            </a:r>
-            <a:r>
-              <a:rPr lang="el-GR" dirty="0"/>
-              <a:t>της </a:t>
-            </a:r>
-            <a:r>
-              <a:rPr lang="en-US" dirty="0"/>
-              <a:t>MongoDB </a:t>
-            </a:r>
-            <a:r>
-              <a:rPr lang="el-GR" dirty="0"/>
-              <a:t>ως παράδειγμα.</a:t>
-            </a:r>
-          </a:p>
-          <a:p>
-            <a:r>
-              <a:rPr lang="el-GR" dirty="0"/>
-              <a:t>Στα αριστερά βλέπουμε την συλλογή από τα </a:t>
-            </a:r>
-            <a:r>
-              <a:rPr lang="en-US" dirty="0"/>
+            <a:pPr marL="0" marR="0" lvl="0" indent="0" algn="l" defTabSz="914400" rtl="0" eaLnBrk="1" fontAlgn="auto" latinLnBrk="0" hangingPunct="1">
+              <a:lnSpc>
+                <a:spcPct val="100000"/>
+              </a:lnSpc>
+              <a:spcBef>
+                <a:spcPts val="0"/>
+              </a:spcBef>
+              <a:spcAft>
+                <a:spcPts val="0"/>
+              </a:spcAft>
+              <a:buClrTx/>
+              <a:buSzTx/>
+              <a:buFontTx/>
+              <a:buNone/>
+              <a:tabLst/>
+              <a:defRPr/>
+            </a:pPr>
+            <a:r>
+              <a:rPr lang="el-GR" sz="1800" dirty="0">
+                <a:effectLst/>
+                <a:latin typeface="Calibri" panose="020F0502020204030204" pitchFamily="34" charset="0"/>
+                <a:ea typeface="Calibri" panose="020F0502020204030204" pitchFamily="34" charset="0"/>
+                <a:cs typeface="Times New Roman" panose="02020603050405020304" pitchFamily="18" charset="0"/>
+              </a:rPr>
+              <a:t>Εδώ μπορούμε να δούμε πως αναπαρίσταται ένα </a:t>
+            </a:r>
+            <a:r>
+              <a:rPr lang="en-US" sz="1800" dirty="0">
+                <a:effectLst/>
+                <a:latin typeface="Calibri" panose="020F0502020204030204" pitchFamily="34" charset="0"/>
+                <a:ea typeface="Calibri" panose="020F0502020204030204" pitchFamily="34" charset="0"/>
+                <a:cs typeface="Times New Roman" panose="02020603050405020304" pitchFamily="18" charset="0"/>
+              </a:rPr>
               <a:t>document </a:t>
             </a:r>
             <a:r>
-              <a:rPr lang="el-GR" dirty="0"/>
-              <a:t>που έχουμε ως δεδομένα και αριστερά κάποια </a:t>
-            </a:r>
-            <a:r>
-              <a:rPr lang="en-US" dirty="0"/>
-              <a:t>query </a:t>
-            </a:r>
-            <a:r>
-              <a:rPr lang="el-GR" dirty="0"/>
-              <a:t>με τα οποία τραβάμε συγκεκριμένα έγγραφα από την συλλογή μας.</a:t>
-            </a:r>
-          </a:p>
-          <a:p>
-            <a:r>
-              <a:rPr lang="el-GR" dirty="0"/>
-              <a:t>Στο πρώτο </a:t>
-            </a:r>
-            <a:r>
-              <a:rPr lang="en-US" dirty="0"/>
-              <a:t>query </a:t>
-            </a:r>
-            <a:r>
-              <a:rPr lang="el-GR" dirty="0"/>
-              <a:t>ζητάμε όλα τα </a:t>
-            </a:r>
-            <a:r>
-              <a:rPr lang="en-US" dirty="0"/>
+              <a:rPr lang="el-GR" sz="1800" dirty="0">
+                <a:effectLst/>
+                <a:latin typeface="Calibri" panose="020F0502020204030204" pitchFamily="34" charset="0"/>
+                <a:ea typeface="Calibri" panose="020F0502020204030204" pitchFamily="34" charset="0"/>
+                <a:cs typeface="Times New Roman" panose="02020603050405020304" pitchFamily="18" charset="0"/>
+              </a:rPr>
+              <a:t>σε σχέση με έναν πίνακα. Κάθε στήλη του πίνακα αντιστοιχεί και σε ένα κλειδί του </a:t>
+            </a:r>
+            <a:r>
+              <a:rPr lang="en-US" sz="1800" dirty="0">
+                <a:effectLst/>
+                <a:latin typeface="Calibri" panose="020F0502020204030204" pitchFamily="34" charset="0"/>
+                <a:ea typeface="Calibri" panose="020F0502020204030204" pitchFamily="34" charset="0"/>
+                <a:cs typeface="Times New Roman" panose="02020603050405020304" pitchFamily="18" charset="0"/>
+              </a:rPr>
+              <a:t>document</a:t>
+            </a:r>
+            <a:r>
+              <a:rPr lang="el-GR" sz="1800" dirty="0">
+                <a:effectLst/>
+                <a:latin typeface="Calibri" panose="020F0502020204030204" pitchFamily="34" charset="0"/>
+                <a:ea typeface="Calibri" panose="020F0502020204030204" pitchFamily="34" charset="0"/>
+                <a:cs typeface="Times New Roman" panose="02020603050405020304" pitchFamily="18" charset="0"/>
+              </a:rPr>
+              <a:t> και κάθε γραμμή αντιστοιχεί σε ένα </a:t>
+            </a:r>
+            <a:r>
+              <a:rPr lang="en-US" sz="1800" dirty="0">
+                <a:effectLst/>
+                <a:latin typeface="Calibri" panose="020F0502020204030204" pitchFamily="34" charset="0"/>
+                <a:ea typeface="Calibri" panose="020F0502020204030204" pitchFamily="34" charset="0"/>
+                <a:cs typeface="Times New Roman" panose="02020603050405020304" pitchFamily="18" charset="0"/>
+              </a:rPr>
+              <a:t>document</a:t>
+            </a:r>
+            <a:r>
+              <a:rPr lang="el-GR" sz="1800" dirty="0">
+                <a:effectLst/>
+                <a:latin typeface="Calibri" panose="020F0502020204030204" pitchFamily="34" charset="0"/>
+                <a:ea typeface="Calibri" panose="020F0502020204030204" pitchFamily="34" charset="0"/>
+                <a:cs typeface="Times New Roman" panose="02020603050405020304" pitchFamily="18" charset="0"/>
+              </a:rPr>
+              <a:t>. </a:t>
+            </a:r>
+            <a:r>
+              <a:rPr lang="en-US" sz="1800" dirty="0">
+                <a:effectLst/>
+                <a:latin typeface="Calibri" panose="020F0502020204030204" pitchFamily="34" charset="0"/>
+                <a:ea typeface="Calibri" panose="020F0502020204030204" pitchFamily="34" charset="0"/>
+                <a:cs typeface="Times New Roman" panose="02020603050405020304" pitchFamily="18" charset="0"/>
+              </a:rPr>
+              <a:t>H </a:t>
+            </a:r>
+            <a:r>
+              <a:rPr lang="el-GR" sz="1800" dirty="0">
+                <a:effectLst/>
+                <a:latin typeface="Calibri" panose="020F0502020204030204" pitchFamily="34" charset="0"/>
+                <a:ea typeface="Calibri" panose="020F0502020204030204" pitchFamily="34" charset="0"/>
+                <a:cs typeface="Times New Roman" panose="02020603050405020304" pitchFamily="18" charset="0"/>
+              </a:rPr>
+              <a:t>κύρια διαφορά όμως είναι το γεγονός ότι μεταξύ των </a:t>
+            </a:r>
+            <a:r>
+              <a:rPr lang="en-US" sz="1800" dirty="0">
+                <a:effectLst/>
+                <a:latin typeface="Calibri" panose="020F0502020204030204" pitchFamily="34" charset="0"/>
+                <a:ea typeface="Calibri" panose="020F0502020204030204" pitchFamily="34" charset="0"/>
+                <a:cs typeface="Times New Roman" panose="02020603050405020304" pitchFamily="18" charset="0"/>
+              </a:rPr>
+              <a:t>documents </a:t>
+            </a:r>
+            <a:r>
+              <a:rPr lang="el-GR" sz="1800" dirty="0">
+                <a:effectLst/>
+                <a:latin typeface="Calibri" panose="020F0502020204030204" pitchFamily="34" charset="0"/>
+                <a:ea typeface="Calibri" panose="020F0502020204030204" pitchFamily="34" charset="0"/>
+                <a:cs typeface="Times New Roman" panose="02020603050405020304" pitchFamily="18" charset="0"/>
+              </a:rPr>
+              <a:t>δεν είναι απαραίτητο να έχουμε τα ίδια κλειδιά πράγμα που θα αντιστοιχούσε σε γραμμές με διαφορετικό αριθμό από στήλες σε έναν πίνακα αλλά αυτό φυσικά δεν γίνεται. Μία ακόμα από τις επιπλέων δυνατότητες που μας δίνει ένα </a:t>
+            </a:r>
+            <a:r>
+              <a:rPr lang="en-US" sz="1800" dirty="0">
+                <a:effectLst/>
+                <a:latin typeface="Calibri" panose="020F0502020204030204" pitchFamily="34" charset="0"/>
+                <a:ea typeface="Calibri" panose="020F0502020204030204" pitchFamily="34" charset="0"/>
+                <a:cs typeface="Times New Roman" panose="02020603050405020304" pitchFamily="18" charset="0"/>
+              </a:rPr>
+              <a:t>document</a:t>
+            </a:r>
+            <a:r>
+              <a:rPr lang="el-GR" sz="1800" dirty="0">
+                <a:effectLst/>
+                <a:latin typeface="Calibri" panose="020F0502020204030204" pitchFamily="34" charset="0"/>
+                <a:ea typeface="Calibri" panose="020F0502020204030204" pitchFamily="34" charset="0"/>
+                <a:cs typeface="Times New Roman" panose="02020603050405020304" pitchFamily="18" charset="0"/>
+              </a:rPr>
+              <a:t>, είναι η εισαγωγή ενός ολόκληρου </a:t>
+            </a:r>
+            <a:r>
+              <a:rPr lang="en-US" sz="1800" dirty="0">
+                <a:effectLst/>
+                <a:latin typeface="Calibri" panose="020F0502020204030204" pitchFamily="34" charset="0"/>
+                <a:ea typeface="Calibri" panose="020F0502020204030204" pitchFamily="34" charset="0"/>
+                <a:cs typeface="Times New Roman" panose="02020603050405020304" pitchFamily="18" charset="0"/>
+              </a:rPr>
               <a:t>document </a:t>
             </a:r>
             <a:r>
-              <a:rPr lang="el-GR" dirty="0"/>
-              <a:t>τα οποία έχουν την τιμή του </a:t>
-            </a:r>
-            <a:r>
-              <a:rPr lang="en-US" dirty="0"/>
+              <a:rPr lang="el-GR" sz="1800" dirty="0">
+                <a:effectLst/>
+                <a:latin typeface="Calibri" panose="020F0502020204030204" pitchFamily="34" charset="0"/>
+                <a:ea typeface="Calibri" panose="020F0502020204030204" pitchFamily="34" charset="0"/>
+                <a:cs typeface="Times New Roman" panose="02020603050405020304" pitchFamily="18" charset="0"/>
+              </a:rPr>
+              <a:t>ως </a:t>
+            </a:r>
+            <a:r>
+              <a:rPr lang="en-US" sz="1800" dirty="0">
+                <a:effectLst/>
+                <a:latin typeface="Calibri" panose="020F0502020204030204" pitchFamily="34" charset="0"/>
+                <a:ea typeface="Calibri" panose="020F0502020204030204" pitchFamily="34" charset="0"/>
+                <a:cs typeface="Times New Roman" panose="02020603050405020304" pitchFamily="18" charset="0"/>
+              </a:rPr>
+              <a:t>value </a:t>
+            </a:r>
+            <a:r>
+              <a:rPr lang="el-GR" sz="1800" dirty="0">
+                <a:effectLst/>
+                <a:latin typeface="Calibri" panose="020F0502020204030204" pitchFamily="34" charset="0"/>
+                <a:ea typeface="Calibri" panose="020F0502020204030204" pitchFamily="34" charset="0"/>
+                <a:cs typeface="Times New Roman" panose="02020603050405020304" pitchFamily="18" charset="0"/>
+              </a:rPr>
+              <a:t>για κάποιο από τα </a:t>
+            </a:r>
+            <a:r>
+              <a:rPr lang="en-US" sz="1800" dirty="0">
+                <a:effectLst/>
+                <a:latin typeface="Calibri" panose="020F0502020204030204" pitchFamily="34" charset="0"/>
+                <a:ea typeface="Calibri" panose="020F0502020204030204" pitchFamily="34" charset="0"/>
+                <a:cs typeface="Times New Roman" panose="02020603050405020304" pitchFamily="18" charset="0"/>
+              </a:rPr>
               <a:t>key </a:t>
             </a:r>
             <a:r>
-              <a:rPr lang="el-GR" dirty="0"/>
-              <a:t>ως 1. Ένα αντίστοιχο </a:t>
-            </a:r>
-            <a:r>
-              <a:rPr lang="en-US" dirty="0"/>
-              <a:t>query </a:t>
-            </a:r>
-            <a:r>
-              <a:rPr lang="el-GR" dirty="0"/>
-              <a:t>σε μία </a:t>
-            </a:r>
-            <a:r>
-              <a:rPr lang="en-US" dirty="0" err="1"/>
-              <a:t>sql</a:t>
-            </a:r>
-            <a:r>
-              <a:rPr lang="en-US" dirty="0"/>
-              <a:t> </a:t>
-            </a:r>
-            <a:r>
-              <a:rPr lang="el-GR" dirty="0"/>
-              <a:t>βάση δεδομένων θα ήταν</a:t>
-            </a:r>
-            <a:r>
-              <a:rPr lang="en-US" dirty="0"/>
-              <a:t> select * from collection where key = 1.</a:t>
-            </a:r>
+              <a:rPr lang="el-GR" sz="1800" dirty="0">
+                <a:effectLst/>
+                <a:latin typeface="Calibri" panose="020F0502020204030204" pitchFamily="34" charset="0"/>
+                <a:ea typeface="Calibri" panose="020F0502020204030204" pitchFamily="34" charset="0"/>
+                <a:cs typeface="Times New Roman" panose="02020603050405020304" pitchFamily="18" charset="0"/>
+              </a:rPr>
+              <a:t>του αρχικού </a:t>
+            </a:r>
+            <a:r>
+              <a:rPr lang="en-US" sz="1800" dirty="0">
+                <a:effectLst/>
+                <a:latin typeface="Calibri" panose="020F0502020204030204" pitchFamily="34" charset="0"/>
+                <a:ea typeface="Calibri" panose="020F0502020204030204" pitchFamily="34" charset="0"/>
+                <a:cs typeface="Times New Roman" panose="02020603050405020304" pitchFamily="18" charset="0"/>
+              </a:rPr>
+              <a:t>document</a:t>
+            </a:r>
+            <a:r>
+              <a:rPr lang="el-GR" sz="1800" dirty="0">
+                <a:effectLst/>
+                <a:latin typeface="Calibri" panose="020F0502020204030204" pitchFamily="34" charset="0"/>
+                <a:ea typeface="Calibri" panose="020F0502020204030204" pitchFamily="34" charset="0"/>
+                <a:cs typeface="Times New Roman" panose="02020603050405020304" pitchFamily="18" charset="0"/>
+              </a:rPr>
+              <a:t>. Γενικά υπάρχει πλήρης ελευθερία στο πως θα δομηθεί από την στιγμή που χρησιμοποιούμε την μορφή </a:t>
+            </a:r>
+            <a:r>
+              <a:rPr lang="en-US" sz="1800" dirty="0">
+                <a:effectLst/>
+                <a:latin typeface="Calibri" panose="020F0502020204030204" pitchFamily="34" charset="0"/>
+                <a:ea typeface="Calibri" panose="020F0502020204030204" pitchFamily="34" charset="0"/>
+                <a:cs typeface="Times New Roman" panose="02020603050405020304" pitchFamily="18" charset="0"/>
+              </a:rPr>
+              <a:t>JSON</a:t>
+            </a:r>
+            <a:r>
+              <a:rPr lang="el-GR" sz="1800" dirty="0">
+                <a:effectLst/>
+                <a:latin typeface="Calibri" panose="020F0502020204030204" pitchFamily="34" charset="0"/>
+                <a:ea typeface="Calibri" panose="020F0502020204030204" pitchFamily="34" charset="0"/>
+                <a:cs typeface="Times New Roman" panose="02020603050405020304" pitchFamily="18" charset="0"/>
+              </a:rPr>
+              <a:t>.</a:t>
+            </a:r>
+          </a:p>
+          <a:p>
             <a:endParaRPr lang="el-GR" dirty="0"/>
-          </a:p>
-          <a:p>
-            <a:r>
-              <a:rPr lang="el-GR" dirty="0"/>
-              <a:t>Στο δεύτερο </a:t>
-            </a:r>
-            <a:r>
-              <a:rPr lang="en-US" dirty="0"/>
-              <a:t>query </a:t>
-            </a:r>
-            <a:r>
-              <a:rPr lang="el-GR" dirty="0"/>
-              <a:t>ζητάμε τα </a:t>
-            </a:r>
-            <a:r>
-              <a:rPr lang="en-US" dirty="0"/>
-              <a:t>document </a:t>
-            </a:r>
-            <a:r>
-              <a:rPr lang="el-GR" dirty="0"/>
-              <a:t>τα οποία έχουν είτε το </a:t>
-            </a:r>
-            <a:r>
-              <a:rPr lang="en-US" dirty="0"/>
-              <a:t>key </a:t>
-            </a:r>
-            <a:r>
-              <a:rPr lang="el-GR" dirty="0"/>
-              <a:t>ίσο με 1 είτε τον </a:t>
-            </a:r>
-            <a:r>
-              <a:rPr lang="en-US" dirty="0"/>
-              <a:t>user </a:t>
-            </a:r>
-            <a:r>
-              <a:rPr lang="el-GR" dirty="0"/>
-              <a:t>ίσο με την τιμή </a:t>
-            </a:r>
-            <a:r>
-              <a:rPr lang="en-US" dirty="0"/>
-              <a:t>John. </a:t>
-            </a:r>
-            <a:r>
-              <a:rPr lang="el-GR" dirty="0"/>
-              <a:t>Αυτό το πετυχαίνουμε με τον τελεστή </a:t>
-            </a:r>
-            <a:r>
-              <a:rPr lang="en-US" dirty="0"/>
-              <a:t>$or </a:t>
-            </a:r>
-            <a:r>
-              <a:rPr lang="el-GR" dirty="0"/>
-              <a:t>ο οποίος παίρνει ως τιμή ένα </a:t>
-            </a:r>
-            <a:r>
-              <a:rPr lang="en-US" dirty="0"/>
-              <a:t>array </a:t>
-            </a:r>
-            <a:r>
-              <a:rPr lang="el-GR" dirty="0"/>
-              <a:t>με </a:t>
-            </a:r>
-            <a:r>
-              <a:rPr lang="en-US" dirty="0"/>
-              <a:t>conditions.</a:t>
-            </a:r>
-            <a:endParaRPr lang="el-GR" dirty="0"/>
-          </a:p>
-          <a:p>
-            <a:r>
-              <a:rPr lang="el-GR" dirty="0"/>
-              <a:t>Με αντίστοιχο τρόπο δουλεύουν και όλες οι υπόλοιπες εντολές που είδαμε και πιο πριν.</a:t>
-            </a:r>
           </a:p>
         </p:txBody>
       </p:sp>
@@ -1904,6 +1948,681 @@
             <a:fld id="{5EE2CF44-2B13-41B4-A334-1CDF534EEBBF}" type="slidenum">
               <a:rPr lang="el-GR" smtClean="0"/>
               <a:t>8</a:t>
+            </a:fld>
+            <a:endParaRPr lang="el-GR"/>
+          </a:p>
+        </p:txBody>
+      </p:sp>
+    </p:spTree>
+    <p:extLst>
+      <p:ext uri="{BB962C8B-B14F-4D97-AF65-F5344CB8AC3E}">
+        <p14:creationId xmlns:p14="http://schemas.microsoft.com/office/powerpoint/2010/main" val="3032134870"/>
+      </p:ext>
+    </p:extLst>
+  </p:cSld>
+  <p:clrMapOvr>
+    <a:masterClrMapping/>
+  </p:clrMapOvr>
+</p:notes>
+</file>
+
+<file path=ppt/notesSlides/notesSlide3.xml><?xml version="1.0" encoding="utf-8"?>
+<p:notes xmlns:a="http://schemas.openxmlformats.org/drawingml/2006/main" xmlns:r="http://schemas.openxmlformats.org/officeDocument/2006/relationships" xmlns:p="http://schemas.openxmlformats.org/presentationml/2006/main">
+  <p:cSld>
+    <p:spTree>
+      <p:nvGrpSpPr>
+        <p:cNvPr id="1" name=""/>
+        <p:cNvGrpSpPr/>
+        <p:nvPr/>
+      </p:nvGrpSpPr>
+      <p:grpSpPr>
+        <a:xfrm>
+          <a:off x="0" y="0"/>
+          <a:ext cx="0" cy="0"/>
+          <a:chOff x="0" y="0"/>
+          <a:chExt cx="0" cy="0"/>
+        </a:xfrm>
+      </p:grpSpPr>
+      <p:sp>
+        <p:nvSpPr>
+          <p:cNvPr id="2" name="Θέση εικόνας διαφάνειας 1"/>
+          <p:cNvSpPr>
+            <a:spLocks noGrp="1" noRot="1" noChangeAspect="1"/>
+          </p:cNvSpPr>
+          <p:nvPr>
+            <p:ph type="sldImg"/>
+          </p:nvPr>
+        </p:nvSpPr>
+        <p:spPr/>
+      </p:sp>
+      <p:sp>
+        <p:nvSpPr>
+          <p:cNvPr id="3" name="Θέση σημειώσεων 2"/>
+          <p:cNvSpPr>
+            <a:spLocks noGrp="1"/>
+          </p:cNvSpPr>
+          <p:nvPr>
+            <p:ph type="body" idx="1"/>
+          </p:nvPr>
+        </p:nvSpPr>
+        <p:spPr/>
+        <p:txBody>
+          <a:bodyPr/>
+          <a:lstStyle/>
+          <a:p>
+            <a:r>
+              <a:rPr lang="el-GR" dirty="0"/>
+              <a:t>Σε αυτό το πινακάκι βλέπουμε μερικές από τις βασικές εντολές της </a:t>
+            </a:r>
+            <a:r>
+              <a:rPr lang="en-US" dirty="0"/>
+              <a:t>MongoDB</a:t>
+            </a:r>
+            <a:r>
+              <a:rPr lang="el-GR" dirty="0"/>
+              <a:t> και αντίστοιχες εντολές που θα εκτελούσαμε σε μία σχεσιακή βάση δεδομένων με </a:t>
+            </a:r>
+            <a:r>
+              <a:rPr lang="en-US" dirty="0"/>
+              <a:t>SQL</a:t>
+            </a:r>
+            <a:r>
+              <a:rPr lang="el-GR" dirty="0"/>
+              <a:t>.</a:t>
+            </a:r>
+          </a:p>
+          <a:p>
+            <a:r>
+              <a:rPr lang="el-GR" dirty="0"/>
+              <a:t>Αρχικά να αναφέρουμε ότι τα </a:t>
+            </a:r>
+            <a:r>
+              <a:rPr lang="en-US" dirty="0"/>
+              <a:t>conditions </a:t>
+            </a:r>
+            <a:r>
+              <a:rPr lang="el-GR" dirty="0"/>
+              <a:t>της </a:t>
+            </a:r>
+            <a:r>
+              <a:rPr lang="en-US" dirty="0"/>
+              <a:t>MongoDB </a:t>
+            </a:r>
+            <a:r>
+              <a:rPr lang="el-GR" dirty="0"/>
+              <a:t>είναι και αυτά σε μορφή </a:t>
+            </a:r>
+            <a:r>
+              <a:rPr lang="en-US" dirty="0"/>
+              <a:t>JSON</a:t>
+            </a:r>
+            <a:r>
+              <a:rPr lang="el-GR" dirty="0"/>
+              <a:t>. Στην ουσία για τα </a:t>
+            </a:r>
+            <a:r>
+              <a:rPr lang="en-US" dirty="0"/>
+              <a:t>condition </a:t>
+            </a:r>
+            <a:r>
+              <a:rPr lang="el-GR" dirty="0"/>
+              <a:t>γράφουμε ένα </a:t>
+            </a:r>
+            <a:r>
+              <a:rPr lang="en-US" dirty="0"/>
+              <a:t>JSON </a:t>
+            </a:r>
+            <a:r>
+              <a:rPr lang="el-GR" dirty="0"/>
+              <a:t>με κλειδιά και τιμές τα αντίστοιχα κλειδιά και τιμές που θέλουμε να περιέχουν τα </a:t>
+            </a:r>
+            <a:r>
+              <a:rPr lang="en-US" dirty="0"/>
+              <a:t>document </a:t>
+            </a:r>
+            <a:r>
+              <a:rPr lang="el-GR" dirty="0"/>
+              <a:t>που θέλουμε να επιλέξουμε.</a:t>
+            </a:r>
+          </a:p>
+          <a:p>
+            <a:r>
+              <a:rPr lang="el-GR" dirty="0"/>
+              <a:t>Επιπλέων υπάρχουν και μερικοί ειδικοί τελεστές που ξεκινάν με τον χαρακτήρα δολάριο όπως φαίνεται και ο τελεστής </a:t>
+            </a:r>
+            <a:r>
+              <a:rPr lang="en-US" dirty="0"/>
+              <a:t>$set </a:t>
+            </a:r>
+            <a:r>
+              <a:rPr lang="el-GR" dirty="0"/>
+              <a:t>που φαίνεται στην γραμμή 3 και είναι υπεύθυνος στο να εισάγει ένα νέο κλειδί σε ένα </a:t>
+            </a:r>
+            <a:r>
+              <a:rPr lang="en-US" dirty="0"/>
+              <a:t>document </a:t>
+            </a:r>
+            <a:r>
+              <a:rPr lang="el-GR" dirty="0"/>
+              <a:t>ή να τροποποιεί ένα ήδη υπάρχον.</a:t>
+            </a:r>
+            <a:endParaRPr lang="en-US" dirty="0"/>
+          </a:p>
+          <a:p>
+            <a:r>
+              <a:rPr lang="el-GR" dirty="0"/>
+              <a:t>Στην πρώτη γραμμή, βλέπουμε την εντολή </a:t>
+            </a:r>
+            <a:r>
+              <a:rPr lang="en-US" dirty="0"/>
+              <a:t>find </a:t>
+            </a:r>
+            <a:r>
+              <a:rPr lang="el-GR" dirty="0"/>
+              <a:t>η οποία λειτουργεί με τον ίδιο τρόπο που λειτουργεί και μία </a:t>
+            </a:r>
+            <a:r>
+              <a:rPr lang="en-US" dirty="0"/>
+              <a:t>select</a:t>
+            </a:r>
+            <a:r>
+              <a:rPr lang="el-GR" dirty="0"/>
+              <a:t> *</a:t>
+            </a:r>
+            <a:r>
+              <a:rPr lang="en-US" dirty="0"/>
+              <a:t> </a:t>
+            </a:r>
+            <a:r>
+              <a:rPr lang="el-GR" dirty="0"/>
+              <a:t>στην </a:t>
+            </a:r>
+            <a:r>
+              <a:rPr lang="en-US" dirty="0"/>
+              <a:t>SQL</a:t>
+            </a:r>
+            <a:r>
+              <a:rPr lang="el-GR" dirty="0"/>
+              <a:t>. Μας επιστρέφει όλα τα </a:t>
+            </a:r>
+            <a:r>
+              <a:rPr lang="en-US" dirty="0"/>
+              <a:t>document </a:t>
+            </a:r>
+            <a:r>
+              <a:rPr lang="el-GR" dirty="0"/>
+              <a:t>που ικανοποιούν τα </a:t>
+            </a:r>
+            <a:r>
+              <a:rPr lang="en-US" dirty="0"/>
+              <a:t>condition </a:t>
+            </a:r>
+            <a:r>
+              <a:rPr lang="el-GR" dirty="0"/>
+              <a:t>που ορίσαμε, θα δούμε και μερικά παραδείγματα πάνω σε αυτό λίγο παρακάτω.</a:t>
+            </a:r>
+          </a:p>
+          <a:p>
+            <a:r>
+              <a:rPr lang="el-GR" dirty="0"/>
+              <a:t>Η </a:t>
+            </a:r>
+            <a:r>
+              <a:rPr lang="en-US" dirty="0"/>
+              <a:t>insert </a:t>
+            </a:r>
+            <a:r>
+              <a:rPr lang="el-GR" dirty="0"/>
+              <a:t>χρησιμοποιείτε για να εισαχθεί ένα ολόκληρο </a:t>
+            </a:r>
+            <a:r>
+              <a:rPr lang="en-US" dirty="0"/>
+              <a:t>document</a:t>
+            </a:r>
+            <a:r>
+              <a:rPr lang="el-GR" dirty="0"/>
+              <a:t> ή και περισσότερα αν ορίσουμε ένα </a:t>
+            </a:r>
+            <a:r>
+              <a:rPr lang="en-US" dirty="0"/>
+              <a:t>array </a:t>
+            </a:r>
+            <a:r>
+              <a:rPr lang="el-GR" dirty="0"/>
+              <a:t>και η </a:t>
+            </a:r>
+            <a:r>
+              <a:rPr lang="en-US" dirty="0"/>
+              <a:t>remove </a:t>
+            </a:r>
+            <a:r>
+              <a:rPr lang="el-GR" dirty="0"/>
+              <a:t>για να αφαιρεθούν όλα τα </a:t>
+            </a:r>
+            <a:r>
+              <a:rPr lang="en-US" dirty="0"/>
+              <a:t>document </a:t>
+            </a:r>
+            <a:r>
+              <a:rPr lang="el-GR" dirty="0"/>
+              <a:t>που ικανοποιούν μία συνθήκη.</a:t>
+            </a:r>
+          </a:p>
+          <a:p>
+            <a:r>
+              <a:rPr lang="el-GR" dirty="0"/>
+              <a:t>Η εντολή </a:t>
+            </a:r>
+            <a:r>
+              <a:rPr lang="en-US" dirty="0"/>
+              <a:t>update</a:t>
+            </a:r>
+            <a:r>
+              <a:rPr lang="el-GR" dirty="0"/>
+              <a:t> είναι λίγο ιδιαίτερη γιατί η λειτουργία της δεν είναι ακριβώς το ίδιο με το κλασικό </a:t>
+            </a:r>
+            <a:r>
+              <a:rPr lang="en-US" dirty="0"/>
+              <a:t>update </a:t>
+            </a:r>
+            <a:r>
+              <a:rPr lang="el-GR" dirty="0"/>
+              <a:t>σε </a:t>
+            </a:r>
+            <a:r>
+              <a:rPr lang="en-US" dirty="0"/>
+              <a:t>SQL.</a:t>
+            </a:r>
+            <a:endParaRPr lang="el-GR" dirty="0"/>
+          </a:p>
+          <a:p>
+            <a:r>
+              <a:rPr lang="el-GR" dirty="0"/>
+              <a:t>Τα </a:t>
+            </a:r>
+            <a:r>
+              <a:rPr lang="en-US" dirty="0"/>
+              <a:t>document </a:t>
+            </a:r>
+            <a:r>
+              <a:rPr lang="el-GR" dirty="0"/>
+              <a:t>της </a:t>
+            </a:r>
+            <a:r>
+              <a:rPr lang="en-US" dirty="0"/>
+              <a:t>MongoDB </a:t>
+            </a:r>
+            <a:r>
+              <a:rPr lang="el-GR" dirty="0"/>
+              <a:t>δεν έχουν κάποιο καθορισμένο σχήμα, πράγμα που σημαίνει ότι το κάθε ένα μπορεί να περιέχει εντελώς διαφορετικά </a:t>
+            </a:r>
+            <a:r>
+              <a:rPr lang="en-US" dirty="0"/>
+              <a:t>key-value pairs</a:t>
+            </a:r>
+            <a:r>
+              <a:rPr lang="el-GR" dirty="0"/>
+              <a:t>. </a:t>
+            </a:r>
+          </a:p>
+          <a:p>
+            <a:r>
+              <a:rPr lang="el-GR" dirty="0"/>
+              <a:t>Αυτό μας επιτρέπει και να προσθέτουμε ανά πάσα στιγμή ένα νέο </a:t>
+            </a:r>
+            <a:r>
+              <a:rPr lang="en-US" dirty="0"/>
+              <a:t>key-value pair </a:t>
+            </a:r>
+            <a:r>
+              <a:rPr lang="el-GR" dirty="0"/>
+              <a:t>σε κάποια από τα </a:t>
+            </a:r>
+            <a:r>
+              <a:rPr lang="en-US" dirty="0"/>
+              <a:t>document </a:t>
+            </a:r>
+            <a:r>
+              <a:rPr lang="el-GR" dirty="0"/>
+              <a:t>χρησιμοποιώντας την </a:t>
+            </a:r>
+            <a:r>
+              <a:rPr lang="en-US" dirty="0"/>
+              <a:t>update</a:t>
+            </a:r>
+            <a:r>
+              <a:rPr lang="el-GR" dirty="0"/>
+              <a:t>. Στην </a:t>
+            </a:r>
+            <a:r>
+              <a:rPr lang="en-US" dirty="0"/>
+              <a:t>update </a:t>
+            </a:r>
+            <a:r>
+              <a:rPr lang="el-GR" dirty="0"/>
+              <a:t>ορίζουμε ένα </a:t>
+            </a:r>
+            <a:r>
+              <a:rPr lang="en-US" dirty="0"/>
+              <a:t>condition</a:t>
+            </a:r>
+            <a:r>
+              <a:rPr lang="el-GR" dirty="0"/>
+              <a:t> με το οποίο επιλέγουμε κάποια από τα </a:t>
+            </a:r>
+            <a:r>
+              <a:rPr lang="en-US" dirty="0"/>
+              <a:t>document </a:t>
+            </a:r>
+            <a:r>
+              <a:rPr lang="el-GR" dirty="0"/>
+              <a:t>και στην συνέχεια ορίζουμε τις αλλαγές που θέλουμε να εκτελέσουμε πάνω σε αυτά.</a:t>
+            </a:r>
+          </a:p>
+          <a:p>
+            <a:r>
+              <a:rPr lang="el-GR" dirty="0"/>
+              <a:t>Η αλλαγές αυτές μπορεί να είναι είτε ένα εντελώς νέο </a:t>
+            </a:r>
+            <a:r>
+              <a:rPr lang="en-US" dirty="0"/>
+              <a:t>key-value pair </a:t>
+            </a:r>
+            <a:r>
+              <a:rPr lang="el-GR" dirty="0"/>
+              <a:t>είτε ένα ήδη υπάρχον κλειδί το οποίο θέλουμε απλά να αλλάξουμε την τιμή του.  Αυτή η ευελιξία δεν υπάρχει στην αντίστοιχη εντολή </a:t>
+            </a:r>
+            <a:r>
+              <a:rPr lang="en-US" dirty="0"/>
+              <a:t>update </a:t>
+            </a:r>
+            <a:r>
+              <a:rPr lang="el-GR" dirty="0"/>
+              <a:t>σε </a:t>
+            </a:r>
+            <a:r>
+              <a:rPr lang="en-US" dirty="0"/>
+              <a:t>relational databases </a:t>
+            </a:r>
+            <a:r>
+              <a:rPr lang="el-GR" dirty="0"/>
+              <a:t>καθώς το σχήμα είναι καθορισμένο και δεν μπορούμε να ορίσουμε μία νέα στήλη για παράδειγμα σε συγκεκριμένες γραμμές. </a:t>
+            </a:r>
+          </a:p>
+        </p:txBody>
+      </p:sp>
+      <p:sp>
+        <p:nvSpPr>
+          <p:cNvPr id="4" name="Θέση αριθμού διαφάνειας 3"/>
+          <p:cNvSpPr>
+            <a:spLocks noGrp="1"/>
+          </p:cNvSpPr>
+          <p:nvPr>
+            <p:ph type="sldNum" sz="quarter" idx="5"/>
+          </p:nvPr>
+        </p:nvSpPr>
+        <p:spPr/>
+        <p:txBody>
+          <a:bodyPr/>
+          <a:lstStyle/>
+          <a:p>
+            <a:fld id="{5EE2CF44-2B13-41B4-A334-1CDF534EEBBF}" type="slidenum">
+              <a:rPr lang="el-GR" smtClean="0"/>
+              <a:t>9</a:t>
+            </a:fld>
+            <a:endParaRPr lang="el-GR"/>
+          </a:p>
+        </p:txBody>
+      </p:sp>
+    </p:spTree>
+    <p:extLst>
+      <p:ext uri="{BB962C8B-B14F-4D97-AF65-F5344CB8AC3E}">
+        <p14:creationId xmlns:p14="http://schemas.microsoft.com/office/powerpoint/2010/main" val="3061397269"/>
+      </p:ext>
+    </p:extLst>
+  </p:cSld>
+  <p:clrMapOvr>
+    <a:masterClrMapping/>
+  </p:clrMapOvr>
+</p:notes>
+</file>
+
+<file path=ppt/notesSlides/notesSlide4.xml><?xml version="1.0" encoding="utf-8"?>
+<p:notes xmlns:a="http://schemas.openxmlformats.org/drawingml/2006/main" xmlns:r="http://schemas.openxmlformats.org/officeDocument/2006/relationships" xmlns:p="http://schemas.openxmlformats.org/presentationml/2006/main">
+  <p:cSld>
+    <p:spTree>
+      <p:nvGrpSpPr>
+        <p:cNvPr id="1" name=""/>
+        <p:cNvGrpSpPr/>
+        <p:nvPr/>
+      </p:nvGrpSpPr>
+      <p:grpSpPr>
+        <a:xfrm>
+          <a:off x="0" y="0"/>
+          <a:ext cx="0" cy="0"/>
+          <a:chOff x="0" y="0"/>
+          <a:chExt cx="0" cy="0"/>
+        </a:xfrm>
+      </p:grpSpPr>
+      <p:sp>
+        <p:nvSpPr>
+          <p:cNvPr id="2" name="Θέση εικόνας διαφάνειας 1"/>
+          <p:cNvSpPr>
+            <a:spLocks noGrp="1" noRot="1" noChangeAspect="1"/>
+          </p:cNvSpPr>
+          <p:nvPr>
+            <p:ph type="sldImg"/>
+          </p:nvPr>
+        </p:nvSpPr>
+        <p:spPr/>
+      </p:sp>
+      <p:sp>
+        <p:nvSpPr>
+          <p:cNvPr id="3" name="Θέση σημειώσεων 2"/>
+          <p:cNvSpPr>
+            <a:spLocks noGrp="1"/>
+          </p:cNvSpPr>
+          <p:nvPr>
+            <p:ph type="body" idx="1"/>
+          </p:nvPr>
+        </p:nvSpPr>
+        <p:spPr/>
+        <p:txBody>
+          <a:bodyPr/>
+          <a:lstStyle/>
+          <a:p>
+            <a:r>
+              <a:rPr lang="el-GR" dirty="0"/>
+              <a:t>Εδώ βλέπουμε μερικά </a:t>
+            </a:r>
+            <a:r>
+              <a:rPr lang="en-US" dirty="0"/>
+              <a:t>query </a:t>
+            </a:r>
+            <a:r>
+              <a:rPr lang="el-GR" dirty="0"/>
+              <a:t>της </a:t>
+            </a:r>
+            <a:r>
+              <a:rPr lang="en-US" dirty="0"/>
+              <a:t>MongoDB </a:t>
+            </a:r>
+            <a:r>
+              <a:rPr lang="el-GR" dirty="0"/>
+              <a:t>ως παράδειγμα.</a:t>
+            </a:r>
+          </a:p>
+          <a:p>
+            <a:r>
+              <a:rPr lang="el-GR" dirty="0"/>
+              <a:t>Στα αριστερά βλέπουμε την συλλογή από τα </a:t>
+            </a:r>
+            <a:r>
+              <a:rPr lang="en-US" dirty="0"/>
+              <a:t>document </a:t>
+            </a:r>
+            <a:r>
+              <a:rPr lang="el-GR" dirty="0"/>
+              <a:t>που έχουμε ως δεδομένα.</a:t>
+            </a:r>
+          </a:p>
+          <a:p>
+            <a:r>
+              <a:rPr lang="el-GR" dirty="0"/>
+              <a:t>Στο πρώτο </a:t>
+            </a:r>
+            <a:r>
+              <a:rPr lang="en-US" dirty="0"/>
+              <a:t>query </a:t>
+            </a:r>
+            <a:r>
+              <a:rPr lang="el-GR" dirty="0"/>
+              <a:t>ζητάμε όλα τα </a:t>
+            </a:r>
+            <a:r>
+              <a:rPr lang="en-US" dirty="0"/>
+              <a:t>document </a:t>
+            </a:r>
+            <a:r>
+              <a:rPr lang="el-GR" dirty="0"/>
+              <a:t>τα οποία έχουν την τιμή του </a:t>
+            </a:r>
+            <a:r>
+              <a:rPr lang="en-US" dirty="0"/>
+              <a:t>key </a:t>
+            </a:r>
+            <a:r>
+              <a:rPr lang="el-GR" dirty="0"/>
+              <a:t>ως 1. </a:t>
+            </a:r>
+          </a:p>
+          <a:p>
+            <a:r>
+              <a:rPr lang="el-GR" dirty="0"/>
+              <a:t>Ένα αντίστοιχο </a:t>
+            </a:r>
+            <a:r>
+              <a:rPr lang="en-US" dirty="0"/>
+              <a:t>query </a:t>
+            </a:r>
+            <a:r>
+              <a:rPr lang="el-GR" dirty="0"/>
+              <a:t>σε μία </a:t>
+            </a:r>
+            <a:r>
+              <a:rPr lang="en-US" dirty="0" err="1"/>
+              <a:t>sql</a:t>
+            </a:r>
+            <a:r>
+              <a:rPr lang="en-US" dirty="0"/>
+              <a:t> </a:t>
+            </a:r>
+            <a:r>
+              <a:rPr lang="el-GR" dirty="0"/>
+              <a:t>βάση δεδομένων θα ήταν</a:t>
+            </a:r>
+            <a:r>
+              <a:rPr lang="en-US" dirty="0"/>
+              <a:t> select * from collection where key = 1.</a:t>
+            </a:r>
+            <a:endParaRPr lang="el-GR" dirty="0"/>
+          </a:p>
+          <a:p>
+            <a:r>
+              <a:rPr lang="el-GR" dirty="0"/>
+              <a:t>Στο δεύτερο </a:t>
+            </a:r>
+            <a:r>
+              <a:rPr lang="en-US" dirty="0"/>
+              <a:t>query </a:t>
+            </a:r>
+            <a:r>
+              <a:rPr lang="el-GR" dirty="0"/>
+              <a:t>ζητάμε τα </a:t>
+            </a:r>
+            <a:r>
+              <a:rPr lang="en-US" dirty="0"/>
+              <a:t>document </a:t>
+            </a:r>
+            <a:r>
+              <a:rPr lang="el-GR" dirty="0"/>
+              <a:t>τα οποία έχουν είτε το </a:t>
+            </a:r>
+            <a:r>
+              <a:rPr lang="en-US" dirty="0"/>
+              <a:t>key </a:t>
+            </a:r>
+            <a:r>
+              <a:rPr lang="el-GR" dirty="0"/>
+              <a:t>ίσο με 1 είτε τον </a:t>
+            </a:r>
+            <a:r>
+              <a:rPr lang="en-US" dirty="0"/>
+              <a:t>user </a:t>
+            </a:r>
+            <a:r>
+              <a:rPr lang="el-GR" dirty="0"/>
+              <a:t>ίσο με την τιμή </a:t>
+            </a:r>
+            <a:r>
+              <a:rPr lang="en-US" dirty="0"/>
+              <a:t>John. </a:t>
+            </a:r>
+            <a:endParaRPr lang="el-GR" dirty="0"/>
+          </a:p>
+          <a:p>
+            <a:r>
+              <a:rPr lang="el-GR" dirty="0"/>
+              <a:t>Αυτό το πετυχαίνουμε με τον τελεστή </a:t>
+            </a:r>
+            <a:r>
+              <a:rPr lang="en-US" dirty="0"/>
+              <a:t>$or </a:t>
+            </a:r>
+            <a:r>
+              <a:rPr lang="el-GR" dirty="0"/>
+              <a:t>ο οποίος παίρνει ως τιμή ένα </a:t>
+            </a:r>
+            <a:r>
+              <a:rPr lang="en-US" dirty="0"/>
+              <a:t>array </a:t>
+            </a:r>
+            <a:r>
+              <a:rPr lang="el-GR" dirty="0"/>
+              <a:t>με </a:t>
+            </a:r>
+            <a:r>
+              <a:rPr lang="en-US" dirty="0"/>
+              <a:t>conditions.</a:t>
+            </a:r>
+            <a:endParaRPr lang="el-GR" dirty="0"/>
+          </a:p>
+          <a:p>
+            <a:r>
+              <a:rPr lang="el-GR" dirty="0"/>
+              <a:t>Με αντίστοιχο τρόπο δουλεύουν και όλες οι υπόλοιπες εντολές που είδαμε και πιο πριν.</a:t>
+            </a:r>
+          </a:p>
+        </p:txBody>
+      </p:sp>
+      <p:sp>
+        <p:nvSpPr>
+          <p:cNvPr id="4" name="Θέση αριθμού διαφάνειας 3"/>
+          <p:cNvSpPr>
+            <a:spLocks noGrp="1"/>
+          </p:cNvSpPr>
+          <p:nvPr>
+            <p:ph type="sldNum" sz="quarter" idx="5"/>
+          </p:nvPr>
+        </p:nvSpPr>
+        <p:spPr/>
+        <p:txBody>
+          <a:bodyPr/>
+          <a:lstStyle/>
+          <a:p>
+            <a:fld id="{5EE2CF44-2B13-41B4-A334-1CDF534EEBBF}" type="slidenum">
+              <a:rPr lang="el-GR" smtClean="0"/>
+              <a:t>10</a:t>
             </a:fld>
             <a:endParaRPr lang="el-GR"/>
           </a:p>
@@ -5132,6 +5851,2314 @@
       </p:grpSpPr>
       <p:sp>
         <p:nvSpPr>
+          <p:cNvPr id="13" name="Title 12"/>
+          <p:cNvSpPr>
+            <a:spLocks noGrp="1"/>
+          </p:cNvSpPr>
+          <p:nvPr>
+            <p:ph type="title"/>
+          </p:nvPr>
+        </p:nvSpPr>
+        <p:spPr>
+          <a:xfrm>
+            <a:off x="1524000" y="188640"/>
+            <a:ext cx="9144000" cy="1143000"/>
+          </a:xfrm>
+        </p:spPr>
+        <p:txBody>
+          <a:bodyPr/>
+          <a:lstStyle/>
+          <a:p>
+            <a:r>
+              <a:rPr lang="en-US" dirty="0"/>
+              <a:t>Examples</a:t>
+            </a:r>
+            <a:r>
+              <a:rPr lang="el-GR" dirty="0"/>
+              <a:t> </a:t>
+            </a:r>
+            <a:r>
+              <a:rPr lang="en-US" dirty="0"/>
+              <a:t>in MongoDB</a:t>
+            </a:r>
+            <a:endParaRPr dirty="0"/>
+          </a:p>
+        </p:txBody>
+      </p:sp>
+      <p:sp>
+        <p:nvSpPr>
+          <p:cNvPr id="6" name="TextBox 5">
+            <a:extLst>
+              <a:ext uri="{FF2B5EF4-FFF2-40B4-BE49-F238E27FC236}">
+                <a16:creationId xmlns:a16="http://schemas.microsoft.com/office/drawing/2014/main" id="{ADF84193-1FFE-0D90-BA27-B46F04F46992}"/>
+              </a:ext>
+            </a:extLst>
+          </p:cNvPr>
+          <p:cNvSpPr txBox="1"/>
+          <p:nvPr/>
+        </p:nvSpPr>
+        <p:spPr>
+          <a:xfrm>
+            <a:off x="263352" y="1628800"/>
+            <a:ext cx="4464496" cy="1754326"/>
+          </a:xfrm>
+          <a:prstGeom prst="rect">
+            <a:avLst/>
+          </a:prstGeom>
+          <a:noFill/>
+        </p:spPr>
+        <p:txBody>
+          <a:bodyPr wrap="square">
+            <a:spAutoFit/>
+          </a:bodyPr>
+          <a:lstStyle/>
+          <a:p>
+            <a:r>
+              <a:rPr lang="en-US" b="1" dirty="0">
+                <a:solidFill>
+                  <a:schemeClr val="accent1">
+                    <a:lumMod val="75000"/>
+                  </a:schemeClr>
+                </a:solidFill>
+              </a:rPr>
+              <a:t>Collection :</a:t>
+            </a:r>
+          </a:p>
+          <a:p>
+            <a:r>
+              <a:rPr lang="el-GR" dirty="0"/>
+              <a:t>[ </a:t>
+            </a:r>
+            <a:endParaRPr lang="en-US" dirty="0"/>
+          </a:p>
+          <a:p>
+            <a:r>
+              <a:rPr lang="en-US" dirty="0"/>
+              <a:t>   </a:t>
+            </a:r>
+            <a:r>
+              <a:rPr lang="el-GR" dirty="0"/>
+              <a:t>{    "</a:t>
+            </a:r>
+            <a:r>
+              <a:rPr lang="el-GR" dirty="0" err="1"/>
+              <a:t>key</a:t>
+            </a:r>
+            <a:r>
+              <a:rPr lang="el-GR" dirty="0"/>
+              <a:t>": 1,    "</a:t>
+            </a:r>
+            <a:r>
+              <a:rPr lang="el-GR" dirty="0" err="1"/>
+              <a:t>user</a:t>
+            </a:r>
+            <a:r>
+              <a:rPr lang="el-GR" dirty="0"/>
+              <a:t>": "</a:t>
+            </a:r>
+            <a:r>
+              <a:rPr lang="el-GR" dirty="0" err="1"/>
+              <a:t>Alice</a:t>
+            </a:r>
+            <a:r>
+              <a:rPr lang="el-GR" dirty="0"/>
+              <a:t>"}, </a:t>
+            </a:r>
+            <a:endParaRPr lang="en-US" dirty="0"/>
+          </a:p>
+          <a:p>
+            <a:r>
+              <a:rPr lang="en-US" dirty="0"/>
+              <a:t>  </a:t>
+            </a:r>
+            <a:r>
+              <a:rPr lang="el-GR" dirty="0"/>
+              <a:t> {    "</a:t>
+            </a:r>
+            <a:r>
+              <a:rPr lang="el-GR" dirty="0" err="1"/>
+              <a:t>key</a:t>
+            </a:r>
+            <a:r>
+              <a:rPr lang="el-GR" dirty="0"/>
+              <a:t>": 2,    "</a:t>
+            </a:r>
+            <a:r>
+              <a:rPr lang="el-GR" dirty="0" err="1"/>
+              <a:t>user</a:t>
+            </a:r>
+            <a:r>
+              <a:rPr lang="el-GR" dirty="0"/>
+              <a:t>": "</a:t>
+            </a:r>
+            <a:r>
+              <a:rPr lang="el-GR" dirty="0" err="1"/>
+              <a:t>John</a:t>
+            </a:r>
+            <a:r>
+              <a:rPr lang="el-GR" dirty="0"/>
+              <a:t>"}</a:t>
+            </a:r>
+            <a:r>
+              <a:rPr lang="en-US" dirty="0"/>
+              <a:t>,</a:t>
+            </a:r>
+          </a:p>
+          <a:p>
+            <a:r>
+              <a:rPr lang="en-US" dirty="0"/>
+              <a:t>   {    </a:t>
+            </a:r>
+            <a:r>
+              <a:rPr lang="el-GR" dirty="0"/>
+              <a:t>"</a:t>
+            </a:r>
+            <a:r>
+              <a:rPr lang="el-GR" dirty="0" err="1"/>
+              <a:t>key</a:t>
+            </a:r>
+            <a:r>
+              <a:rPr lang="el-GR" dirty="0"/>
+              <a:t>": </a:t>
+            </a:r>
+            <a:r>
+              <a:rPr lang="en-US" dirty="0"/>
+              <a:t>3</a:t>
+            </a:r>
+            <a:r>
+              <a:rPr lang="el-GR" dirty="0"/>
+              <a:t>,    "</a:t>
+            </a:r>
+            <a:r>
+              <a:rPr lang="el-GR" dirty="0" err="1"/>
+              <a:t>user</a:t>
+            </a:r>
+            <a:r>
+              <a:rPr lang="el-GR" dirty="0"/>
+              <a:t>": “</a:t>
+            </a:r>
+            <a:r>
+              <a:rPr lang="en-US" dirty="0"/>
+              <a:t>Bob</a:t>
+            </a:r>
+            <a:r>
+              <a:rPr lang="el-GR" dirty="0"/>
+              <a:t>"</a:t>
+            </a:r>
+            <a:r>
+              <a:rPr lang="en-US" dirty="0"/>
+              <a:t> }</a:t>
+            </a:r>
+            <a:r>
+              <a:rPr lang="el-GR" dirty="0"/>
+              <a:t> </a:t>
+            </a:r>
+            <a:endParaRPr lang="en-US" dirty="0"/>
+          </a:p>
+          <a:p>
+            <a:r>
+              <a:rPr lang="el-GR" dirty="0"/>
+              <a:t>]</a:t>
+            </a:r>
+          </a:p>
+        </p:txBody>
+      </p:sp>
+      <p:sp>
+        <p:nvSpPr>
+          <p:cNvPr id="8" name="TextBox 7">
+            <a:extLst>
+              <a:ext uri="{FF2B5EF4-FFF2-40B4-BE49-F238E27FC236}">
+                <a16:creationId xmlns:a16="http://schemas.microsoft.com/office/drawing/2014/main" id="{9116F887-2AC3-E526-71A3-D081F4BA099A}"/>
+              </a:ext>
+            </a:extLst>
+          </p:cNvPr>
+          <p:cNvSpPr txBox="1"/>
+          <p:nvPr/>
+        </p:nvSpPr>
+        <p:spPr>
+          <a:xfrm>
+            <a:off x="5231904" y="1628800"/>
+            <a:ext cx="5760640" cy="2031325"/>
+          </a:xfrm>
+          <a:prstGeom prst="rect">
+            <a:avLst/>
+          </a:prstGeom>
+          <a:noFill/>
+        </p:spPr>
+        <p:txBody>
+          <a:bodyPr wrap="square">
+            <a:spAutoFit/>
+          </a:bodyPr>
+          <a:lstStyle/>
+          <a:p>
+            <a:r>
+              <a:rPr lang="en-US" b="1" dirty="0">
+                <a:solidFill>
+                  <a:schemeClr val="accent1">
+                    <a:lumMod val="75000"/>
+                  </a:schemeClr>
+                </a:solidFill>
+              </a:rPr>
+              <a:t>Query 1</a:t>
+            </a:r>
+          </a:p>
+          <a:p>
+            <a:r>
+              <a:rPr lang="en-US" dirty="0" err="1"/>
+              <a:t>db.collection.find</a:t>
+            </a:r>
+            <a:r>
+              <a:rPr lang="en-US" dirty="0"/>
+              <a:t>({  "key": 1})</a:t>
+            </a:r>
+          </a:p>
+          <a:p>
+            <a:r>
+              <a:rPr lang="en-US" b="1" dirty="0">
+                <a:solidFill>
+                  <a:schemeClr val="accent1">
+                    <a:lumMod val="75000"/>
+                  </a:schemeClr>
+                </a:solidFill>
+              </a:rPr>
+              <a:t>Result 1</a:t>
+            </a:r>
+          </a:p>
+          <a:p>
+            <a:r>
+              <a:rPr lang="en-US" dirty="0"/>
+              <a:t>[{   </a:t>
+            </a:r>
+          </a:p>
+          <a:p>
+            <a:r>
+              <a:rPr lang="en-US" dirty="0"/>
+              <a:t>       "_id": </a:t>
+            </a:r>
+            <a:r>
+              <a:rPr lang="en-US" dirty="0" err="1"/>
+              <a:t>ObjectId</a:t>
+            </a:r>
+            <a:r>
+              <a:rPr lang="en-US" dirty="0"/>
+              <a:t>("5a934e000102030405000000"),  </a:t>
+            </a:r>
+          </a:p>
+          <a:p>
+            <a:r>
+              <a:rPr lang="en-US" dirty="0"/>
+              <a:t>       "key": 1,   </a:t>
+            </a:r>
+          </a:p>
+          <a:p>
+            <a:r>
+              <a:rPr lang="en-US" dirty="0"/>
+              <a:t>       "user": "Alice"  }]</a:t>
+            </a:r>
+            <a:endParaRPr lang="el-GR" dirty="0"/>
+          </a:p>
+        </p:txBody>
+      </p:sp>
+      <p:sp>
+        <p:nvSpPr>
+          <p:cNvPr id="11" name="TextBox 10">
+            <a:extLst>
+              <a:ext uri="{FF2B5EF4-FFF2-40B4-BE49-F238E27FC236}">
+                <a16:creationId xmlns:a16="http://schemas.microsoft.com/office/drawing/2014/main" id="{B072316C-6852-E15B-E9CE-6415D203A42E}"/>
+              </a:ext>
+            </a:extLst>
+          </p:cNvPr>
+          <p:cNvSpPr txBox="1"/>
+          <p:nvPr/>
+        </p:nvSpPr>
+        <p:spPr>
+          <a:xfrm>
+            <a:off x="263352" y="4149080"/>
+            <a:ext cx="4968552" cy="1200329"/>
+          </a:xfrm>
+          <a:prstGeom prst="rect">
+            <a:avLst/>
+          </a:prstGeom>
+          <a:noFill/>
+        </p:spPr>
+        <p:txBody>
+          <a:bodyPr wrap="square">
+            <a:spAutoFit/>
+          </a:bodyPr>
+          <a:lstStyle/>
+          <a:p>
+            <a:r>
+              <a:rPr lang="en-US" b="1" dirty="0">
+                <a:solidFill>
+                  <a:schemeClr val="accent1">
+                    <a:lumMod val="75000"/>
+                  </a:schemeClr>
+                </a:solidFill>
+              </a:rPr>
+              <a:t>Query 2</a:t>
+            </a:r>
+          </a:p>
+          <a:p>
+            <a:r>
+              <a:rPr lang="en-US" dirty="0" err="1"/>
+              <a:t>db.collection.find</a:t>
+            </a:r>
+            <a:r>
+              <a:rPr lang="en-US" dirty="0"/>
+              <a:t>({  </a:t>
+            </a:r>
+          </a:p>
+          <a:p>
+            <a:r>
+              <a:rPr lang="en-US" dirty="0"/>
+              <a:t>   $or:  [    {  "key": 1    },    {      "user": "John"    }  ]</a:t>
+            </a:r>
+          </a:p>
+          <a:p>
+            <a:r>
+              <a:rPr lang="en-US" dirty="0"/>
+              <a:t>})</a:t>
+            </a:r>
+          </a:p>
+        </p:txBody>
+      </p:sp>
+      <p:sp>
+        <p:nvSpPr>
+          <p:cNvPr id="14" name="TextBox 13">
+            <a:extLst>
+              <a:ext uri="{FF2B5EF4-FFF2-40B4-BE49-F238E27FC236}">
+                <a16:creationId xmlns:a16="http://schemas.microsoft.com/office/drawing/2014/main" id="{7356041B-1F5B-A85A-2EB9-DEA32B05C492}"/>
+              </a:ext>
+            </a:extLst>
+          </p:cNvPr>
+          <p:cNvSpPr txBox="1"/>
+          <p:nvPr/>
+        </p:nvSpPr>
+        <p:spPr>
+          <a:xfrm>
+            <a:off x="5303912" y="4149080"/>
+            <a:ext cx="6528048" cy="2585323"/>
+          </a:xfrm>
+          <a:prstGeom prst="rect">
+            <a:avLst/>
+          </a:prstGeom>
+          <a:noFill/>
+        </p:spPr>
+        <p:txBody>
+          <a:bodyPr wrap="square">
+            <a:spAutoFit/>
+          </a:bodyPr>
+          <a:lstStyle/>
+          <a:p>
+            <a:r>
+              <a:rPr lang="en-US" b="1" dirty="0">
+                <a:solidFill>
+                  <a:schemeClr val="accent1">
+                    <a:lumMod val="75000"/>
+                  </a:schemeClr>
+                </a:solidFill>
+              </a:rPr>
+              <a:t>Result 2</a:t>
+            </a:r>
+          </a:p>
+          <a:p>
+            <a:r>
+              <a:rPr lang="en-US" dirty="0"/>
+              <a:t>[  </a:t>
+            </a:r>
+          </a:p>
+          <a:p>
+            <a:r>
+              <a:rPr lang="en-US" dirty="0"/>
+              <a:t>   { "_id": </a:t>
+            </a:r>
+            <a:r>
+              <a:rPr lang="en-US" dirty="0" err="1"/>
+              <a:t>ObjectId</a:t>
+            </a:r>
+            <a:r>
+              <a:rPr lang="en-US" dirty="0"/>
+              <a:t>("5a934e000102030405000000"), </a:t>
+            </a:r>
+          </a:p>
+          <a:p>
+            <a:r>
+              <a:rPr lang="en-US" dirty="0"/>
+              <a:t>     "key": 1,    </a:t>
+            </a:r>
+          </a:p>
+          <a:p>
+            <a:r>
+              <a:rPr lang="en-US" dirty="0"/>
+              <a:t>     "user": "Alice"  }, </a:t>
+            </a:r>
+          </a:p>
+          <a:p>
+            <a:r>
+              <a:rPr lang="en-US" dirty="0"/>
+              <a:t>   {    "_id": </a:t>
+            </a:r>
+            <a:r>
+              <a:rPr lang="en-US" dirty="0" err="1"/>
+              <a:t>ObjectId</a:t>
+            </a:r>
+            <a:r>
+              <a:rPr lang="en-US" dirty="0"/>
+              <a:t>("5a934e000102030405000001"), </a:t>
+            </a:r>
+          </a:p>
+          <a:p>
+            <a:r>
+              <a:rPr lang="en-US" dirty="0"/>
+              <a:t>        "key": 2,    </a:t>
+            </a:r>
+          </a:p>
+          <a:p>
+            <a:r>
+              <a:rPr lang="en-US" dirty="0"/>
+              <a:t>        "user": "John"  }</a:t>
+            </a:r>
+          </a:p>
+          <a:p>
+            <a:r>
+              <a:rPr lang="en-US" dirty="0"/>
+              <a:t>]</a:t>
+            </a:r>
+            <a:endParaRPr lang="el-GR" dirty="0"/>
+          </a:p>
+        </p:txBody>
+      </p:sp>
+    </p:spTree>
+    <p:extLst>
+      <p:ext uri="{BB962C8B-B14F-4D97-AF65-F5344CB8AC3E}">
+        <p14:creationId xmlns:p14="http://schemas.microsoft.com/office/powerpoint/2010/main" val="3724619272"/>
+      </p:ext>
+    </p:extLst>
+  </p:cSld>
+  <p:clrMapOvr>
+    <a:masterClrMapping/>
+  </p:clrMapOvr>
+</p:sld>
+</file>
+
+<file path=ppt/slides/slide11.xml><?xml version="1.0" encoding="utf-8"?>
+<p:sld xmlns:a="http://schemas.openxmlformats.org/drawingml/2006/main" xmlns:r="http://schemas.openxmlformats.org/officeDocument/2006/relationships" xmlns:p="http://schemas.openxmlformats.org/presentationml/2006/main">
+  <p:cSld>
+    <p:spTree>
+      <p:nvGrpSpPr>
+        <p:cNvPr id="1" name=""/>
+        <p:cNvGrpSpPr/>
+        <p:nvPr/>
+      </p:nvGrpSpPr>
+      <p:grpSpPr>
+        <a:xfrm>
+          <a:off x="0" y="0"/>
+          <a:ext cx="0" cy="0"/>
+          <a:chOff x="0" y="0"/>
+          <a:chExt cx="0" cy="0"/>
+        </a:xfrm>
+      </p:grpSpPr>
+      <p:sp>
+        <p:nvSpPr>
+          <p:cNvPr id="13" name="Title 12"/>
+          <p:cNvSpPr>
+            <a:spLocks noGrp="1"/>
+          </p:cNvSpPr>
+          <p:nvPr>
+            <p:ph type="title"/>
+          </p:nvPr>
+        </p:nvSpPr>
+        <p:spPr/>
+        <p:txBody>
+          <a:bodyPr/>
+          <a:lstStyle/>
+          <a:p>
+            <a:r>
+              <a:rPr lang="en-US" dirty="0"/>
+              <a:t>Disadvantages of document databases</a:t>
+            </a:r>
+            <a:endParaRPr dirty="0"/>
+          </a:p>
+        </p:txBody>
+      </p:sp>
+      <p:sp>
+        <p:nvSpPr>
+          <p:cNvPr id="14" name="Content Placeholder 13"/>
+          <p:cNvSpPr>
+            <a:spLocks noGrp="1"/>
+          </p:cNvSpPr>
+          <p:nvPr>
+            <p:ph idx="1"/>
+          </p:nvPr>
+        </p:nvSpPr>
+        <p:spPr/>
+        <p:txBody>
+          <a:bodyPr/>
+          <a:lstStyle/>
+          <a:p>
+            <a:pPr algn="just"/>
+            <a:r>
+              <a:rPr lang="en-US" b="1" dirty="0"/>
+              <a:t>Atomicity: </a:t>
+            </a:r>
+            <a:r>
+              <a:rPr lang="en-US" dirty="0"/>
+              <a:t>For document databases, a change involving two collections will require you to run two separate queries (per collection). This breaks </a:t>
+            </a:r>
+            <a:r>
+              <a:rPr lang="en-US" b="1" dirty="0"/>
+              <a:t>atomicity</a:t>
+            </a:r>
+            <a:r>
+              <a:rPr lang="en-US" dirty="0"/>
+              <a:t> requirements.</a:t>
+            </a:r>
+          </a:p>
+          <a:p>
+            <a:pPr marL="285750" lvl="1" indent="-285750" algn="just">
+              <a:spcBef>
+                <a:spcPts val="1800"/>
+              </a:spcBef>
+            </a:pPr>
+            <a:r>
+              <a:rPr lang="en-US" sz="2000" b="1" dirty="0"/>
+              <a:t>Complexity:</a:t>
+            </a:r>
+            <a:r>
+              <a:rPr lang="en-US" sz="2000" dirty="0"/>
+              <a:t> Not designed to handle relational data, lack of JOINs.</a:t>
+            </a:r>
+          </a:p>
+          <a:p>
+            <a:pPr marL="285750" lvl="1" indent="-285750" algn="just">
+              <a:spcBef>
+                <a:spcPts val="1800"/>
+              </a:spcBef>
+            </a:pPr>
+            <a:r>
+              <a:rPr lang="en-US" sz="2000" b="1" dirty="0"/>
+              <a:t>Security: </a:t>
+            </a:r>
+            <a:r>
+              <a:rPr lang="en-US" sz="2000" dirty="0"/>
+              <a:t>Lack of ACID makes data less trustworthy sometimes, SQL injection.</a:t>
+            </a:r>
+            <a:endParaRPr lang="en-US" sz="2000" b="1" dirty="0"/>
+          </a:p>
+          <a:p>
+            <a:pPr marL="285750" lvl="1" indent="-285750"/>
+            <a:endParaRPr lang="en-US" dirty="0"/>
+          </a:p>
+          <a:p>
+            <a:pPr marL="365760" lvl="1" indent="0">
+              <a:buNone/>
+            </a:pPr>
+            <a:endParaRPr lang="en-US" dirty="0"/>
+          </a:p>
+          <a:p>
+            <a:pPr marL="365760" lvl="1" indent="0">
+              <a:buNone/>
+            </a:pPr>
+            <a:endParaRPr lang="en-US" dirty="0"/>
+          </a:p>
+          <a:p>
+            <a:pPr marL="365760" lvl="1" indent="0">
+              <a:buNone/>
+            </a:pPr>
+            <a:endParaRPr lang="en-US" dirty="0"/>
+          </a:p>
+          <a:p>
+            <a:pPr marL="365760" lvl="1" indent="0">
+              <a:buNone/>
+            </a:pPr>
+            <a:endParaRPr lang="en-US" dirty="0"/>
+          </a:p>
+          <a:p>
+            <a:pPr marL="685800" lvl="2" indent="0">
+              <a:buNone/>
+            </a:pPr>
+            <a:endParaRPr lang="en-US" dirty="0"/>
+          </a:p>
+          <a:p>
+            <a:endParaRPr lang="en-150" dirty="0"/>
+          </a:p>
+        </p:txBody>
+      </p:sp>
+    </p:spTree>
+    <p:extLst>
+      <p:ext uri="{BB962C8B-B14F-4D97-AF65-F5344CB8AC3E}">
+        <p14:creationId xmlns:p14="http://schemas.microsoft.com/office/powerpoint/2010/main" val="732944432"/>
+      </p:ext>
+    </p:extLst>
+  </p:cSld>
+  <p:clrMapOvr>
+    <a:masterClrMapping/>
+  </p:clrMapOvr>
+</p:sld>
+</file>
+
+<file path=ppt/slides/slide12.xml><?xml version="1.0" encoding="utf-8"?>
+<p:sld xmlns:a="http://schemas.openxmlformats.org/drawingml/2006/main" xmlns:r="http://schemas.openxmlformats.org/officeDocument/2006/relationships" xmlns:p="http://schemas.openxmlformats.org/presentationml/2006/main">
+  <p:cSld>
+    <p:spTree>
+      <p:nvGrpSpPr>
+        <p:cNvPr id="1" name=""/>
+        <p:cNvGrpSpPr/>
+        <p:nvPr/>
+      </p:nvGrpSpPr>
+      <p:grpSpPr>
+        <a:xfrm>
+          <a:off x="0" y="0"/>
+          <a:ext cx="0" cy="0"/>
+          <a:chOff x="0" y="0"/>
+          <a:chExt cx="0" cy="0"/>
+        </a:xfrm>
+      </p:grpSpPr>
+      <p:sp>
+        <p:nvSpPr>
+          <p:cNvPr id="6" name="Rectangle 5">
+            <a:extLst>
+              <a:ext uri="{FF2B5EF4-FFF2-40B4-BE49-F238E27FC236}">
+                <a16:creationId xmlns:a16="http://schemas.microsoft.com/office/drawing/2014/main" id="{0DA8015F-C73B-2C06-204E-A90C401E542D}"/>
+              </a:ext>
+            </a:extLst>
+          </p:cNvPr>
+          <p:cNvSpPr/>
+          <p:nvPr/>
+        </p:nvSpPr>
+        <p:spPr>
+          <a:xfrm>
+            <a:off x="767408" y="1700808"/>
+            <a:ext cx="10585176" cy="4699992"/>
+          </a:xfrm>
+          <a:prstGeom prst="rect">
+            <a:avLst/>
+          </a:prstGeom>
+          <a:solidFill>
+            <a:schemeClr val="tx1"/>
+          </a:solidFill>
+        </p:spPr>
+        <p:style>
+          <a:lnRef idx="2">
+            <a:schemeClr val="accent1">
+              <a:shade val="50000"/>
+            </a:schemeClr>
+          </a:lnRef>
+          <a:fillRef idx="1">
+            <a:schemeClr val="accent1"/>
+          </a:fillRef>
+          <a:effectRef idx="0">
+            <a:schemeClr val="accent1"/>
+          </a:effectRef>
+          <a:fontRef idx="minor">
+            <a:schemeClr val="lt1"/>
+          </a:fontRef>
+        </p:style>
+        <p:txBody>
+          <a:bodyPr rtlCol="0" anchor="ctr"/>
+          <a:lstStyle/>
+          <a:p>
+            <a:pPr algn="ctr"/>
+            <a:endParaRPr lang="en-150"/>
+          </a:p>
+        </p:txBody>
+      </p:sp>
+      <p:sp>
+        <p:nvSpPr>
+          <p:cNvPr id="13" name="Title 12"/>
+          <p:cNvSpPr>
+            <a:spLocks noGrp="1"/>
+          </p:cNvSpPr>
+          <p:nvPr>
+            <p:ph type="title"/>
+          </p:nvPr>
+        </p:nvSpPr>
+        <p:spPr/>
+        <p:txBody>
+          <a:bodyPr/>
+          <a:lstStyle/>
+          <a:p>
+            <a:r>
+              <a:rPr lang="en-US" dirty="0"/>
+              <a:t>Use cases</a:t>
+            </a:r>
+            <a:endParaRPr dirty="0"/>
+          </a:p>
+        </p:txBody>
+      </p:sp>
+      <p:sp>
+        <p:nvSpPr>
+          <p:cNvPr id="14" name="Content Placeholder 13"/>
+          <p:cNvSpPr>
+            <a:spLocks noGrp="1"/>
+          </p:cNvSpPr>
+          <p:nvPr>
+            <p:ph idx="1"/>
+          </p:nvPr>
+        </p:nvSpPr>
+        <p:spPr/>
+        <p:txBody>
+          <a:bodyPr/>
+          <a:lstStyle/>
+          <a:p>
+            <a:pPr marL="365760" lvl="1" indent="0">
+              <a:buNone/>
+            </a:pPr>
+            <a:endParaRPr lang="en-US" dirty="0"/>
+          </a:p>
+          <a:p>
+            <a:pPr marL="365760" lvl="1" indent="0">
+              <a:buNone/>
+            </a:pPr>
+            <a:endParaRPr lang="en-US" dirty="0"/>
+          </a:p>
+          <a:p>
+            <a:pPr marL="365760" lvl="1" indent="0">
+              <a:buNone/>
+            </a:pPr>
+            <a:endParaRPr lang="en-US" dirty="0"/>
+          </a:p>
+          <a:p>
+            <a:pPr marL="365760" lvl="1" indent="0">
+              <a:buNone/>
+            </a:pPr>
+            <a:endParaRPr lang="en-US" dirty="0"/>
+          </a:p>
+          <a:p>
+            <a:pPr marL="685800" lvl="2" indent="0">
+              <a:buNone/>
+            </a:pPr>
+            <a:endParaRPr lang="en-US" dirty="0"/>
+          </a:p>
+          <a:p>
+            <a:endParaRPr lang="en-150" dirty="0"/>
+          </a:p>
+        </p:txBody>
+      </p:sp>
+      <p:pic>
+        <p:nvPicPr>
+          <p:cNvPr id="4" name="Picture 3" descr="A picture containing application">
+            <a:extLst>
+              <a:ext uri="{FF2B5EF4-FFF2-40B4-BE49-F238E27FC236}">
+                <a16:creationId xmlns:a16="http://schemas.microsoft.com/office/drawing/2014/main" id="{8BB664E7-7BC5-656F-D6E4-2B7BDF00F911}"/>
+              </a:ext>
+            </a:extLst>
+          </p:cNvPr>
+          <p:cNvPicPr>
+            <a:picLocks noChangeAspect="1"/>
+          </p:cNvPicPr>
+          <p:nvPr/>
+        </p:nvPicPr>
+        <p:blipFill>
+          <a:blip r:embed="rId2" cstate="print">
+            <a:extLst>
+              <a:ext uri="{28A0092B-C50C-407E-A947-70E740481C1C}">
+                <a14:useLocalDpi xmlns:a14="http://schemas.microsoft.com/office/drawing/2010/main" val="0"/>
+              </a:ext>
+            </a:extLst>
+          </a:blip>
+          <a:stretch>
+            <a:fillRect/>
+          </a:stretch>
+        </p:blipFill>
+        <p:spPr>
+          <a:xfrm>
+            <a:off x="4405950" y="3305355"/>
+            <a:ext cx="2582857" cy="1598315"/>
+          </a:xfrm>
+          <a:prstGeom prst="rect">
+            <a:avLst/>
+          </a:prstGeom>
+        </p:spPr>
+      </p:pic>
+      <p:pic>
+        <p:nvPicPr>
+          <p:cNvPr id="9" name="Picture 8" descr="Chart, histogram">
+            <a:extLst>
+              <a:ext uri="{FF2B5EF4-FFF2-40B4-BE49-F238E27FC236}">
+                <a16:creationId xmlns:a16="http://schemas.microsoft.com/office/drawing/2014/main" id="{0E0C80DF-33FA-2D8B-4744-7765539557E9}"/>
+              </a:ext>
+            </a:extLst>
+          </p:cNvPr>
+          <p:cNvPicPr>
+            <a:picLocks noChangeAspect="1"/>
+          </p:cNvPicPr>
+          <p:nvPr/>
+        </p:nvPicPr>
+        <p:blipFill>
+          <a:blip r:embed="rId3" cstate="print">
+            <a:extLst>
+              <a:ext uri="{28A0092B-C50C-407E-A947-70E740481C1C}">
+                <a14:useLocalDpi xmlns:a14="http://schemas.microsoft.com/office/drawing/2010/main" val="0"/>
+              </a:ext>
+            </a:extLst>
+          </a:blip>
+          <a:stretch>
+            <a:fillRect/>
+          </a:stretch>
+        </p:blipFill>
+        <p:spPr>
+          <a:xfrm>
+            <a:off x="7447311" y="1968323"/>
+            <a:ext cx="2459208" cy="1844406"/>
+          </a:xfrm>
+          <a:prstGeom prst="rect">
+            <a:avLst/>
+          </a:prstGeom>
+        </p:spPr>
+      </p:pic>
+      <p:pic>
+        <p:nvPicPr>
+          <p:cNvPr id="15" name="Picture 14" descr="A picture containing text, electronics, parking, remote control&#10;&#10;Description automatically generated">
+            <a:extLst>
+              <a:ext uri="{FF2B5EF4-FFF2-40B4-BE49-F238E27FC236}">
+                <a16:creationId xmlns:a16="http://schemas.microsoft.com/office/drawing/2014/main" id="{B2EDF393-C76C-E75C-E35A-AA9077391C1F}"/>
+              </a:ext>
+            </a:extLst>
+          </p:cNvPr>
+          <p:cNvPicPr>
+            <a:picLocks noChangeAspect="1"/>
+          </p:cNvPicPr>
+          <p:nvPr/>
+        </p:nvPicPr>
+        <p:blipFill>
+          <a:blip r:embed="rId4" cstate="print">
+            <a:extLst>
+              <a:ext uri="{28A0092B-C50C-407E-A947-70E740481C1C}">
+                <a14:useLocalDpi xmlns:a14="http://schemas.microsoft.com/office/drawing/2010/main" val="0"/>
+              </a:ext>
+            </a:extLst>
+          </a:blip>
+          <a:stretch>
+            <a:fillRect/>
+          </a:stretch>
+        </p:blipFill>
+        <p:spPr>
+          <a:xfrm>
+            <a:off x="2120265" y="1988840"/>
+            <a:ext cx="1796622" cy="1793628"/>
+          </a:xfrm>
+          <a:prstGeom prst="rect">
+            <a:avLst/>
+          </a:prstGeom>
+        </p:spPr>
+      </p:pic>
+      <p:pic>
+        <p:nvPicPr>
+          <p:cNvPr id="17" name="Picture 16" descr="A picture containing text, electronics&#10;&#10;Description automatically generated">
+            <a:extLst>
+              <a:ext uri="{FF2B5EF4-FFF2-40B4-BE49-F238E27FC236}">
+                <a16:creationId xmlns:a16="http://schemas.microsoft.com/office/drawing/2014/main" id="{F9CD6AF0-86BB-A22C-E424-A9F4FD6E575B}"/>
+              </a:ext>
+            </a:extLst>
+          </p:cNvPr>
+          <p:cNvPicPr>
+            <a:picLocks noChangeAspect="1"/>
+          </p:cNvPicPr>
+          <p:nvPr/>
+        </p:nvPicPr>
+        <p:blipFill>
+          <a:blip r:embed="rId5" cstate="print">
+            <a:extLst>
+              <a:ext uri="{28A0092B-C50C-407E-A947-70E740481C1C}">
+                <a14:useLocalDpi xmlns:a14="http://schemas.microsoft.com/office/drawing/2010/main" val="0"/>
+              </a:ext>
+            </a:extLst>
+          </a:blip>
+          <a:stretch>
+            <a:fillRect/>
+          </a:stretch>
+        </p:blipFill>
+        <p:spPr>
+          <a:xfrm>
+            <a:off x="1343472" y="4370292"/>
+            <a:ext cx="1514692" cy="1514692"/>
+          </a:xfrm>
+          <a:prstGeom prst="rect">
+            <a:avLst/>
+          </a:prstGeom>
+        </p:spPr>
+      </p:pic>
+      <p:pic>
+        <p:nvPicPr>
+          <p:cNvPr id="19" name="Picture 18" descr="Graphical user interface&#10;&#10;Description automatically generated">
+            <a:extLst>
+              <a:ext uri="{FF2B5EF4-FFF2-40B4-BE49-F238E27FC236}">
+                <a16:creationId xmlns:a16="http://schemas.microsoft.com/office/drawing/2014/main" id="{7CE52AC4-E0EC-FADD-3B65-F0CABB275F04}"/>
+              </a:ext>
+            </a:extLst>
+          </p:cNvPr>
+          <p:cNvPicPr>
+            <a:picLocks noChangeAspect="1"/>
+          </p:cNvPicPr>
+          <p:nvPr/>
+        </p:nvPicPr>
+        <p:blipFill>
+          <a:blip r:embed="rId6" cstate="print">
+            <a:extLst>
+              <a:ext uri="{28A0092B-C50C-407E-A947-70E740481C1C}">
+                <a14:useLocalDpi xmlns:a14="http://schemas.microsoft.com/office/drawing/2010/main" val="0"/>
+              </a:ext>
+            </a:extLst>
+          </a:blip>
+          <a:stretch>
+            <a:fillRect/>
+          </a:stretch>
+        </p:blipFill>
+        <p:spPr>
+          <a:xfrm>
+            <a:off x="7752184" y="4370292"/>
+            <a:ext cx="2609129" cy="1674191"/>
+          </a:xfrm>
+          <a:prstGeom prst="rect">
+            <a:avLst/>
+          </a:prstGeom>
+        </p:spPr>
+      </p:pic>
+    </p:spTree>
+    <p:extLst>
+      <p:ext uri="{BB962C8B-B14F-4D97-AF65-F5344CB8AC3E}">
+        <p14:creationId xmlns:p14="http://schemas.microsoft.com/office/powerpoint/2010/main" val="3153547958"/>
+      </p:ext>
+    </p:extLst>
+  </p:cSld>
+  <p:clrMapOvr>
+    <a:masterClrMapping/>
+  </p:clrMapOvr>
+</p:sld>
+</file>
+
+<file path=ppt/slides/slide13.xml><?xml version="1.0" encoding="utf-8"?>
+<p:sld xmlns:a="http://schemas.openxmlformats.org/drawingml/2006/main" xmlns:r="http://schemas.openxmlformats.org/officeDocument/2006/relationships" xmlns:p="http://schemas.openxmlformats.org/presentationml/2006/main">
+  <p:cSld>
+    <p:spTree>
+      <p:nvGrpSpPr>
+        <p:cNvPr id="1" name=""/>
+        <p:cNvGrpSpPr/>
+        <p:nvPr/>
+      </p:nvGrpSpPr>
+      <p:grpSpPr>
+        <a:xfrm>
+          <a:off x="0" y="0"/>
+          <a:ext cx="0" cy="0"/>
+          <a:chOff x="0" y="0"/>
+          <a:chExt cx="0" cy="0"/>
+        </a:xfrm>
+      </p:grpSpPr>
+      <p:sp>
+        <p:nvSpPr>
+          <p:cNvPr id="13" name="Title 12"/>
+          <p:cNvSpPr>
+            <a:spLocks noGrp="1"/>
+          </p:cNvSpPr>
+          <p:nvPr>
+            <p:ph type="title"/>
+          </p:nvPr>
+        </p:nvSpPr>
+        <p:spPr/>
+        <p:txBody>
+          <a:bodyPr/>
+          <a:lstStyle/>
+          <a:p>
+            <a:r>
+              <a:rPr lang="en-US" dirty="0"/>
+              <a:t>REFERENCES</a:t>
+            </a:r>
+            <a:endParaRPr dirty="0"/>
+          </a:p>
+        </p:txBody>
+      </p:sp>
+      <p:sp>
+        <p:nvSpPr>
+          <p:cNvPr id="14" name="Content Placeholder 13"/>
+          <p:cNvSpPr>
+            <a:spLocks noGrp="1"/>
+          </p:cNvSpPr>
+          <p:nvPr>
+            <p:ph idx="1"/>
+          </p:nvPr>
+        </p:nvSpPr>
+        <p:spPr/>
+        <p:txBody>
+          <a:bodyPr/>
+          <a:lstStyle/>
+          <a:p>
+            <a:r>
+              <a:rPr lang="en-US" dirty="0"/>
+              <a:t>Link: </a:t>
+            </a:r>
+            <a:r>
+              <a:rPr lang="en-US" dirty="0">
+                <a:hlinkClick r:id="rId2"/>
+              </a:rPr>
+              <a:t>https://www.mongodb.com/document-databases</a:t>
+            </a:r>
+            <a:r>
+              <a:rPr lang="en-US" dirty="0"/>
+              <a:t> </a:t>
+            </a:r>
+            <a:endParaRPr dirty="0"/>
+          </a:p>
+          <a:p>
+            <a:r>
+              <a:rPr lang="en-US" dirty="0"/>
+              <a:t>Link: </a:t>
+            </a:r>
+            <a:r>
+              <a:rPr lang="en-US" dirty="0">
+                <a:hlinkClick r:id="rId3"/>
+              </a:rPr>
+              <a:t>https://database.guide/what-is-a-document-store-database/</a:t>
+            </a:r>
+            <a:endParaRPr lang="en-US" dirty="0"/>
+          </a:p>
+          <a:p>
+            <a:r>
+              <a:rPr lang="en-US" dirty="0"/>
+              <a:t>Link: </a:t>
+            </a:r>
+            <a:r>
+              <a:rPr lang="en-US" dirty="0">
+                <a:hlinkClick r:id="rId4"/>
+              </a:rPr>
+              <a:t>https://phoenixnap.com/kb/document-database</a:t>
+            </a:r>
+            <a:r>
+              <a:rPr lang="en-US" dirty="0"/>
+              <a:t>  </a:t>
+            </a:r>
+            <a:endParaRPr dirty="0"/>
+          </a:p>
+          <a:p>
+            <a:r>
+              <a:rPr lang="en-US" dirty="0"/>
+              <a:t>Lectures from lesson “Technologies for Big Data Analytics”</a:t>
+            </a:r>
+            <a:endParaRPr dirty="0"/>
+          </a:p>
+        </p:txBody>
+      </p:sp>
+    </p:spTree>
+    <p:extLst>
+      <p:ext uri="{BB962C8B-B14F-4D97-AF65-F5344CB8AC3E}">
+        <p14:creationId xmlns:p14="http://schemas.microsoft.com/office/powerpoint/2010/main" val="2902951903"/>
+      </p:ext>
+    </p:extLst>
+  </p:cSld>
+  <p:clrMapOvr>
+    <a:masterClrMapping/>
+  </p:clrMapOvr>
+</p:sld>
+</file>
+
+<file path=ppt/slides/slide14.xml><?xml version="1.0" encoding="utf-8"?>
+<p:sld xmlns:a="http://schemas.openxmlformats.org/drawingml/2006/main" xmlns:r="http://schemas.openxmlformats.org/officeDocument/2006/relationships" xmlns:p="http://schemas.openxmlformats.org/presentationml/2006/main">
+  <p:cSld>
+    <p:spTree>
+      <p:nvGrpSpPr>
+        <p:cNvPr id="1" name=""/>
+        <p:cNvGrpSpPr/>
+        <p:nvPr/>
+      </p:nvGrpSpPr>
+      <p:grpSpPr>
+        <a:xfrm>
+          <a:off x="0" y="0"/>
+          <a:ext cx="0" cy="0"/>
+          <a:chOff x="0" y="0"/>
+          <a:chExt cx="0" cy="0"/>
+        </a:xfrm>
+      </p:grpSpPr>
+      <p:sp>
+        <p:nvSpPr>
+          <p:cNvPr id="2" name="Title 1"/>
+          <p:cNvSpPr>
+            <a:spLocks noGrp="1"/>
+          </p:cNvSpPr>
+          <p:nvPr>
+            <p:ph type="title"/>
+          </p:nvPr>
+        </p:nvSpPr>
+        <p:spPr>
+          <a:xfrm>
+            <a:off x="4136064" y="3021242"/>
+            <a:ext cx="3919872" cy="815516"/>
+          </a:xfrm>
+        </p:spPr>
+        <p:txBody>
+          <a:bodyPr>
+            <a:normAutofit/>
+          </a:bodyPr>
+          <a:lstStyle/>
+          <a:p>
+            <a:pPr algn="ctr"/>
+            <a:r>
+              <a:rPr lang="en-US" sz="4800" b="1" dirty="0"/>
+              <a:t>THANK YOU!</a:t>
+            </a:r>
+            <a:endParaRPr sz="4800" b="1" dirty="0"/>
+          </a:p>
+        </p:txBody>
+      </p:sp>
+    </p:spTree>
+    <p:extLst>
+      <p:ext uri="{BB962C8B-B14F-4D97-AF65-F5344CB8AC3E}">
+        <p14:creationId xmlns:p14="http://schemas.microsoft.com/office/powerpoint/2010/main" val="215988672"/>
+      </p:ext>
+    </p:extLst>
+  </p:cSld>
+  <p:clrMapOvr>
+    <a:masterClrMapping/>
+  </p:clrMapOvr>
+</p:sld>
+</file>
+
+<file path=ppt/slides/slide15.xml><?xml version="1.0" encoding="utf-8"?>
+<p:sld xmlns:a="http://schemas.openxmlformats.org/drawingml/2006/main" xmlns:r="http://schemas.openxmlformats.org/officeDocument/2006/relationships" xmlns:p="http://schemas.openxmlformats.org/presentationml/2006/main">
+  <p:cSld>
+    <p:spTree>
+      <p:nvGrpSpPr>
+        <p:cNvPr id="1" name=""/>
+        <p:cNvGrpSpPr/>
+        <p:nvPr/>
+      </p:nvGrpSpPr>
+      <p:grpSpPr>
+        <a:xfrm>
+          <a:off x="0" y="0"/>
+          <a:ext cx="0" cy="0"/>
+          <a:chOff x="0" y="0"/>
+          <a:chExt cx="0" cy="0"/>
+        </a:xfrm>
+      </p:grpSpPr>
+      <p:sp>
+        <p:nvSpPr>
+          <p:cNvPr id="2" name="Title 1">
+            <a:extLst>
+              <a:ext uri="{FF2B5EF4-FFF2-40B4-BE49-F238E27FC236}">
+                <a16:creationId xmlns:a16="http://schemas.microsoft.com/office/drawing/2014/main" id="{C6C0C478-3CBE-0AEA-97DA-3A1AE5A0C703}"/>
+              </a:ext>
+            </a:extLst>
+          </p:cNvPr>
+          <p:cNvSpPr>
+            <a:spLocks noGrp="1"/>
+          </p:cNvSpPr>
+          <p:nvPr>
+            <p:ph type="ctrTitle"/>
+          </p:nvPr>
+        </p:nvSpPr>
+        <p:spPr/>
+        <p:txBody>
+          <a:bodyPr/>
+          <a:lstStyle/>
+          <a:p>
+            <a:r>
+              <a:rPr lang="en-US" dirty="0"/>
+              <a:t>QUESTIONS</a:t>
+            </a:r>
+            <a:endParaRPr lang="en-150" dirty="0"/>
+          </a:p>
+        </p:txBody>
+      </p:sp>
+    </p:spTree>
+    <p:extLst>
+      <p:ext uri="{BB962C8B-B14F-4D97-AF65-F5344CB8AC3E}">
+        <p14:creationId xmlns:p14="http://schemas.microsoft.com/office/powerpoint/2010/main" val="3464752401"/>
+      </p:ext>
+    </p:extLst>
+  </p:cSld>
+  <p:clrMapOvr>
+    <a:masterClrMapping/>
+  </p:clrMapOvr>
+</p:sld>
+</file>
+
+<file path=ppt/slides/slide2.xml><?xml version="1.0" encoding="utf-8"?>
+<p:sld xmlns:a="http://schemas.openxmlformats.org/drawingml/2006/main" xmlns:r="http://schemas.openxmlformats.org/officeDocument/2006/relationships" xmlns:p="http://schemas.openxmlformats.org/presentationml/2006/main">
+  <p:cSld>
+    <p:spTree>
+      <p:nvGrpSpPr>
+        <p:cNvPr id="1" name=""/>
+        <p:cNvGrpSpPr/>
+        <p:nvPr/>
+      </p:nvGrpSpPr>
+      <p:grpSpPr>
+        <a:xfrm>
+          <a:off x="0" y="0"/>
+          <a:ext cx="0" cy="0"/>
+          <a:chOff x="0" y="0"/>
+          <a:chExt cx="0" cy="0"/>
+        </a:xfrm>
+      </p:grpSpPr>
+      <p:sp>
+        <p:nvSpPr>
+          <p:cNvPr id="13" name="Title 12"/>
+          <p:cNvSpPr>
+            <a:spLocks noGrp="1"/>
+          </p:cNvSpPr>
+          <p:nvPr>
+            <p:ph type="title"/>
+          </p:nvPr>
+        </p:nvSpPr>
+        <p:spPr/>
+        <p:txBody>
+          <a:bodyPr/>
+          <a:lstStyle/>
+          <a:p>
+            <a:r>
+              <a:rPr lang="en-US" dirty="0"/>
+              <a:t>Content</a:t>
+            </a:r>
+            <a:endParaRPr dirty="0"/>
+          </a:p>
+        </p:txBody>
+      </p:sp>
+      <p:sp>
+        <p:nvSpPr>
+          <p:cNvPr id="14" name="Content Placeholder 13"/>
+          <p:cNvSpPr>
+            <a:spLocks noGrp="1"/>
+          </p:cNvSpPr>
+          <p:nvPr>
+            <p:ph idx="1"/>
+          </p:nvPr>
+        </p:nvSpPr>
+        <p:spPr/>
+        <p:txBody>
+          <a:bodyPr/>
+          <a:lstStyle/>
+          <a:p>
+            <a:r>
+              <a:rPr lang="en-US" dirty="0"/>
+              <a:t>Document stores</a:t>
+            </a:r>
+            <a:endParaRPr dirty="0"/>
+          </a:p>
+          <a:p>
+            <a:r>
+              <a:rPr lang="en-US" dirty="0"/>
+              <a:t>Key features of document stores</a:t>
+            </a:r>
+            <a:endParaRPr dirty="0"/>
+          </a:p>
+          <a:p>
+            <a:r>
+              <a:rPr lang="en-US" dirty="0"/>
+              <a:t>Differences between relational DBs</a:t>
+            </a:r>
+          </a:p>
+          <a:p>
+            <a:r>
+              <a:rPr lang="en-US" dirty="0"/>
+              <a:t>Disadvantages</a:t>
+            </a:r>
+          </a:p>
+          <a:p>
+            <a:r>
+              <a:rPr lang="en-US" dirty="0"/>
+              <a:t>Use cases</a:t>
+            </a:r>
+            <a:endParaRPr dirty="0"/>
+          </a:p>
+        </p:txBody>
+      </p:sp>
+    </p:spTree>
+    <p:extLst>
+      <p:ext uri="{BB962C8B-B14F-4D97-AF65-F5344CB8AC3E}">
+        <p14:creationId xmlns:p14="http://schemas.microsoft.com/office/powerpoint/2010/main" val="3042826300"/>
+      </p:ext>
+    </p:extLst>
+  </p:cSld>
+  <p:clrMapOvr>
+    <a:masterClrMapping/>
+  </p:clrMapOvr>
+</p:sld>
+</file>
+
+<file path=ppt/slides/slide3.xml><?xml version="1.0" encoding="utf-8"?>
+<p:sld xmlns:a="http://schemas.openxmlformats.org/drawingml/2006/main" xmlns:r="http://schemas.openxmlformats.org/officeDocument/2006/relationships" xmlns:p="http://schemas.openxmlformats.org/presentationml/2006/main">
+  <p:cSld>
+    <p:spTree>
+      <p:nvGrpSpPr>
+        <p:cNvPr id="1" name=""/>
+        <p:cNvGrpSpPr/>
+        <p:nvPr/>
+      </p:nvGrpSpPr>
+      <p:grpSpPr>
+        <a:xfrm>
+          <a:off x="0" y="0"/>
+          <a:ext cx="0" cy="0"/>
+          <a:chOff x="0" y="0"/>
+          <a:chExt cx="0" cy="0"/>
+        </a:xfrm>
+      </p:grpSpPr>
+      <p:sp>
+        <p:nvSpPr>
+          <p:cNvPr id="13" name="Title 12"/>
+          <p:cNvSpPr>
+            <a:spLocks noGrp="1"/>
+          </p:cNvSpPr>
+          <p:nvPr>
+            <p:ph type="title"/>
+          </p:nvPr>
+        </p:nvSpPr>
+        <p:spPr/>
+        <p:txBody>
+          <a:bodyPr/>
+          <a:lstStyle/>
+          <a:p>
+            <a:r>
+              <a:rPr lang="en-US" dirty="0"/>
+              <a:t>What is a document store?</a:t>
+            </a:r>
+            <a:endParaRPr dirty="0"/>
+          </a:p>
+        </p:txBody>
+      </p:sp>
+      <p:sp>
+        <p:nvSpPr>
+          <p:cNvPr id="14" name="Content Placeholder 13"/>
+          <p:cNvSpPr>
+            <a:spLocks noGrp="1"/>
+          </p:cNvSpPr>
+          <p:nvPr>
+            <p:ph idx="1"/>
+          </p:nvPr>
+        </p:nvSpPr>
+        <p:spPr/>
+        <p:txBody>
+          <a:bodyPr/>
+          <a:lstStyle/>
+          <a:p>
+            <a:pPr algn="just"/>
+            <a:r>
+              <a:rPr lang="en-US" dirty="0"/>
+              <a:t>A </a:t>
+            </a:r>
+            <a:r>
+              <a:rPr lang="en-US" b="1" dirty="0"/>
+              <a:t>document store</a:t>
+            </a:r>
+            <a:r>
+              <a:rPr lang="en-US" dirty="0"/>
+              <a:t> (also known as a document-oriented database or a document database) is a database that stores and retrieves information in documents (i.e. JSON or XML).</a:t>
+            </a:r>
+          </a:p>
+          <a:p>
+            <a:pPr algn="just"/>
+            <a:r>
+              <a:rPr lang="en-US" dirty="0"/>
+              <a:t>Non-relational databases. Instead of storing data in fixed rows and columns, document databases use flexible documents.</a:t>
+            </a:r>
+          </a:p>
+          <a:p>
+            <a:pPr algn="just"/>
+            <a:r>
+              <a:rPr lang="en-US" dirty="0"/>
+              <a:t>2-way access:</a:t>
+            </a:r>
+          </a:p>
+          <a:p>
+            <a:pPr marL="365760" lvl="1" indent="0" algn="just">
+              <a:buNone/>
+            </a:pPr>
+            <a:r>
+              <a:rPr lang="en-US" dirty="0"/>
+              <a:t>By key-value</a:t>
+            </a:r>
+          </a:p>
+          <a:p>
+            <a:pPr marL="365760" lvl="1" indent="0" algn="just">
+              <a:spcBef>
+                <a:spcPts val="1800"/>
+              </a:spcBef>
+              <a:buNone/>
+            </a:pPr>
+            <a:r>
+              <a:rPr lang="en-US" dirty="0"/>
+              <a:t>By an attribute value</a:t>
+            </a:r>
+          </a:p>
+          <a:p>
+            <a:pPr marL="285750" lvl="1" indent="-285750" algn="just">
+              <a:spcBef>
+                <a:spcPts val="1800"/>
+              </a:spcBef>
+            </a:pPr>
+            <a:r>
+              <a:rPr lang="en-US" sz="2000" dirty="0"/>
+              <a:t>Flexible, Fast, Scalable, </a:t>
+            </a:r>
+            <a:r>
+              <a:rPr lang="en-US" sz="2000" dirty="0" err="1"/>
+              <a:t>Schemaless</a:t>
+            </a:r>
+            <a:endParaRPr lang="en-US" sz="2000" dirty="0"/>
+          </a:p>
+          <a:p>
+            <a:pPr marL="285750" lvl="1" indent="-285750"/>
+            <a:endParaRPr lang="en-US" dirty="0"/>
+          </a:p>
+          <a:p>
+            <a:pPr marL="365760" lvl="1" indent="0">
+              <a:buNone/>
+            </a:pPr>
+            <a:endParaRPr lang="en-US" dirty="0"/>
+          </a:p>
+          <a:p>
+            <a:pPr marL="365760" lvl="1" indent="0">
+              <a:buNone/>
+            </a:pPr>
+            <a:endParaRPr lang="en-US" dirty="0"/>
+          </a:p>
+          <a:p>
+            <a:pPr marL="365760" lvl="1" indent="0">
+              <a:buNone/>
+            </a:pPr>
+            <a:endParaRPr lang="en-US" dirty="0"/>
+          </a:p>
+          <a:p>
+            <a:pPr marL="365760" lvl="1" indent="0">
+              <a:buNone/>
+            </a:pPr>
+            <a:endParaRPr lang="en-US" dirty="0"/>
+          </a:p>
+          <a:p>
+            <a:pPr marL="685800" lvl="2" indent="0">
+              <a:buNone/>
+            </a:pPr>
+            <a:endParaRPr lang="en-US" dirty="0"/>
+          </a:p>
+          <a:p>
+            <a:endParaRPr lang="en-150" dirty="0"/>
+          </a:p>
+        </p:txBody>
+      </p:sp>
+    </p:spTree>
+    <p:extLst>
+      <p:ext uri="{BB962C8B-B14F-4D97-AF65-F5344CB8AC3E}">
+        <p14:creationId xmlns:p14="http://schemas.microsoft.com/office/powerpoint/2010/main" val="4244308619"/>
+      </p:ext>
+    </p:extLst>
+  </p:cSld>
+  <p:clrMapOvr>
+    <a:masterClrMapping/>
+  </p:clrMapOvr>
+</p:sld>
+</file>
+
+<file path=ppt/slides/slide4.xml><?xml version="1.0" encoding="utf-8"?>
+<p:sld xmlns:a="http://schemas.openxmlformats.org/drawingml/2006/main" xmlns:r="http://schemas.openxmlformats.org/officeDocument/2006/relationships" xmlns:p="http://schemas.openxmlformats.org/presentationml/2006/main">
+  <p:cSld>
+    <p:spTree>
+      <p:nvGrpSpPr>
+        <p:cNvPr id="1" name=""/>
+        <p:cNvGrpSpPr/>
+        <p:nvPr/>
+      </p:nvGrpSpPr>
+      <p:grpSpPr>
+        <a:xfrm>
+          <a:off x="0" y="0"/>
+          <a:ext cx="0" cy="0"/>
+          <a:chOff x="0" y="0"/>
+          <a:chExt cx="0" cy="0"/>
+        </a:xfrm>
+      </p:grpSpPr>
+      <p:sp>
+        <p:nvSpPr>
+          <p:cNvPr id="6" name="Rectangle 5">
+            <a:extLst>
+              <a:ext uri="{FF2B5EF4-FFF2-40B4-BE49-F238E27FC236}">
+                <a16:creationId xmlns:a16="http://schemas.microsoft.com/office/drawing/2014/main" id="{0DA8015F-C73B-2C06-204E-A90C401E542D}"/>
+              </a:ext>
+            </a:extLst>
+          </p:cNvPr>
+          <p:cNvSpPr/>
+          <p:nvPr/>
+        </p:nvSpPr>
+        <p:spPr>
+          <a:xfrm>
+            <a:off x="803412" y="1700808"/>
+            <a:ext cx="10585176" cy="4699992"/>
+          </a:xfrm>
+          <a:prstGeom prst="rect">
+            <a:avLst/>
+          </a:prstGeom>
+          <a:solidFill>
+            <a:schemeClr val="tx1"/>
+          </a:solidFill>
+        </p:spPr>
+        <p:style>
+          <a:lnRef idx="2">
+            <a:schemeClr val="accent1">
+              <a:shade val="50000"/>
+            </a:schemeClr>
+          </a:lnRef>
+          <a:fillRef idx="1">
+            <a:schemeClr val="accent1"/>
+          </a:fillRef>
+          <a:effectRef idx="0">
+            <a:schemeClr val="accent1"/>
+          </a:effectRef>
+          <a:fontRef idx="minor">
+            <a:schemeClr val="lt1"/>
+          </a:fontRef>
+        </p:style>
+        <p:txBody>
+          <a:bodyPr rtlCol="0" anchor="ctr"/>
+          <a:lstStyle/>
+          <a:p>
+            <a:pPr algn="ctr"/>
+            <a:endParaRPr lang="en-150"/>
+          </a:p>
+        </p:txBody>
+      </p:sp>
+      <p:sp>
+        <p:nvSpPr>
+          <p:cNvPr id="13" name="Title 12"/>
+          <p:cNvSpPr>
+            <a:spLocks noGrp="1"/>
+          </p:cNvSpPr>
+          <p:nvPr>
+            <p:ph type="title"/>
+          </p:nvPr>
+        </p:nvSpPr>
+        <p:spPr/>
+        <p:txBody>
+          <a:bodyPr/>
+          <a:lstStyle/>
+          <a:p>
+            <a:r>
+              <a:rPr lang="en-US" dirty="0"/>
+              <a:t>Examples</a:t>
+            </a:r>
+            <a:endParaRPr dirty="0"/>
+          </a:p>
+        </p:txBody>
+      </p:sp>
+      <p:sp>
+        <p:nvSpPr>
+          <p:cNvPr id="14" name="Content Placeholder 13"/>
+          <p:cNvSpPr>
+            <a:spLocks noGrp="1"/>
+          </p:cNvSpPr>
+          <p:nvPr>
+            <p:ph idx="1"/>
+          </p:nvPr>
+        </p:nvSpPr>
+        <p:spPr/>
+        <p:txBody>
+          <a:bodyPr/>
+          <a:lstStyle/>
+          <a:p>
+            <a:pPr marL="365760" lvl="1" indent="0">
+              <a:buNone/>
+            </a:pPr>
+            <a:endParaRPr lang="en-US" dirty="0"/>
+          </a:p>
+          <a:p>
+            <a:pPr marL="365760" lvl="1" indent="0">
+              <a:buNone/>
+            </a:pPr>
+            <a:endParaRPr lang="en-US" dirty="0"/>
+          </a:p>
+          <a:p>
+            <a:pPr marL="365760" lvl="1" indent="0">
+              <a:buNone/>
+            </a:pPr>
+            <a:endParaRPr lang="en-US" dirty="0"/>
+          </a:p>
+          <a:p>
+            <a:pPr marL="365760" lvl="1" indent="0">
+              <a:buNone/>
+            </a:pPr>
+            <a:endParaRPr lang="en-US" dirty="0"/>
+          </a:p>
+          <a:p>
+            <a:pPr marL="685800" lvl="2" indent="0">
+              <a:buNone/>
+            </a:pPr>
+            <a:endParaRPr lang="en-US" dirty="0"/>
+          </a:p>
+          <a:p>
+            <a:endParaRPr lang="en-150" dirty="0"/>
+          </a:p>
+        </p:txBody>
+      </p:sp>
+      <p:pic>
+        <p:nvPicPr>
+          <p:cNvPr id="3" name="Picture 2" descr="Logo">
+            <a:extLst>
+              <a:ext uri="{FF2B5EF4-FFF2-40B4-BE49-F238E27FC236}">
+                <a16:creationId xmlns:a16="http://schemas.microsoft.com/office/drawing/2014/main" id="{80E2D5B6-C6E5-9E47-7EF9-35ECF0E37DCF}"/>
+              </a:ext>
+            </a:extLst>
+          </p:cNvPr>
+          <p:cNvPicPr>
+            <a:picLocks noChangeAspect="1"/>
+          </p:cNvPicPr>
+          <p:nvPr/>
+        </p:nvPicPr>
+        <p:blipFill>
+          <a:blip r:embed="rId2" cstate="print">
+            <a:extLst>
+              <a:ext uri="{28A0092B-C50C-407E-A947-70E740481C1C}">
+                <a14:useLocalDpi xmlns:a14="http://schemas.microsoft.com/office/drawing/2010/main" val="0"/>
+              </a:ext>
+            </a:extLst>
+          </a:blip>
+          <a:stretch>
+            <a:fillRect/>
+          </a:stretch>
+        </p:blipFill>
+        <p:spPr>
+          <a:xfrm>
+            <a:off x="1415480" y="1787630"/>
+            <a:ext cx="3822685" cy="1089763"/>
+          </a:xfrm>
+          <a:prstGeom prst="rect">
+            <a:avLst/>
+          </a:prstGeom>
+        </p:spPr>
+      </p:pic>
+      <p:pic>
+        <p:nvPicPr>
+          <p:cNvPr id="5" name="Picture 4" descr="A picture containing text">
+            <a:extLst>
+              <a:ext uri="{FF2B5EF4-FFF2-40B4-BE49-F238E27FC236}">
+                <a16:creationId xmlns:a16="http://schemas.microsoft.com/office/drawing/2014/main" id="{2D163FB2-CAD2-085B-9CAE-5AAE06E5C2DB}"/>
+              </a:ext>
+            </a:extLst>
+          </p:cNvPr>
+          <p:cNvPicPr>
+            <a:picLocks noChangeAspect="1"/>
+          </p:cNvPicPr>
+          <p:nvPr/>
+        </p:nvPicPr>
+        <p:blipFill>
+          <a:blip r:embed="rId3">
+            <a:extLst>
+              <a:ext uri="{28A0092B-C50C-407E-A947-70E740481C1C}">
+                <a14:useLocalDpi xmlns:a14="http://schemas.microsoft.com/office/drawing/2010/main" val="0"/>
+              </a:ext>
+            </a:extLst>
+          </a:blip>
+          <a:stretch>
+            <a:fillRect/>
+          </a:stretch>
+        </p:blipFill>
+        <p:spPr>
+          <a:xfrm>
+            <a:off x="1297736" y="3861048"/>
+            <a:ext cx="4876800" cy="2438400"/>
+          </a:xfrm>
+          <a:prstGeom prst="rect">
+            <a:avLst/>
+          </a:prstGeom>
+        </p:spPr>
+      </p:pic>
+      <p:pic>
+        <p:nvPicPr>
+          <p:cNvPr id="8" name="Picture 7" descr="Logo, company name">
+            <a:extLst>
+              <a:ext uri="{FF2B5EF4-FFF2-40B4-BE49-F238E27FC236}">
+                <a16:creationId xmlns:a16="http://schemas.microsoft.com/office/drawing/2014/main" id="{64031EEA-CF71-449E-6F8F-784C66F50D17}"/>
+              </a:ext>
+            </a:extLst>
+          </p:cNvPr>
+          <p:cNvPicPr>
+            <a:picLocks noChangeAspect="1"/>
+          </p:cNvPicPr>
+          <p:nvPr/>
+        </p:nvPicPr>
+        <p:blipFill>
+          <a:blip r:embed="rId4">
+            <a:extLst>
+              <a:ext uri="{28A0092B-C50C-407E-A947-70E740481C1C}">
+                <a14:useLocalDpi xmlns:a14="http://schemas.microsoft.com/office/drawing/2010/main" val="0"/>
+              </a:ext>
+            </a:extLst>
+          </a:blip>
+          <a:stretch>
+            <a:fillRect/>
+          </a:stretch>
+        </p:blipFill>
+        <p:spPr>
+          <a:xfrm>
+            <a:off x="3474975" y="3019189"/>
+            <a:ext cx="3989177" cy="943211"/>
+          </a:xfrm>
+          <a:prstGeom prst="rect">
+            <a:avLst/>
+          </a:prstGeom>
+        </p:spPr>
+      </p:pic>
+      <p:pic>
+        <p:nvPicPr>
+          <p:cNvPr id="10" name="Picture 9" descr="A picture containing text&#10;&#10;Description automatically generated">
+            <a:extLst>
+              <a:ext uri="{FF2B5EF4-FFF2-40B4-BE49-F238E27FC236}">
+                <a16:creationId xmlns:a16="http://schemas.microsoft.com/office/drawing/2014/main" id="{58E65B6A-8568-27F6-C269-90614642C7AF}"/>
+              </a:ext>
+            </a:extLst>
+          </p:cNvPr>
+          <p:cNvPicPr>
+            <a:picLocks noChangeAspect="1"/>
+          </p:cNvPicPr>
+          <p:nvPr/>
+        </p:nvPicPr>
+        <p:blipFill>
+          <a:blip r:embed="rId5">
+            <a:extLst>
+              <a:ext uri="{28A0092B-C50C-407E-A947-70E740481C1C}">
+                <a14:useLocalDpi xmlns:a14="http://schemas.microsoft.com/office/drawing/2010/main" val="0"/>
+              </a:ext>
+            </a:extLst>
+          </a:blip>
+          <a:stretch>
+            <a:fillRect/>
+          </a:stretch>
+        </p:blipFill>
+        <p:spPr>
+          <a:xfrm>
+            <a:off x="8742294" y="2046039"/>
+            <a:ext cx="2286000" cy="1714500"/>
+          </a:xfrm>
+          <a:prstGeom prst="rect">
+            <a:avLst/>
+          </a:prstGeom>
+        </p:spPr>
+      </p:pic>
+      <p:pic>
+        <p:nvPicPr>
+          <p:cNvPr id="12" name="Picture 11" descr="Icon&#10;&#10;Description automatically generated with medium confidence">
+            <a:extLst>
+              <a:ext uri="{FF2B5EF4-FFF2-40B4-BE49-F238E27FC236}">
+                <a16:creationId xmlns:a16="http://schemas.microsoft.com/office/drawing/2014/main" id="{FC225FBB-3D5B-A8BB-D7E9-B4F6FB590DD3}"/>
+              </a:ext>
+            </a:extLst>
+          </p:cNvPr>
+          <p:cNvPicPr>
+            <a:picLocks noChangeAspect="1"/>
+          </p:cNvPicPr>
+          <p:nvPr/>
+        </p:nvPicPr>
+        <p:blipFill>
+          <a:blip r:embed="rId6">
+            <a:extLst>
+              <a:ext uri="{28A0092B-C50C-407E-A947-70E740481C1C}">
+                <a14:useLocalDpi xmlns:a14="http://schemas.microsoft.com/office/drawing/2010/main" val="0"/>
+              </a:ext>
+            </a:extLst>
+          </a:blip>
+          <a:stretch>
+            <a:fillRect/>
+          </a:stretch>
+        </p:blipFill>
+        <p:spPr>
+          <a:xfrm>
+            <a:off x="7464152" y="4105770"/>
+            <a:ext cx="1905000" cy="1905000"/>
+          </a:xfrm>
+          <a:prstGeom prst="rect">
+            <a:avLst/>
+          </a:prstGeom>
+        </p:spPr>
+      </p:pic>
+    </p:spTree>
+    <p:extLst>
+      <p:ext uri="{BB962C8B-B14F-4D97-AF65-F5344CB8AC3E}">
+        <p14:creationId xmlns:p14="http://schemas.microsoft.com/office/powerpoint/2010/main" val="2454944017"/>
+      </p:ext>
+    </p:extLst>
+  </p:cSld>
+  <p:clrMapOvr>
+    <a:masterClrMapping/>
+  </p:clrMapOvr>
+</p:sld>
+</file>
+
+<file path=ppt/slides/slide5.xml><?xml version="1.0" encoding="utf-8"?>
+<p:sld xmlns:a="http://schemas.openxmlformats.org/drawingml/2006/main" xmlns:r="http://schemas.openxmlformats.org/officeDocument/2006/relationships" xmlns:p="http://schemas.openxmlformats.org/presentationml/2006/main">
+  <p:cSld>
+    <p:spTree>
+      <p:nvGrpSpPr>
+        <p:cNvPr id="1" name=""/>
+        <p:cNvGrpSpPr/>
+        <p:nvPr/>
+      </p:nvGrpSpPr>
+      <p:grpSpPr>
+        <a:xfrm>
+          <a:off x="0" y="0"/>
+          <a:ext cx="0" cy="0"/>
+          <a:chOff x="0" y="0"/>
+          <a:chExt cx="0" cy="0"/>
+        </a:xfrm>
+      </p:grpSpPr>
+      <p:pic>
+        <p:nvPicPr>
+          <p:cNvPr id="3" name="Picture 2">
+            <a:extLst>
+              <a:ext uri="{FF2B5EF4-FFF2-40B4-BE49-F238E27FC236}">
+                <a16:creationId xmlns:a16="http://schemas.microsoft.com/office/drawing/2014/main" id="{5BE5F2F1-72C7-F592-66EE-225C39788CFE}"/>
+              </a:ext>
+            </a:extLst>
+          </p:cNvPr>
+          <p:cNvPicPr>
+            <a:picLocks noChangeAspect="1"/>
+          </p:cNvPicPr>
+          <p:nvPr/>
+        </p:nvPicPr>
+        <p:blipFill>
+          <a:blip r:embed="rId2"/>
+          <a:stretch>
+            <a:fillRect/>
+          </a:stretch>
+        </p:blipFill>
+        <p:spPr>
+          <a:xfrm>
+            <a:off x="983432" y="319697"/>
+            <a:ext cx="7776864" cy="6218605"/>
+          </a:xfrm>
+          <a:prstGeom prst="rect">
+            <a:avLst/>
+          </a:prstGeom>
+        </p:spPr>
+      </p:pic>
+      <p:sp>
+        <p:nvSpPr>
+          <p:cNvPr id="4" name="TextBox 3">
+            <a:extLst>
+              <a:ext uri="{FF2B5EF4-FFF2-40B4-BE49-F238E27FC236}">
+                <a16:creationId xmlns:a16="http://schemas.microsoft.com/office/drawing/2014/main" id="{98E82A2D-B61C-3CA0-E233-53E70EC6C397}"/>
+              </a:ext>
+            </a:extLst>
+          </p:cNvPr>
+          <p:cNvSpPr txBox="1"/>
+          <p:nvPr/>
+        </p:nvSpPr>
+        <p:spPr>
+          <a:xfrm>
+            <a:off x="7655496" y="2151728"/>
+            <a:ext cx="4536504" cy="2554545"/>
+          </a:xfrm>
+          <a:prstGeom prst="rect">
+            <a:avLst/>
+          </a:prstGeom>
+          <a:noFill/>
+        </p:spPr>
+        <p:txBody>
+          <a:bodyPr wrap="square" rtlCol="0">
+            <a:spAutoFit/>
+          </a:bodyPr>
+          <a:lstStyle/>
+          <a:p>
+            <a:r>
+              <a:rPr lang="en-US" sz="4000" dirty="0"/>
+              <a:t>a JSON document that stores information about a user named Tom.</a:t>
+            </a:r>
+            <a:endParaRPr lang="en-150" sz="4000" dirty="0"/>
+          </a:p>
+        </p:txBody>
+      </p:sp>
+    </p:spTree>
+    <p:extLst>
+      <p:ext uri="{BB962C8B-B14F-4D97-AF65-F5344CB8AC3E}">
+        <p14:creationId xmlns:p14="http://schemas.microsoft.com/office/powerpoint/2010/main" val="604390311"/>
+      </p:ext>
+    </p:extLst>
+  </p:cSld>
+  <p:clrMapOvr>
+    <a:masterClrMapping/>
+  </p:clrMapOvr>
+</p:sld>
+</file>
+
+<file path=ppt/slides/slide6.xml><?xml version="1.0" encoding="utf-8"?>
+<p:sld xmlns:a="http://schemas.openxmlformats.org/drawingml/2006/main" xmlns:r="http://schemas.openxmlformats.org/officeDocument/2006/relationships" xmlns:p="http://schemas.openxmlformats.org/presentationml/2006/main">
+  <p:cSld>
+    <p:spTree>
+      <p:nvGrpSpPr>
+        <p:cNvPr id="1" name=""/>
+        <p:cNvGrpSpPr/>
+        <p:nvPr/>
+      </p:nvGrpSpPr>
+      <p:grpSpPr>
+        <a:xfrm>
+          <a:off x="0" y="0"/>
+          <a:ext cx="0" cy="0"/>
+          <a:chOff x="0" y="0"/>
+          <a:chExt cx="0" cy="0"/>
+        </a:xfrm>
+      </p:grpSpPr>
+      <p:sp>
+        <p:nvSpPr>
+          <p:cNvPr id="13" name="Title 12"/>
+          <p:cNvSpPr>
+            <a:spLocks noGrp="1"/>
+          </p:cNvSpPr>
+          <p:nvPr>
+            <p:ph type="title"/>
+          </p:nvPr>
+        </p:nvSpPr>
+        <p:spPr/>
+        <p:txBody>
+          <a:bodyPr/>
+          <a:lstStyle/>
+          <a:p>
+            <a:r>
+              <a:rPr lang="en-US" dirty="0"/>
+              <a:t>Key features</a:t>
+            </a:r>
+            <a:endParaRPr dirty="0"/>
+          </a:p>
+        </p:txBody>
+      </p:sp>
+      <p:sp>
+        <p:nvSpPr>
+          <p:cNvPr id="14" name="Content Placeholder 13"/>
+          <p:cNvSpPr>
+            <a:spLocks noGrp="1"/>
+          </p:cNvSpPr>
+          <p:nvPr>
+            <p:ph idx="1"/>
+          </p:nvPr>
+        </p:nvSpPr>
+        <p:spPr/>
+        <p:txBody>
+          <a:bodyPr/>
+          <a:lstStyle/>
+          <a:p>
+            <a:pPr algn="just"/>
+            <a:r>
+              <a:rPr lang="en-US" dirty="0"/>
+              <a:t>Data is </a:t>
+            </a:r>
+            <a:r>
+              <a:rPr lang="en-US" b="1" dirty="0"/>
+              <a:t>stored in documents</a:t>
+            </a:r>
+            <a:r>
+              <a:rPr lang="en-US" dirty="0"/>
+              <a:t> (unlike other databases that store data in structures like tables or graphs).</a:t>
+            </a:r>
+          </a:p>
+          <a:p>
+            <a:pPr algn="just"/>
+            <a:r>
+              <a:rPr lang="en-US" dirty="0"/>
+              <a:t>They have a </a:t>
+            </a:r>
+            <a:r>
+              <a:rPr lang="en-US" b="1" dirty="0"/>
+              <a:t>flexible schema</a:t>
+            </a:r>
+            <a:r>
+              <a:rPr lang="en-US" dirty="0"/>
+              <a:t>, meaning that not all documents in a collection need to have the same fields.</a:t>
+            </a:r>
+          </a:p>
+          <a:p>
+            <a:pPr marL="285750" lvl="1" indent="-285750" algn="just">
+              <a:spcBef>
+                <a:spcPts val="1800"/>
+              </a:spcBef>
+            </a:pPr>
+            <a:r>
+              <a:rPr lang="en-US" sz="2000" dirty="0"/>
+              <a:t>Document databases are </a:t>
+            </a:r>
+            <a:r>
+              <a:rPr lang="en-US" sz="2000" b="1" dirty="0"/>
+              <a:t>distributed</a:t>
+            </a:r>
+            <a:r>
+              <a:rPr lang="en-US" sz="2000" dirty="0"/>
+              <a:t>, which allows for </a:t>
+            </a:r>
+            <a:r>
+              <a:rPr lang="en-US" sz="2000" b="1" dirty="0"/>
+              <a:t>horizontal scaling</a:t>
+            </a:r>
+            <a:r>
+              <a:rPr lang="en-US" sz="2000" dirty="0"/>
+              <a:t> (typically cheaper than vertical scaling) and data distribution. Document databases provide resiliency through replication.</a:t>
+            </a:r>
+          </a:p>
+          <a:p>
+            <a:pPr marL="285750" lvl="1" indent="-285750" algn="just">
+              <a:spcBef>
+                <a:spcPts val="1800"/>
+              </a:spcBef>
+            </a:pPr>
+            <a:r>
+              <a:rPr lang="en-US" sz="2000" dirty="0"/>
+              <a:t>Document databases </a:t>
+            </a:r>
+            <a:r>
+              <a:rPr lang="en-US" sz="2000" b="1" dirty="0"/>
+              <a:t>have an API or query language that allows developers to execute the CRUD operations </a:t>
+            </a:r>
+            <a:r>
+              <a:rPr lang="en-US" sz="2000" dirty="0"/>
+              <a:t>on the database. Developers have the ability to query for documents based on unique identifiers or field values.</a:t>
+            </a:r>
+          </a:p>
+          <a:p>
+            <a:pPr marL="285750" lvl="1" indent="-285750"/>
+            <a:endParaRPr lang="en-US" dirty="0"/>
+          </a:p>
+          <a:p>
+            <a:pPr marL="365760" lvl="1" indent="0">
+              <a:buNone/>
+            </a:pPr>
+            <a:endParaRPr lang="en-US" dirty="0"/>
+          </a:p>
+          <a:p>
+            <a:pPr marL="365760" lvl="1" indent="0">
+              <a:buNone/>
+            </a:pPr>
+            <a:endParaRPr lang="en-US" dirty="0"/>
+          </a:p>
+          <a:p>
+            <a:pPr marL="365760" lvl="1" indent="0">
+              <a:buNone/>
+            </a:pPr>
+            <a:endParaRPr lang="en-US" dirty="0"/>
+          </a:p>
+          <a:p>
+            <a:pPr marL="365760" lvl="1" indent="0">
+              <a:buNone/>
+            </a:pPr>
+            <a:endParaRPr lang="en-US" dirty="0"/>
+          </a:p>
+          <a:p>
+            <a:pPr marL="685800" lvl="2" indent="0">
+              <a:buNone/>
+            </a:pPr>
+            <a:endParaRPr lang="en-US" dirty="0"/>
+          </a:p>
+          <a:p>
+            <a:endParaRPr lang="en-150" dirty="0"/>
+          </a:p>
+        </p:txBody>
+      </p:sp>
+      <p:sp>
+        <p:nvSpPr>
+          <p:cNvPr id="2" name="TextBox 1">
+            <a:extLst>
+              <a:ext uri="{FF2B5EF4-FFF2-40B4-BE49-F238E27FC236}">
+                <a16:creationId xmlns:a16="http://schemas.microsoft.com/office/drawing/2014/main" id="{54DE6E72-FF45-EA85-F0D3-D956A4F1FD9E}"/>
+              </a:ext>
+            </a:extLst>
+          </p:cNvPr>
+          <p:cNvSpPr txBox="1"/>
+          <p:nvPr/>
+        </p:nvSpPr>
+        <p:spPr>
+          <a:xfrm>
+            <a:off x="6196904" y="6231523"/>
+            <a:ext cx="4471096" cy="338554"/>
+          </a:xfrm>
+          <a:prstGeom prst="rect">
+            <a:avLst/>
+          </a:prstGeom>
+          <a:noFill/>
+        </p:spPr>
+        <p:txBody>
+          <a:bodyPr wrap="none" rtlCol="0">
+            <a:spAutoFit/>
+          </a:bodyPr>
+          <a:lstStyle/>
+          <a:p>
+            <a:r>
+              <a:rPr lang="en-US" sz="1600" dirty="0"/>
+              <a:t>NOTE: a group of documents is called a </a:t>
+            </a:r>
+            <a:r>
+              <a:rPr lang="en-US" sz="1600" b="1" dirty="0">
+                <a:solidFill>
+                  <a:schemeClr val="accent1"/>
+                </a:solidFill>
+              </a:rPr>
+              <a:t>collection</a:t>
+            </a:r>
+            <a:endParaRPr lang="en-150" sz="1600" b="1" dirty="0">
+              <a:solidFill>
+                <a:schemeClr val="accent1"/>
+              </a:solidFill>
+            </a:endParaRPr>
+          </a:p>
+        </p:txBody>
+      </p:sp>
+    </p:spTree>
+    <p:extLst>
+      <p:ext uri="{BB962C8B-B14F-4D97-AF65-F5344CB8AC3E}">
+        <p14:creationId xmlns:p14="http://schemas.microsoft.com/office/powerpoint/2010/main" val="1172309352"/>
+      </p:ext>
+    </p:extLst>
+  </p:cSld>
+  <p:clrMapOvr>
+    <a:masterClrMapping/>
+  </p:clrMapOvr>
+</p:sld>
+</file>
+
+<file path=ppt/slides/slide7.xml><?xml version="1.0" encoding="utf-8"?>
+<p:sld xmlns:a="http://schemas.openxmlformats.org/drawingml/2006/main" xmlns:r="http://schemas.openxmlformats.org/officeDocument/2006/relationships" xmlns:p="http://schemas.openxmlformats.org/presentationml/2006/main">
+  <p:cSld>
+    <p:spTree>
+      <p:nvGrpSpPr>
+        <p:cNvPr id="1" name=""/>
+        <p:cNvGrpSpPr/>
+        <p:nvPr/>
+      </p:nvGrpSpPr>
+      <p:grpSpPr>
+        <a:xfrm>
+          <a:off x="0" y="0"/>
+          <a:ext cx="0" cy="0"/>
+          <a:chOff x="0" y="0"/>
+          <a:chExt cx="0" cy="0"/>
+        </a:xfrm>
+      </p:grpSpPr>
+      <p:sp>
+        <p:nvSpPr>
+          <p:cNvPr id="13" name="Title 12"/>
+          <p:cNvSpPr>
+            <a:spLocks noGrp="1"/>
+          </p:cNvSpPr>
+          <p:nvPr>
+            <p:ph type="title"/>
+          </p:nvPr>
+        </p:nvSpPr>
+        <p:spPr/>
+        <p:txBody>
+          <a:bodyPr/>
+          <a:lstStyle/>
+          <a:p>
+            <a:r>
+              <a:rPr lang="en-US" dirty="0"/>
+              <a:t>Differences between relational DBs</a:t>
+            </a:r>
+            <a:endParaRPr dirty="0"/>
+          </a:p>
+        </p:txBody>
+      </p:sp>
+      <p:sp>
+        <p:nvSpPr>
+          <p:cNvPr id="14" name="Content Placeholder 13"/>
+          <p:cNvSpPr>
+            <a:spLocks noGrp="1"/>
+          </p:cNvSpPr>
+          <p:nvPr>
+            <p:ph idx="1"/>
+          </p:nvPr>
+        </p:nvSpPr>
+        <p:spPr/>
+        <p:txBody>
+          <a:bodyPr>
+            <a:normAutofit lnSpcReduction="10000"/>
+          </a:bodyPr>
+          <a:lstStyle/>
+          <a:p>
+            <a:pPr algn="just"/>
+            <a:r>
+              <a:rPr lang="en-US" dirty="0"/>
+              <a:t>Documents map to the objects in code, so they are much more natural to work with. There is no need to decompose data across tables, run expensive joins, or integrate a separate Object Relational Mapping (ORM) layer. Data that is accessed together is stored together, so developers have less code to write and end users get higher performance.</a:t>
+            </a:r>
+          </a:p>
+          <a:p>
+            <a:pPr algn="just"/>
+            <a:r>
+              <a:rPr lang="en-US" dirty="0"/>
+              <a:t>The ubiquity of JSON documents</a:t>
+            </a:r>
+          </a:p>
+          <a:p>
+            <a:pPr marL="365760" lvl="1" indent="0" algn="just">
+              <a:buNone/>
+            </a:pPr>
+            <a:r>
+              <a:rPr lang="en-US" dirty="0"/>
+              <a:t>JSON documents are lightweight, language-independent, and human-readable. Documents are a superset of all other data models so developers can structure data in the way their applications need — rich objects, key-value pairs, tables, geospatial and time-series data, or the nodes and edges of a graph.</a:t>
+            </a:r>
+          </a:p>
+          <a:p>
+            <a:pPr marL="266700" lvl="1" indent="-266700" algn="just">
+              <a:spcBef>
+                <a:spcPts val="1800"/>
+              </a:spcBef>
+            </a:pPr>
+            <a:r>
+              <a:rPr lang="en-US" sz="2000" dirty="0"/>
+              <a:t>A document’s schema is dynamic and self-describing, so developers don’t need to first pre-define it in the database. Fields can vary from document to document. Developers can modify the structure at any time, avoiding disruptive schema migrations.</a:t>
+            </a:r>
+          </a:p>
+          <a:p>
+            <a:pPr marL="365760" lvl="1" indent="0">
+              <a:buNone/>
+            </a:pPr>
+            <a:endParaRPr lang="en-US" dirty="0"/>
+          </a:p>
+          <a:p>
+            <a:pPr marL="365760" lvl="1" indent="0">
+              <a:buNone/>
+            </a:pPr>
+            <a:endParaRPr lang="en-US" dirty="0"/>
+          </a:p>
+          <a:p>
+            <a:pPr marL="365760" lvl="1" indent="0">
+              <a:buNone/>
+            </a:pPr>
+            <a:endParaRPr lang="en-US" dirty="0"/>
+          </a:p>
+          <a:p>
+            <a:pPr marL="365760" lvl="1" indent="0">
+              <a:buNone/>
+            </a:pPr>
+            <a:endParaRPr lang="en-US" dirty="0"/>
+          </a:p>
+          <a:p>
+            <a:pPr marL="685800" lvl="2" indent="0">
+              <a:buNone/>
+            </a:pPr>
+            <a:endParaRPr lang="en-US" dirty="0"/>
+          </a:p>
+          <a:p>
+            <a:endParaRPr lang="en-150" dirty="0"/>
+          </a:p>
+        </p:txBody>
+      </p:sp>
+    </p:spTree>
+    <p:extLst>
+      <p:ext uri="{BB962C8B-B14F-4D97-AF65-F5344CB8AC3E}">
+        <p14:creationId xmlns:p14="http://schemas.microsoft.com/office/powerpoint/2010/main" val="996117117"/>
+      </p:ext>
+    </p:extLst>
+  </p:cSld>
+  <p:clrMapOvr>
+    <a:masterClrMapping/>
+  </p:clrMapOvr>
+</p:sld>
+</file>
+
+<file path=ppt/slides/slide8.xml><?xml version="1.0" encoding="utf-8"?>
+<p:sld xmlns:a="http://schemas.openxmlformats.org/drawingml/2006/main" xmlns:r="http://schemas.openxmlformats.org/officeDocument/2006/relationships" xmlns:p="http://schemas.openxmlformats.org/presentationml/2006/main">
+  <p:cSld>
+    <p:spTree>
+      <p:nvGrpSpPr>
+        <p:cNvPr id="1" name=""/>
+        <p:cNvGrpSpPr/>
+        <p:nvPr/>
+      </p:nvGrpSpPr>
+      <p:grpSpPr>
+        <a:xfrm>
+          <a:off x="0" y="0"/>
+          <a:ext cx="0" cy="0"/>
+          <a:chOff x="0" y="0"/>
+          <a:chExt cx="0" cy="0"/>
+        </a:xfrm>
+      </p:grpSpPr>
+      <p:sp>
+        <p:nvSpPr>
           <p:cNvPr id="2" name="Title 1"/>
           <p:cNvSpPr>
             <a:spLocks noGrp="1"/>
@@ -6079,1668 +9106,7 @@
 </p:sld>
 </file>
 
-<file path=ppt/slides/slide11.xml><?xml version="1.0" encoding="utf-8"?>
-<p:sld xmlns:a="http://schemas.openxmlformats.org/drawingml/2006/main" xmlns:r="http://schemas.openxmlformats.org/officeDocument/2006/relationships" xmlns:p="http://schemas.openxmlformats.org/presentationml/2006/main">
-  <p:cSld>
-    <p:spTree>
-      <p:nvGrpSpPr>
-        <p:cNvPr id="1" name=""/>
-        <p:cNvGrpSpPr/>
-        <p:nvPr/>
-      </p:nvGrpSpPr>
-      <p:grpSpPr>
-        <a:xfrm>
-          <a:off x="0" y="0"/>
-          <a:ext cx="0" cy="0"/>
-          <a:chOff x="0" y="0"/>
-          <a:chExt cx="0" cy="0"/>
-        </a:xfrm>
-      </p:grpSpPr>
-      <p:sp>
-        <p:nvSpPr>
-          <p:cNvPr id="13" name="Title 12"/>
-          <p:cNvSpPr>
-            <a:spLocks noGrp="1"/>
-          </p:cNvSpPr>
-          <p:nvPr>
-            <p:ph type="title"/>
-          </p:nvPr>
-        </p:nvSpPr>
-        <p:spPr/>
-        <p:txBody>
-          <a:bodyPr/>
-          <a:lstStyle/>
-          <a:p>
-            <a:r>
-              <a:rPr lang="en-US" dirty="0"/>
-              <a:t>Disadvantages of document databases</a:t>
-            </a:r>
-            <a:endParaRPr dirty="0"/>
-          </a:p>
-        </p:txBody>
-      </p:sp>
-      <p:sp>
-        <p:nvSpPr>
-          <p:cNvPr id="14" name="Content Placeholder 13"/>
-          <p:cNvSpPr>
-            <a:spLocks noGrp="1"/>
-          </p:cNvSpPr>
-          <p:nvPr>
-            <p:ph idx="1"/>
-          </p:nvPr>
-        </p:nvSpPr>
-        <p:spPr/>
-        <p:txBody>
-          <a:bodyPr/>
-          <a:lstStyle/>
-          <a:p>
-            <a:pPr algn="just"/>
-            <a:r>
-              <a:rPr lang="en-US" b="1" dirty="0"/>
-              <a:t>Atomicity: </a:t>
-            </a:r>
-            <a:r>
-              <a:rPr lang="en-US" dirty="0"/>
-              <a:t>For document databases, a change involving two collections will require you to run two separate queries (per collection). This breaks </a:t>
-            </a:r>
-            <a:r>
-              <a:rPr lang="en-US" b="1" dirty="0"/>
-              <a:t>atomicity</a:t>
-            </a:r>
-            <a:r>
-              <a:rPr lang="en-US" dirty="0"/>
-              <a:t> requirements.</a:t>
-            </a:r>
-          </a:p>
-          <a:p>
-            <a:pPr marL="285750" lvl="1" indent="-285750" algn="just">
-              <a:spcBef>
-                <a:spcPts val="1800"/>
-              </a:spcBef>
-            </a:pPr>
-            <a:r>
-              <a:rPr lang="en-US" sz="2000" b="1" dirty="0"/>
-              <a:t>Complexity:</a:t>
-            </a:r>
-            <a:r>
-              <a:rPr lang="en-US" sz="2000" dirty="0"/>
-              <a:t> Not designed to handle relational data, lack of JOINs.</a:t>
-            </a:r>
-          </a:p>
-          <a:p>
-            <a:pPr marL="285750" lvl="1" indent="-285750" algn="just">
-              <a:spcBef>
-                <a:spcPts val="1800"/>
-              </a:spcBef>
-            </a:pPr>
-            <a:r>
-              <a:rPr lang="en-US" sz="2000" b="1" dirty="0"/>
-              <a:t>Security: </a:t>
-            </a:r>
-            <a:r>
-              <a:rPr lang="en-US" sz="2000" dirty="0"/>
-              <a:t>Lack of ACID makes data less trustworthy sometimes, SQL injection.</a:t>
-            </a:r>
-            <a:endParaRPr lang="en-US" sz="2000" b="1" dirty="0"/>
-          </a:p>
-          <a:p>
-            <a:pPr marL="285750" lvl="1" indent="-285750"/>
-            <a:endParaRPr lang="en-US" dirty="0"/>
-          </a:p>
-          <a:p>
-            <a:pPr marL="365760" lvl="1" indent="0">
-              <a:buNone/>
-            </a:pPr>
-            <a:endParaRPr lang="en-US" dirty="0"/>
-          </a:p>
-          <a:p>
-            <a:pPr marL="365760" lvl="1" indent="0">
-              <a:buNone/>
-            </a:pPr>
-            <a:endParaRPr lang="en-US" dirty="0"/>
-          </a:p>
-          <a:p>
-            <a:pPr marL="365760" lvl="1" indent="0">
-              <a:buNone/>
-            </a:pPr>
-            <a:endParaRPr lang="en-US" dirty="0"/>
-          </a:p>
-          <a:p>
-            <a:pPr marL="365760" lvl="1" indent="0">
-              <a:buNone/>
-            </a:pPr>
-            <a:endParaRPr lang="en-US" dirty="0"/>
-          </a:p>
-          <a:p>
-            <a:pPr marL="685800" lvl="2" indent="0">
-              <a:buNone/>
-            </a:pPr>
-            <a:endParaRPr lang="en-US" dirty="0"/>
-          </a:p>
-          <a:p>
-            <a:endParaRPr lang="en-150" dirty="0"/>
-          </a:p>
-        </p:txBody>
-      </p:sp>
-    </p:spTree>
-    <p:extLst>
-      <p:ext uri="{BB962C8B-B14F-4D97-AF65-F5344CB8AC3E}">
-        <p14:creationId xmlns:p14="http://schemas.microsoft.com/office/powerpoint/2010/main" val="732944432"/>
-      </p:ext>
-    </p:extLst>
-  </p:cSld>
-  <p:clrMapOvr>
-    <a:masterClrMapping/>
-  </p:clrMapOvr>
-</p:sld>
-</file>
-
-<file path=ppt/slides/slide12.xml><?xml version="1.0" encoding="utf-8"?>
-<p:sld xmlns:a="http://schemas.openxmlformats.org/drawingml/2006/main" xmlns:r="http://schemas.openxmlformats.org/officeDocument/2006/relationships" xmlns:p="http://schemas.openxmlformats.org/presentationml/2006/main">
-  <p:cSld>
-    <p:spTree>
-      <p:nvGrpSpPr>
-        <p:cNvPr id="1" name=""/>
-        <p:cNvGrpSpPr/>
-        <p:nvPr/>
-      </p:nvGrpSpPr>
-      <p:grpSpPr>
-        <a:xfrm>
-          <a:off x="0" y="0"/>
-          <a:ext cx="0" cy="0"/>
-          <a:chOff x="0" y="0"/>
-          <a:chExt cx="0" cy="0"/>
-        </a:xfrm>
-      </p:grpSpPr>
-      <p:sp>
-        <p:nvSpPr>
-          <p:cNvPr id="6" name="Rectangle 5">
-            <a:extLst>
-              <a:ext uri="{FF2B5EF4-FFF2-40B4-BE49-F238E27FC236}">
-                <a16:creationId xmlns:a16="http://schemas.microsoft.com/office/drawing/2014/main" id="{0DA8015F-C73B-2C06-204E-A90C401E542D}"/>
-              </a:ext>
-            </a:extLst>
-          </p:cNvPr>
-          <p:cNvSpPr/>
-          <p:nvPr/>
-        </p:nvSpPr>
-        <p:spPr>
-          <a:xfrm>
-            <a:off x="767408" y="1700808"/>
-            <a:ext cx="10585176" cy="4699992"/>
-          </a:xfrm>
-          <a:prstGeom prst="rect">
-            <a:avLst/>
-          </a:prstGeom>
-          <a:solidFill>
-            <a:schemeClr val="tx1"/>
-          </a:solidFill>
-        </p:spPr>
-        <p:style>
-          <a:lnRef idx="2">
-            <a:schemeClr val="accent1">
-              <a:shade val="50000"/>
-            </a:schemeClr>
-          </a:lnRef>
-          <a:fillRef idx="1">
-            <a:schemeClr val="accent1"/>
-          </a:fillRef>
-          <a:effectRef idx="0">
-            <a:schemeClr val="accent1"/>
-          </a:effectRef>
-          <a:fontRef idx="minor">
-            <a:schemeClr val="lt1"/>
-          </a:fontRef>
-        </p:style>
-        <p:txBody>
-          <a:bodyPr rtlCol="0" anchor="ctr"/>
-          <a:lstStyle/>
-          <a:p>
-            <a:pPr algn="ctr"/>
-            <a:endParaRPr lang="en-150"/>
-          </a:p>
-        </p:txBody>
-      </p:sp>
-      <p:sp>
-        <p:nvSpPr>
-          <p:cNvPr id="13" name="Title 12"/>
-          <p:cNvSpPr>
-            <a:spLocks noGrp="1"/>
-          </p:cNvSpPr>
-          <p:nvPr>
-            <p:ph type="title"/>
-          </p:nvPr>
-        </p:nvSpPr>
-        <p:spPr/>
-        <p:txBody>
-          <a:bodyPr/>
-          <a:lstStyle/>
-          <a:p>
-            <a:r>
-              <a:rPr lang="en-US" dirty="0"/>
-              <a:t>Use cases</a:t>
-            </a:r>
-            <a:endParaRPr dirty="0"/>
-          </a:p>
-        </p:txBody>
-      </p:sp>
-      <p:sp>
-        <p:nvSpPr>
-          <p:cNvPr id="14" name="Content Placeholder 13"/>
-          <p:cNvSpPr>
-            <a:spLocks noGrp="1"/>
-          </p:cNvSpPr>
-          <p:nvPr>
-            <p:ph idx="1"/>
-          </p:nvPr>
-        </p:nvSpPr>
-        <p:spPr/>
-        <p:txBody>
-          <a:bodyPr/>
-          <a:lstStyle/>
-          <a:p>
-            <a:pPr marL="365760" lvl="1" indent="0">
-              <a:buNone/>
-            </a:pPr>
-            <a:endParaRPr lang="en-US" dirty="0"/>
-          </a:p>
-          <a:p>
-            <a:pPr marL="365760" lvl="1" indent="0">
-              <a:buNone/>
-            </a:pPr>
-            <a:endParaRPr lang="en-US" dirty="0"/>
-          </a:p>
-          <a:p>
-            <a:pPr marL="365760" lvl="1" indent="0">
-              <a:buNone/>
-            </a:pPr>
-            <a:endParaRPr lang="en-US" dirty="0"/>
-          </a:p>
-          <a:p>
-            <a:pPr marL="365760" lvl="1" indent="0">
-              <a:buNone/>
-            </a:pPr>
-            <a:endParaRPr lang="en-US" dirty="0"/>
-          </a:p>
-          <a:p>
-            <a:pPr marL="685800" lvl="2" indent="0">
-              <a:buNone/>
-            </a:pPr>
-            <a:endParaRPr lang="en-US" dirty="0"/>
-          </a:p>
-          <a:p>
-            <a:endParaRPr lang="en-150" dirty="0"/>
-          </a:p>
-        </p:txBody>
-      </p:sp>
-      <p:pic>
-        <p:nvPicPr>
-          <p:cNvPr id="4" name="Picture 3" descr="A picture containing application">
-            <a:extLst>
-              <a:ext uri="{FF2B5EF4-FFF2-40B4-BE49-F238E27FC236}">
-                <a16:creationId xmlns:a16="http://schemas.microsoft.com/office/drawing/2014/main" id="{8BB664E7-7BC5-656F-D6E4-2B7BDF00F911}"/>
-              </a:ext>
-            </a:extLst>
-          </p:cNvPr>
-          <p:cNvPicPr>
-            <a:picLocks noChangeAspect="1"/>
-          </p:cNvPicPr>
-          <p:nvPr/>
-        </p:nvPicPr>
-        <p:blipFill>
-          <a:blip r:embed="rId2" cstate="print">
-            <a:extLst>
-              <a:ext uri="{28A0092B-C50C-407E-A947-70E740481C1C}">
-                <a14:useLocalDpi xmlns:a14="http://schemas.microsoft.com/office/drawing/2010/main" val="0"/>
-              </a:ext>
-            </a:extLst>
-          </a:blip>
-          <a:stretch>
-            <a:fillRect/>
-          </a:stretch>
-        </p:blipFill>
-        <p:spPr>
-          <a:xfrm>
-            <a:off x="4405950" y="3305355"/>
-            <a:ext cx="2582857" cy="1598315"/>
-          </a:xfrm>
-          <a:prstGeom prst="rect">
-            <a:avLst/>
-          </a:prstGeom>
-        </p:spPr>
-      </p:pic>
-      <p:pic>
-        <p:nvPicPr>
-          <p:cNvPr id="9" name="Picture 8" descr="Chart, histogram">
-            <a:extLst>
-              <a:ext uri="{FF2B5EF4-FFF2-40B4-BE49-F238E27FC236}">
-                <a16:creationId xmlns:a16="http://schemas.microsoft.com/office/drawing/2014/main" id="{0E0C80DF-33FA-2D8B-4744-7765539557E9}"/>
-              </a:ext>
-            </a:extLst>
-          </p:cNvPr>
-          <p:cNvPicPr>
-            <a:picLocks noChangeAspect="1"/>
-          </p:cNvPicPr>
-          <p:nvPr/>
-        </p:nvPicPr>
-        <p:blipFill>
-          <a:blip r:embed="rId3" cstate="print">
-            <a:extLst>
-              <a:ext uri="{28A0092B-C50C-407E-A947-70E740481C1C}">
-                <a14:useLocalDpi xmlns:a14="http://schemas.microsoft.com/office/drawing/2010/main" val="0"/>
-              </a:ext>
-            </a:extLst>
-          </a:blip>
-          <a:stretch>
-            <a:fillRect/>
-          </a:stretch>
-        </p:blipFill>
-        <p:spPr>
-          <a:xfrm>
-            <a:off x="7447311" y="1968323"/>
-            <a:ext cx="2459208" cy="1844406"/>
-          </a:xfrm>
-          <a:prstGeom prst="rect">
-            <a:avLst/>
-          </a:prstGeom>
-        </p:spPr>
-      </p:pic>
-      <p:pic>
-        <p:nvPicPr>
-          <p:cNvPr id="15" name="Picture 14" descr="A picture containing text, electronics, parking, remote control&#10;&#10;Description automatically generated">
-            <a:extLst>
-              <a:ext uri="{FF2B5EF4-FFF2-40B4-BE49-F238E27FC236}">
-                <a16:creationId xmlns:a16="http://schemas.microsoft.com/office/drawing/2014/main" id="{B2EDF393-C76C-E75C-E35A-AA9077391C1F}"/>
-              </a:ext>
-            </a:extLst>
-          </p:cNvPr>
-          <p:cNvPicPr>
-            <a:picLocks noChangeAspect="1"/>
-          </p:cNvPicPr>
-          <p:nvPr/>
-        </p:nvPicPr>
-        <p:blipFill>
-          <a:blip r:embed="rId4" cstate="print">
-            <a:extLst>
-              <a:ext uri="{28A0092B-C50C-407E-A947-70E740481C1C}">
-                <a14:useLocalDpi xmlns:a14="http://schemas.microsoft.com/office/drawing/2010/main" val="0"/>
-              </a:ext>
-            </a:extLst>
-          </a:blip>
-          <a:stretch>
-            <a:fillRect/>
-          </a:stretch>
-        </p:blipFill>
-        <p:spPr>
-          <a:xfrm>
-            <a:off x="2120265" y="1988840"/>
-            <a:ext cx="1796622" cy="1793628"/>
-          </a:xfrm>
-          <a:prstGeom prst="rect">
-            <a:avLst/>
-          </a:prstGeom>
-        </p:spPr>
-      </p:pic>
-      <p:pic>
-        <p:nvPicPr>
-          <p:cNvPr id="17" name="Picture 16" descr="A picture containing text, electronics&#10;&#10;Description automatically generated">
-            <a:extLst>
-              <a:ext uri="{FF2B5EF4-FFF2-40B4-BE49-F238E27FC236}">
-                <a16:creationId xmlns:a16="http://schemas.microsoft.com/office/drawing/2014/main" id="{F9CD6AF0-86BB-A22C-E424-A9F4FD6E575B}"/>
-              </a:ext>
-            </a:extLst>
-          </p:cNvPr>
-          <p:cNvPicPr>
-            <a:picLocks noChangeAspect="1"/>
-          </p:cNvPicPr>
-          <p:nvPr/>
-        </p:nvPicPr>
-        <p:blipFill>
-          <a:blip r:embed="rId5" cstate="print">
-            <a:extLst>
-              <a:ext uri="{28A0092B-C50C-407E-A947-70E740481C1C}">
-                <a14:useLocalDpi xmlns:a14="http://schemas.microsoft.com/office/drawing/2010/main" val="0"/>
-              </a:ext>
-            </a:extLst>
-          </a:blip>
-          <a:stretch>
-            <a:fillRect/>
-          </a:stretch>
-        </p:blipFill>
-        <p:spPr>
-          <a:xfrm>
-            <a:off x="1343472" y="4370292"/>
-            <a:ext cx="1514692" cy="1514692"/>
-          </a:xfrm>
-          <a:prstGeom prst="rect">
-            <a:avLst/>
-          </a:prstGeom>
-        </p:spPr>
-      </p:pic>
-      <p:pic>
-        <p:nvPicPr>
-          <p:cNvPr id="19" name="Picture 18" descr="Graphical user interface&#10;&#10;Description automatically generated">
-            <a:extLst>
-              <a:ext uri="{FF2B5EF4-FFF2-40B4-BE49-F238E27FC236}">
-                <a16:creationId xmlns:a16="http://schemas.microsoft.com/office/drawing/2014/main" id="{7CE52AC4-E0EC-FADD-3B65-F0CABB275F04}"/>
-              </a:ext>
-            </a:extLst>
-          </p:cNvPr>
-          <p:cNvPicPr>
-            <a:picLocks noChangeAspect="1"/>
-          </p:cNvPicPr>
-          <p:nvPr/>
-        </p:nvPicPr>
-        <p:blipFill>
-          <a:blip r:embed="rId6" cstate="print">
-            <a:extLst>
-              <a:ext uri="{28A0092B-C50C-407E-A947-70E740481C1C}">
-                <a14:useLocalDpi xmlns:a14="http://schemas.microsoft.com/office/drawing/2010/main" val="0"/>
-              </a:ext>
-            </a:extLst>
-          </a:blip>
-          <a:stretch>
-            <a:fillRect/>
-          </a:stretch>
-        </p:blipFill>
-        <p:spPr>
-          <a:xfrm>
-            <a:off x="7752184" y="4370292"/>
-            <a:ext cx="2609129" cy="1674191"/>
-          </a:xfrm>
-          <a:prstGeom prst="rect">
-            <a:avLst/>
-          </a:prstGeom>
-        </p:spPr>
-      </p:pic>
-    </p:spTree>
-    <p:extLst>
-      <p:ext uri="{BB962C8B-B14F-4D97-AF65-F5344CB8AC3E}">
-        <p14:creationId xmlns:p14="http://schemas.microsoft.com/office/powerpoint/2010/main" val="3153547958"/>
-      </p:ext>
-    </p:extLst>
-  </p:cSld>
-  <p:clrMapOvr>
-    <a:masterClrMapping/>
-  </p:clrMapOvr>
-</p:sld>
-</file>
-
-<file path=ppt/slides/slide13.xml><?xml version="1.0" encoding="utf-8"?>
-<p:sld xmlns:a="http://schemas.openxmlformats.org/drawingml/2006/main" xmlns:r="http://schemas.openxmlformats.org/officeDocument/2006/relationships" xmlns:p="http://schemas.openxmlformats.org/presentationml/2006/main">
-  <p:cSld>
-    <p:spTree>
-      <p:nvGrpSpPr>
-        <p:cNvPr id="1" name=""/>
-        <p:cNvGrpSpPr/>
-        <p:nvPr/>
-      </p:nvGrpSpPr>
-      <p:grpSpPr>
-        <a:xfrm>
-          <a:off x="0" y="0"/>
-          <a:ext cx="0" cy="0"/>
-          <a:chOff x="0" y="0"/>
-          <a:chExt cx="0" cy="0"/>
-        </a:xfrm>
-      </p:grpSpPr>
-      <p:sp>
-        <p:nvSpPr>
-          <p:cNvPr id="13" name="Title 12"/>
-          <p:cNvSpPr>
-            <a:spLocks noGrp="1"/>
-          </p:cNvSpPr>
-          <p:nvPr>
-            <p:ph type="title"/>
-          </p:nvPr>
-        </p:nvSpPr>
-        <p:spPr/>
-        <p:txBody>
-          <a:bodyPr/>
-          <a:lstStyle/>
-          <a:p>
-            <a:r>
-              <a:rPr lang="en-US" dirty="0"/>
-              <a:t>REFERENCES</a:t>
-            </a:r>
-            <a:endParaRPr dirty="0"/>
-          </a:p>
-        </p:txBody>
-      </p:sp>
-      <p:sp>
-        <p:nvSpPr>
-          <p:cNvPr id="14" name="Content Placeholder 13"/>
-          <p:cNvSpPr>
-            <a:spLocks noGrp="1"/>
-          </p:cNvSpPr>
-          <p:nvPr>
-            <p:ph idx="1"/>
-          </p:nvPr>
-        </p:nvSpPr>
-        <p:spPr/>
-        <p:txBody>
-          <a:bodyPr/>
-          <a:lstStyle/>
-          <a:p>
-            <a:r>
-              <a:rPr lang="en-US" dirty="0"/>
-              <a:t>Link: </a:t>
-            </a:r>
-            <a:r>
-              <a:rPr lang="en-US" dirty="0">
-                <a:hlinkClick r:id="rId2"/>
-              </a:rPr>
-              <a:t>https://www.mongodb.com/document-databases</a:t>
-            </a:r>
-            <a:r>
-              <a:rPr lang="en-US" dirty="0"/>
-              <a:t> </a:t>
-            </a:r>
-            <a:endParaRPr dirty="0"/>
-          </a:p>
-          <a:p>
-            <a:r>
-              <a:rPr lang="en-US" dirty="0"/>
-              <a:t>Link: </a:t>
-            </a:r>
-            <a:r>
-              <a:rPr lang="en-US" dirty="0">
-                <a:hlinkClick r:id="rId3"/>
-              </a:rPr>
-              <a:t>https://database.guide/what-is-a-document-store-database/</a:t>
-            </a:r>
-            <a:endParaRPr lang="en-US" dirty="0"/>
-          </a:p>
-          <a:p>
-            <a:r>
-              <a:rPr lang="en-US" dirty="0"/>
-              <a:t>Link: </a:t>
-            </a:r>
-            <a:r>
-              <a:rPr lang="en-US" dirty="0">
-                <a:hlinkClick r:id="rId4"/>
-              </a:rPr>
-              <a:t>https://phoenixnap.com/kb/document-database</a:t>
-            </a:r>
-            <a:r>
-              <a:rPr lang="en-US" dirty="0"/>
-              <a:t>  </a:t>
-            </a:r>
-            <a:endParaRPr dirty="0"/>
-          </a:p>
-          <a:p>
-            <a:r>
-              <a:rPr lang="en-US" dirty="0"/>
-              <a:t>Lectures from lesson “Technologies for Big Data Analytics”</a:t>
-            </a:r>
-            <a:endParaRPr dirty="0"/>
-          </a:p>
-        </p:txBody>
-      </p:sp>
-    </p:spTree>
-    <p:extLst>
-      <p:ext uri="{BB962C8B-B14F-4D97-AF65-F5344CB8AC3E}">
-        <p14:creationId xmlns:p14="http://schemas.microsoft.com/office/powerpoint/2010/main" val="2902951903"/>
-      </p:ext>
-    </p:extLst>
-  </p:cSld>
-  <p:clrMapOvr>
-    <a:masterClrMapping/>
-  </p:clrMapOvr>
-</p:sld>
-</file>
-
-<file path=ppt/slides/slide14.xml><?xml version="1.0" encoding="utf-8"?>
-<p:sld xmlns:a="http://schemas.openxmlformats.org/drawingml/2006/main" xmlns:r="http://schemas.openxmlformats.org/officeDocument/2006/relationships" xmlns:p="http://schemas.openxmlformats.org/presentationml/2006/main">
-  <p:cSld>
-    <p:spTree>
-      <p:nvGrpSpPr>
-        <p:cNvPr id="1" name=""/>
-        <p:cNvGrpSpPr/>
-        <p:nvPr/>
-      </p:nvGrpSpPr>
-      <p:grpSpPr>
-        <a:xfrm>
-          <a:off x="0" y="0"/>
-          <a:ext cx="0" cy="0"/>
-          <a:chOff x="0" y="0"/>
-          <a:chExt cx="0" cy="0"/>
-        </a:xfrm>
-      </p:grpSpPr>
-      <p:sp>
-        <p:nvSpPr>
-          <p:cNvPr id="2" name="Title 1"/>
-          <p:cNvSpPr>
-            <a:spLocks noGrp="1"/>
-          </p:cNvSpPr>
-          <p:nvPr>
-            <p:ph type="title"/>
-          </p:nvPr>
-        </p:nvSpPr>
-        <p:spPr>
-          <a:xfrm>
-            <a:off x="4136064" y="3021242"/>
-            <a:ext cx="3919872" cy="815516"/>
-          </a:xfrm>
-        </p:spPr>
-        <p:txBody>
-          <a:bodyPr>
-            <a:normAutofit/>
-          </a:bodyPr>
-          <a:lstStyle/>
-          <a:p>
-            <a:pPr algn="ctr"/>
-            <a:r>
-              <a:rPr lang="en-US" sz="4800" b="1" dirty="0"/>
-              <a:t>THANK YOU!</a:t>
-            </a:r>
-            <a:endParaRPr sz="4800" b="1" dirty="0"/>
-          </a:p>
-        </p:txBody>
-      </p:sp>
-    </p:spTree>
-    <p:extLst>
-      <p:ext uri="{BB962C8B-B14F-4D97-AF65-F5344CB8AC3E}">
-        <p14:creationId xmlns:p14="http://schemas.microsoft.com/office/powerpoint/2010/main" val="215988672"/>
-      </p:ext>
-    </p:extLst>
-  </p:cSld>
-  <p:clrMapOvr>
-    <a:masterClrMapping/>
-  </p:clrMapOvr>
-</p:sld>
-</file>
-
-<file path=ppt/slides/slide15.xml><?xml version="1.0" encoding="utf-8"?>
-<p:sld xmlns:a="http://schemas.openxmlformats.org/drawingml/2006/main" xmlns:r="http://schemas.openxmlformats.org/officeDocument/2006/relationships" xmlns:p="http://schemas.openxmlformats.org/presentationml/2006/main">
-  <p:cSld>
-    <p:spTree>
-      <p:nvGrpSpPr>
-        <p:cNvPr id="1" name=""/>
-        <p:cNvGrpSpPr/>
-        <p:nvPr/>
-      </p:nvGrpSpPr>
-      <p:grpSpPr>
-        <a:xfrm>
-          <a:off x="0" y="0"/>
-          <a:ext cx="0" cy="0"/>
-          <a:chOff x="0" y="0"/>
-          <a:chExt cx="0" cy="0"/>
-        </a:xfrm>
-      </p:grpSpPr>
-      <p:sp>
-        <p:nvSpPr>
-          <p:cNvPr id="2" name="Title 1">
-            <a:extLst>
-              <a:ext uri="{FF2B5EF4-FFF2-40B4-BE49-F238E27FC236}">
-                <a16:creationId xmlns:a16="http://schemas.microsoft.com/office/drawing/2014/main" id="{C6C0C478-3CBE-0AEA-97DA-3A1AE5A0C703}"/>
-              </a:ext>
-            </a:extLst>
-          </p:cNvPr>
-          <p:cNvSpPr>
-            <a:spLocks noGrp="1"/>
-          </p:cNvSpPr>
-          <p:nvPr>
-            <p:ph type="ctrTitle"/>
-          </p:nvPr>
-        </p:nvSpPr>
-        <p:spPr/>
-        <p:txBody>
-          <a:bodyPr/>
-          <a:lstStyle/>
-          <a:p>
-            <a:r>
-              <a:rPr lang="en-US" dirty="0"/>
-              <a:t>QUESTIONS</a:t>
-            </a:r>
-            <a:endParaRPr lang="en-150" dirty="0"/>
-          </a:p>
-        </p:txBody>
-      </p:sp>
-    </p:spTree>
-    <p:extLst>
-      <p:ext uri="{BB962C8B-B14F-4D97-AF65-F5344CB8AC3E}">
-        <p14:creationId xmlns:p14="http://schemas.microsoft.com/office/powerpoint/2010/main" val="3464752401"/>
-      </p:ext>
-    </p:extLst>
-  </p:cSld>
-  <p:clrMapOvr>
-    <a:masterClrMapping/>
-  </p:clrMapOvr>
-</p:sld>
-</file>
-
-<file path=ppt/slides/slide2.xml><?xml version="1.0" encoding="utf-8"?>
-<p:sld xmlns:a="http://schemas.openxmlformats.org/drawingml/2006/main" xmlns:r="http://schemas.openxmlformats.org/officeDocument/2006/relationships" xmlns:p="http://schemas.openxmlformats.org/presentationml/2006/main">
-  <p:cSld>
-    <p:spTree>
-      <p:nvGrpSpPr>
-        <p:cNvPr id="1" name=""/>
-        <p:cNvGrpSpPr/>
-        <p:nvPr/>
-      </p:nvGrpSpPr>
-      <p:grpSpPr>
-        <a:xfrm>
-          <a:off x="0" y="0"/>
-          <a:ext cx="0" cy="0"/>
-          <a:chOff x="0" y="0"/>
-          <a:chExt cx="0" cy="0"/>
-        </a:xfrm>
-      </p:grpSpPr>
-      <p:sp>
-        <p:nvSpPr>
-          <p:cNvPr id="13" name="Title 12"/>
-          <p:cNvSpPr>
-            <a:spLocks noGrp="1"/>
-          </p:cNvSpPr>
-          <p:nvPr>
-            <p:ph type="title"/>
-          </p:nvPr>
-        </p:nvSpPr>
-        <p:spPr/>
-        <p:txBody>
-          <a:bodyPr/>
-          <a:lstStyle/>
-          <a:p>
-            <a:r>
-              <a:rPr lang="en-US" dirty="0"/>
-              <a:t>Content</a:t>
-            </a:r>
-            <a:endParaRPr dirty="0"/>
-          </a:p>
-        </p:txBody>
-      </p:sp>
-      <p:sp>
-        <p:nvSpPr>
-          <p:cNvPr id="14" name="Content Placeholder 13"/>
-          <p:cNvSpPr>
-            <a:spLocks noGrp="1"/>
-          </p:cNvSpPr>
-          <p:nvPr>
-            <p:ph idx="1"/>
-          </p:nvPr>
-        </p:nvSpPr>
-        <p:spPr/>
-        <p:txBody>
-          <a:bodyPr/>
-          <a:lstStyle/>
-          <a:p>
-            <a:r>
-              <a:rPr lang="en-US" dirty="0"/>
-              <a:t>Document stores</a:t>
-            </a:r>
-            <a:endParaRPr dirty="0"/>
-          </a:p>
-          <a:p>
-            <a:r>
-              <a:rPr lang="en-US" dirty="0"/>
-              <a:t>Key features of document stores</a:t>
-            </a:r>
-            <a:endParaRPr dirty="0"/>
-          </a:p>
-          <a:p>
-            <a:r>
-              <a:rPr lang="en-US" dirty="0"/>
-              <a:t>Differences between relational DBs</a:t>
-            </a:r>
-          </a:p>
-          <a:p>
-            <a:r>
-              <a:rPr lang="en-US" dirty="0"/>
-              <a:t>Disadvantages</a:t>
-            </a:r>
-          </a:p>
-          <a:p>
-            <a:r>
-              <a:rPr lang="en-US" dirty="0"/>
-              <a:t>Use cases</a:t>
-            </a:r>
-            <a:endParaRPr dirty="0"/>
-          </a:p>
-        </p:txBody>
-      </p:sp>
-    </p:spTree>
-    <p:extLst>
-      <p:ext uri="{BB962C8B-B14F-4D97-AF65-F5344CB8AC3E}">
-        <p14:creationId xmlns:p14="http://schemas.microsoft.com/office/powerpoint/2010/main" val="3042826300"/>
-      </p:ext>
-    </p:extLst>
-  </p:cSld>
-  <p:clrMapOvr>
-    <a:masterClrMapping/>
-  </p:clrMapOvr>
-</p:sld>
-</file>
-
-<file path=ppt/slides/slide3.xml><?xml version="1.0" encoding="utf-8"?>
-<p:sld xmlns:a="http://schemas.openxmlformats.org/drawingml/2006/main" xmlns:r="http://schemas.openxmlformats.org/officeDocument/2006/relationships" xmlns:p="http://schemas.openxmlformats.org/presentationml/2006/main">
-  <p:cSld>
-    <p:spTree>
-      <p:nvGrpSpPr>
-        <p:cNvPr id="1" name=""/>
-        <p:cNvGrpSpPr/>
-        <p:nvPr/>
-      </p:nvGrpSpPr>
-      <p:grpSpPr>
-        <a:xfrm>
-          <a:off x="0" y="0"/>
-          <a:ext cx="0" cy="0"/>
-          <a:chOff x="0" y="0"/>
-          <a:chExt cx="0" cy="0"/>
-        </a:xfrm>
-      </p:grpSpPr>
-      <p:sp>
-        <p:nvSpPr>
-          <p:cNvPr id="13" name="Title 12"/>
-          <p:cNvSpPr>
-            <a:spLocks noGrp="1"/>
-          </p:cNvSpPr>
-          <p:nvPr>
-            <p:ph type="title"/>
-          </p:nvPr>
-        </p:nvSpPr>
-        <p:spPr/>
-        <p:txBody>
-          <a:bodyPr/>
-          <a:lstStyle/>
-          <a:p>
-            <a:r>
-              <a:rPr lang="en-US" dirty="0"/>
-              <a:t>What is a document store?</a:t>
-            </a:r>
-            <a:endParaRPr dirty="0"/>
-          </a:p>
-        </p:txBody>
-      </p:sp>
-      <p:sp>
-        <p:nvSpPr>
-          <p:cNvPr id="14" name="Content Placeholder 13"/>
-          <p:cNvSpPr>
-            <a:spLocks noGrp="1"/>
-          </p:cNvSpPr>
-          <p:nvPr>
-            <p:ph idx="1"/>
-          </p:nvPr>
-        </p:nvSpPr>
-        <p:spPr/>
-        <p:txBody>
-          <a:bodyPr/>
-          <a:lstStyle/>
-          <a:p>
-            <a:pPr algn="just"/>
-            <a:r>
-              <a:rPr lang="en-US" dirty="0"/>
-              <a:t>A </a:t>
-            </a:r>
-            <a:r>
-              <a:rPr lang="en-US" b="1" dirty="0"/>
-              <a:t>document store</a:t>
-            </a:r>
-            <a:r>
-              <a:rPr lang="en-US" dirty="0"/>
-              <a:t> (also known as a document-oriented database or a document database) is a database that stores and retrieves information in documents (i.e. JSON or XML).</a:t>
-            </a:r>
-          </a:p>
-          <a:p>
-            <a:pPr algn="just"/>
-            <a:r>
-              <a:rPr lang="en-US" dirty="0"/>
-              <a:t>Non-relational databases. Instead of storing data in fixed rows and columns, document databases use flexible documents.</a:t>
-            </a:r>
-          </a:p>
-          <a:p>
-            <a:pPr algn="just"/>
-            <a:r>
-              <a:rPr lang="en-US" dirty="0"/>
-              <a:t>2-way access:</a:t>
-            </a:r>
-          </a:p>
-          <a:p>
-            <a:pPr marL="365760" lvl="1" indent="0" algn="just">
-              <a:buNone/>
-            </a:pPr>
-            <a:r>
-              <a:rPr lang="en-US" dirty="0"/>
-              <a:t>By key-value</a:t>
-            </a:r>
-          </a:p>
-          <a:p>
-            <a:pPr marL="365760" lvl="1" indent="0" algn="just">
-              <a:spcBef>
-                <a:spcPts val="1800"/>
-              </a:spcBef>
-              <a:buNone/>
-            </a:pPr>
-            <a:r>
-              <a:rPr lang="en-US" dirty="0"/>
-              <a:t>By an attribute value</a:t>
-            </a:r>
-          </a:p>
-          <a:p>
-            <a:pPr marL="285750" lvl="1" indent="-285750" algn="just">
-              <a:spcBef>
-                <a:spcPts val="1800"/>
-              </a:spcBef>
-            </a:pPr>
-            <a:r>
-              <a:rPr lang="en-US" sz="2000" dirty="0"/>
-              <a:t>Flexible, Fast, Scalable, </a:t>
-            </a:r>
-            <a:r>
-              <a:rPr lang="en-US" sz="2000" dirty="0" err="1"/>
-              <a:t>Schemaless</a:t>
-            </a:r>
-            <a:endParaRPr lang="en-US" sz="2000" dirty="0"/>
-          </a:p>
-          <a:p>
-            <a:pPr marL="285750" lvl="1" indent="-285750"/>
-            <a:endParaRPr lang="en-US" dirty="0"/>
-          </a:p>
-          <a:p>
-            <a:pPr marL="365760" lvl="1" indent="0">
-              <a:buNone/>
-            </a:pPr>
-            <a:endParaRPr lang="en-US" dirty="0"/>
-          </a:p>
-          <a:p>
-            <a:pPr marL="365760" lvl="1" indent="0">
-              <a:buNone/>
-            </a:pPr>
-            <a:endParaRPr lang="en-US" dirty="0"/>
-          </a:p>
-          <a:p>
-            <a:pPr marL="365760" lvl="1" indent="0">
-              <a:buNone/>
-            </a:pPr>
-            <a:endParaRPr lang="en-US" dirty="0"/>
-          </a:p>
-          <a:p>
-            <a:pPr marL="365760" lvl="1" indent="0">
-              <a:buNone/>
-            </a:pPr>
-            <a:endParaRPr lang="en-US" dirty="0"/>
-          </a:p>
-          <a:p>
-            <a:pPr marL="685800" lvl="2" indent="0">
-              <a:buNone/>
-            </a:pPr>
-            <a:endParaRPr lang="en-US" dirty="0"/>
-          </a:p>
-          <a:p>
-            <a:endParaRPr lang="en-150" dirty="0"/>
-          </a:p>
-        </p:txBody>
-      </p:sp>
-    </p:spTree>
-    <p:extLst>
-      <p:ext uri="{BB962C8B-B14F-4D97-AF65-F5344CB8AC3E}">
-        <p14:creationId xmlns:p14="http://schemas.microsoft.com/office/powerpoint/2010/main" val="4244308619"/>
-      </p:ext>
-    </p:extLst>
-  </p:cSld>
-  <p:clrMapOvr>
-    <a:masterClrMapping/>
-  </p:clrMapOvr>
-</p:sld>
-</file>
-
-<file path=ppt/slides/slide4.xml><?xml version="1.0" encoding="utf-8"?>
-<p:sld xmlns:a="http://schemas.openxmlformats.org/drawingml/2006/main" xmlns:r="http://schemas.openxmlformats.org/officeDocument/2006/relationships" xmlns:p="http://schemas.openxmlformats.org/presentationml/2006/main">
-  <p:cSld>
-    <p:spTree>
-      <p:nvGrpSpPr>
-        <p:cNvPr id="1" name=""/>
-        <p:cNvGrpSpPr/>
-        <p:nvPr/>
-      </p:nvGrpSpPr>
-      <p:grpSpPr>
-        <a:xfrm>
-          <a:off x="0" y="0"/>
-          <a:ext cx="0" cy="0"/>
-          <a:chOff x="0" y="0"/>
-          <a:chExt cx="0" cy="0"/>
-        </a:xfrm>
-      </p:grpSpPr>
-      <p:sp>
-        <p:nvSpPr>
-          <p:cNvPr id="6" name="Rectangle 5">
-            <a:extLst>
-              <a:ext uri="{FF2B5EF4-FFF2-40B4-BE49-F238E27FC236}">
-                <a16:creationId xmlns:a16="http://schemas.microsoft.com/office/drawing/2014/main" id="{0DA8015F-C73B-2C06-204E-A90C401E542D}"/>
-              </a:ext>
-            </a:extLst>
-          </p:cNvPr>
-          <p:cNvSpPr/>
-          <p:nvPr/>
-        </p:nvSpPr>
-        <p:spPr>
-          <a:xfrm>
-            <a:off x="803412" y="1700808"/>
-            <a:ext cx="10585176" cy="4699992"/>
-          </a:xfrm>
-          <a:prstGeom prst="rect">
-            <a:avLst/>
-          </a:prstGeom>
-          <a:solidFill>
-            <a:schemeClr val="tx1"/>
-          </a:solidFill>
-        </p:spPr>
-        <p:style>
-          <a:lnRef idx="2">
-            <a:schemeClr val="accent1">
-              <a:shade val="50000"/>
-            </a:schemeClr>
-          </a:lnRef>
-          <a:fillRef idx="1">
-            <a:schemeClr val="accent1"/>
-          </a:fillRef>
-          <a:effectRef idx="0">
-            <a:schemeClr val="accent1"/>
-          </a:effectRef>
-          <a:fontRef idx="minor">
-            <a:schemeClr val="lt1"/>
-          </a:fontRef>
-        </p:style>
-        <p:txBody>
-          <a:bodyPr rtlCol="0" anchor="ctr"/>
-          <a:lstStyle/>
-          <a:p>
-            <a:pPr algn="ctr"/>
-            <a:endParaRPr lang="en-150"/>
-          </a:p>
-        </p:txBody>
-      </p:sp>
-      <p:sp>
-        <p:nvSpPr>
-          <p:cNvPr id="13" name="Title 12"/>
-          <p:cNvSpPr>
-            <a:spLocks noGrp="1"/>
-          </p:cNvSpPr>
-          <p:nvPr>
-            <p:ph type="title"/>
-          </p:nvPr>
-        </p:nvSpPr>
-        <p:spPr/>
-        <p:txBody>
-          <a:bodyPr/>
-          <a:lstStyle/>
-          <a:p>
-            <a:r>
-              <a:rPr lang="en-US" dirty="0"/>
-              <a:t>Examples</a:t>
-            </a:r>
-            <a:endParaRPr dirty="0"/>
-          </a:p>
-        </p:txBody>
-      </p:sp>
-      <p:sp>
-        <p:nvSpPr>
-          <p:cNvPr id="14" name="Content Placeholder 13"/>
-          <p:cNvSpPr>
-            <a:spLocks noGrp="1"/>
-          </p:cNvSpPr>
-          <p:nvPr>
-            <p:ph idx="1"/>
-          </p:nvPr>
-        </p:nvSpPr>
-        <p:spPr/>
-        <p:txBody>
-          <a:bodyPr/>
-          <a:lstStyle/>
-          <a:p>
-            <a:pPr marL="365760" lvl="1" indent="0">
-              <a:buNone/>
-            </a:pPr>
-            <a:endParaRPr lang="en-US" dirty="0"/>
-          </a:p>
-          <a:p>
-            <a:pPr marL="365760" lvl="1" indent="0">
-              <a:buNone/>
-            </a:pPr>
-            <a:endParaRPr lang="en-US" dirty="0"/>
-          </a:p>
-          <a:p>
-            <a:pPr marL="365760" lvl="1" indent="0">
-              <a:buNone/>
-            </a:pPr>
-            <a:endParaRPr lang="en-US" dirty="0"/>
-          </a:p>
-          <a:p>
-            <a:pPr marL="365760" lvl="1" indent="0">
-              <a:buNone/>
-            </a:pPr>
-            <a:endParaRPr lang="en-US" dirty="0"/>
-          </a:p>
-          <a:p>
-            <a:pPr marL="685800" lvl="2" indent="0">
-              <a:buNone/>
-            </a:pPr>
-            <a:endParaRPr lang="en-US" dirty="0"/>
-          </a:p>
-          <a:p>
-            <a:endParaRPr lang="en-150" dirty="0"/>
-          </a:p>
-        </p:txBody>
-      </p:sp>
-      <p:pic>
-        <p:nvPicPr>
-          <p:cNvPr id="3" name="Picture 2" descr="Logo">
-            <a:extLst>
-              <a:ext uri="{FF2B5EF4-FFF2-40B4-BE49-F238E27FC236}">
-                <a16:creationId xmlns:a16="http://schemas.microsoft.com/office/drawing/2014/main" id="{80E2D5B6-C6E5-9E47-7EF9-35ECF0E37DCF}"/>
-              </a:ext>
-            </a:extLst>
-          </p:cNvPr>
-          <p:cNvPicPr>
-            <a:picLocks noChangeAspect="1"/>
-          </p:cNvPicPr>
-          <p:nvPr/>
-        </p:nvPicPr>
-        <p:blipFill>
-          <a:blip r:embed="rId2" cstate="print">
-            <a:extLst>
-              <a:ext uri="{28A0092B-C50C-407E-A947-70E740481C1C}">
-                <a14:useLocalDpi xmlns:a14="http://schemas.microsoft.com/office/drawing/2010/main" val="0"/>
-              </a:ext>
-            </a:extLst>
-          </a:blip>
-          <a:stretch>
-            <a:fillRect/>
-          </a:stretch>
-        </p:blipFill>
-        <p:spPr>
-          <a:xfrm>
-            <a:off x="1415480" y="1787630"/>
-            <a:ext cx="3822685" cy="1089763"/>
-          </a:xfrm>
-          <a:prstGeom prst="rect">
-            <a:avLst/>
-          </a:prstGeom>
-        </p:spPr>
-      </p:pic>
-      <p:pic>
-        <p:nvPicPr>
-          <p:cNvPr id="5" name="Picture 4" descr="A picture containing text">
-            <a:extLst>
-              <a:ext uri="{FF2B5EF4-FFF2-40B4-BE49-F238E27FC236}">
-                <a16:creationId xmlns:a16="http://schemas.microsoft.com/office/drawing/2014/main" id="{2D163FB2-CAD2-085B-9CAE-5AAE06E5C2DB}"/>
-              </a:ext>
-            </a:extLst>
-          </p:cNvPr>
-          <p:cNvPicPr>
-            <a:picLocks noChangeAspect="1"/>
-          </p:cNvPicPr>
-          <p:nvPr/>
-        </p:nvPicPr>
-        <p:blipFill>
-          <a:blip r:embed="rId3">
-            <a:extLst>
-              <a:ext uri="{28A0092B-C50C-407E-A947-70E740481C1C}">
-                <a14:useLocalDpi xmlns:a14="http://schemas.microsoft.com/office/drawing/2010/main" val="0"/>
-              </a:ext>
-            </a:extLst>
-          </a:blip>
-          <a:stretch>
-            <a:fillRect/>
-          </a:stretch>
-        </p:blipFill>
-        <p:spPr>
-          <a:xfrm>
-            <a:off x="1297736" y="3861048"/>
-            <a:ext cx="4876800" cy="2438400"/>
-          </a:xfrm>
-          <a:prstGeom prst="rect">
-            <a:avLst/>
-          </a:prstGeom>
-        </p:spPr>
-      </p:pic>
-      <p:pic>
-        <p:nvPicPr>
-          <p:cNvPr id="8" name="Picture 7" descr="Logo, company name">
-            <a:extLst>
-              <a:ext uri="{FF2B5EF4-FFF2-40B4-BE49-F238E27FC236}">
-                <a16:creationId xmlns:a16="http://schemas.microsoft.com/office/drawing/2014/main" id="{64031EEA-CF71-449E-6F8F-784C66F50D17}"/>
-              </a:ext>
-            </a:extLst>
-          </p:cNvPr>
-          <p:cNvPicPr>
-            <a:picLocks noChangeAspect="1"/>
-          </p:cNvPicPr>
-          <p:nvPr/>
-        </p:nvPicPr>
-        <p:blipFill>
-          <a:blip r:embed="rId4">
-            <a:extLst>
-              <a:ext uri="{28A0092B-C50C-407E-A947-70E740481C1C}">
-                <a14:useLocalDpi xmlns:a14="http://schemas.microsoft.com/office/drawing/2010/main" val="0"/>
-              </a:ext>
-            </a:extLst>
-          </a:blip>
-          <a:stretch>
-            <a:fillRect/>
-          </a:stretch>
-        </p:blipFill>
-        <p:spPr>
-          <a:xfrm>
-            <a:off x="3474975" y="3019189"/>
-            <a:ext cx="3989177" cy="943211"/>
-          </a:xfrm>
-          <a:prstGeom prst="rect">
-            <a:avLst/>
-          </a:prstGeom>
-        </p:spPr>
-      </p:pic>
-      <p:pic>
-        <p:nvPicPr>
-          <p:cNvPr id="10" name="Picture 9" descr="A picture containing text&#10;&#10;Description automatically generated">
-            <a:extLst>
-              <a:ext uri="{FF2B5EF4-FFF2-40B4-BE49-F238E27FC236}">
-                <a16:creationId xmlns:a16="http://schemas.microsoft.com/office/drawing/2014/main" id="{58E65B6A-8568-27F6-C269-90614642C7AF}"/>
-              </a:ext>
-            </a:extLst>
-          </p:cNvPr>
-          <p:cNvPicPr>
-            <a:picLocks noChangeAspect="1"/>
-          </p:cNvPicPr>
-          <p:nvPr/>
-        </p:nvPicPr>
-        <p:blipFill>
-          <a:blip r:embed="rId5">
-            <a:extLst>
-              <a:ext uri="{28A0092B-C50C-407E-A947-70E740481C1C}">
-                <a14:useLocalDpi xmlns:a14="http://schemas.microsoft.com/office/drawing/2010/main" val="0"/>
-              </a:ext>
-            </a:extLst>
-          </a:blip>
-          <a:stretch>
-            <a:fillRect/>
-          </a:stretch>
-        </p:blipFill>
-        <p:spPr>
-          <a:xfrm>
-            <a:off x="8742294" y="2046039"/>
-            <a:ext cx="2286000" cy="1714500"/>
-          </a:xfrm>
-          <a:prstGeom prst="rect">
-            <a:avLst/>
-          </a:prstGeom>
-        </p:spPr>
-      </p:pic>
-      <p:pic>
-        <p:nvPicPr>
-          <p:cNvPr id="12" name="Picture 11" descr="Icon&#10;&#10;Description automatically generated with medium confidence">
-            <a:extLst>
-              <a:ext uri="{FF2B5EF4-FFF2-40B4-BE49-F238E27FC236}">
-                <a16:creationId xmlns:a16="http://schemas.microsoft.com/office/drawing/2014/main" id="{FC225FBB-3D5B-A8BB-D7E9-B4F6FB590DD3}"/>
-              </a:ext>
-            </a:extLst>
-          </p:cNvPr>
-          <p:cNvPicPr>
-            <a:picLocks noChangeAspect="1"/>
-          </p:cNvPicPr>
-          <p:nvPr/>
-        </p:nvPicPr>
-        <p:blipFill>
-          <a:blip r:embed="rId6">
-            <a:extLst>
-              <a:ext uri="{28A0092B-C50C-407E-A947-70E740481C1C}">
-                <a14:useLocalDpi xmlns:a14="http://schemas.microsoft.com/office/drawing/2010/main" val="0"/>
-              </a:ext>
-            </a:extLst>
-          </a:blip>
-          <a:stretch>
-            <a:fillRect/>
-          </a:stretch>
-        </p:blipFill>
-        <p:spPr>
-          <a:xfrm>
-            <a:off x="7464152" y="4105770"/>
-            <a:ext cx="1905000" cy="1905000"/>
-          </a:xfrm>
-          <a:prstGeom prst="rect">
-            <a:avLst/>
-          </a:prstGeom>
-        </p:spPr>
-      </p:pic>
-    </p:spTree>
-    <p:extLst>
-      <p:ext uri="{BB962C8B-B14F-4D97-AF65-F5344CB8AC3E}">
-        <p14:creationId xmlns:p14="http://schemas.microsoft.com/office/powerpoint/2010/main" val="2454944017"/>
-      </p:ext>
-    </p:extLst>
-  </p:cSld>
-  <p:clrMapOvr>
-    <a:masterClrMapping/>
-  </p:clrMapOvr>
-</p:sld>
-</file>
-
-<file path=ppt/slides/slide5.xml><?xml version="1.0" encoding="utf-8"?>
-<p:sld xmlns:a="http://schemas.openxmlformats.org/drawingml/2006/main" xmlns:r="http://schemas.openxmlformats.org/officeDocument/2006/relationships" xmlns:p="http://schemas.openxmlformats.org/presentationml/2006/main">
-  <p:cSld>
-    <p:spTree>
-      <p:nvGrpSpPr>
-        <p:cNvPr id="1" name=""/>
-        <p:cNvGrpSpPr/>
-        <p:nvPr/>
-      </p:nvGrpSpPr>
-      <p:grpSpPr>
-        <a:xfrm>
-          <a:off x="0" y="0"/>
-          <a:ext cx="0" cy="0"/>
-          <a:chOff x="0" y="0"/>
-          <a:chExt cx="0" cy="0"/>
-        </a:xfrm>
-      </p:grpSpPr>
-      <p:pic>
-        <p:nvPicPr>
-          <p:cNvPr id="3" name="Picture 2">
-            <a:extLst>
-              <a:ext uri="{FF2B5EF4-FFF2-40B4-BE49-F238E27FC236}">
-                <a16:creationId xmlns:a16="http://schemas.microsoft.com/office/drawing/2014/main" id="{5BE5F2F1-72C7-F592-66EE-225C39788CFE}"/>
-              </a:ext>
-            </a:extLst>
-          </p:cNvPr>
-          <p:cNvPicPr>
-            <a:picLocks noChangeAspect="1"/>
-          </p:cNvPicPr>
-          <p:nvPr/>
-        </p:nvPicPr>
-        <p:blipFill>
-          <a:blip r:embed="rId2"/>
-          <a:stretch>
-            <a:fillRect/>
-          </a:stretch>
-        </p:blipFill>
-        <p:spPr>
-          <a:xfrm>
-            <a:off x="983432" y="319697"/>
-            <a:ext cx="7776864" cy="6218605"/>
-          </a:xfrm>
-          <a:prstGeom prst="rect">
-            <a:avLst/>
-          </a:prstGeom>
-        </p:spPr>
-      </p:pic>
-      <p:sp>
-        <p:nvSpPr>
-          <p:cNvPr id="4" name="TextBox 3">
-            <a:extLst>
-              <a:ext uri="{FF2B5EF4-FFF2-40B4-BE49-F238E27FC236}">
-                <a16:creationId xmlns:a16="http://schemas.microsoft.com/office/drawing/2014/main" id="{98E82A2D-B61C-3CA0-E233-53E70EC6C397}"/>
-              </a:ext>
-            </a:extLst>
-          </p:cNvPr>
-          <p:cNvSpPr txBox="1"/>
-          <p:nvPr/>
-        </p:nvSpPr>
-        <p:spPr>
-          <a:xfrm>
-            <a:off x="7655496" y="2151728"/>
-            <a:ext cx="4536504" cy="2554545"/>
-          </a:xfrm>
-          <a:prstGeom prst="rect">
-            <a:avLst/>
-          </a:prstGeom>
-          <a:noFill/>
-        </p:spPr>
-        <p:txBody>
-          <a:bodyPr wrap="square" rtlCol="0">
-            <a:spAutoFit/>
-          </a:bodyPr>
-          <a:lstStyle/>
-          <a:p>
-            <a:r>
-              <a:rPr lang="en-US" sz="4000" dirty="0"/>
-              <a:t>a JSON document that stores information about a user named Tom.</a:t>
-            </a:r>
-            <a:endParaRPr lang="en-150" sz="4000" dirty="0"/>
-          </a:p>
-        </p:txBody>
-      </p:sp>
-    </p:spTree>
-    <p:extLst>
-      <p:ext uri="{BB962C8B-B14F-4D97-AF65-F5344CB8AC3E}">
-        <p14:creationId xmlns:p14="http://schemas.microsoft.com/office/powerpoint/2010/main" val="604390311"/>
-      </p:ext>
-    </p:extLst>
-  </p:cSld>
-  <p:clrMapOvr>
-    <a:masterClrMapping/>
-  </p:clrMapOvr>
-</p:sld>
-</file>
-
-<file path=ppt/slides/slide6.xml><?xml version="1.0" encoding="utf-8"?>
-<p:sld xmlns:a="http://schemas.openxmlformats.org/drawingml/2006/main" xmlns:r="http://schemas.openxmlformats.org/officeDocument/2006/relationships" xmlns:p="http://schemas.openxmlformats.org/presentationml/2006/main">
-  <p:cSld>
-    <p:spTree>
-      <p:nvGrpSpPr>
-        <p:cNvPr id="1" name=""/>
-        <p:cNvGrpSpPr/>
-        <p:nvPr/>
-      </p:nvGrpSpPr>
-      <p:grpSpPr>
-        <a:xfrm>
-          <a:off x="0" y="0"/>
-          <a:ext cx="0" cy="0"/>
-          <a:chOff x="0" y="0"/>
-          <a:chExt cx="0" cy="0"/>
-        </a:xfrm>
-      </p:grpSpPr>
-      <p:sp>
-        <p:nvSpPr>
-          <p:cNvPr id="13" name="Title 12"/>
-          <p:cNvSpPr>
-            <a:spLocks noGrp="1"/>
-          </p:cNvSpPr>
-          <p:nvPr>
-            <p:ph type="title"/>
-          </p:nvPr>
-        </p:nvSpPr>
-        <p:spPr/>
-        <p:txBody>
-          <a:bodyPr/>
-          <a:lstStyle/>
-          <a:p>
-            <a:r>
-              <a:rPr lang="en-US" dirty="0"/>
-              <a:t>Key features</a:t>
-            </a:r>
-            <a:endParaRPr dirty="0"/>
-          </a:p>
-        </p:txBody>
-      </p:sp>
-      <p:sp>
-        <p:nvSpPr>
-          <p:cNvPr id="14" name="Content Placeholder 13"/>
-          <p:cNvSpPr>
-            <a:spLocks noGrp="1"/>
-          </p:cNvSpPr>
-          <p:nvPr>
-            <p:ph idx="1"/>
-          </p:nvPr>
-        </p:nvSpPr>
-        <p:spPr/>
-        <p:txBody>
-          <a:bodyPr/>
-          <a:lstStyle/>
-          <a:p>
-            <a:pPr algn="just"/>
-            <a:r>
-              <a:rPr lang="en-US" dirty="0"/>
-              <a:t>Data is </a:t>
-            </a:r>
-            <a:r>
-              <a:rPr lang="en-US" b="1" dirty="0"/>
-              <a:t>stored in documents</a:t>
-            </a:r>
-            <a:r>
-              <a:rPr lang="en-US" dirty="0"/>
-              <a:t> (unlike other databases that store data in structures like tables or graphs).</a:t>
-            </a:r>
-          </a:p>
-          <a:p>
-            <a:pPr algn="just"/>
-            <a:r>
-              <a:rPr lang="en-US" dirty="0"/>
-              <a:t>They have a </a:t>
-            </a:r>
-            <a:r>
-              <a:rPr lang="en-US" b="1" dirty="0"/>
-              <a:t>flexible schema</a:t>
-            </a:r>
-            <a:r>
-              <a:rPr lang="en-US" dirty="0"/>
-              <a:t>, meaning that not all documents in a collection need to have the same fields.</a:t>
-            </a:r>
-          </a:p>
-          <a:p>
-            <a:pPr marL="285750" lvl="1" indent="-285750" algn="just">
-              <a:spcBef>
-                <a:spcPts val="1800"/>
-              </a:spcBef>
-            </a:pPr>
-            <a:r>
-              <a:rPr lang="en-US" sz="2000" dirty="0"/>
-              <a:t>Document databases are </a:t>
-            </a:r>
-            <a:r>
-              <a:rPr lang="en-US" sz="2000" b="1" dirty="0"/>
-              <a:t>distributed</a:t>
-            </a:r>
-            <a:r>
-              <a:rPr lang="en-US" sz="2000" dirty="0"/>
-              <a:t>, which allows for </a:t>
-            </a:r>
-            <a:r>
-              <a:rPr lang="en-US" sz="2000" b="1" dirty="0"/>
-              <a:t>horizontal scaling</a:t>
-            </a:r>
-            <a:r>
-              <a:rPr lang="en-US" sz="2000" dirty="0"/>
-              <a:t> (typically cheaper than vertical scaling) and data distribution. Document databases provide resiliency through replication.</a:t>
-            </a:r>
-          </a:p>
-          <a:p>
-            <a:pPr marL="285750" lvl="1" indent="-285750" algn="just">
-              <a:spcBef>
-                <a:spcPts val="1800"/>
-              </a:spcBef>
-            </a:pPr>
-            <a:r>
-              <a:rPr lang="en-US" sz="2000" dirty="0"/>
-              <a:t>Document databases </a:t>
-            </a:r>
-            <a:r>
-              <a:rPr lang="en-US" sz="2000" b="1" dirty="0"/>
-              <a:t>have an API or query language that allows developers to execute the CRUD operations </a:t>
-            </a:r>
-            <a:r>
-              <a:rPr lang="en-US" sz="2000" dirty="0"/>
-              <a:t>on the database. Developers have the ability to query for documents based on unique identifiers or field values.</a:t>
-            </a:r>
-          </a:p>
-          <a:p>
-            <a:pPr marL="285750" lvl="1" indent="-285750"/>
-            <a:endParaRPr lang="en-US" dirty="0"/>
-          </a:p>
-          <a:p>
-            <a:pPr marL="365760" lvl="1" indent="0">
-              <a:buNone/>
-            </a:pPr>
-            <a:endParaRPr lang="en-US" dirty="0"/>
-          </a:p>
-          <a:p>
-            <a:pPr marL="365760" lvl="1" indent="0">
-              <a:buNone/>
-            </a:pPr>
-            <a:endParaRPr lang="en-US" dirty="0"/>
-          </a:p>
-          <a:p>
-            <a:pPr marL="365760" lvl="1" indent="0">
-              <a:buNone/>
-            </a:pPr>
-            <a:endParaRPr lang="en-US" dirty="0"/>
-          </a:p>
-          <a:p>
-            <a:pPr marL="365760" lvl="1" indent="0">
-              <a:buNone/>
-            </a:pPr>
-            <a:endParaRPr lang="en-US" dirty="0"/>
-          </a:p>
-          <a:p>
-            <a:pPr marL="685800" lvl="2" indent="0">
-              <a:buNone/>
-            </a:pPr>
-            <a:endParaRPr lang="en-US" dirty="0"/>
-          </a:p>
-          <a:p>
-            <a:endParaRPr lang="en-150" dirty="0"/>
-          </a:p>
-        </p:txBody>
-      </p:sp>
-      <p:sp>
-        <p:nvSpPr>
-          <p:cNvPr id="2" name="TextBox 1">
-            <a:extLst>
-              <a:ext uri="{FF2B5EF4-FFF2-40B4-BE49-F238E27FC236}">
-                <a16:creationId xmlns:a16="http://schemas.microsoft.com/office/drawing/2014/main" id="{54DE6E72-FF45-EA85-F0D3-D956A4F1FD9E}"/>
-              </a:ext>
-            </a:extLst>
-          </p:cNvPr>
-          <p:cNvSpPr txBox="1"/>
-          <p:nvPr/>
-        </p:nvSpPr>
-        <p:spPr>
-          <a:xfrm>
-            <a:off x="6196904" y="6231523"/>
-            <a:ext cx="4471096" cy="338554"/>
-          </a:xfrm>
-          <a:prstGeom prst="rect">
-            <a:avLst/>
-          </a:prstGeom>
-          <a:noFill/>
-        </p:spPr>
-        <p:txBody>
-          <a:bodyPr wrap="none" rtlCol="0">
-            <a:spAutoFit/>
-          </a:bodyPr>
-          <a:lstStyle/>
-          <a:p>
-            <a:r>
-              <a:rPr lang="en-US" sz="1600" dirty="0"/>
-              <a:t>NOTE: a group of documents is called a </a:t>
-            </a:r>
-            <a:r>
-              <a:rPr lang="en-US" sz="1600" b="1" dirty="0">
-                <a:solidFill>
-                  <a:schemeClr val="accent1"/>
-                </a:solidFill>
-              </a:rPr>
-              <a:t>collection</a:t>
-            </a:r>
-            <a:endParaRPr lang="en-150" sz="1600" b="1" dirty="0">
-              <a:solidFill>
-                <a:schemeClr val="accent1"/>
-              </a:solidFill>
-            </a:endParaRPr>
-          </a:p>
-        </p:txBody>
-      </p:sp>
-    </p:spTree>
-    <p:extLst>
-      <p:ext uri="{BB962C8B-B14F-4D97-AF65-F5344CB8AC3E}">
-        <p14:creationId xmlns:p14="http://schemas.microsoft.com/office/powerpoint/2010/main" val="1172309352"/>
-      </p:ext>
-    </p:extLst>
-  </p:cSld>
-  <p:clrMapOvr>
-    <a:masterClrMapping/>
-  </p:clrMapOvr>
-</p:sld>
-</file>
-
-<file path=ppt/slides/slide7.xml><?xml version="1.0" encoding="utf-8"?>
+<file path=ppt/slides/slide9.xml><?xml version="1.0" encoding="utf-8"?>
 <p:sld xmlns:a="http://schemas.openxmlformats.org/drawingml/2006/main" xmlns:r="http://schemas.openxmlformats.org/officeDocument/2006/relationships" xmlns:p="http://schemas.openxmlformats.org/presentationml/2006/main">
   <p:cSld>
     <p:spTree>
@@ -8080,653 +9446,6 @@
     <p:extLst>
       <p:ext uri="{BB962C8B-B14F-4D97-AF65-F5344CB8AC3E}">
         <p14:creationId xmlns:p14="http://schemas.microsoft.com/office/powerpoint/2010/main" val="2364831235"/>
-      </p:ext>
-    </p:extLst>
-  </p:cSld>
-  <p:clrMapOvr>
-    <a:masterClrMapping/>
-  </p:clrMapOvr>
-</p:sld>
-</file>
-
-<file path=ppt/slides/slide8.xml><?xml version="1.0" encoding="utf-8"?>
-<p:sld xmlns:a="http://schemas.openxmlformats.org/drawingml/2006/main" xmlns:r="http://schemas.openxmlformats.org/officeDocument/2006/relationships" xmlns:p="http://schemas.openxmlformats.org/presentationml/2006/main">
-  <p:cSld>
-    <p:spTree>
-      <p:nvGrpSpPr>
-        <p:cNvPr id="1" name=""/>
-        <p:cNvGrpSpPr/>
-        <p:nvPr/>
-      </p:nvGrpSpPr>
-      <p:grpSpPr>
-        <a:xfrm>
-          <a:off x="0" y="0"/>
-          <a:ext cx="0" cy="0"/>
-          <a:chOff x="0" y="0"/>
-          <a:chExt cx="0" cy="0"/>
-        </a:xfrm>
-      </p:grpSpPr>
-      <p:sp>
-        <p:nvSpPr>
-          <p:cNvPr id="13" name="Title 12"/>
-          <p:cNvSpPr>
-            <a:spLocks noGrp="1"/>
-          </p:cNvSpPr>
-          <p:nvPr>
-            <p:ph type="title"/>
-          </p:nvPr>
-        </p:nvSpPr>
-        <p:spPr>
-          <a:xfrm>
-            <a:off x="1524000" y="188640"/>
-            <a:ext cx="9144000" cy="1143000"/>
-          </a:xfrm>
-        </p:spPr>
-        <p:txBody>
-          <a:bodyPr/>
-          <a:lstStyle/>
-          <a:p>
-            <a:r>
-              <a:rPr lang="en-US" dirty="0"/>
-              <a:t>Examples</a:t>
-            </a:r>
-            <a:r>
-              <a:rPr lang="el-GR" dirty="0"/>
-              <a:t> </a:t>
-            </a:r>
-            <a:r>
-              <a:rPr lang="en-US" dirty="0"/>
-              <a:t>in MongoDB</a:t>
-            </a:r>
-            <a:endParaRPr dirty="0"/>
-          </a:p>
-        </p:txBody>
-      </p:sp>
-      <p:sp>
-        <p:nvSpPr>
-          <p:cNvPr id="6" name="TextBox 5">
-            <a:extLst>
-              <a:ext uri="{FF2B5EF4-FFF2-40B4-BE49-F238E27FC236}">
-                <a16:creationId xmlns:a16="http://schemas.microsoft.com/office/drawing/2014/main" id="{ADF84193-1FFE-0D90-BA27-B46F04F46992}"/>
-              </a:ext>
-            </a:extLst>
-          </p:cNvPr>
-          <p:cNvSpPr txBox="1"/>
-          <p:nvPr/>
-        </p:nvSpPr>
-        <p:spPr>
-          <a:xfrm>
-            <a:off x="263352" y="1628800"/>
-            <a:ext cx="4464496" cy="1754326"/>
-          </a:xfrm>
-          <a:prstGeom prst="rect">
-            <a:avLst/>
-          </a:prstGeom>
-          <a:noFill/>
-        </p:spPr>
-        <p:txBody>
-          <a:bodyPr wrap="square">
-            <a:spAutoFit/>
-          </a:bodyPr>
-          <a:lstStyle/>
-          <a:p>
-            <a:r>
-              <a:rPr lang="en-US" b="1" dirty="0">
-                <a:solidFill>
-                  <a:schemeClr val="accent1">
-                    <a:lumMod val="75000"/>
-                  </a:schemeClr>
-                </a:solidFill>
-              </a:rPr>
-              <a:t>Collection :</a:t>
-            </a:r>
-          </a:p>
-          <a:p>
-            <a:r>
-              <a:rPr lang="el-GR" dirty="0"/>
-              <a:t>[ </a:t>
-            </a:r>
-            <a:endParaRPr lang="en-US" dirty="0"/>
-          </a:p>
-          <a:p>
-            <a:r>
-              <a:rPr lang="en-US" dirty="0"/>
-              <a:t>   </a:t>
-            </a:r>
-            <a:r>
-              <a:rPr lang="el-GR" dirty="0"/>
-              <a:t>{    "</a:t>
-            </a:r>
-            <a:r>
-              <a:rPr lang="el-GR" dirty="0" err="1"/>
-              <a:t>key</a:t>
-            </a:r>
-            <a:r>
-              <a:rPr lang="el-GR" dirty="0"/>
-              <a:t>": 1,    "</a:t>
-            </a:r>
-            <a:r>
-              <a:rPr lang="el-GR" dirty="0" err="1"/>
-              <a:t>user</a:t>
-            </a:r>
-            <a:r>
-              <a:rPr lang="el-GR" dirty="0"/>
-              <a:t>": "</a:t>
-            </a:r>
-            <a:r>
-              <a:rPr lang="el-GR" dirty="0" err="1"/>
-              <a:t>Alice</a:t>
-            </a:r>
-            <a:r>
-              <a:rPr lang="el-GR" dirty="0"/>
-              <a:t>"}, </a:t>
-            </a:r>
-            <a:endParaRPr lang="en-US" dirty="0"/>
-          </a:p>
-          <a:p>
-            <a:r>
-              <a:rPr lang="en-US" dirty="0"/>
-              <a:t>  </a:t>
-            </a:r>
-            <a:r>
-              <a:rPr lang="el-GR" dirty="0"/>
-              <a:t> {    "</a:t>
-            </a:r>
-            <a:r>
-              <a:rPr lang="el-GR" dirty="0" err="1"/>
-              <a:t>key</a:t>
-            </a:r>
-            <a:r>
-              <a:rPr lang="el-GR" dirty="0"/>
-              <a:t>": 2,    "</a:t>
-            </a:r>
-            <a:r>
-              <a:rPr lang="el-GR" dirty="0" err="1"/>
-              <a:t>user</a:t>
-            </a:r>
-            <a:r>
-              <a:rPr lang="el-GR" dirty="0"/>
-              <a:t>": "</a:t>
-            </a:r>
-            <a:r>
-              <a:rPr lang="el-GR" dirty="0" err="1"/>
-              <a:t>John</a:t>
-            </a:r>
-            <a:r>
-              <a:rPr lang="el-GR" dirty="0"/>
-              <a:t>"}</a:t>
-            </a:r>
-            <a:r>
-              <a:rPr lang="en-US" dirty="0"/>
-              <a:t>,</a:t>
-            </a:r>
-          </a:p>
-          <a:p>
-            <a:r>
-              <a:rPr lang="en-US" dirty="0"/>
-              <a:t>   {    </a:t>
-            </a:r>
-            <a:r>
-              <a:rPr lang="el-GR" dirty="0"/>
-              <a:t>"</a:t>
-            </a:r>
-            <a:r>
-              <a:rPr lang="el-GR" dirty="0" err="1"/>
-              <a:t>key</a:t>
-            </a:r>
-            <a:r>
-              <a:rPr lang="el-GR" dirty="0"/>
-              <a:t>": </a:t>
-            </a:r>
-            <a:r>
-              <a:rPr lang="en-US" dirty="0"/>
-              <a:t>3</a:t>
-            </a:r>
-            <a:r>
-              <a:rPr lang="el-GR" dirty="0"/>
-              <a:t>,    "</a:t>
-            </a:r>
-            <a:r>
-              <a:rPr lang="el-GR" dirty="0" err="1"/>
-              <a:t>user</a:t>
-            </a:r>
-            <a:r>
-              <a:rPr lang="el-GR" dirty="0"/>
-              <a:t>": “</a:t>
-            </a:r>
-            <a:r>
-              <a:rPr lang="en-US" dirty="0"/>
-              <a:t>Bob</a:t>
-            </a:r>
-            <a:r>
-              <a:rPr lang="el-GR" dirty="0"/>
-              <a:t>"</a:t>
-            </a:r>
-            <a:r>
-              <a:rPr lang="en-US" dirty="0"/>
-              <a:t> }</a:t>
-            </a:r>
-            <a:r>
-              <a:rPr lang="el-GR" dirty="0"/>
-              <a:t> </a:t>
-            </a:r>
-            <a:endParaRPr lang="en-US" dirty="0"/>
-          </a:p>
-          <a:p>
-            <a:r>
-              <a:rPr lang="el-GR" dirty="0"/>
-              <a:t>]</a:t>
-            </a:r>
-          </a:p>
-        </p:txBody>
-      </p:sp>
-      <p:sp>
-        <p:nvSpPr>
-          <p:cNvPr id="8" name="TextBox 7">
-            <a:extLst>
-              <a:ext uri="{FF2B5EF4-FFF2-40B4-BE49-F238E27FC236}">
-                <a16:creationId xmlns:a16="http://schemas.microsoft.com/office/drawing/2014/main" id="{9116F887-2AC3-E526-71A3-D081F4BA099A}"/>
-              </a:ext>
-            </a:extLst>
-          </p:cNvPr>
-          <p:cNvSpPr txBox="1"/>
-          <p:nvPr/>
-        </p:nvSpPr>
-        <p:spPr>
-          <a:xfrm>
-            <a:off x="5231904" y="1628800"/>
-            <a:ext cx="5760640" cy="2031325"/>
-          </a:xfrm>
-          <a:prstGeom prst="rect">
-            <a:avLst/>
-          </a:prstGeom>
-          <a:noFill/>
-        </p:spPr>
-        <p:txBody>
-          <a:bodyPr wrap="square">
-            <a:spAutoFit/>
-          </a:bodyPr>
-          <a:lstStyle/>
-          <a:p>
-            <a:r>
-              <a:rPr lang="en-US" b="1" dirty="0">
-                <a:solidFill>
-                  <a:schemeClr val="accent1">
-                    <a:lumMod val="75000"/>
-                  </a:schemeClr>
-                </a:solidFill>
-              </a:rPr>
-              <a:t>Query 1</a:t>
-            </a:r>
-          </a:p>
-          <a:p>
-            <a:r>
-              <a:rPr lang="en-US" dirty="0" err="1"/>
-              <a:t>db.collection.find</a:t>
-            </a:r>
-            <a:r>
-              <a:rPr lang="en-US" dirty="0"/>
-              <a:t>({  "key": 1})</a:t>
-            </a:r>
-          </a:p>
-          <a:p>
-            <a:r>
-              <a:rPr lang="en-US" b="1" dirty="0">
-                <a:solidFill>
-                  <a:schemeClr val="accent1">
-                    <a:lumMod val="75000"/>
-                  </a:schemeClr>
-                </a:solidFill>
-              </a:rPr>
-              <a:t>Result 1</a:t>
-            </a:r>
-          </a:p>
-          <a:p>
-            <a:r>
-              <a:rPr lang="en-US" dirty="0"/>
-              <a:t>[{   </a:t>
-            </a:r>
-          </a:p>
-          <a:p>
-            <a:r>
-              <a:rPr lang="en-US" dirty="0"/>
-              <a:t>       "_id": </a:t>
-            </a:r>
-            <a:r>
-              <a:rPr lang="en-US" dirty="0" err="1"/>
-              <a:t>ObjectId</a:t>
-            </a:r>
-            <a:r>
-              <a:rPr lang="en-US" dirty="0"/>
-              <a:t>("5a934e000102030405000000"),  </a:t>
-            </a:r>
-          </a:p>
-          <a:p>
-            <a:r>
-              <a:rPr lang="en-US" dirty="0"/>
-              <a:t>       "key": 1,   </a:t>
-            </a:r>
-          </a:p>
-          <a:p>
-            <a:r>
-              <a:rPr lang="en-US" dirty="0"/>
-              <a:t>       "user": "Alice"  }]</a:t>
-            </a:r>
-            <a:endParaRPr lang="el-GR" dirty="0"/>
-          </a:p>
-        </p:txBody>
-      </p:sp>
-      <p:sp>
-        <p:nvSpPr>
-          <p:cNvPr id="11" name="TextBox 10">
-            <a:extLst>
-              <a:ext uri="{FF2B5EF4-FFF2-40B4-BE49-F238E27FC236}">
-                <a16:creationId xmlns:a16="http://schemas.microsoft.com/office/drawing/2014/main" id="{B072316C-6852-E15B-E9CE-6415D203A42E}"/>
-              </a:ext>
-            </a:extLst>
-          </p:cNvPr>
-          <p:cNvSpPr txBox="1"/>
-          <p:nvPr/>
-        </p:nvSpPr>
-        <p:spPr>
-          <a:xfrm>
-            <a:off x="263352" y="4149080"/>
-            <a:ext cx="4968552" cy="1200329"/>
-          </a:xfrm>
-          <a:prstGeom prst="rect">
-            <a:avLst/>
-          </a:prstGeom>
-          <a:noFill/>
-        </p:spPr>
-        <p:txBody>
-          <a:bodyPr wrap="square">
-            <a:spAutoFit/>
-          </a:bodyPr>
-          <a:lstStyle/>
-          <a:p>
-            <a:r>
-              <a:rPr lang="en-US" b="1" dirty="0">
-                <a:solidFill>
-                  <a:schemeClr val="accent1">
-                    <a:lumMod val="75000"/>
-                  </a:schemeClr>
-                </a:solidFill>
-              </a:rPr>
-              <a:t>Query 2</a:t>
-            </a:r>
-          </a:p>
-          <a:p>
-            <a:r>
-              <a:rPr lang="en-US" dirty="0" err="1"/>
-              <a:t>db.collection.find</a:t>
-            </a:r>
-            <a:r>
-              <a:rPr lang="en-US" dirty="0"/>
-              <a:t>({  </a:t>
-            </a:r>
-          </a:p>
-          <a:p>
-            <a:r>
-              <a:rPr lang="en-US" dirty="0"/>
-              <a:t>   $or:  [    {  "key": 1    },    {      "user": "John"    }  ]</a:t>
-            </a:r>
-          </a:p>
-          <a:p>
-            <a:r>
-              <a:rPr lang="en-US" dirty="0"/>
-              <a:t>})</a:t>
-            </a:r>
-          </a:p>
-        </p:txBody>
-      </p:sp>
-      <p:sp>
-        <p:nvSpPr>
-          <p:cNvPr id="14" name="TextBox 13">
-            <a:extLst>
-              <a:ext uri="{FF2B5EF4-FFF2-40B4-BE49-F238E27FC236}">
-                <a16:creationId xmlns:a16="http://schemas.microsoft.com/office/drawing/2014/main" id="{7356041B-1F5B-A85A-2EB9-DEA32B05C492}"/>
-              </a:ext>
-            </a:extLst>
-          </p:cNvPr>
-          <p:cNvSpPr txBox="1"/>
-          <p:nvPr/>
-        </p:nvSpPr>
-        <p:spPr>
-          <a:xfrm>
-            <a:off x="5303912" y="4149080"/>
-            <a:ext cx="6528048" cy="2585323"/>
-          </a:xfrm>
-          <a:prstGeom prst="rect">
-            <a:avLst/>
-          </a:prstGeom>
-          <a:noFill/>
-        </p:spPr>
-        <p:txBody>
-          <a:bodyPr wrap="square">
-            <a:spAutoFit/>
-          </a:bodyPr>
-          <a:lstStyle/>
-          <a:p>
-            <a:r>
-              <a:rPr lang="en-US" b="1" dirty="0">
-                <a:solidFill>
-                  <a:schemeClr val="accent1">
-                    <a:lumMod val="75000"/>
-                  </a:schemeClr>
-                </a:solidFill>
-              </a:rPr>
-              <a:t>Result 2</a:t>
-            </a:r>
-          </a:p>
-          <a:p>
-            <a:r>
-              <a:rPr lang="en-US" dirty="0"/>
-              <a:t>[  </a:t>
-            </a:r>
-          </a:p>
-          <a:p>
-            <a:r>
-              <a:rPr lang="en-US" dirty="0"/>
-              <a:t>   { "_id": </a:t>
-            </a:r>
-            <a:r>
-              <a:rPr lang="en-US" dirty="0" err="1"/>
-              <a:t>ObjectId</a:t>
-            </a:r>
-            <a:r>
-              <a:rPr lang="en-US" dirty="0"/>
-              <a:t>("5a934e000102030405000000"), </a:t>
-            </a:r>
-          </a:p>
-          <a:p>
-            <a:r>
-              <a:rPr lang="en-US" dirty="0"/>
-              <a:t>     "key": 1,    </a:t>
-            </a:r>
-          </a:p>
-          <a:p>
-            <a:r>
-              <a:rPr lang="en-US" dirty="0"/>
-              <a:t>     "user": "Alice"  }, </a:t>
-            </a:r>
-          </a:p>
-          <a:p>
-            <a:r>
-              <a:rPr lang="en-US" dirty="0"/>
-              <a:t>   {    "_id": </a:t>
-            </a:r>
-            <a:r>
-              <a:rPr lang="en-US" dirty="0" err="1"/>
-              <a:t>ObjectId</a:t>
-            </a:r>
-            <a:r>
-              <a:rPr lang="en-US" dirty="0"/>
-              <a:t>("5a934e000102030405000001"), </a:t>
-            </a:r>
-          </a:p>
-          <a:p>
-            <a:r>
-              <a:rPr lang="en-US" dirty="0"/>
-              <a:t>        "key": 2,    </a:t>
-            </a:r>
-          </a:p>
-          <a:p>
-            <a:r>
-              <a:rPr lang="en-US" dirty="0"/>
-              <a:t>        "user": "John"  }</a:t>
-            </a:r>
-          </a:p>
-          <a:p>
-            <a:r>
-              <a:rPr lang="en-US" dirty="0"/>
-              <a:t>]</a:t>
-            </a:r>
-            <a:endParaRPr lang="el-GR" dirty="0"/>
-          </a:p>
-        </p:txBody>
-      </p:sp>
-    </p:spTree>
-    <p:extLst>
-      <p:ext uri="{BB962C8B-B14F-4D97-AF65-F5344CB8AC3E}">
-        <p14:creationId xmlns:p14="http://schemas.microsoft.com/office/powerpoint/2010/main" val="3724619272"/>
-      </p:ext>
-    </p:extLst>
-  </p:cSld>
-  <p:clrMapOvr>
-    <a:masterClrMapping/>
-  </p:clrMapOvr>
-</p:sld>
-</file>
-
-<file path=ppt/slides/slide9.xml><?xml version="1.0" encoding="utf-8"?>
-<p:sld xmlns:a="http://schemas.openxmlformats.org/drawingml/2006/main" xmlns:r="http://schemas.openxmlformats.org/officeDocument/2006/relationships" xmlns:p="http://schemas.openxmlformats.org/presentationml/2006/main">
-  <p:cSld>
-    <p:spTree>
-      <p:nvGrpSpPr>
-        <p:cNvPr id="1" name=""/>
-        <p:cNvGrpSpPr/>
-        <p:nvPr/>
-      </p:nvGrpSpPr>
-      <p:grpSpPr>
-        <a:xfrm>
-          <a:off x="0" y="0"/>
-          <a:ext cx="0" cy="0"/>
-          <a:chOff x="0" y="0"/>
-          <a:chExt cx="0" cy="0"/>
-        </a:xfrm>
-      </p:grpSpPr>
-      <p:sp>
-        <p:nvSpPr>
-          <p:cNvPr id="13" name="Title 12"/>
-          <p:cNvSpPr>
-            <a:spLocks noGrp="1"/>
-          </p:cNvSpPr>
-          <p:nvPr>
-            <p:ph type="title"/>
-          </p:nvPr>
-        </p:nvSpPr>
-        <p:spPr/>
-        <p:txBody>
-          <a:bodyPr/>
-          <a:lstStyle/>
-          <a:p>
-            <a:r>
-              <a:rPr lang="en-US" dirty="0"/>
-              <a:t>Differences between relational DBs</a:t>
-            </a:r>
-            <a:endParaRPr dirty="0"/>
-          </a:p>
-        </p:txBody>
-      </p:sp>
-      <p:sp>
-        <p:nvSpPr>
-          <p:cNvPr id="14" name="Content Placeholder 13"/>
-          <p:cNvSpPr>
-            <a:spLocks noGrp="1"/>
-          </p:cNvSpPr>
-          <p:nvPr>
-            <p:ph idx="1"/>
-          </p:nvPr>
-        </p:nvSpPr>
-        <p:spPr/>
-        <p:txBody>
-          <a:bodyPr>
-            <a:normAutofit lnSpcReduction="10000"/>
-          </a:bodyPr>
-          <a:lstStyle/>
-          <a:p>
-            <a:pPr algn="just"/>
-            <a:r>
-              <a:rPr lang="en-US" dirty="0"/>
-              <a:t>Documents map to the objects in code, so they are much more natural to work with. There is no need to decompose data across tables, run expensive joins, or integrate a separate Object Relational Mapping (ORM) layer. Data that is accessed together is stored together, so developers have less code to write and end users get higher performance.</a:t>
-            </a:r>
-          </a:p>
-          <a:p>
-            <a:pPr algn="just"/>
-            <a:r>
-              <a:rPr lang="en-US" dirty="0"/>
-              <a:t>The ubiquity of JSON documents</a:t>
-            </a:r>
-          </a:p>
-          <a:p>
-            <a:pPr marL="365760" lvl="1" indent="0" algn="just">
-              <a:buNone/>
-            </a:pPr>
-            <a:r>
-              <a:rPr lang="en-US" dirty="0"/>
-              <a:t>JSON documents are lightweight, language-independent, and human-readable. Documents are a superset of all other data models so developers can structure data in the way their applications need — rich objects, key-value pairs, tables, geospatial and time-series data, or the nodes and edges of a graph.</a:t>
-            </a:r>
-          </a:p>
-          <a:p>
-            <a:pPr marL="266700" lvl="1" indent="-266700" algn="just">
-              <a:spcBef>
-                <a:spcPts val="1800"/>
-              </a:spcBef>
-            </a:pPr>
-            <a:r>
-              <a:rPr lang="en-US" sz="2000" dirty="0"/>
-              <a:t>A document’s schema is dynamic and self-describing, so developers don’t need to first pre-define it in the database. Fields can vary from document to document. Developers can modify the structure at any time, avoiding disruptive schema migrations.</a:t>
-            </a:r>
-          </a:p>
-          <a:p>
-            <a:pPr marL="365760" lvl="1" indent="0">
-              <a:buNone/>
-            </a:pPr>
-            <a:endParaRPr lang="en-US" dirty="0"/>
-          </a:p>
-          <a:p>
-            <a:pPr marL="365760" lvl="1" indent="0">
-              <a:buNone/>
-            </a:pPr>
-            <a:endParaRPr lang="en-US" dirty="0"/>
-          </a:p>
-          <a:p>
-            <a:pPr marL="365760" lvl="1" indent="0">
-              <a:buNone/>
-            </a:pPr>
-            <a:endParaRPr lang="en-US" dirty="0"/>
-          </a:p>
-          <a:p>
-            <a:pPr marL="365760" lvl="1" indent="0">
-              <a:buNone/>
-            </a:pPr>
-            <a:endParaRPr lang="en-US" dirty="0"/>
-          </a:p>
-          <a:p>
-            <a:pPr marL="685800" lvl="2" indent="0">
-              <a:buNone/>
-            </a:pPr>
-            <a:endParaRPr lang="en-US" dirty="0"/>
-          </a:p>
-          <a:p>
-            <a:endParaRPr lang="en-150" dirty="0"/>
-          </a:p>
-        </p:txBody>
-      </p:sp>
-    </p:spTree>
-    <p:extLst>
-      <p:ext uri="{BB962C8B-B14F-4D97-AF65-F5344CB8AC3E}">
-        <p14:creationId xmlns:p14="http://schemas.microsoft.com/office/powerpoint/2010/main" val="996117117"/>
       </p:ext>
     </p:extLst>
   </p:cSld>

--- a/NOSQL - document stores.pptx
+++ b/NOSQL - document stores.pptx
@@ -5,10 +5,10 @@
     <p:sldMasterId id="2147483648" r:id="rId1"/>
   </p:sldMasterIdLst>
   <p:notesMasterIdLst>
-    <p:notesMasterId r:id="rId17"/>
+    <p:notesMasterId r:id="rId18"/>
   </p:notesMasterIdLst>
   <p:handoutMasterIdLst>
-    <p:handoutMasterId r:id="rId18"/>
+    <p:handoutMasterId r:id="rId19"/>
   </p:handoutMasterIdLst>
   <p:sldIdLst>
     <p:sldId id="256" r:id="rId2"/>
@@ -23,9 +23,10 @@
     <p:sldId id="282" r:id="rId11"/>
     <p:sldId id="279" r:id="rId12"/>
     <p:sldId id="280" r:id="rId13"/>
-    <p:sldId id="273" r:id="rId14"/>
-    <p:sldId id="272" r:id="rId15"/>
-    <p:sldId id="281" r:id="rId16"/>
+    <p:sldId id="284" r:id="rId14"/>
+    <p:sldId id="273" r:id="rId15"/>
+    <p:sldId id="272" r:id="rId16"/>
+    <p:sldId id="281" r:id="rId17"/>
   </p:sldIdLst>
   <p:sldSz cx="12192000" cy="6858000"/>
   <p:notesSz cx="6858000" cy="9144000"/>
@@ -6573,7 +6574,12 @@
             <p:ph type="title"/>
           </p:nvPr>
         </p:nvSpPr>
-        <p:spPr/>
+        <p:spPr>
+          <a:xfrm>
+            <a:off x="695400" y="457200"/>
+            <a:ext cx="9144000" cy="1143000"/>
+          </a:xfrm>
+        </p:spPr>
         <p:txBody>
           <a:bodyPr/>
           <a:lstStyle/>
@@ -6847,6 +6853,55 @@
       </p:grpSpPr>
       <p:sp>
         <p:nvSpPr>
+          <p:cNvPr id="6" name="Rectangle 5">
+            <a:extLst>
+              <a:ext uri="{FF2B5EF4-FFF2-40B4-BE49-F238E27FC236}">
+                <a16:creationId xmlns:a16="http://schemas.microsoft.com/office/drawing/2014/main" id="{0DA8015F-C73B-2C06-204E-A90C401E542D}"/>
+              </a:ext>
+            </a:extLst>
+          </p:cNvPr>
+          <p:cNvSpPr/>
+          <p:nvPr/>
+        </p:nvSpPr>
+        <p:spPr>
+          <a:xfrm>
+            <a:off x="767408" y="1700808"/>
+            <a:ext cx="10585176" cy="4699992"/>
+          </a:xfrm>
+          <a:prstGeom prst="rect">
+            <a:avLst/>
+          </a:prstGeom>
+          <a:solidFill>
+            <a:schemeClr val="tx1"/>
+          </a:solidFill>
+        </p:spPr>
+        <p:style>
+          <a:lnRef idx="2">
+            <a:schemeClr val="accent1">
+              <a:shade val="50000"/>
+            </a:schemeClr>
+          </a:lnRef>
+          <a:fillRef idx="1">
+            <a:schemeClr val="accent1"/>
+          </a:fillRef>
+          <a:effectRef idx="0">
+            <a:schemeClr val="accent1"/>
+          </a:effectRef>
+          <a:fontRef idx="minor">
+            <a:schemeClr val="lt1"/>
+          </a:fontRef>
+        </p:style>
+        <p:txBody>
+          <a:bodyPr rtlCol="0" anchor="ctr"/>
+          <a:lstStyle/>
+          <a:p>
+            <a:pPr algn="ctr"/>
+            <a:endParaRPr lang="en-150"/>
+          </a:p>
+        </p:txBody>
+      </p:sp>
+      <p:sp>
+        <p:nvSpPr>
           <p:cNvPr id="13" name="Title 12"/>
           <p:cNvSpPr>
             <a:spLocks noGrp="1"/>
@@ -6855,14 +6910,19 @@
             <p:ph type="title"/>
           </p:nvPr>
         </p:nvSpPr>
-        <p:spPr/>
+        <p:spPr>
+          <a:xfrm>
+            <a:off x="781766" y="493812"/>
+            <a:ext cx="9144000" cy="1143000"/>
+          </a:xfrm>
+        </p:spPr>
         <p:txBody>
           <a:bodyPr/>
           <a:lstStyle/>
           <a:p>
             <a:r>
               <a:rPr lang="en-US" dirty="0"/>
-              <a:t>REFERENCES</a:t>
+              <a:t>A use case example in automotive</a:t>
             </a:r>
             <a:endParaRPr dirty="0"/>
           </a:p>
@@ -6883,65 +6943,80 @@
           <a:bodyPr/>
           <a:lstStyle/>
           <a:p>
-            <a:r>
-              <a:rPr lang="en-US" dirty="0"/>
-              <a:t>Link: </a:t>
-            </a:r>
-            <a:r>
-              <a:rPr lang="en-US" dirty="0">
-                <a:hlinkClick r:id="rId2"/>
-              </a:rPr>
-              <a:t>https://www.mongodb.com/document-databases</a:t>
-            </a:r>
-            <a:r>
-              <a:rPr lang="en-US" dirty="0"/>
-              <a:t> </a:t>
-            </a:r>
-            <a:endParaRPr dirty="0"/>
-          </a:p>
-          <a:p>
-            <a:r>
-              <a:rPr lang="en-US" dirty="0"/>
-              <a:t>Link: </a:t>
-            </a:r>
-            <a:r>
-              <a:rPr lang="en-US" dirty="0">
-                <a:hlinkClick r:id="rId3"/>
-              </a:rPr>
-              <a:t>https://database.guide/what-is-a-document-store-database/</a:t>
-            </a:r>
+            <a:pPr marL="365760" lvl="1" indent="0">
+              <a:buNone/>
+            </a:pPr>
             <a:endParaRPr lang="en-US" dirty="0"/>
           </a:p>
           <a:p>
-            <a:r>
-              <a:rPr lang="en-US" dirty="0"/>
-              <a:t>Link: </a:t>
-            </a:r>
-            <a:r>
-              <a:rPr lang="en-US" dirty="0">
-                <a:hlinkClick r:id="rId4"/>
-              </a:rPr>
-              <a:t>https://phoenixnap.com/kb/document-database</a:t>
-            </a:r>
-            <a:r>
-              <a:rPr lang="en-US" dirty="0"/>
-              <a:t>  </a:t>
-            </a:r>
-            <a:endParaRPr dirty="0"/>
-          </a:p>
-          <a:p>
-            <a:r>
-              <a:rPr lang="en-US" dirty="0"/>
-              <a:t>Lectures from lesson “Technologies for Big Data Analytics”</a:t>
-            </a:r>
-            <a:endParaRPr dirty="0"/>
-          </a:p>
-        </p:txBody>
-      </p:sp>
+            <a:pPr marL="365760" lvl="1" indent="0">
+              <a:buNone/>
+            </a:pPr>
+            <a:endParaRPr lang="en-US" dirty="0"/>
+          </a:p>
+          <a:p>
+            <a:pPr marL="365760" lvl="1" indent="0">
+              <a:buNone/>
+            </a:pPr>
+            <a:endParaRPr lang="en-US" dirty="0"/>
+          </a:p>
+          <a:p>
+            <a:pPr marL="365760" lvl="1" indent="0">
+              <a:buNone/>
+            </a:pPr>
+            <a:endParaRPr lang="en-US" dirty="0"/>
+          </a:p>
+          <a:p>
+            <a:pPr marL="685800" lvl="2" indent="0">
+              <a:buNone/>
+            </a:pPr>
+            <a:endParaRPr lang="en-US" dirty="0"/>
+          </a:p>
+          <a:p>
+            <a:endParaRPr lang="en-150" dirty="0"/>
+          </a:p>
+        </p:txBody>
+      </p:sp>
+      <p:pic>
+        <p:nvPicPr>
+          <p:cNvPr id="3" name="Picture 2" descr="Diagram">
+            <a:extLst>
+              <a:ext uri="{FF2B5EF4-FFF2-40B4-BE49-F238E27FC236}">
+                <a16:creationId xmlns:a16="http://schemas.microsoft.com/office/drawing/2014/main" id="{9481C47B-2ECC-4DD1-0598-995BE9B5A0EC}"/>
+              </a:ext>
+            </a:extLst>
+          </p:cNvPr>
+          <p:cNvPicPr>
+            <a:picLocks noChangeAspect="1"/>
+          </p:cNvPicPr>
+          <p:nvPr/>
+        </p:nvPicPr>
+        <p:blipFill>
+          <a:blip r:embed="rId2">
+            <a:extLst>
+              <a:ext uri="{28A0092B-C50C-407E-A947-70E740481C1C}">
+                <a14:useLocalDpi xmlns:a14="http://schemas.microsoft.com/office/drawing/2010/main" val="0"/>
+              </a:ext>
+            </a:extLst>
+          </a:blip>
+          <a:stretch>
+            <a:fillRect/>
+          </a:stretch>
+        </p:blipFill>
+        <p:spPr>
+          <a:xfrm>
+            <a:off x="767408" y="1700808"/>
+            <a:ext cx="10585176" cy="4699992"/>
+          </a:xfrm>
+          <a:prstGeom prst="rect">
+            <a:avLst/>
+          </a:prstGeom>
+        </p:spPr>
+      </p:pic>
     </p:spTree>
     <p:extLst>
       <p:ext uri="{BB962C8B-B14F-4D97-AF65-F5344CB8AC3E}">
-        <p14:creationId xmlns:p14="http://schemas.microsoft.com/office/powerpoint/2010/main" val="2902951903"/>
+        <p14:creationId xmlns:p14="http://schemas.microsoft.com/office/powerpoint/2010/main" val="124908298"/>
       </p:ext>
     </p:extLst>
   </p:cSld>
@@ -6970,6 +7045,146 @@
       </p:grpSpPr>
       <p:sp>
         <p:nvSpPr>
+          <p:cNvPr id="13" name="Title 12"/>
+          <p:cNvSpPr>
+            <a:spLocks noGrp="1"/>
+          </p:cNvSpPr>
+          <p:nvPr>
+            <p:ph type="title"/>
+          </p:nvPr>
+        </p:nvSpPr>
+        <p:spPr/>
+        <p:txBody>
+          <a:bodyPr/>
+          <a:lstStyle/>
+          <a:p>
+            <a:r>
+              <a:rPr lang="en-US" dirty="0"/>
+              <a:t>REFERENCES</a:t>
+            </a:r>
+            <a:endParaRPr dirty="0"/>
+          </a:p>
+        </p:txBody>
+      </p:sp>
+      <p:sp>
+        <p:nvSpPr>
+          <p:cNvPr id="14" name="Content Placeholder 13"/>
+          <p:cNvSpPr>
+            <a:spLocks noGrp="1"/>
+          </p:cNvSpPr>
+          <p:nvPr>
+            <p:ph idx="1"/>
+          </p:nvPr>
+        </p:nvSpPr>
+        <p:spPr/>
+        <p:txBody>
+          <a:bodyPr/>
+          <a:lstStyle/>
+          <a:p>
+            <a:r>
+              <a:rPr lang="en-US" dirty="0"/>
+              <a:t>Link: </a:t>
+            </a:r>
+            <a:r>
+              <a:rPr lang="en-US" dirty="0">
+                <a:hlinkClick r:id="rId2"/>
+              </a:rPr>
+              <a:t>https://www.mongodb.com/document-databases</a:t>
+            </a:r>
+            <a:r>
+              <a:rPr lang="en-US" dirty="0"/>
+              <a:t> </a:t>
+            </a:r>
+            <a:endParaRPr dirty="0"/>
+          </a:p>
+          <a:p>
+            <a:r>
+              <a:rPr lang="en-US" dirty="0"/>
+              <a:t>Link: </a:t>
+            </a:r>
+            <a:r>
+              <a:rPr lang="en-US" dirty="0">
+                <a:hlinkClick r:id="rId3"/>
+              </a:rPr>
+              <a:t>https://database.guide/what-is-a-document-store-database/</a:t>
+            </a:r>
+            <a:endParaRPr lang="en-US" dirty="0"/>
+          </a:p>
+          <a:p>
+            <a:r>
+              <a:rPr lang="en-US" dirty="0"/>
+              <a:t>Link: </a:t>
+            </a:r>
+            <a:r>
+              <a:rPr lang="en-US" dirty="0">
+                <a:hlinkClick r:id="rId4"/>
+              </a:rPr>
+              <a:t>https://phoenixnap.com/kb/document-database</a:t>
+            </a:r>
+            <a:r>
+              <a:rPr lang="en-US" dirty="0"/>
+              <a:t>  </a:t>
+            </a:r>
+            <a:endParaRPr lang="el-GR" dirty="0"/>
+          </a:p>
+          <a:p>
+            <a:r>
+              <a:rPr lang="en-US"/>
+              <a:t>Link: </a:t>
+            </a:r>
+            <a:r>
+              <a:rPr lang="en-US">
+                <a:hlinkClick r:id="rId5"/>
+              </a:rPr>
+              <a:t>https://www.youtube.com/watch?v=8DmKum_Uhcg</a:t>
+            </a:r>
+            <a:r>
+              <a:rPr lang="en-US"/>
+              <a:t> </a:t>
+            </a:r>
+            <a:endParaRPr dirty="0"/>
+          </a:p>
+          <a:p>
+            <a:r>
+              <a:rPr lang="en-US" dirty="0"/>
+              <a:t>Lectures from lesson “Technologies for Big Data Analytics”</a:t>
+            </a:r>
+            <a:endParaRPr dirty="0"/>
+          </a:p>
+        </p:txBody>
+      </p:sp>
+    </p:spTree>
+    <p:extLst>
+      <p:ext uri="{BB962C8B-B14F-4D97-AF65-F5344CB8AC3E}">
+        <p14:creationId xmlns:p14="http://schemas.microsoft.com/office/powerpoint/2010/main" val="2902951903"/>
+      </p:ext>
+    </p:extLst>
+  </p:cSld>
+  <p:clrMapOvr>
+    <a:masterClrMapping/>
+  </p:clrMapOvr>
+</p:sld>
+</file>
+
+<file path=ppt/slides/slide15.xml><?xml version="1.0" encoding="utf-8"?>
+<p:sld xmlns:a="http://schemas.openxmlformats.org/drawingml/2006/main" xmlns:r="http://schemas.openxmlformats.org/officeDocument/2006/relationships" xmlns:p="http://schemas.openxmlformats.org/presentationml/2006/main">
+  <p:cSld>
+    <p:spTree>
+      <p:nvGrpSpPr>
+        <p:cNvPr id="1" name=""/>
+        <p:cNvGrpSpPr/>
+        <p:nvPr/>
+      </p:nvGrpSpPr>
+      <p:grpSpPr>
+        <a:xfrm>
+          <a:off x="0" y="0"/>
+          <a:ext cx="0" cy="0"/>
+          <a:chOff x="0" y="0"/>
+          <a:chExt cx="0" cy="0"/>
+        </a:xfrm>
+      </p:grpSpPr>
+      <p:sp>
+        <p:nvSpPr>
           <p:cNvPr id="2" name="Title 1"/>
           <p:cNvSpPr>
             <a:spLocks noGrp="1"/>
@@ -7012,7 +7227,7 @@
 </p:sld>
 </file>
 
-<file path=ppt/slides/slide15.xml><?xml version="1.0" encoding="utf-8"?>
+<file path=ppt/slides/slide16.xml><?xml version="1.0" encoding="utf-8"?>
 <p:sld xmlns:a="http://schemas.openxmlformats.org/drawingml/2006/main" xmlns:r="http://schemas.openxmlformats.org/officeDocument/2006/relationships" xmlns:p="http://schemas.openxmlformats.org/presentationml/2006/main">
   <p:cSld>
     <p:spTree>
@@ -7421,7 +7636,12 @@
             <p:ph type="title"/>
           </p:nvPr>
         </p:nvSpPr>
-        <p:spPr/>
+        <p:spPr>
+          <a:xfrm>
+            <a:off x="766593" y="435983"/>
+            <a:ext cx="9144000" cy="1143000"/>
+          </a:xfrm>
+        </p:spPr>
         <p:txBody>
           <a:bodyPr/>
           <a:lstStyle/>
@@ -9139,7 +9359,12 @@
             <p:ph type="title"/>
           </p:nvPr>
         </p:nvSpPr>
-        <p:spPr/>
+        <p:spPr>
+          <a:xfrm>
+            <a:off x="745495" y="476672"/>
+            <a:ext cx="9144000" cy="1143000"/>
+          </a:xfrm>
+        </p:spPr>
         <p:txBody>
           <a:bodyPr/>
           <a:lstStyle/>
